--- a/Presentaties/Iteration2.pptx
+++ b/Presentaties/Iteration2.pptx
@@ -1,44 +1,49 @@
 
 <file path=ppt/presentation.xml><?xml version="1.0" encoding="utf-8"?>
-<p:presentation xmlns:a="http://schemas.openxmlformats.org/drawingml/2006/main" xmlns:r="http://schemas.openxmlformats.org/officeDocument/2006/relationships" xmlns:p="http://schemas.openxmlformats.org/presentationml/2006/main" saveSubsetFonts="1">
+<p:presentation xmlns:a="http://schemas.openxmlformats.org/drawingml/2006/main" xmlns:r="http://schemas.openxmlformats.org/officeDocument/2006/relationships" xmlns:p="http://schemas.openxmlformats.org/presentationml/2006/main">
   <p:sldMasterIdLst>
-    <p:sldMasterId id="2147483696" r:id="rId1"/>
+    <p:sldMasterId id="2147483648" r:id="rId1"/>
   </p:sldMasterIdLst>
+  <p:notesMasterIdLst>
+    <p:notesMasterId r:id="rId6"/>
+  </p:notesMasterIdLst>
   <p:sldIdLst>
-    <p:sldId id="256" r:id="rId2"/>
-    <p:sldId id="257" r:id="rId3"/>
-    <p:sldId id="259" r:id="rId4"/>
-    <p:sldId id="260" r:id="rId5"/>
-    <p:sldId id="261" r:id="rId6"/>
-    <p:sldId id="262" r:id="rId7"/>
-    <p:sldId id="263" r:id="rId8"/>
-    <p:sldId id="264" r:id="rId9"/>
-    <p:sldId id="267" r:id="rId10"/>
-    <p:sldId id="268" r:id="rId11"/>
-    <p:sldId id="266" r:id="rId12"/>
-    <p:sldId id="258" r:id="rId13"/>
-    <p:sldId id="265" r:id="rId14"/>
-    <p:sldId id="269" r:id="rId15"/>
-    <p:sldId id="286" r:id="rId16"/>
-    <p:sldId id="287" r:id="rId17"/>
-    <p:sldId id="288" r:id="rId18"/>
-    <p:sldId id="289" r:id="rId19"/>
-    <p:sldId id="270" r:id="rId20"/>
-    <p:sldId id="271" r:id="rId21"/>
-    <p:sldId id="272" r:id="rId22"/>
-    <p:sldId id="273" r:id="rId23"/>
-    <p:sldId id="274" r:id="rId24"/>
-    <p:sldId id="275" r:id="rId25"/>
-    <p:sldId id="276" r:id="rId26"/>
-    <p:sldId id="277" r:id="rId27"/>
-    <p:sldId id="281" r:id="rId28"/>
-    <p:sldId id="278" r:id="rId29"/>
-    <p:sldId id="279" r:id="rId30"/>
-    <p:sldId id="280" r:id="rId31"/>
-    <p:sldId id="282" r:id="rId32"/>
-    <p:sldId id="283" r:id="rId33"/>
-    <p:sldId id="284" r:id="rId34"/>
-    <p:sldId id="285" r:id="rId35"/>
+    <p:sldId id="256" r:id="rId3"/>
+    <p:sldId id="257" r:id="rId4"/>
+    <p:sldId id="306" r:id="rId5"/>
+    <p:sldId id="259" r:id="rId7"/>
+    <p:sldId id="260" r:id="rId8"/>
+    <p:sldId id="307" r:id="rId9"/>
+    <p:sldId id="309" r:id="rId10"/>
+    <p:sldId id="319" r:id="rId11"/>
+    <p:sldId id="310" r:id="rId12"/>
+    <p:sldId id="320" r:id="rId13"/>
+    <p:sldId id="308" r:id="rId14"/>
+    <p:sldId id="311" r:id="rId15"/>
+    <p:sldId id="313" r:id="rId16"/>
+    <p:sldId id="314" r:id="rId17"/>
+    <p:sldId id="268" r:id="rId18"/>
+    <p:sldId id="266" r:id="rId19"/>
+    <p:sldId id="265" r:id="rId20"/>
+    <p:sldId id="269" r:id="rId21"/>
+    <p:sldId id="286" r:id="rId22"/>
+    <p:sldId id="287" r:id="rId23"/>
+    <p:sldId id="288" r:id="rId24"/>
+    <p:sldId id="289" r:id="rId25"/>
+    <p:sldId id="270" r:id="rId26"/>
+    <p:sldId id="271" r:id="rId27"/>
+    <p:sldId id="272" r:id="rId28"/>
+    <p:sldId id="316" r:id="rId29"/>
+    <p:sldId id="275" r:id="rId30"/>
+    <p:sldId id="315" r:id="rId31"/>
+    <p:sldId id="277" r:id="rId32"/>
+    <p:sldId id="281" r:id="rId33"/>
+    <p:sldId id="279" r:id="rId34"/>
+    <p:sldId id="280" r:id="rId35"/>
+    <p:sldId id="282" r:id="rId36"/>
+    <p:sldId id="283" r:id="rId37"/>
+    <p:sldId id="284" r:id="rId38"/>
+    <p:sldId id="285" r:id="rId39"/>
   </p:sldIdLst>
   <p:sldSz cx="12192000" cy="6858000"/>
   <p:notesSz cx="6858000" cy="9144000"/>
@@ -144,16 +149,18 @@
           <p14:sldIdLst>
             <p14:sldId id="256"/>
             <p14:sldId id="257"/>
-            <p14:sldId id="259"/>
             <p14:sldId id="260"/>
-            <p14:sldId id="261"/>
-            <p14:sldId id="262"/>
-            <p14:sldId id="263"/>
-            <p14:sldId id="264"/>
-            <p14:sldId id="267"/>
+            <p14:sldId id="307"/>
+            <p14:sldId id="309"/>
+            <p14:sldId id="319"/>
+            <p14:sldId id="310"/>
+            <p14:sldId id="320"/>
+            <p14:sldId id="308"/>
+            <p14:sldId id="311"/>
+            <p14:sldId id="313"/>
+            <p14:sldId id="314"/>
             <p14:sldId id="268"/>
             <p14:sldId id="266"/>
-            <p14:sldId id="258"/>
             <p14:sldId id="265"/>
             <p14:sldId id="269"/>
             <p14:sldId id="286"/>
@@ -163,90 +170,420 @@
             <p14:sldId id="270"/>
             <p14:sldId id="271"/>
             <p14:sldId id="272"/>
-            <p14:sldId id="273"/>
-            <p14:sldId id="274"/>
+            <p14:sldId id="316"/>
             <p14:sldId id="275"/>
-            <p14:sldId id="276"/>
+            <p14:sldId id="315"/>
             <p14:sldId id="277"/>
             <p14:sldId id="281"/>
-            <p14:sldId id="278"/>
             <p14:sldId id="279"/>
             <p14:sldId id="280"/>
             <p14:sldId id="282"/>
             <p14:sldId id="283"/>
             <p14:sldId id="284"/>
             <p14:sldId id="285"/>
+            <p14:sldId id="259"/>
+            <p14:sldId id="306"/>
           </p14:sldIdLst>
         </p14:section>
       </p14:sectionLst>
-    </p:ext>
-    <p:ext uri="{EFAFB233-063F-42B5-8137-9DF3F51BA10A}">
-      <p15:sldGuideLst xmlns:p15="http://schemas.microsoft.com/office/powerpoint/2012/main"/>
     </p:ext>
   </p:extLst>
 </p:presentation>
 </file>
 
-<file path=ppt/ink/ink1.xml><?xml version="1.0" encoding="utf-8"?>
-<inkml:ink xmlns:inkml="http://www.w3.org/2003/InkML">
-  <inkml:definitions>
-    <inkml:context xml:id="ctx0">
-      <inkml:inkSource xml:id="inkSrc0">
-        <inkml:traceFormat>
-          <inkml:channel name="X" type="integer" min="-2.14748E9" max="2.14748E9" units="cm"/>
-          <inkml:channel name="Y" type="integer" min="-2.14748E9" max="2.14748E9" units="cm"/>
-        </inkml:traceFormat>
-        <inkml:channelProperties>
-          <inkml:channelProperty channel="X" name="resolution" value="1000" units="1/cm"/>
-          <inkml:channelProperty channel="Y" name="resolution" value="1000" units="1/cm"/>
-        </inkml:channelProperties>
-      </inkml:inkSource>
-      <inkml:timestamp xml:id="ts0" timeString="2019-03-18T14:43:29.104"/>
-    </inkml:context>
-    <inkml:brush xml:id="br0">
-      <inkml:brushProperty name="width" value="0.3" units="cm"/>
-      <inkml:brushProperty name="height" value="0.6" units="cm"/>
-      <inkml:brushProperty name="color" value="#FFFC00"/>
-      <inkml:brushProperty name="tip" value="rectangle"/>
-      <inkml:brushProperty name="rasterOp" value="maskPen"/>
-      <inkml:brushProperty name="ignorePressure" value="1"/>
-    </inkml:brush>
-  </inkml:definitions>
-  <inkml:trace contextRef="#ctx0" brushRef="#br0">0 30,'49'-2,"0"-2,25-7,-60 9,60-5,0 4,1 3,-1 2,50 1,1670-3,-1774 0</inkml:trace>
-</inkml:ink>
+<file path=ppt/notesMasters/notesMaster1.xml><?xml version="1.0" encoding="utf-8"?>
+<p:notesMaster xmlns:a="http://schemas.openxmlformats.org/drawingml/2006/main" xmlns:r="http://schemas.openxmlformats.org/officeDocument/2006/relationships" xmlns:p="http://schemas.openxmlformats.org/presentationml/2006/main">
+  <p:cSld>
+    <p:bg>
+      <p:bgRef idx="1001">
+        <a:schemeClr val="bg1"/>
+      </p:bgRef>
+    </p:bg>
+    <p:spTree>
+      <p:nvGrpSpPr>
+        <p:cNvPr id="1" name=""/>
+        <p:cNvGrpSpPr/>
+        <p:nvPr/>
+      </p:nvGrpSpPr>
+      <p:grpSpPr>
+        <a:xfrm>
+          <a:off x="0" y="0"/>
+          <a:ext cx="0" cy="0"/>
+          <a:chOff x="0" y="0"/>
+          <a:chExt cx="0" cy="0"/>
+        </a:xfrm>
+      </p:grpSpPr>
+      <p:sp>
+        <p:nvSpPr>
+          <p:cNvPr id="2" name="Header Placeholder 1"/>
+          <p:cNvSpPr>
+            <a:spLocks noGrp="1"/>
+          </p:cNvSpPr>
+          <p:nvPr>
+            <p:ph type="hdr" sz="quarter"/>
+          </p:nvPr>
+        </p:nvSpPr>
+        <p:spPr>
+          <a:xfrm>
+            <a:off x="0" y="0"/>
+            <a:ext cx="2971800" cy="458788"/>
+          </a:xfrm>
+          <a:prstGeom prst="rect">
+            <a:avLst/>
+          </a:prstGeom>
+        </p:spPr>
+        <p:txBody>
+          <a:bodyPr vert="horz" lIns="91440" tIns="45720" rIns="91440" bIns="45720" rtlCol="0"/>
+          <a:lstStyle>
+            <a:lvl1pPr algn="l">
+              <a:defRPr sz="1200"/>
+            </a:lvl1pPr>
+          </a:lstStyle>
+          <a:p>
+            <a:endParaRPr lang="en-US"/>
+          </a:p>
+        </p:txBody>
+      </p:sp>
+      <p:sp>
+        <p:nvSpPr>
+          <p:cNvPr id="3" name="Date Placeholder 2"/>
+          <p:cNvSpPr>
+            <a:spLocks noGrp="1"/>
+          </p:cNvSpPr>
+          <p:nvPr>
+            <p:ph type="dt" idx="1"/>
+          </p:nvPr>
+        </p:nvSpPr>
+        <p:spPr>
+          <a:xfrm>
+            <a:off x="3884613" y="0"/>
+            <a:ext cx="2971800" cy="458788"/>
+          </a:xfrm>
+          <a:prstGeom prst="rect">
+            <a:avLst/>
+          </a:prstGeom>
+        </p:spPr>
+        <p:txBody>
+          <a:bodyPr vert="horz" lIns="91440" tIns="45720" rIns="91440" bIns="45720" rtlCol="0"/>
+          <a:lstStyle>
+            <a:lvl1pPr algn="r">
+              <a:defRPr sz="1200"/>
+            </a:lvl1pPr>
+          </a:lstStyle>
+          <a:p>
+            <a:fld id="{3EFD42F7-718C-4B98-AAEC-167E6DDD60A7}" type="datetimeFigureOut">
+              <a:rPr lang="en-US" smtClean="0"/>
+            </a:fld>
+            <a:endParaRPr lang="en-US"/>
+          </a:p>
+        </p:txBody>
+      </p:sp>
+      <p:sp>
+        <p:nvSpPr>
+          <p:cNvPr id="4" name="Slide Image Placeholder 3"/>
+          <p:cNvSpPr>
+            <a:spLocks noGrp="1" noRot="1" noChangeAspect="1"/>
+          </p:cNvSpPr>
+          <p:nvPr>
+            <p:ph type="sldImg" idx="2"/>
+          </p:nvPr>
+        </p:nvSpPr>
+        <p:spPr>
+          <a:xfrm>
+            <a:off x="685800" y="1143000"/>
+            <a:ext cx="5486400" cy="3086100"/>
+          </a:xfrm>
+          <a:prstGeom prst="rect">
+            <a:avLst/>
+          </a:prstGeom>
+          <a:noFill/>
+          <a:ln w="12700">
+            <a:solidFill>
+              <a:prstClr val="black"/>
+            </a:solidFill>
+          </a:ln>
+        </p:spPr>
+        <p:txBody>
+          <a:bodyPr vert="horz" lIns="91440" tIns="45720" rIns="91440" bIns="45720" rtlCol="0" anchor="ctr"/>
+          <a:lstStyle/>
+          <a:p>
+            <a:endParaRPr lang="en-US"/>
+          </a:p>
+        </p:txBody>
+      </p:sp>
+      <p:sp>
+        <p:nvSpPr>
+          <p:cNvPr id="5" name="Notes Placeholder 4"/>
+          <p:cNvSpPr>
+            <a:spLocks noGrp="1"/>
+          </p:cNvSpPr>
+          <p:nvPr>
+            <p:ph type="body" sz="quarter" idx="3"/>
+          </p:nvPr>
+        </p:nvSpPr>
+        <p:spPr>
+          <a:xfrm>
+            <a:off x="685800" y="4400550"/>
+            <a:ext cx="5486400" cy="3600450"/>
+          </a:xfrm>
+          <a:prstGeom prst="rect">
+            <a:avLst/>
+          </a:prstGeom>
+        </p:spPr>
+        <p:txBody>
+          <a:bodyPr vert="horz" lIns="91440" tIns="45720" rIns="91440" bIns="45720" rtlCol="0"/>
+          <a:lstStyle/>
+          <a:p>
+            <a:pPr lvl="0"/>
+            <a:r>
+              <a:rPr lang="en-US" smtClean="0"/>
+              <a:t>Click to edit Master text styles</a:t>
+            </a:r>
+            <a:endParaRPr lang="en-US" smtClean="0"/>
+          </a:p>
+          <a:p>
+            <a:pPr lvl="1"/>
+            <a:r>
+              <a:rPr lang="en-US" smtClean="0"/>
+              <a:t>Second level</a:t>
+            </a:r>
+            <a:endParaRPr lang="en-US" smtClean="0"/>
+          </a:p>
+          <a:p>
+            <a:pPr lvl="2"/>
+            <a:r>
+              <a:rPr lang="en-US" smtClean="0"/>
+              <a:t>Third level</a:t>
+            </a:r>
+            <a:endParaRPr lang="en-US" smtClean="0"/>
+          </a:p>
+          <a:p>
+            <a:pPr lvl="3"/>
+            <a:r>
+              <a:rPr lang="en-US" smtClean="0"/>
+              <a:t>Fourth level</a:t>
+            </a:r>
+            <a:endParaRPr lang="en-US" smtClean="0"/>
+          </a:p>
+          <a:p>
+            <a:pPr lvl="4"/>
+            <a:r>
+              <a:rPr lang="en-US" smtClean="0"/>
+              <a:t>Fifth level</a:t>
+            </a:r>
+            <a:endParaRPr lang="en-US"/>
+          </a:p>
+        </p:txBody>
+      </p:sp>
+      <p:sp>
+        <p:nvSpPr>
+          <p:cNvPr id="6" name="Footer Placeholder 5"/>
+          <p:cNvSpPr>
+            <a:spLocks noGrp="1"/>
+          </p:cNvSpPr>
+          <p:nvPr>
+            <p:ph type="ftr" sz="quarter" idx="4"/>
+          </p:nvPr>
+        </p:nvSpPr>
+        <p:spPr>
+          <a:xfrm>
+            <a:off x="0" y="8685213"/>
+            <a:ext cx="2971800" cy="458787"/>
+          </a:xfrm>
+          <a:prstGeom prst="rect">
+            <a:avLst/>
+          </a:prstGeom>
+        </p:spPr>
+        <p:txBody>
+          <a:bodyPr vert="horz" lIns="91440" tIns="45720" rIns="91440" bIns="45720" rtlCol="0" anchor="b"/>
+          <a:lstStyle>
+            <a:lvl1pPr algn="l">
+              <a:defRPr sz="1200"/>
+            </a:lvl1pPr>
+          </a:lstStyle>
+          <a:p>
+            <a:endParaRPr lang="en-US"/>
+          </a:p>
+        </p:txBody>
+      </p:sp>
+      <p:sp>
+        <p:nvSpPr>
+          <p:cNvPr id="7" name="Slide Number Placeholder 6"/>
+          <p:cNvSpPr>
+            <a:spLocks noGrp="1"/>
+          </p:cNvSpPr>
+          <p:nvPr>
+            <p:ph type="sldNum" sz="quarter" idx="5"/>
+          </p:nvPr>
+        </p:nvSpPr>
+        <p:spPr>
+          <a:xfrm>
+            <a:off x="3884613" y="8685213"/>
+            <a:ext cx="2971800" cy="458787"/>
+          </a:xfrm>
+          <a:prstGeom prst="rect">
+            <a:avLst/>
+          </a:prstGeom>
+        </p:spPr>
+        <p:txBody>
+          <a:bodyPr vert="horz" lIns="91440" tIns="45720" rIns="91440" bIns="45720" rtlCol="0" anchor="b"/>
+          <a:lstStyle>
+            <a:lvl1pPr algn="r">
+              <a:defRPr sz="1200"/>
+            </a:lvl1pPr>
+          </a:lstStyle>
+          <a:p>
+            <a:fld id="{21B2AA4F-B828-4D7C-AFD3-893933DAFCB4}" type="slidenum">
+              <a:rPr lang="en-US" smtClean="0"/>
+            </a:fld>
+            <a:endParaRPr lang="en-US"/>
+          </a:p>
+        </p:txBody>
+      </p:sp>
+    </p:spTree>
+  </p:cSld>
+  <p:clrMap bg1="lt1" tx1="dk1" bg2="lt2" tx2="dk2" accent1="accent1" accent2="accent2" accent3="accent3" accent4="accent4" accent5="accent5" accent6="accent6" hlink="hlink" folHlink="folHlink"/>
+  <p:notesStyle>
+    <a:lvl1pPr marL="0" algn="l" defTabSz="914400" rtl="0" eaLnBrk="1" latinLnBrk="0" hangingPunct="1">
+      <a:defRPr sz="1200" kern="1200">
+        <a:solidFill>
+          <a:schemeClr val="tx1"/>
+        </a:solidFill>
+        <a:latin typeface="+mn-lt"/>
+        <a:ea typeface="+mn-ea"/>
+        <a:cs typeface="+mn-cs"/>
+      </a:defRPr>
+    </a:lvl1pPr>
+    <a:lvl2pPr marL="457200" algn="l" defTabSz="914400" rtl="0" eaLnBrk="1" latinLnBrk="0" hangingPunct="1">
+      <a:defRPr sz="1200" kern="1200">
+        <a:solidFill>
+          <a:schemeClr val="tx1"/>
+        </a:solidFill>
+        <a:latin typeface="+mn-lt"/>
+        <a:ea typeface="+mn-ea"/>
+        <a:cs typeface="+mn-cs"/>
+      </a:defRPr>
+    </a:lvl2pPr>
+    <a:lvl3pPr marL="914400" algn="l" defTabSz="914400" rtl="0" eaLnBrk="1" latinLnBrk="0" hangingPunct="1">
+      <a:defRPr sz="1200" kern="1200">
+        <a:solidFill>
+          <a:schemeClr val="tx1"/>
+        </a:solidFill>
+        <a:latin typeface="+mn-lt"/>
+        <a:ea typeface="+mn-ea"/>
+        <a:cs typeface="+mn-cs"/>
+      </a:defRPr>
+    </a:lvl3pPr>
+    <a:lvl4pPr marL="1371600" algn="l" defTabSz="914400" rtl="0" eaLnBrk="1" latinLnBrk="0" hangingPunct="1">
+      <a:defRPr sz="1200" kern="1200">
+        <a:solidFill>
+          <a:schemeClr val="tx1"/>
+        </a:solidFill>
+        <a:latin typeface="+mn-lt"/>
+        <a:ea typeface="+mn-ea"/>
+        <a:cs typeface="+mn-cs"/>
+      </a:defRPr>
+    </a:lvl4pPr>
+    <a:lvl5pPr marL="1828800" algn="l" defTabSz="914400" rtl="0" eaLnBrk="1" latinLnBrk="0" hangingPunct="1">
+      <a:defRPr sz="1200" kern="1200">
+        <a:solidFill>
+          <a:schemeClr val="tx1"/>
+        </a:solidFill>
+        <a:latin typeface="+mn-lt"/>
+        <a:ea typeface="+mn-ea"/>
+        <a:cs typeface="+mn-cs"/>
+      </a:defRPr>
+    </a:lvl5pPr>
+    <a:lvl6pPr marL="2286000" algn="l" defTabSz="914400" rtl="0" eaLnBrk="1" latinLnBrk="0" hangingPunct="1">
+      <a:defRPr sz="1200" kern="1200">
+        <a:solidFill>
+          <a:schemeClr val="tx1"/>
+        </a:solidFill>
+        <a:latin typeface="+mn-lt"/>
+        <a:ea typeface="+mn-ea"/>
+        <a:cs typeface="+mn-cs"/>
+      </a:defRPr>
+    </a:lvl6pPr>
+    <a:lvl7pPr marL="2743200" algn="l" defTabSz="914400" rtl="0" eaLnBrk="1" latinLnBrk="0" hangingPunct="1">
+      <a:defRPr sz="1200" kern="1200">
+        <a:solidFill>
+          <a:schemeClr val="tx1"/>
+        </a:solidFill>
+        <a:latin typeface="+mn-lt"/>
+        <a:ea typeface="+mn-ea"/>
+        <a:cs typeface="+mn-cs"/>
+      </a:defRPr>
+    </a:lvl7pPr>
+    <a:lvl8pPr marL="3200400" algn="l" defTabSz="914400" rtl="0" eaLnBrk="1" latinLnBrk="0" hangingPunct="1">
+      <a:defRPr sz="1200" kern="1200">
+        <a:solidFill>
+          <a:schemeClr val="tx1"/>
+        </a:solidFill>
+        <a:latin typeface="+mn-lt"/>
+        <a:ea typeface="+mn-ea"/>
+        <a:cs typeface="+mn-cs"/>
+      </a:defRPr>
+    </a:lvl8pPr>
+    <a:lvl9pPr marL="3657600" algn="l" defTabSz="914400" rtl="0" eaLnBrk="1" latinLnBrk="0" hangingPunct="1">
+      <a:defRPr sz="1200" kern="1200">
+        <a:solidFill>
+          <a:schemeClr val="tx1"/>
+        </a:solidFill>
+        <a:latin typeface="+mn-lt"/>
+        <a:ea typeface="+mn-ea"/>
+        <a:cs typeface="+mn-cs"/>
+      </a:defRPr>
+    </a:lvl9pPr>
+  </p:notesStyle>
+</p:notesMaster>
 </file>
 
-<file path=ppt/ink/ink2.xml><?xml version="1.0" encoding="utf-8"?>
-<inkml:ink xmlns:inkml="http://www.w3.org/2003/InkML">
-  <inkml:definitions>
-    <inkml:context xml:id="ctx0">
-      <inkml:inkSource xml:id="inkSrc0">
-        <inkml:traceFormat>
-          <inkml:channel name="X" type="integer" min="-2.14748E9" max="2.14748E9" units="cm"/>
-          <inkml:channel name="Y" type="integer" min="-2.14748E9" max="2.14748E9" units="cm"/>
-        </inkml:traceFormat>
-        <inkml:channelProperties>
-          <inkml:channelProperty channel="X" name="resolution" value="1000" units="1/cm"/>
-          <inkml:channelProperty channel="Y" name="resolution" value="1000" units="1/cm"/>
-        </inkml:channelProperties>
-      </inkml:inkSource>
-      <inkml:timestamp xml:id="ts0" timeString="2019-03-18T14:43:35.531"/>
-    </inkml:context>
-    <inkml:brush xml:id="br0">
-      <inkml:brushProperty name="width" value="0.3" units="cm"/>
-      <inkml:brushProperty name="height" value="0.6" units="cm"/>
-      <inkml:brushProperty name="color" value="#FFFC00"/>
-      <inkml:brushProperty name="tip" value="rectangle"/>
-      <inkml:brushProperty name="rasterOp" value="maskPen"/>
-      <inkml:brushProperty name="ignorePressure" value="1"/>
-    </inkml:brush>
-  </inkml:definitions>
-  <inkml:trace contextRef="#ctx0" brushRef="#br0">1 2,'54'1,"0"2,-1 3,2 2,88 11,-98-12,0-3,0-1,0-2,37-5,20 2,551 2,-632-2,1 0,-1-1,7-2,-5 0,-1 2,0 0,4 2,10-1,0-2,6-2,-8 1,1 1,15 2,1349 3,-1379-1</inkml:trace>
-</inkml:ink>
+<file path=ppt/notesSlides/notesSlide1.xml><?xml version="1.0" encoding="utf-8"?>
+<p:notes xmlns:a="http://schemas.openxmlformats.org/drawingml/2006/main" xmlns:r="http://schemas.openxmlformats.org/officeDocument/2006/relationships" xmlns:p="http://schemas.openxmlformats.org/presentationml/2006/main">
+  <p:cSld>
+    <p:spTree>
+      <p:nvGrpSpPr>
+        <p:cNvPr id="1" name=""/>
+        <p:cNvGrpSpPr/>
+        <p:nvPr/>
+      </p:nvGrpSpPr>
+      <p:grpSpPr/>
+      <p:sp>
+        <p:nvSpPr>
+          <p:cNvPr id="2" name="Slide Image Placeholder 1"/>
+          <p:cNvSpPr/>
+          <p:nvPr>
+            <p:ph type="sldImg" idx="2"/>
+          </p:nvPr>
+        </p:nvSpPr>
+        <p:spPr/>
+      </p:sp>
+      <p:sp>
+        <p:nvSpPr>
+          <p:cNvPr id="3" name="Text Placeholder 2"/>
+          <p:cNvSpPr/>
+          <p:nvPr>
+            <p:ph type="body" idx="3"/>
+          </p:nvPr>
+        </p:nvSpPr>
+        <p:spPr/>
+        <p:txBody>
+          <a:bodyPr/>
+          <a:p>
+            <a:endParaRPr lang="en-US"/>
+          </a:p>
+        </p:txBody>
+      </p:sp>
+    </p:spTree>
+  </p:cSld>
+  <p:clrMapOvr>
+    <a:masterClrMapping/>
+  </p:clrMapOvr>
+</p:notes>
 </file>
 
 <file path=ppt/slideLayouts/slideLayout1.xml><?xml version="1.0" encoding="utf-8"?>
-<p:sldLayout xmlns:a="http://schemas.openxmlformats.org/drawingml/2006/main" xmlns:r="http://schemas.openxmlformats.org/officeDocument/2006/relationships" xmlns:p="http://schemas.openxmlformats.org/presentationml/2006/main" showMasterSp="0" type="title" preserve="1">
+<p:sldLayout xmlns:a="http://schemas.openxmlformats.org/drawingml/2006/main" xmlns:r="http://schemas.openxmlformats.org/officeDocument/2006/relationships" xmlns:p="http://schemas.openxmlformats.org/presentationml/2006/main" type="title" preserve="1" showMasterSp="0">
   <p:cSld name="Title Slide">
     <p:spTree>
       <p:nvGrpSpPr>
@@ -471,7 +808,6 @@
           <a:p>
             <a:fld id="{C6ACF9C8-6D65-41F9-9101-DBF005E879DE}" type="datetimeFigureOut">
               <a:rPr lang="en-US" smtClean="0"/>
-              <a:t>4/29/2019</a:t>
             </a:fld>
             <a:endParaRPr lang="en-US"/>
           </a:p>
@@ -513,7 +849,6 @@
           <a:p>
             <a:fld id="{ABBCC5BB-7559-4F86-B19F-0508DBA45658}" type="slidenum">
               <a:rPr lang="en-US" smtClean="0"/>
-              <a:t>‹nr.›</a:t>
             </a:fld>
             <a:endParaRPr lang="en-US"/>
           </a:p>
@@ -558,11 +893,6 @@
         </p:style>
       </p:cxnSp>
     </p:spTree>
-    <p:extLst>
-      <p:ext uri="{BB962C8B-B14F-4D97-AF65-F5344CB8AC3E}">
-        <p14:creationId xmlns:p14="http://schemas.microsoft.com/office/powerpoint/2010/main" val="1984988035"/>
-      </p:ext>
-    </p:extLst>
   </p:cSld>
   <p:clrMapOvr>
     <a:masterClrMapping/>
@@ -630,6 +960,7 @@
               <a:rPr lang="en-US"/>
               <a:t>Click to edit Master text styles</a:t>
             </a:r>
+            <a:endParaRPr lang="en-US"/>
           </a:p>
           <a:p>
             <a:pPr lvl="1"/>
@@ -637,6 +968,7 @@
               <a:rPr lang="en-US"/>
               <a:t>Second level</a:t>
             </a:r>
+            <a:endParaRPr lang="en-US"/>
           </a:p>
           <a:p>
             <a:pPr lvl="2"/>
@@ -644,6 +976,7 @@
               <a:rPr lang="en-US"/>
               <a:t>Third level</a:t>
             </a:r>
+            <a:endParaRPr lang="en-US"/>
           </a:p>
           <a:p>
             <a:pPr lvl="3"/>
@@ -651,6 +984,7 @@
               <a:rPr lang="en-US"/>
               <a:t>Fourth level</a:t>
             </a:r>
+            <a:endParaRPr lang="en-US"/>
           </a:p>
           <a:p>
             <a:pPr lvl="4"/>
@@ -679,7 +1013,6 @@
           <a:p>
             <a:fld id="{C6ACF9C8-6D65-41F9-9101-DBF005E879DE}" type="datetimeFigureOut">
               <a:rPr lang="en-US" smtClean="0"/>
-              <a:t>4/29/2019</a:t>
             </a:fld>
             <a:endParaRPr lang="en-US"/>
           </a:p>
@@ -721,18 +1054,12 @@
           <a:p>
             <a:fld id="{ABBCC5BB-7559-4F86-B19F-0508DBA45658}" type="slidenum">
               <a:rPr lang="en-US" smtClean="0"/>
-              <a:t>‹nr.›</a:t>
             </a:fld>
             <a:endParaRPr lang="en-US"/>
           </a:p>
         </p:txBody>
       </p:sp>
     </p:spTree>
-    <p:extLst>
-      <p:ext uri="{BB962C8B-B14F-4D97-AF65-F5344CB8AC3E}">
-        <p14:creationId xmlns:p14="http://schemas.microsoft.com/office/powerpoint/2010/main" val="1946931983"/>
-      </p:ext>
-    </p:extLst>
   </p:cSld>
   <p:clrMapOvr>
     <a:masterClrMapping/>
@@ -741,7 +1068,7 @@
 </file>
 
 <file path=ppt/slideLayouts/slideLayout11.xml><?xml version="1.0" encoding="utf-8"?>
-<p:sldLayout xmlns:a="http://schemas.openxmlformats.org/drawingml/2006/main" xmlns:r="http://schemas.openxmlformats.org/officeDocument/2006/relationships" xmlns:p="http://schemas.openxmlformats.org/presentationml/2006/main" showMasterSp="0" type="vertTitleAndTx" preserve="1">
+<p:sldLayout xmlns:a="http://schemas.openxmlformats.org/drawingml/2006/main" xmlns:r="http://schemas.openxmlformats.org/officeDocument/2006/relationships" xmlns:p="http://schemas.openxmlformats.org/presentationml/2006/main" type="vertTitleAndTx" preserve="1" showMasterSp="0">
   <p:cSld name="Vertical Title and Text">
     <p:spTree>
       <p:nvGrpSpPr>
@@ -886,6 +1213,7 @@
               <a:rPr lang="en-US"/>
               <a:t>Click to edit Master text styles</a:t>
             </a:r>
+            <a:endParaRPr lang="en-US"/>
           </a:p>
           <a:p>
             <a:pPr lvl="1"/>
@@ -893,6 +1221,7 @@
               <a:rPr lang="en-US"/>
               <a:t>Second level</a:t>
             </a:r>
+            <a:endParaRPr lang="en-US"/>
           </a:p>
           <a:p>
             <a:pPr lvl="2"/>
@@ -900,6 +1229,7 @@
               <a:rPr lang="en-US"/>
               <a:t>Third level</a:t>
             </a:r>
+            <a:endParaRPr lang="en-US"/>
           </a:p>
           <a:p>
             <a:pPr lvl="3"/>
@@ -907,6 +1237,7 @@
               <a:rPr lang="en-US"/>
               <a:t>Fourth level</a:t>
             </a:r>
+            <a:endParaRPr lang="en-US"/>
           </a:p>
           <a:p>
             <a:pPr lvl="4"/>
@@ -935,7 +1266,6 @@
           <a:p>
             <a:fld id="{C6ACF9C8-6D65-41F9-9101-DBF005E879DE}" type="datetimeFigureOut">
               <a:rPr lang="en-US" smtClean="0"/>
-              <a:t>4/29/2019</a:t>
             </a:fld>
             <a:endParaRPr lang="en-US"/>
           </a:p>
@@ -977,18 +1307,12 @@
           <a:p>
             <a:fld id="{ABBCC5BB-7559-4F86-B19F-0508DBA45658}" type="slidenum">
               <a:rPr lang="en-US" smtClean="0"/>
-              <a:t>‹nr.›</a:t>
             </a:fld>
             <a:endParaRPr lang="en-US"/>
           </a:p>
         </p:txBody>
       </p:sp>
     </p:spTree>
-    <p:extLst>
-      <p:ext uri="{BB962C8B-B14F-4D97-AF65-F5344CB8AC3E}">
-        <p14:creationId xmlns:p14="http://schemas.microsoft.com/office/powerpoint/2010/main" val="3388660673"/>
-      </p:ext>
-    </p:extLst>
   </p:cSld>
   <p:clrMapOvr>
     <a:masterClrMapping/>
@@ -1060,6 +1384,7 @@
               <a:rPr lang="en-US"/>
               <a:t>Click to edit Master text styles</a:t>
             </a:r>
+            <a:endParaRPr lang="en-US"/>
           </a:p>
           <a:p>
             <a:pPr lvl="1"/>
@@ -1067,6 +1392,7 @@
               <a:rPr lang="en-US"/>
               <a:t>Second level</a:t>
             </a:r>
+            <a:endParaRPr lang="en-US"/>
           </a:p>
           <a:p>
             <a:pPr lvl="2"/>
@@ -1074,6 +1400,7 @@
               <a:rPr lang="en-US"/>
               <a:t>Third level</a:t>
             </a:r>
+            <a:endParaRPr lang="en-US"/>
           </a:p>
           <a:p>
             <a:pPr lvl="3"/>
@@ -1081,6 +1408,7 @@
               <a:rPr lang="en-US"/>
               <a:t>Fourth level</a:t>
             </a:r>
+            <a:endParaRPr lang="en-US"/>
           </a:p>
           <a:p>
             <a:pPr lvl="4"/>
@@ -1109,7 +1437,6 @@
           <a:p>
             <a:fld id="{C6ACF9C8-6D65-41F9-9101-DBF005E879DE}" type="datetimeFigureOut">
               <a:rPr lang="en-US" smtClean="0"/>
-              <a:t>4/29/2019</a:t>
             </a:fld>
             <a:endParaRPr lang="en-US"/>
           </a:p>
@@ -1151,18 +1478,12 @@
           <a:p>
             <a:fld id="{ABBCC5BB-7559-4F86-B19F-0508DBA45658}" type="slidenum">
               <a:rPr lang="en-US" smtClean="0"/>
-              <a:t>‹nr.›</a:t>
             </a:fld>
             <a:endParaRPr lang="en-US"/>
           </a:p>
         </p:txBody>
       </p:sp>
     </p:spTree>
-    <p:extLst>
-      <p:ext uri="{BB962C8B-B14F-4D97-AF65-F5344CB8AC3E}">
-        <p14:creationId xmlns:p14="http://schemas.microsoft.com/office/powerpoint/2010/main" val="89561410"/>
-      </p:ext>
-    </p:extLst>
   </p:cSld>
   <p:clrMapOvr>
     <a:masterClrMapping/>
@@ -1171,7 +1492,7 @@
 </file>
 
 <file path=ppt/slideLayouts/slideLayout3.xml><?xml version="1.0" encoding="utf-8"?>
-<p:sldLayout xmlns:a="http://schemas.openxmlformats.org/drawingml/2006/main" xmlns:r="http://schemas.openxmlformats.org/officeDocument/2006/relationships" xmlns:p="http://schemas.openxmlformats.org/presentationml/2006/main" showMasterSp="0" type="secHead" preserve="1">
+<p:sldLayout xmlns:a="http://schemas.openxmlformats.org/drawingml/2006/main" xmlns:r="http://schemas.openxmlformats.org/officeDocument/2006/relationships" xmlns:p="http://schemas.openxmlformats.org/presentationml/2006/main" type="secHead" preserve="1" showMasterSp="0">
   <p:cSld name="Section Header">
     <p:bg>
       <p:bgPr>
@@ -1432,6 +1753,7 @@
               <a:rPr lang="en-US"/>
               <a:t>Click to edit Master text styles</a:t>
             </a:r>
+            <a:endParaRPr lang="en-US"/>
           </a:p>
         </p:txBody>
       </p:sp>
@@ -1452,7 +1774,6 @@
           <a:p>
             <a:fld id="{C6ACF9C8-6D65-41F9-9101-DBF005E879DE}" type="datetimeFigureOut">
               <a:rPr lang="en-US" smtClean="0"/>
-              <a:t>4/29/2019</a:t>
             </a:fld>
             <a:endParaRPr lang="en-US"/>
           </a:p>
@@ -1494,7 +1815,6 @@
           <a:p>
             <a:fld id="{ABBCC5BB-7559-4F86-B19F-0508DBA45658}" type="slidenum">
               <a:rPr lang="en-US" smtClean="0"/>
-              <a:t>‹nr.›</a:t>
             </a:fld>
             <a:endParaRPr lang="en-US"/>
           </a:p>
@@ -1539,11 +1859,6 @@
         </p:style>
       </p:cxnSp>
     </p:spTree>
-    <p:extLst>
-      <p:ext uri="{BB962C8B-B14F-4D97-AF65-F5344CB8AC3E}">
-        <p14:creationId xmlns:p14="http://schemas.microsoft.com/office/powerpoint/2010/main" val="102330341"/>
-      </p:ext>
-    </p:extLst>
   </p:cSld>
   <p:clrMapOvr>
     <a:masterClrMapping/>
@@ -1621,6 +1936,7 @@
               <a:rPr lang="en-US"/>
               <a:t>Click to edit Master text styles</a:t>
             </a:r>
+            <a:endParaRPr lang="en-US"/>
           </a:p>
           <a:p>
             <a:pPr lvl="1"/>
@@ -1628,6 +1944,7 @@
               <a:rPr lang="en-US"/>
               <a:t>Second level</a:t>
             </a:r>
+            <a:endParaRPr lang="en-US"/>
           </a:p>
           <a:p>
             <a:pPr lvl="2"/>
@@ -1635,6 +1952,7 @@
               <a:rPr lang="en-US"/>
               <a:t>Third level</a:t>
             </a:r>
+            <a:endParaRPr lang="en-US"/>
           </a:p>
           <a:p>
             <a:pPr lvl="3"/>
@@ -1642,6 +1960,7 @@
               <a:rPr lang="en-US"/>
               <a:t>Fourth level</a:t>
             </a:r>
+            <a:endParaRPr lang="en-US"/>
           </a:p>
           <a:p>
             <a:pPr lvl="4"/>
@@ -1678,6 +1997,7 @@
               <a:rPr lang="en-US"/>
               <a:t>Click to edit Master text styles</a:t>
             </a:r>
+            <a:endParaRPr lang="en-US"/>
           </a:p>
           <a:p>
             <a:pPr lvl="1"/>
@@ -1685,6 +2005,7 @@
               <a:rPr lang="en-US"/>
               <a:t>Second level</a:t>
             </a:r>
+            <a:endParaRPr lang="en-US"/>
           </a:p>
           <a:p>
             <a:pPr lvl="2"/>
@@ -1692,6 +2013,7 @@
               <a:rPr lang="en-US"/>
               <a:t>Third level</a:t>
             </a:r>
+            <a:endParaRPr lang="en-US"/>
           </a:p>
           <a:p>
             <a:pPr lvl="3"/>
@@ -1699,6 +2021,7 @@
               <a:rPr lang="en-US"/>
               <a:t>Fourth level</a:t>
             </a:r>
+            <a:endParaRPr lang="en-US"/>
           </a:p>
           <a:p>
             <a:pPr lvl="4"/>
@@ -1727,7 +2050,6 @@
           <a:p>
             <a:fld id="{C6ACF9C8-6D65-41F9-9101-DBF005E879DE}" type="datetimeFigureOut">
               <a:rPr lang="en-US" smtClean="0"/>
-              <a:t>4/29/2019</a:t>
             </a:fld>
             <a:endParaRPr lang="en-US"/>
           </a:p>
@@ -1769,18 +2091,12 @@
           <a:p>
             <a:fld id="{ABBCC5BB-7559-4F86-B19F-0508DBA45658}" type="slidenum">
               <a:rPr lang="en-US" smtClean="0"/>
-              <a:t>‹nr.›</a:t>
             </a:fld>
             <a:endParaRPr lang="en-US"/>
           </a:p>
         </p:txBody>
       </p:sp>
     </p:spTree>
-    <p:extLst>
-      <p:ext uri="{BB962C8B-B14F-4D97-AF65-F5344CB8AC3E}">
-        <p14:creationId xmlns:p14="http://schemas.microsoft.com/office/powerpoint/2010/main" val="1689272611"/>
-      </p:ext>
-    </p:extLst>
   </p:cSld>
   <p:clrMapOvr>
     <a:masterClrMapping/>
@@ -1901,6 +2217,7 @@
               <a:rPr lang="en-US"/>
               <a:t>Click to edit Master text styles</a:t>
             </a:r>
+            <a:endParaRPr lang="en-US"/>
           </a:p>
         </p:txBody>
       </p:sp>
@@ -1929,6 +2246,7 @@
               <a:rPr lang="en-US"/>
               <a:t>Click to edit Master text styles</a:t>
             </a:r>
+            <a:endParaRPr lang="en-US"/>
           </a:p>
           <a:p>
             <a:pPr lvl="1"/>
@@ -1936,6 +2254,7 @@
               <a:rPr lang="en-US"/>
               <a:t>Second level</a:t>
             </a:r>
+            <a:endParaRPr lang="en-US"/>
           </a:p>
           <a:p>
             <a:pPr lvl="2"/>
@@ -1943,6 +2262,7 @@
               <a:rPr lang="en-US"/>
               <a:t>Third level</a:t>
             </a:r>
+            <a:endParaRPr lang="en-US"/>
           </a:p>
           <a:p>
             <a:pPr lvl="3"/>
@@ -1950,6 +2270,7 @@
               <a:rPr lang="en-US"/>
               <a:t>Fourth level</a:t>
             </a:r>
+            <a:endParaRPr lang="en-US"/>
           </a:p>
           <a:p>
             <a:pPr lvl="4"/>
@@ -2029,6 +2350,7 @@
               <a:rPr lang="en-US"/>
               <a:t>Click to edit Master text styles</a:t>
             </a:r>
+            <a:endParaRPr lang="en-US"/>
           </a:p>
         </p:txBody>
       </p:sp>
@@ -2057,6 +2379,7 @@
               <a:rPr lang="en-US"/>
               <a:t>Click to edit Master text styles</a:t>
             </a:r>
+            <a:endParaRPr lang="en-US"/>
           </a:p>
           <a:p>
             <a:pPr lvl="1"/>
@@ -2064,6 +2387,7 @@
               <a:rPr lang="en-US"/>
               <a:t>Second level</a:t>
             </a:r>
+            <a:endParaRPr lang="en-US"/>
           </a:p>
           <a:p>
             <a:pPr lvl="2"/>
@@ -2071,6 +2395,7 @@
               <a:rPr lang="en-US"/>
               <a:t>Third level</a:t>
             </a:r>
+            <a:endParaRPr lang="en-US"/>
           </a:p>
           <a:p>
             <a:pPr lvl="3"/>
@@ -2078,6 +2403,7 @@
               <a:rPr lang="en-US"/>
               <a:t>Fourth level</a:t>
             </a:r>
+            <a:endParaRPr lang="en-US"/>
           </a:p>
           <a:p>
             <a:pPr lvl="4"/>
@@ -2106,7 +2432,6 @@
           <a:p>
             <a:fld id="{C6ACF9C8-6D65-41F9-9101-DBF005E879DE}" type="datetimeFigureOut">
               <a:rPr lang="en-US" smtClean="0"/>
-              <a:t>4/29/2019</a:t>
             </a:fld>
             <a:endParaRPr lang="en-US"/>
           </a:p>
@@ -2148,18 +2473,12 @@
           <a:p>
             <a:fld id="{ABBCC5BB-7559-4F86-B19F-0508DBA45658}" type="slidenum">
               <a:rPr lang="en-US" smtClean="0"/>
-              <a:t>‹nr.›</a:t>
             </a:fld>
             <a:endParaRPr lang="en-US"/>
           </a:p>
         </p:txBody>
       </p:sp>
     </p:spTree>
-    <p:extLst>
-      <p:ext uri="{BB962C8B-B14F-4D97-AF65-F5344CB8AC3E}">
-        <p14:creationId xmlns:p14="http://schemas.microsoft.com/office/powerpoint/2010/main" val="3016529653"/>
-      </p:ext>
-    </p:extLst>
   </p:cSld>
   <p:clrMapOvr>
     <a:masterClrMapping/>
@@ -2224,7 +2543,6 @@
           <a:p>
             <a:fld id="{C6ACF9C8-6D65-41F9-9101-DBF005E879DE}" type="datetimeFigureOut">
               <a:rPr lang="en-US" smtClean="0"/>
-              <a:t>4/29/2019</a:t>
             </a:fld>
             <a:endParaRPr lang="en-US"/>
           </a:p>
@@ -2266,18 +2584,12 @@
           <a:p>
             <a:fld id="{ABBCC5BB-7559-4F86-B19F-0508DBA45658}" type="slidenum">
               <a:rPr lang="en-US" smtClean="0"/>
-              <a:t>‹nr.›</a:t>
             </a:fld>
             <a:endParaRPr lang="en-US"/>
           </a:p>
         </p:txBody>
       </p:sp>
     </p:spTree>
-    <p:extLst>
-      <p:ext uri="{BB962C8B-B14F-4D97-AF65-F5344CB8AC3E}">
-        <p14:creationId xmlns:p14="http://schemas.microsoft.com/office/powerpoint/2010/main" val="3920173812"/>
-      </p:ext>
-    </p:extLst>
   </p:cSld>
   <p:clrMapOvr>
     <a:masterClrMapping/>
@@ -2286,7 +2598,7 @@
 </file>
 
 <file path=ppt/slideLayouts/slideLayout7.xml><?xml version="1.0" encoding="utf-8"?>
-<p:sldLayout xmlns:a="http://schemas.openxmlformats.org/drawingml/2006/main" xmlns:r="http://schemas.openxmlformats.org/officeDocument/2006/relationships" xmlns:p="http://schemas.openxmlformats.org/presentationml/2006/main" showMasterSp="0" type="blank" preserve="1">
+<p:sldLayout xmlns:a="http://schemas.openxmlformats.org/drawingml/2006/main" xmlns:r="http://schemas.openxmlformats.org/officeDocument/2006/relationships" xmlns:p="http://schemas.openxmlformats.org/presentationml/2006/main" type="blank" preserve="1" showMasterSp="0">
   <p:cSld name="Blank">
     <p:spTree>
       <p:nvGrpSpPr>
@@ -2395,7 +2707,6 @@
           <a:p>
             <a:fld id="{C6ACF9C8-6D65-41F9-9101-DBF005E879DE}" type="datetimeFigureOut">
               <a:rPr lang="en-US" smtClean="0"/>
-              <a:t>4/29/2019</a:t>
             </a:fld>
             <a:endParaRPr lang="en-US"/>
           </a:p>
@@ -2445,18 +2756,12 @@
           <a:p>
             <a:fld id="{ABBCC5BB-7559-4F86-B19F-0508DBA45658}" type="slidenum">
               <a:rPr lang="en-US" smtClean="0"/>
-              <a:t>‹nr.›</a:t>
             </a:fld>
             <a:endParaRPr lang="en-US"/>
           </a:p>
         </p:txBody>
       </p:sp>
     </p:spTree>
-    <p:extLst>
-      <p:ext uri="{BB962C8B-B14F-4D97-AF65-F5344CB8AC3E}">
-        <p14:creationId xmlns:p14="http://schemas.microsoft.com/office/powerpoint/2010/main" val="803357742"/>
-      </p:ext>
-    </p:extLst>
   </p:cSld>
   <p:clrMapOvr>
     <a:masterClrMapping/>
@@ -2465,7 +2770,7 @@
 </file>
 
 <file path=ppt/slideLayouts/slideLayout8.xml><?xml version="1.0" encoding="utf-8"?>
-<p:sldLayout xmlns:a="http://schemas.openxmlformats.org/drawingml/2006/main" xmlns:r="http://schemas.openxmlformats.org/officeDocument/2006/relationships" xmlns:p="http://schemas.openxmlformats.org/presentationml/2006/main" showMasterSp="0" type="objTx" preserve="1">
+<p:sldLayout xmlns:a="http://schemas.openxmlformats.org/drawingml/2006/main" xmlns:r="http://schemas.openxmlformats.org/officeDocument/2006/relationships" xmlns:p="http://schemas.openxmlformats.org/presentationml/2006/main" type="objTx" preserve="1" showMasterSp="0">
   <p:cSld name="Content with Caption">
     <p:spTree>
       <p:nvGrpSpPr>
@@ -2620,6 +2925,7 @@
               <a:rPr lang="en-US"/>
               <a:t>Click to edit Master text styles</a:t>
             </a:r>
+            <a:endParaRPr lang="en-US"/>
           </a:p>
           <a:p>
             <a:pPr lvl="1"/>
@@ -2627,6 +2933,7 @@
               <a:rPr lang="en-US"/>
               <a:t>Second level</a:t>
             </a:r>
+            <a:endParaRPr lang="en-US"/>
           </a:p>
           <a:p>
             <a:pPr lvl="2"/>
@@ -2634,6 +2941,7 @@
               <a:rPr lang="en-US"/>
               <a:t>Third level</a:t>
             </a:r>
+            <a:endParaRPr lang="en-US"/>
           </a:p>
           <a:p>
             <a:pPr lvl="3"/>
@@ -2641,6 +2949,7 @@
               <a:rPr lang="en-US"/>
               <a:t>Fourth level</a:t>
             </a:r>
+            <a:endParaRPr lang="en-US"/>
           </a:p>
           <a:p>
             <a:pPr lvl="4"/>
@@ -2720,6 +3029,7 @@
               <a:rPr lang="en-US"/>
               <a:t>Click to edit Master text styles</a:t>
             </a:r>
+            <a:endParaRPr lang="en-US"/>
           </a:p>
         </p:txBody>
       </p:sp>
@@ -2749,7 +3059,6 @@
           <a:p>
             <a:fld id="{C6ACF9C8-6D65-41F9-9101-DBF005E879DE}" type="datetimeFigureOut">
               <a:rPr lang="en-US" smtClean="0"/>
-              <a:t>4/29/2019</a:t>
             </a:fld>
             <a:endParaRPr lang="en-US"/>
           </a:p>
@@ -2812,18 +3121,12 @@
           <a:p>
             <a:fld id="{ABBCC5BB-7559-4F86-B19F-0508DBA45658}" type="slidenum">
               <a:rPr lang="en-US" smtClean="0"/>
-              <a:t>‹nr.›</a:t>
             </a:fld>
             <a:endParaRPr lang="en-US"/>
           </a:p>
         </p:txBody>
       </p:sp>
     </p:spTree>
-    <p:extLst>
-      <p:ext uri="{BB962C8B-B14F-4D97-AF65-F5344CB8AC3E}">
-        <p14:creationId xmlns:p14="http://schemas.microsoft.com/office/powerpoint/2010/main" val="4117304780"/>
-      </p:ext>
-    </p:extLst>
   </p:cSld>
   <p:clrMapOvr>
     <a:masterClrMapping/>
@@ -2832,7 +3135,7 @@
 </file>
 
 <file path=ppt/slideLayouts/slideLayout9.xml><?xml version="1.0" encoding="utf-8"?>
-<p:sldLayout xmlns:a="http://schemas.openxmlformats.org/drawingml/2006/main" xmlns:r="http://schemas.openxmlformats.org/officeDocument/2006/relationships" xmlns:p="http://schemas.openxmlformats.org/presentationml/2006/main" showMasterSp="0" type="picTx" preserve="1">
+<p:sldLayout xmlns:a="http://schemas.openxmlformats.org/drawingml/2006/main" xmlns:r="http://schemas.openxmlformats.org/officeDocument/2006/relationships" xmlns:p="http://schemas.openxmlformats.org/presentationml/2006/main" type="picTx" preserve="1" showMasterSp="0">
   <p:cSld name="Picture with Caption">
     <p:spTree>
       <p:nvGrpSpPr>
@@ -3111,6 +3414,7 @@
               <a:rPr lang="en-US"/>
               <a:t>Click to edit Master text styles</a:t>
             </a:r>
+            <a:endParaRPr lang="en-US"/>
           </a:p>
         </p:txBody>
       </p:sp>
@@ -3131,7 +3435,6 @@
           <a:p>
             <a:fld id="{C6ACF9C8-6D65-41F9-9101-DBF005E879DE}" type="datetimeFigureOut">
               <a:rPr lang="en-US" smtClean="0"/>
-              <a:t>4/29/2019</a:t>
             </a:fld>
             <a:endParaRPr lang="en-US"/>
           </a:p>
@@ -3173,18 +3476,12 @@
           <a:p>
             <a:fld id="{ABBCC5BB-7559-4F86-B19F-0508DBA45658}" type="slidenum">
               <a:rPr lang="en-US" smtClean="0"/>
-              <a:t>‹nr.›</a:t>
             </a:fld>
             <a:endParaRPr lang="en-US"/>
           </a:p>
         </p:txBody>
       </p:sp>
     </p:spTree>
-    <p:extLst>
-      <p:ext uri="{BB962C8B-B14F-4D97-AF65-F5344CB8AC3E}">
-        <p14:creationId xmlns:p14="http://schemas.microsoft.com/office/powerpoint/2010/main" val="4243749352"/>
-      </p:ext>
-    </p:extLst>
   </p:cSld>
   <p:clrMapOvr>
     <a:masterClrMapping/>
@@ -3353,6 +3650,7 @@
               <a:rPr lang="en-US"/>
               <a:t>Click to edit Master text styles</a:t>
             </a:r>
+            <a:endParaRPr lang="en-US"/>
           </a:p>
           <a:p>
             <a:pPr lvl="1"/>
@@ -3360,6 +3658,7 @@
               <a:rPr lang="en-US"/>
               <a:t>Second level</a:t>
             </a:r>
+            <a:endParaRPr lang="en-US"/>
           </a:p>
           <a:p>
             <a:pPr lvl="2"/>
@@ -3367,6 +3666,7 @@
               <a:rPr lang="en-US"/>
               <a:t>Third level</a:t>
             </a:r>
+            <a:endParaRPr lang="en-US"/>
           </a:p>
           <a:p>
             <a:pPr lvl="3"/>
@@ -3374,6 +3674,7 @@
               <a:rPr lang="en-US"/>
               <a:t>Fourth level</a:t>
             </a:r>
+            <a:endParaRPr lang="en-US"/>
           </a:p>
           <a:p>
             <a:pPr lvl="4"/>
@@ -3418,7 +3719,6 @@
           <a:p>
             <a:fld id="{C6ACF9C8-6D65-41F9-9101-DBF005E879DE}" type="datetimeFigureOut">
               <a:rPr lang="en-US" smtClean="0"/>
-              <a:t>4/29/2019</a:t>
             </a:fld>
             <a:endParaRPr lang="en-US"/>
           </a:p>
@@ -3492,7 +3792,6 @@
           <a:p>
             <a:fld id="{ABBCC5BB-7559-4F86-B19F-0508DBA45658}" type="slidenum">
               <a:rPr lang="en-US" smtClean="0"/>
-              <a:t>‹nr.›</a:t>
             </a:fld>
             <a:endParaRPr lang="en-US"/>
           </a:p>
@@ -3537,25 +3836,20 @@
         </p:style>
       </p:cxnSp>
     </p:spTree>
-    <p:extLst>
-      <p:ext uri="{BB962C8B-B14F-4D97-AF65-F5344CB8AC3E}">
-        <p14:creationId xmlns:p14="http://schemas.microsoft.com/office/powerpoint/2010/main" val="2127160232"/>
-      </p:ext>
-    </p:extLst>
   </p:cSld>
   <p:clrMap bg1="lt1" tx1="dk1" bg2="lt2" tx2="dk2" accent1="accent1" accent2="accent2" accent3="accent3" accent4="accent4" accent5="accent5" accent6="accent6" hlink="hlink" folHlink="folHlink"/>
   <p:sldLayoutIdLst>
-    <p:sldLayoutId id="2147483697" r:id="rId1"/>
-    <p:sldLayoutId id="2147483698" r:id="rId2"/>
-    <p:sldLayoutId id="2147483699" r:id="rId3"/>
-    <p:sldLayoutId id="2147483700" r:id="rId4"/>
-    <p:sldLayoutId id="2147483701" r:id="rId5"/>
-    <p:sldLayoutId id="2147483702" r:id="rId6"/>
-    <p:sldLayoutId id="2147483703" r:id="rId7"/>
-    <p:sldLayoutId id="2147483704" r:id="rId8"/>
-    <p:sldLayoutId id="2147483705" r:id="rId9"/>
-    <p:sldLayoutId id="2147483706" r:id="rId10"/>
-    <p:sldLayoutId id="2147483707" r:id="rId11"/>
+    <p:sldLayoutId id="2147483649" r:id="rId1"/>
+    <p:sldLayoutId id="2147483650" r:id="rId2"/>
+    <p:sldLayoutId id="2147483651" r:id="rId3"/>
+    <p:sldLayoutId id="2147483652" r:id="rId4"/>
+    <p:sldLayoutId id="2147483653" r:id="rId5"/>
+    <p:sldLayoutId id="2147483654" r:id="rId6"/>
+    <p:sldLayoutId id="2147483655" r:id="rId7"/>
+    <p:sldLayoutId id="2147483656" r:id="rId8"/>
+    <p:sldLayoutId id="2147483657" r:id="rId9"/>
+    <p:sldLayoutId id="2147483658" r:id="rId10"/>
+    <p:sldLayoutId id="2147483659" r:id="rId11"/>
   </p:sldLayoutIdLst>
   <p:txStyles>
     <p:titleStyle>
@@ -3609,7 +3903,7 @@
           <a:cs typeface="+mn-cs"/>
         </a:defRPr>
       </a:lvl1pPr>
-      <a:lvl2pPr marL="384048" indent="-182880" algn="l" defTabSz="914400" rtl="0" eaLnBrk="1" latinLnBrk="0" hangingPunct="1">
+      <a:lvl2pPr marL="384175" indent="-182880" algn="l" defTabSz="914400" rtl="0" eaLnBrk="1" latinLnBrk="0" hangingPunct="1">
         <a:lnSpc>
           <a:spcPct val="90000"/>
         </a:lnSpc>
@@ -3622,7 +3916,7 @@
         <a:buClr>
           <a:schemeClr val="accent1"/>
         </a:buClr>
-        <a:buFont typeface="Calibri" pitchFamily="34" charset="0"/>
+        <a:buFont typeface="Calibri" panose="020F0502020204030204" pitchFamily="34" charset="0"/>
         <a:buChar char="◦"/>
         <a:defRPr sz="1800" kern="1200">
           <a:solidFill>
@@ -3636,7 +3930,7 @@
           <a:cs typeface="+mn-cs"/>
         </a:defRPr>
       </a:lvl2pPr>
-      <a:lvl3pPr marL="566928" indent="-182880" algn="l" defTabSz="914400" rtl="0" eaLnBrk="1" latinLnBrk="0" hangingPunct="1">
+      <a:lvl3pPr marL="567055" indent="-182880" algn="l" defTabSz="914400" rtl="0" eaLnBrk="1" latinLnBrk="0" hangingPunct="1">
         <a:lnSpc>
           <a:spcPct val="90000"/>
         </a:lnSpc>
@@ -3649,7 +3943,7 @@
         <a:buClr>
           <a:schemeClr val="accent1"/>
         </a:buClr>
-        <a:buFont typeface="Calibri" pitchFamily="34" charset="0"/>
+        <a:buFont typeface="Calibri" panose="020F0502020204030204" pitchFamily="34" charset="0"/>
         <a:buChar char="◦"/>
         <a:defRPr sz="1400" kern="1200">
           <a:solidFill>
@@ -3663,7 +3957,7 @@
           <a:cs typeface="+mn-cs"/>
         </a:defRPr>
       </a:lvl3pPr>
-      <a:lvl4pPr marL="749808" indent="-182880" algn="l" defTabSz="914400" rtl="0" eaLnBrk="1" latinLnBrk="0" hangingPunct="1">
+      <a:lvl4pPr marL="749935" indent="-182880" algn="l" defTabSz="914400" rtl="0" eaLnBrk="1" latinLnBrk="0" hangingPunct="1">
         <a:lnSpc>
           <a:spcPct val="90000"/>
         </a:lnSpc>
@@ -3676,7 +3970,7 @@
         <a:buClr>
           <a:schemeClr val="accent1"/>
         </a:buClr>
-        <a:buFont typeface="Calibri" pitchFamily="34" charset="0"/>
+        <a:buFont typeface="Calibri" panose="020F0502020204030204" pitchFamily="34" charset="0"/>
         <a:buChar char="◦"/>
         <a:defRPr sz="1400" kern="1200">
           <a:solidFill>
@@ -3690,7 +3984,7 @@
           <a:cs typeface="+mn-cs"/>
         </a:defRPr>
       </a:lvl4pPr>
-      <a:lvl5pPr marL="932688" indent="-182880" algn="l" defTabSz="914400" rtl="0" eaLnBrk="1" latinLnBrk="0" hangingPunct="1">
+      <a:lvl5pPr marL="932815" indent="-182880" algn="l" defTabSz="914400" rtl="0" eaLnBrk="1" latinLnBrk="0" hangingPunct="1">
         <a:lnSpc>
           <a:spcPct val="90000"/>
         </a:lnSpc>
@@ -3703,7 +3997,7 @@
         <a:buClr>
           <a:schemeClr val="accent1"/>
         </a:buClr>
-        <a:buFont typeface="Calibri" pitchFamily="34" charset="0"/>
+        <a:buFont typeface="Calibri" panose="020F0502020204030204" pitchFamily="34" charset="0"/>
         <a:buChar char="◦"/>
         <a:defRPr sz="1400" kern="1200">
           <a:solidFill>
@@ -3717,7 +4011,7 @@
           <a:cs typeface="+mn-cs"/>
         </a:defRPr>
       </a:lvl5pPr>
-      <a:lvl6pPr marL="1100000" indent="-228600" algn="l" defTabSz="914400" rtl="0" eaLnBrk="1" latinLnBrk="0" hangingPunct="1">
+      <a:lvl6pPr marL="1099820" indent="-228600" algn="l" defTabSz="914400" rtl="0" eaLnBrk="1" latinLnBrk="0" hangingPunct="1">
         <a:lnSpc>
           <a:spcPct val="90000"/>
         </a:lnSpc>
@@ -3730,7 +4024,7 @@
         <a:buClr>
           <a:schemeClr val="accent1"/>
         </a:buClr>
-        <a:buFont typeface="Calibri" pitchFamily="34" charset="0"/>
+        <a:buFont typeface="Calibri" panose="020F0502020204030204" pitchFamily="34" charset="0"/>
         <a:buChar char="◦"/>
         <a:defRPr sz="1400" kern="1200">
           <a:solidFill>
@@ -3744,7 +4038,7 @@
           <a:cs typeface="+mn-cs"/>
         </a:defRPr>
       </a:lvl6pPr>
-      <a:lvl7pPr marL="1300000" indent="-228600" algn="l" defTabSz="914400" rtl="0" eaLnBrk="1" latinLnBrk="0" hangingPunct="1">
+      <a:lvl7pPr marL="1299845" indent="-228600" algn="l" defTabSz="914400" rtl="0" eaLnBrk="1" latinLnBrk="0" hangingPunct="1">
         <a:lnSpc>
           <a:spcPct val="90000"/>
         </a:lnSpc>
@@ -3757,7 +4051,7 @@
         <a:buClr>
           <a:schemeClr val="accent1"/>
         </a:buClr>
-        <a:buFont typeface="Calibri" pitchFamily="34" charset="0"/>
+        <a:buFont typeface="Calibri" panose="020F0502020204030204" pitchFamily="34" charset="0"/>
         <a:buChar char="◦"/>
         <a:defRPr sz="1400" kern="1200">
           <a:solidFill>
@@ -3771,7 +4065,7 @@
           <a:cs typeface="+mn-cs"/>
         </a:defRPr>
       </a:lvl7pPr>
-      <a:lvl8pPr marL="1500000" indent="-228600" algn="l" defTabSz="914400" rtl="0" eaLnBrk="1" latinLnBrk="0" hangingPunct="1">
+      <a:lvl8pPr marL="1499870" indent="-228600" algn="l" defTabSz="914400" rtl="0" eaLnBrk="1" latinLnBrk="0" hangingPunct="1">
         <a:lnSpc>
           <a:spcPct val="90000"/>
         </a:lnSpc>
@@ -3784,7 +4078,7 @@
         <a:buClr>
           <a:schemeClr val="accent1"/>
         </a:buClr>
-        <a:buFont typeface="Calibri" pitchFamily="34" charset="0"/>
+        <a:buFont typeface="Calibri" panose="020F0502020204030204" pitchFamily="34" charset="0"/>
         <a:buChar char="◦"/>
         <a:defRPr sz="1400" kern="1200">
           <a:solidFill>
@@ -3798,7 +4092,7 @@
           <a:cs typeface="+mn-cs"/>
         </a:defRPr>
       </a:lvl8pPr>
-      <a:lvl9pPr marL="1700000" indent="-228600" algn="l" defTabSz="914400" rtl="0" eaLnBrk="1" latinLnBrk="0" hangingPunct="1">
+      <a:lvl9pPr marL="1699895" indent="-228600" algn="l" defTabSz="914400" rtl="0" eaLnBrk="1" latinLnBrk="0" hangingPunct="1">
         <a:lnSpc>
           <a:spcPct val="90000"/>
         </a:lnSpc>
@@ -3811,7 +4105,7 @@
         <a:buClr>
           <a:schemeClr val="accent1"/>
         </a:buClr>
-        <a:buFont typeface="Calibri" pitchFamily="34" charset="0"/>
+        <a:buFont typeface="Calibri" panose="020F0502020204030204" pitchFamily="34" charset="0"/>
         <a:buChar char="◦"/>
         <a:defRPr sz="1400" kern="1200">
           <a:solidFill>
@@ -3944,13 +4238,7 @@
       </p:grpSpPr>
       <p:sp>
         <p:nvSpPr>
-          <p:cNvPr id="2" name="Title 1">
-            <a:extLst>
-              <a:ext uri="{FF2B5EF4-FFF2-40B4-BE49-F238E27FC236}">
-                <a16:creationId xmlns:a16="http://schemas.microsoft.com/office/drawing/2014/main" id="{E6593077-E4FE-4BBC-ADFF-B962B4F4D599}"/>
-              </a:ext>
-            </a:extLst>
-          </p:cNvPr>
+          <p:cNvPr id="2" name="Title 1"/>
           <p:cNvSpPr>
             <a:spLocks noGrp="1"/>
           </p:cNvSpPr>
@@ -3966,38 +4254,32 @@
         </p:spPr>
         <p:txBody>
           <a:bodyPr>
-            <a:normAutofit/>
+            <a:noAutofit/>
           </a:bodyPr>
           <a:lstStyle/>
           <a:p>
             <a:r>
-              <a:rPr lang="nl-BE" dirty="0"/>
+              <a:rPr lang="nl-BE" sz="7200" dirty="0"/>
               <a:t>Software-ontwerp: </a:t>
             </a:r>
             <a:r>
-              <a:rPr lang="nl-BE" dirty="0" err="1"/>
+              <a:rPr lang="nl-BE" sz="7200" dirty="0" err="1"/>
               <a:t>Tablr</a:t>
             </a:r>
             <a:br>
-              <a:rPr lang="nl-BE" dirty="0"/>
+              <a:rPr lang="nl-BE" sz="7200" dirty="0"/>
             </a:br>
             <a:r>
-              <a:rPr lang="nl-BE" dirty="0"/>
+              <a:rPr lang="nl-BE" sz="7200" dirty="0"/>
               <a:t>Iteration 2</a:t>
             </a:r>
-            <a:endParaRPr lang="en-US" dirty="0"/>
-          </a:p>
-        </p:txBody>
-      </p:sp>
-      <p:sp>
-        <p:nvSpPr>
-          <p:cNvPr id="3" name="Subtitle 2">
-            <a:extLst>
-              <a:ext uri="{FF2B5EF4-FFF2-40B4-BE49-F238E27FC236}">
-                <a16:creationId xmlns:a16="http://schemas.microsoft.com/office/drawing/2014/main" id="{F4604A92-4183-4C76-A40D-26A7F6A01F93}"/>
-              </a:ext>
-            </a:extLst>
-          </p:cNvPr>
+            <a:endParaRPr lang="nl-BE" sz="7200" dirty="0"/>
+          </a:p>
+        </p:txBody>
+      </p:sp>
+      <p:sp>
+        <p:nvSpPr>
+          <p:cNvPr id="3" name="Subtitle 2"/>
           <p:cNvSpPr>
             <a:spLocks noGrp="1"/>
           </p:cNvSpPr>
@@ -4038,6 +4320,7 @@
               <a:rPr lang="nl-BE" dirty="0"/>
               <a:t>Tom De Backer</a:t>
             </a:r>
+            <a:endParaRPr lang="nl-BE" dirty="0"/>
           </a:p>
           <a:p>
             <a:r>
@@ -4049,11 +4332,6 @@
         </p:txBody>
       </p:sp>
     </p:spTree>
-    <p:extLst>
-      <p:ext uri="{BB962C8B-B14F-4D97-AF65-F5344CB8AC3E}">
-        <p14:creationId xmlns:p14="http://schemas.microsoft.com/office/powerpoint/2010/main" val="2386576738"/>
-      </p:ext>
-    </p:extLst>
   </p:cSld>
   <p:clrMapOvr>
     <a:masterClrMapping/>
@@ -4070,6 +4348,511 @@
         <p:cNvGrpSpPr/>
         <p:nvPr/>
       </p:nvGrpSpPr>
+      <p:grpSpPr/>
+      <p:pic>
+        <p:nvPicPr>
+          <p:cNvPr id="4" name="Content Placeholder 3" descr="ui"/>
+          <p:cNvPicPr>
+            <a:picLocks noChangeAspect="1"/>
+          </p:cNvPicPr>
+          <p:nvPr>
+            <p:ph idx="1"/>
+          </p:nvPr>
+        </p:nvPicPr>
+        <p:blipFill>
+          <a:blip r:embed="rId1"/>
+          <a:srcRect l="34488" t="46951"/>
+          <a:stretch>
+            <a:fillRect/>
+          </a:stretch>
+        </p:blipFill>
+        <p:spPr>
+          <a:xfrm>
+            <a:off x="3429000" y="-31115"/>
+            <a:ext cx="5334000" cy="6919595"/>
+          </a:xfrm>
+          <a:prstGeom prst="rect">
+            <a:avLst/>
+          </a:prstGeom>
+        </p:spPr>
+      </p:pic>
+    </p:spTree>
+  </p:cSld>
+  <p:clrMapOvr>
+    <a:masterClrMapping/>
+  </p:clrMapOvr>
+</p:sld>
+</file>
+
+<file path=ppt/slides/slide11.xml><?xml version="1.0" encoding="utf-8"?>
+<p:sld xmlns:a="http://schemas.openxmlformats.org/drawingml/2006/main" xmlns:r="http://schemas.openxmlformats.org/officeDocument/2006/relationships" xmlns:p="http://schemas.openxmlformats.org/presentationml/2006/main">
+  <p:cSld>
+    <p:spTree>
+      <p:nvGrpSpPr>
+        <p:cNvPr id="1" name=""/>
+        <p:cNvGrpSpPr/>
+        <p:nvPr/>
+      </p:nvGrpSpPr>
+      <p:grpSpPr/>
+      <p:sp>
+        <p:nvSpPr>
+          <p:cNvPr id="2" name="Title 1"/>
+          <p:cNvSpPr>
+            <a:spLocks noGrp="1"/>
+          </p:cNvSpPr>
+          <p:nvPr>
+            <p:ph type="title"/>
+          </p:nvPr>
+        </p:nvSpPr>
+        <p:spPr/>
+        <p:txBody>
+          <a:bodyPr/>
+          <a:p>
+            <a:r>
+              <a:rPr lang="" altLang="en-US"/>
+              <a:t>1. Design: Domain</a:t>
+            </a:r>
+            <a:endParaRPr lang="" altLang="en-US"/>
+          </a:p>
+        </p:txBody>
+      </p:sp>
+      <p:pic>
+        <p:nvPicPr>
+          <p:cNvPr id="6" name="Content Placeholder 5" descr="domain"/>
+          <p:cNvPicPr>
+            <a:picLocks noChangeAspect="1"/>
+          </p:cNvPicPr>
+          <p:nvPr>
+            <p:ph idx="1"/>
+          </p:nvPr>
+        </p:nvPicPr>
+        <p:blipFill>
+          <a:blip r:embed="rId1"/>
+          <a:stretch>
+            <a:fillRect/>
+          </a:stretch>
+        </p:blipFill>
+        <p:spPr>
+          <a:xfrm>
+            <a:off x="1331595" y="1851025"/>
+            <a:ext cx="9589770" cy="4065270"/>
+          </a:xfrm>
+          <a:prstGeom prst="rect">
+            <a:avLst/>
+          </a:prstGeom>
+        </p:spPr>
+      </p:pic>
+    </p:spTree>
+  </p:cSld>
+  <p:clrMapOvr>
+    <a:masterClrMapping/>
+  </p:clrMapOvr>
+</p:sld>
+</file>
+
+<file path=ppt/slides/slide12.xml><?xml version="1.0" encoding="utf-8"?>
+<p:sld xmlns:a="http://schemas.openxmlformats.org/drawingml/2006/main" xmlns:r="http://schemas.openxmlformats.org/officeDocument/2006/relationships" xmlns:p="http://schemas.openxmlformats.org/presentationml/2006/main">
+  <p:cSld>
+    <p:spTree>
+      <p:nvGrpSpPr>
+        <p:cNvPr id="1" name=""/>
+        <p:cNvGrpSpPr/>
+        <p:nvPr/>
+      </p:nvGrpSpPr>
+      <p:grpSpPr/>
+      <p:sp>
+        <p:nvSpPr>
+          <p:cNvPr id="2" name="Title 1"/>
+          <p:cNvSpPr>
+            <a:spLocks noGrp="1"/>
+          </p:cNvSpPr>
+          <p:nvPr>
+            <p:ph type="title"/>
+          </p:nvPr>
+        </p:nvSpPr>
+        <p:spPr/>
+        <p:txBody>
+          <a:bodyPr/>
+          <a:p>
+            <a:r>
+              <a:rPr lang="" altLang="en-US"/>
+              <a:t>1. Design: handling subwindows</a:t>
+            </a:r>
+            <a:endParaRPr lang="" altLang="en-US"/>
+          </a:p>
+        </p:txBody>
+      </p:sp>
+      <p:pic>
+        <p:nvPicPr>
+          <p:cNvPr id="4" name="Content Placeholder 3" descr="Screenshot from 2019-04-29 15.39.31"/>
+          <p:cNvPicPr>
+            <a:picLocks noChangeAspect="1"/>
+          </p:cNvPicPr>
+          <p:nvPr>
+            <p:ph idx="1"/>
+          </p:nvPr>
+        </p:nvPicPr>
+        <p:blipFill>
+          <a:blip r:embed="rId1"/>
+          <a:srcRect l="2424" t="13198"/>
+          <a:stretch>
+            <a:fillRect/>
+          </a:stretch>
+        </p:blipFill>
+        <p:spPr>
+          <a:xfrm>
+            <a:off x="1062990" y="2481580"/>
+            <a:ext cx="7463155" cy="1223645"/>
+          </a:xfrm>
+          <a:prstGeom prst="rect">
+            <a:avLst/>
+          </a:prstGeom>
+        </p:spPr>
+      </p:pic>
+      <p:sp>
+        <p:nvSpPr>
+          <p:cNvPr id="5" name="Text Box 4"/>
+          <p:cNvSpPr txBox="1"/>
+          <p:nvPr/>
+        </p:nvSpPr>
+        <p:spPr>
+          <a:xfrm>
+            <a:off x="1093470" y="1916430"/>
+            <a:ext cx="7432675" cy="368300"/>
+          </a:xfrm>
+          <a:prstGeom prst="rect">
+            <a:avLst/>
+          </a:prstGeom>
+          <a:noFill/>
+        </p:spPr>
+        <p:txBody>
+          <a:bodyPr wrap="square" rtlCol="0">
+            <a:spAutoFit/>
+          </a:bodyPr>
+          <a:p>
+            <a:pPr marL="285750" indent="-285750">
+              <a:buFont typeface="Arial" panose="02080604020202020204" pitchFamily="34" charset="0"/>
+              <a:buChar char="•"/>
+            </a:pPr>
+            <a:r>
+              <a:rPr lang="" altLang="en-US"/>
+              <a:t>WindowManager holds all UI's/Subwindows</a:t>
+            </a:r>
+            <a:endParaRPr lang="" altLang="en-US"/>
+          </a:p>
+        </p:txBody>
+      </p:sp>
+    </p:spTree>
+  </p:cSld>
+  <p:clrMapOvr>
+    <a:masterClrMapping/>
+  </p:clrMapOvr>
+</p:sld>
+</file>
+
+<file path=ppt/slides/slide13.xml><?xml version="1.0" encoding="utf-8"?>
+<p:sld xmlns:a="http://schemas.openxmlformats.org/drawingml/2006/main" xmlns:r="http://schemas.openxmlformats.org/officeDocument/2006/relationships" xmlns:p="http://schemas.openxmlformats.org/presentationml/2006/main">
+  <p:cSld>
+    <p:spTree>
+      <p:nvGrpSpPr>
+        <p:cNvPr id="1" name=""/>
+        <p:cNvGrpSpPr/>
+        <p:nvPr/>
+      </p:nvGrpSpPr>
+      <p:grpSpPr/>
+      <p:sp>
+        <p:nvSpPr>
+          <p:cNvPr id="2" name="Title 1"/>
+          <p:cNvSpPr>
+            <a:spLocks noGrp="1"/>
+          </p:cNvSpPr>
+          <p:nvPr>
+            <p:ph type="title"/>
+          </p:nvPr>
+        </p:nvSpPr>
+        <p:spPr/>
+        <p:txBody>
+          <a:bodyPr/>
+          <a:p>
+            <a:r>
+              <a:rPr lang="en-US" altLang="en-US"/>
+              <a:t>1. Design: handling subwindows</a:t>
+            </a:r>
+            <a:endParaRPr lang="en-US" altLang="en-US"/>
+          </a:p>
+        </p:txBody>
+      </p:sp>
+      <p:pic>
+        <p:nvPicPr>
+          <p:cNvPr id="4" name="Content Placeholder 3" descr="Screenshot from 2019-04-29 15.39.31"/>
+          <p:cNvPicPr>
+            <a:picLocks noChangeAspect="1"/>
+          </p:cNvPicPr>
+          <p:nvPr>
+            <p:ph idx="1"/>
+          </p:nvPr>
+        </p:nvPicPr>
+        <p:blipFill>
+          <a:blip r:embed="rId1"/>
+          <a:srcRect l="2424" t="13198"/>
+          <a:stretch>
+            <a:fillRect/>
+          </a:stretch>
+        </p:blipFill>
+        <p:spPr>
+          <a:xfrm>
+            <a:off x="1062990" y="2481580"/>
+            <a:ext cx="7463155" cy="1223645"/>
+          </a:xfrm>
+          <a:prstGeom prst="rect">
+            <a:avLst/>
+          </a:prstGeom>
+        </p:spPr>
+      </p:pic>
+      <p:sp>
+        <p:nvSpPr>
+          <p:cNvPr id="5" name="Text Box 4"/>
+          <p:cNvSpPr txBox="1"/>
+          <p:nvPr/>
+        </p:nvSpPr>
+        <p:spPr>
+          <a:xfrm>
+            <a:off x="1093470" y="1916430"/>
+            <a:ext cx="7432675" cy="368300"/>
+          </a:xfrm>
+          <a:prstGeom prst="rect">
+            <a:avLst/>
+          </a:prstGeom>
+          <a:noFill/>
+        </p:spPr>
+        <p:txBody>
+          <a:bodyPr wrap="square" rtlCol="0">
+            <a:spAutoFit/>
+          </a:bodyPr>
+          <a:p>
+            <a:pPr marL="285750" indent="-285750">
+              <a:buFont typeface="Arial" panose="02080604020202020204" pitchFamily="34" charset="0"/>
+              <a:buChar char="•"/>
+            </a:pPr>
+            <a:r>
+              <a:rPr lang="en-US" altLang="en-US"/>
+              <a:t>WindowManager holds all UI's/Subwindows</a:t>
+            </a:r>
+            <a:endParaRPr lang="en-US" altLang="en-US"/>
+          </a:p>
+        </p:txBody>
+      </p:sp>
+      <p:sp>
+        <p:nvSpPr>
+          <p:cNvPr id="3" name="Text Box 2"/>
+          <p:cNvSpPr txBox="1"/>
+          <p:nvPr/>
+        </p:nvSpPr>
+        <p:spPr>
+          <a:xfrm>
+            <a:off x="1129030" y="3912870"/>
+            <a:ext cx="7432675" cy="368300"/>
+          </a:xfrm>
+          <a:prstGeom prst="rect">
+            <a:avLst/>
+          </a:prstGeom>
+          <a:noFill/>
+        </p:spPr>
+        <p:txBody>
+          <a:bodyPr wrap="square" rtlCol="0">
+            <a:spAutoFit/>
+          </a:bodyPr>
+          <a:p>
+            <a:pPr marL="285750" indent="-285750">
+              <a:buFont typeface="Arial" panose="02080604020202020204" pitchFamily="34" charset="0"/>
+              <a:buChar char="•"/>
+            </a:pPr>
+            <a:r>
+              <a:rPr lang="" altLang="en-US"/>
+              <a:t>Opening/Closing means activating/deactivating </a:t>
+            </a:r>
+            <a:endParaRPr lang="" altLang="en-US"/>
+          </a:p>
+        </p:txBody>
+      </p:sp>
+      <p:pic>
+        <p:nvPicPr>
+          <p:cNvPr id="6" name="Picture 5" descr="Screenshot from 2019-04-29 15.44.19"/>
+          <p:cNvPicPr>
+            <a:picLocks noChangeAspect="1"/>
+          </p:cNvPicPr>
+          <p:nvPr/>
+        </p:nvPicPr>
+        <p:blipFill>
+          <a:blip r:embed="rId2"/>
+          <a:srcRect t="15072"/>
+          <a:stretch>
+            <a:fillRect/>
+          </a:stretch>
+        </p:blipFill>
+        <p:spPr>
+          <a:xfrm>
+            <a:off x="1059180" y="4364990"/>
+            <a:ext cx="7466965" cy="930275"/>
+          </a:xfrm>
+          <a:prstGeom prst="rect">
+            <a:avLst/>
+          </a:prstGeom>
+        </p:spPr>
+      </p:pic>
+    </p:spTree>
+  </p:cSld>
+  <p:clrMapOvr>
+    <a:masterClrMapping/>
+  </p:clrMapOvr>
+</p:sld>
+</file>
+
+<file path=ppt/slides/slide14.xml><?xml version="1.0" encoding="utf-8"?>
+<p:sld xmlns:a="http://schemas.openxmlformats.org/drawingml/2006/main" xmlns:r="http://schemas.openxmlformats.org/officeDocument/2006/relationships" xmlns:p="http://schemas.openxmlformats.org/presentationml/2006/main">
+  <p:cSld>
+    <p:spTree>
+      <p:nvGrpSpPr>
+        <p:cNvPr id="1" name=""/>
+        <p:cNvGrpSpPr/>
+        <p:nvPr/>
+      </p:nvGrpSpPr>
+      <p:grpSpPr/>
+      <p:sp>
+        <p:nvSpPr>
+          <p:cNvPr id="2" name="Title 1"/>
+          <p:cNvSpPr>
+            <a:spLocks noGrp="1"/>
+          </p:cNvSpPr>
+          <p:nvPr>
+            <p:ph type="title"/>
+          </p:nvPr>
+        </p:nvSpPr>
+        <p:spPr/>
+        <p:txBody>
+          <a:bodyPr/>
+          <a:p>
+            <a:r>
+              <a:rPr lang="" altLang="en-US"/>
+              <a:t>1. Design: handling subwindows</a:t>
+            </a:r>
+            <a:endParaRPr lang="" altLang="en-US"/>
+          </a:p>
+        </p:txBody>
+      </p:sp>
+      <p:sp>
+        <p:nvSpPr>
+          <p:cNvPr id="3" name="Content Placeholder 2"/>
+          <p:cNvSpPr>
+            <a:spLocks noGrp="1"/>
+          </p:cNvSpPr>
+          <p:nvPr>
+            <p:ph idx="1"/>
+          </p:nvPr>
+        </p:nvSpPr>
+        <p:spPr/>
+        <p:txBody>
+          <a:bodyPr/>
+          <a:p>
+            <a:pPr>
+              <a:buFont typeface="Arial" panose="02080604020202020204" pitchFamily="34" charset="0"/>
+              <a:buChar char="•"/>
+            </a:pPr>
+            <a:r>
+              <a:rPr lang="" altLang="en-US"/>
+              <a:t> Opening a subwindow multiple times means cloning an existing UI at different coordinates</a:t>
+            </a:r>
+            <a:endParaRPr lang="" altLang="en-US"/>
+          </a:p>
+          <a:p>
+            <a:pPr>
+              <a:buFont typeface="Arial" panose="02080604020202020204" pitchFamily="34" charset="0"/>
+              <a:buChar char="•"/>
+            </a:pPr>
+            <a:endParaRPr lang="" altLang="en-US"/>
+          </a:p>
+          <a:p>
+            <a:pPr>
+              <a:buFont typeface="Arial" panose="02080604020202020204" pitchFamily="34" charset="0"/>
+              <a:buChar char="•"/>
+            </a:pPr>
+            <a:endParaRPr lang="" altLang="en-US"/>
+          </a:p>
+          <a:p>
+            <a:pPr>
+              <a:buFont typeface="Arial" panose="02080604020202020204" pitchFamily="34" charset="0"/>
+              <a:buChar char="•"/>
+            </a:pPr>
+            <a:endParaRPr lang="" altLang="en-US"/>
+          </a:p>
+          <a:p>
+            <a:pPr>
+              <a:buFont typeface="Arial" panose="02080604020202020204" pitchFamily="34" charset="0"/>
+              <a:buChar char="•"/>
+            </a:pPr>
+            <a:endParaRPr lang="" altLang="en-US"/>
+          </a:p>
+          <a:p>
+            <a:pPr>
+              <a:buFont typeface="Arial" panose="02080604020202020204" pitchFamily="34" charset="0"/>
+              <a:buChar char="•"/>
+            </a:pPr>
+            <a:r>
+              <a:rPr lang="" altLang="en-US"/>
+              <a:t>Cloning is reference-based, so changes in clones are always reflected in the original window, etc.</a:t>
+            </a:r>
+            <a:endParaRPr lang="" altLang="en-US"/>
+          </a:p>
+          <a:p>
+            <a:pPr marL="0" indent="0">
+              <a:buFont typeface="Arial" panose="02080604020202020204" pitchFamily="34" charset="0"/>
+              <a:buNone/>
+            </a:pPr>
+            <a:endParaRPr lang="" altLang="en-US"/>
+          </a:p>
+        </p:txBody>
+      </p:sp>
+      <p:pic>
+        <p:nvPicPr>
+          <p:cNvPr id="4" name="Picture 3" descr="Screenshot from 2019-04-29 15.48.20"/>
+          <p:cNvPicPr>
+            <a:picLocks noChangeAspect="1"/>
+          </p:cNvPicPr>
+          <p:nvPr/>
+        </p:nvPicPr>
+        <p:blipFill>
+          <a:blip r:embed="rId1"/>
+          <a:stretch>
+            <a:fillRect/>
+          </a:stretch>
+        </p:blipFill>
+        <p:spPr>
+          <a:xfrm>
+            <a:off x="1097280" y="2570480"/>
+            <a:ext cx="7028815" cy="1552575"/>
+          </a:xfrm>
+          <a:prstGeom prst="rect">
+            <a:avLst/>
+          </a:prstGeom>
+        </p:spPr>
+      </p:pic>
+    </p:spTree>
+  </p:cSld>
+  <p:clrMapOvr>
+    <a:masterClrMapping/>
+  </p:clrMapOvr>
+</p:sld>
+</file>
+
+<file path=ppt/slides/slide15.xml><?xml version="1.0" encoding="utf-8"?>
+<p:sld xmlns:a="http://schemas.openxmlformats.org/drawingml/2006/main" xmlns:r="http://schemas.openxmlformats.org/officeDocument/2006/relationships" xmlns:p="http://schemas.openxmlformats.org/presentationml/2006/main">
+  <p:cSld>
+    <p:spTree>
+      <p:nvGrpSpPr>
+        <p:cNvPr id="1" name=""/>
+        <p:cNvGrpSpPr/>
+        <p:nvPr/>
+      </p:nvGrpSpPr>
       <p:grpSpPr>
         <a:xfrm>
           <a:off x="0" y="0"/>
@@ -4080,13 +4863,7 @@
       </p:grpSpPr>
       <p:sp>
         <p:nvSpPr>
-          <p:cNvPr id="2" name="Title 1">
-            <a:extLst>
-              <a:ext uri="{FF2B5EF4-FFF2-40B4-BE49-F238E27FC236}">
-                <a16:creationId xmlns:a16="http://schemas.microsoft.com/office/drawing/2014/main" id="{13872B9D-B01D-43FF-A758-09AD658320E9}"/>
-              </a:ext>
-            </a:extLst>
-          </p:cNvPr>
+          <p:cNvPr id="2" name="Title 1"/>
           <p:cNvSpPr>
             <a:spLocks noGrp="1"/>
           </p:cNvSpPr>
@@ -4117,13 +4894,7 @@
       </p:sp>
       <p:sp>
         <p:nvSpPr>
-          <p:cNvPr id="3" name="Content Placeholder 2">
-            <a:extLst>
-              <a:ext uri="{FF2B5EF4-FFF2-40B4-BE49-F238E27FC236}">
-                <a16:creationId xmlns:a16="http://schemas.microsoft.com/office/drawing/2014/main" id="{0CA9F1B3-4975-4737-9FA3-5FD8D9F3DA97}"/>
-              </a:ext>
-            </a:extLst>
-          </p:cNvPr>
+          <p:cNvPr id="3" name="Content Placeholder 2"/>
           <p:cNvSpPr>
             <a:spLocks noGrp="1"/>
           </p:cNvSpPr>
@@ -4136,101 +4907,47 @@
           <a:bodyPr/>
           <a:lstStyle/>
           <a:p>
-            <a:r>
-              <a:rPr lang="nl-BE" dirty="0"/>
-              <a:t>Communication Manager is </a:t>
-            </a:r>
-            <a:r>
-              <a:rPr lang="nl-BE" dirty="0" err="1"/>
-              <a:t>the</a:t>
-            </a:r>
-            <a:r>
-              <a:rPr lang="nl-BE" dirty="0"/>
-              <a:t> </a:t>
-            </a:r>
-            <a:r>
-              <a:rPr lang="nl-BE" dirty="0" err="1"/>
-              <a:t>only</a:t>
-            </a:r>
-            <a:r>
-              <a:rPr lang="nl-BE" dirty="0"/>
-              <a:t>  link </a:t>
-            </a:r>
-            <a:r>
-              <a:rPr lang="nl-BE" dirty="0" err="1"/>
-              <a:t>between</a:t>
-            </a:r>
-            <a:r>
-              <a:rPr lang="nl-BE" dirty="0"/>
-              <a:t> UI </a:t>
-            </a:r>
-            <a:r>
-              <a:rPr lang="nl-BE" dirty="0" err="1"/>
-              <a:t>and</a:t>
-            </a:r>
-            <a:r>
-              <a:rPr lang="nl-BE" dirty="0"/>
-              <a:t> domain</a:t>
-            </a:r>
-          </a:p>
-          <a:p>
-            <a:pPr lvl="1"/>
-            <a:r>
-              <a:rPr lang="nl-BE" dirty="0">
+            <a:pPr>
+              <a:buFont typeface="Arial" panose="02080604020202020204" pitchFamily="34" charset="0"/>
+              <a:buChar char="•"/>
+            </a:pPr>
+            <a:r>
+              <a:rPr lang="" altLang="nl-BE" dirty="0">
                 <a:sym typeface="Wingdings" panose="05000000000000000000" pitchFamily="2" charset="2"/>
               </a:rPr>
-              <a:t> easy to share domain </a:t>
-            </a:r>
-            <a:r>
-              <a:rPr lang="nl-BE" dirty="0" err="1">
+              <a:t>All program logic is contained in the loadUI method of UI's, can be modified in one place.</a:t>
+            </a:r>
+            <a:endParaRPr lang="" altLang="nl-BE" dirty="0">
+              <a:sym typeface="Wingdings" panose="05000000000000000000" pitchFamily="2" charset="2"/>
+            </a:endParaRPr>
+          </a:p>
+          <a:p>
+            <a:pPr>
+              <a:buFont typeface="Arial" panose="02080604020202020204" pitchFamily="34" charset="0"/>
+              <a:buChar char="•"/>
+            </a:pPr>
+            <a:endParaRPr lang="" altLang="nl-BE" dirty="0">
+              <a:sym typeface="Wingdings" panose="05000000000000000000" pitchFamily="2" charset="2"/>
+            </a:endParaRPr>
+          </a:p>
+          <a:p>
+            <a:pPr>
+              <a:buFont typeface="Arial" panose="02080604020202020204" pitchFamily="34" charset="0"/>
+              <a:buChar char="•"/>
+            </a:pPr>
+            <a:r>
+              <a:rPr lang="" altLang="nl-BE" dirty="0">
                 <a:sym typeface="Wingdings" panose="05000000000000000000" pitchFamily="2" charset="2"/>
               </a:rPr>
-              <a:t>across</a:t>
-            </a:r>
-            <a:r>
-              <a:rPr lang="nl-BE" dirty="0">
-                <a:sym typeface="Wingdings" panose="05000000000000000000" pitchFamily="2" charset="2"/>
-              </a:rPr>
-              <a:t> multiple UI </a:t>
-            </a:r>
-            <a:r>
-              <a:rPr lang="nl-BE" dirty="0" err="1">
-                <a:sym typeface="Wingdings" panose="05000000000000000000" pitchFamily="2" charset="2"/>
-              </a:rPr>
-              <a:t>intances</a:t>
-            </a:r>
-            <a:endParaRPr lang="en-US" dirty="0">
+              <a:t>UI and Domain stand on their own, collect all actions in List&lt;Runnable&gt;. Additional concepts can always follow this logic.</a:t>
+            </a:r>
+            <a:endParaRPr lang="" altLang="nl-BE" dirty="0">
               <a:sym typeface="Wingdings" panose="05000000000000000000" pitchFamily="2" charset="2"/>
             </a:endParaRPr>
           </a:p>
-          <a:p>
-            <a:r>
-              <a:rPr lang="en-US" dirty="0">
-                <a:sym typeface="Wingdings" panose="05000000000000000000" pitchFamily="2" charset="2"/>
-              </a:rPr>
-              <a:t>Validity of values checked on a single place</a:t>
-            </a:r>
-          </a:p>
-          <a:p>
-            <a:pPr lvl="1"/>
-            <a:r>
-              <a:rPr lang="en-US" dirty="0">
-                <a:sym typeface="Wingdings" panose="05000000000000000000" pitchFamily="2" charset="2"/>
-              </a:rPr>
-              <a:t> extensions or change in cell values easy to implement</a:t>
-            </a:r>
-            <a:endParaRPr lang="nl-BE" dirty="0">
-              <a:sym typeface="Wingdings" panose="05000000000000000000" pitchFamily="2" charset="2"/>
-            </a:endParaRPr>
-          </a:p>
         </p:txBody>
       </p:sp>
     </p:spTree>
-    <p:extLst>
-      <p:ext uri="{BB962C8B-B14F-4D97-AF65-F5344CB8AC3E}">
-        <p14:creationId xmlns:p14="http://schemas.microsoft.com/office/powerpoint/2010/main" val="793595498"/>
-      </p:ext>
-    </p:extLst>
   </p:cSld>
   <p:clrMapOvr>
     <a:masterClrMapping/>
@@ -4238,7 +4955,7 @@
 </p:sld>
 </file>
 
-<file path=ppt/slides/slide11.xml><?xml version="1.0" encoding="utf-8"?>
+<file path=ppt/slides/slide16.xml><?xml version="1.0" encoding="utf-8"?>
 <p:sld xmlns:a="http://schemas.openxmlformats.org/drawingml/2006/main" xmlns:r="http://schemas.openxmlformats.org/officeDocument/2006/relationships" xmlns:p="http://schemas.openxmlformats.org/presentationml/2006/main">
   <p:cSld>
     <p:bg>
@@ -4265,13 +4982,7 @@
       </p:grpSpPr>
       <p:sp>
         <p:nvSpPr>
-          <p:cNvPr id="2" name="Title 1">
-            <a:extLst>
-              <a:ext uri="{FF2B5EF4-FFF2-40B4-BE49-F238E27FC236}">
-                <a16:creationId xmlns:a16="http://schemas.microsoft.com/office/drawing/2014/main" id="{B203018A-EA11-4424-9065-BE6AED924306}"/>
-              </a:ext>
-            </a:extLst>
-          </p:cNvPr>
+          <p:cNvPr id="2" name="Title 1"/>
           <p:cNvSpPr>
             <a:spLocks noGrp="1"/>
           </p:cNvSpPr>
@@ -4309,27 +5020,21 @@
       </p:sp>
       <p:pic>
         <p:nvPicPr>
-          <p:cNvPr id="6" name="Afbeelding 5">
-            <a:extLst>
-              <a:ext uri="{FF2B5EF4-FFF2-40B4-BE49-F238E27FC236}">
-                <a16:creationId xmlns:a16="http://schemas.microsoft.com/office/drawing/2014/main" id="{99745FD2-36DD-4186-943B-491541C3F255}"/>
-              </a:ext>
-            </a:extLst>
-          </p:cNvPr>
+          <p:cNvPr id="6" name="Afbeelding 5"/>
           <p:cNvPicPr>
             <a:picLocks noChangeAspect="1"/>
           </p:cNvPicPr>
           <p:nvPr/>
         </p:nvPicPr>
         <p:blipFill>
-          <a:blip r:embed="rId2"/>
+          <a:blip r:embed="rId1"/>
           <a:stretch>
             <a:fillRect/>
           </a:stretch>
         </p:blipFill>
         <p:spPr>
           <a:xfrm>
-            <a:off x="4289901" y="1845734"/>
+            <a:off x="8037671" y="1855894"/>
             <a:ext cx="3612198" cy="4329603"/>
           </a:xfrm>
           <a:prstGeom prst="rect">
@@ -4337,700 +5042,57 @@
           </a:prstGeom>
         </p:spPr>
       </p:pic>
-    </p:spTree>
-    <p:extLst>
-      <p:ext uri="{BB962C8B-B14F-4D97-AF65-F5344CB8AC3E}">
-        <p14:creationId xmlns:p14="http://schemas.microsoft.com/office/powerpoint/2010/main" val="1592366327"/>
-      </p:ext>
-    </p:extLst>
-  </p:cSld>
-  <p:clrMapOvr>
-    <a:masterClrMapping/>
-  </p:clrMapOvr>
-</p:sld>
-</file>
-
-<file path=ppt/slides/slide12.xml><?xml version="1.0" encoding="utf-8"?>
-<p:sld xmlns:a="http://schemas.openxmlformats.org/drawingml/2006/main" xmlns:r="http://schemas.openxmlformats.org/officeDocument/2006/relationships" xmlns:p="http://schemas.openxmlformats.org/presentationml/2006/main">
-  <p:cSld>
-    <p:spTree>
-      <p:nvGrpSpPr>
-        <p:cNvPr id="1" name=""/>
-        <p:cNvGrpSpPr/>
-        <p:nvPr/>
-      </p:nvGrpSpPr>
-      <p:grpSpPr>
-        <a:xfrm>
-          <a:off x="0" y="0"/>
-          <a:ext cx="0" cy="0"/>
-          <a:chOff x="0" y="0"/>
-          <a:chExt cx="0" cy="0"/>
-        </a:xfrm>
-      </p:grpSpPr>
-      <p:sp>
-        <p:nvSpPr>
-          <p:cNvPr id="2" name="Title 1">
-            <a:extLst>
-              <a:ext uri="{FF2B5EF4-FFF2-40B4-BE49-F238E27FC236}">
-                <a16:creationId xmlns:a16="http://schemas.microsoft.com/office/drawing/2014/main" id="{5CD04308-15D7-4DF0-91A9-8E3EFA6398E4}"/>
-              </a:ext>
-            </a:extLst>
-          </p:cNvPr>
-          <p:cNvSpPr>
-            <a:spLocks noGrp="1"/>
-          </p:cNvSpPr>
-          <p:nvPr>
-            <p:ph type="title"/>
-          </p:nvPr>
-        </p:nvSpPr>
-        <p:spPr/>
-        <p:txBody>
-          <a:bodyPr/>
-          <a:lstStyle/>
-          <a:p>
-            <a:r>
-              <a:rPr lang="nl-BE" dirty="0"/>
-              <a:t>4. </a:t>
-            </a:r>
-            <a:r>
-              <a:rPr lang="nl-BE" dirty="0" err="1"/>
-              <a:t>Testing</a:t>
-            </a:r>
-            <a:r>
-              <a:rPr lang="nl-BE" dirty="0"/>
-              <a:t> approach – Mouse Events</a:t>
-            </a:r>
-            <a:endParaRPr lang="en-US" dirty="0"/>
-          </a:p>
-        </p:txBody>
-      </p:sp>
-      <p:pic>
-        <p:nvPicPr>
-          <p:cNvPr id="5" name="Tijdelijke aanduiding voor inhoud 4">
-            <a:extLst>
-              <a:ext uri="{FF2B5EF4-FFF2-40B4-BE49-F238E27FC236}">
-                <a16:creationId xmlns:a16="http://schemas.microsoft.com/office/drawing/2014/main" id="{5315ADB2-3412-4EC7-8C43-8F168B667DD2}"/>
-              </a:ext>
-            </a:extLst>
-          </p:cNvPr>
-          <p:cNvPicPr>
-            <a:picLocks noGrp="1" noChangeAspect="1"/>
-          </p:cNvPicPr>
-          <p:nvPr>
-            <p:ph idx="1"/>
-          </p:nvPr>
-        </p:nvPicPr>
-        <p:blipFill>
-          <a:blip r:embed="rId2"/>
-          <a:stretch>
-            <a:fillRect/>
-          </a:stretch>
-        </p:blipFill>
-        <p:spPr>
-          <a:xfrm>
-            <a:off x="3333040" y="1846263"/>
-            <a:ext cx="5586245" cy="4022725"/>
+      <p:sp>
+        <p:nvSpPr>
+          <p:cNvPr id="3" name="Text Box 2"/>
+          <p:cNvSpPr txBox="1"/>
+          <p:nvPr/>
+        </p:nvSpPr>
+        <p:spPr>
+          <a:xfrm>
+            <a:off x="1248410" y="2070735"/>
+            <a:ext cx="6142355" cy="1337945"/>
           </a:xfrm>
           <a:prstGeom prst="rect">
             <a:avLst/>
           </a:prstGeom>
-        </p:spPr>
-      </p:pic>
+          <a:noFill/>
+        </p:spPr>
+        <p:txBody>
+          <a:bodyPr wrap="square" rtlCol="0">
+            <a:spAutoFit/>
+          </a:bodyPr>
+          <a:p>
+            <a:pPr marL="285750" indent="-285750">
+              <a:lnSpc>
+                <a:spcPct val="150000"/>
+              </a:lnSpc>
+              <a:buFont typeface="Arial" panose="02080604020202020204" pitchFamily="34" charset="0"/>
+              <a:buChar char="•"/>
+            </a:pPr>
+            <a:r>
+              <a:rPr lang="" altLang="en-US"/>
+              <a:t>Start by testing all Use Cases (55% coverage)</a:t>
+            </a:r>
+            <a:endParaRPr lang="" altLang="en-US"/>
+          </a:p>
+          <a:p>
+            <a:pPr marL="285750" indent="-285750">
+              <a:lnSpc>
+                <a:spcPct val="150000"/>
+              </a:lnSpc>
+              <a:buFont typeface="Arial" panose="02080604020202020204" pitchFamily="34" charset="0"/>
+              <a:buChar char="•"/>
+            </a:pPr>
+            <a:r>
+              <a:rPr lang="" altLang="en-US"/>
+              <a:t>Improve coverage with focused testing of remaining parts</a:t>
+            </a:r>
+            <a:endParaRPr lang="" altLang="en-US"/>
+          </a:p>
+        </p:txBody>
+      </p:sp>
     </p:spTree>
-    <p:extLst>
-      <p:ext uri="{BB962C8B-B14F-4D97-AF65-F5344CB8AC3E}">
-        <p14:creationId xmlns:p14="http://schemas.microsoft.com/office/powerpoint/2010/main" val="2025324767"/>
-      </p:ext>
-    </p:extLst>
-  </p:cSld>
-  <p:clrMapOvr>
-    <a:masterClrMapping/>
-  </p:clrMapOvr>
-</p:sld>
-</file>
-
-<file path=ppt/slides/slide13.xml><?xml version="1.0" encoding="utf-8"?>
-<p:sld xmlns:a="http://schemas.openxmlformats.org/drawingml/2006/main" xmlns:r="http://schemas.openxmlformats.org/officeDocument/2006/relationships" xmlns:p="http://schemas.openxmlformats.org/presentationml/2006/main">
-  <p:cSld>
-    <p:spTree>
-      <p:nvGrpSpPr>
-        <p:cNvPr id="1" name=""/>
-        <p:cNvGrpSpPr/>
-        <p:nvPr/>
-      </p:nvGrpSpPr>
-      <p:grpSpPr>
-        <a:xfrm>
-          <a:off x="0" y="0"/>
-          <a:ext cx="0" cy="0"/>
-          <a:chOff x="0" y="0"/>
-          <a:chExt cx="0" cy="0"/>
-        </a:xfrm>
-      </p:grpSpPr>
-      <p:sp>
-        <p:nvSpPr>
-          <p:cNvPr id="2" name="Title 1">
-            <a:extLst>
-              <a:ext uri="{FF2B5EF4-FFF2-40B4-BE49-F238E27FC236}">
-                <a16:creationId xmlns:a16="http://schemas.microsoft.com/office/drawing/2014/main" id="{1297D5A7-90D4-4627-9B0D-5D8D09BC1026}"/>
-              </a:ext>
-            </a:extLst>
-          </p:cNvPr>
-          <p:cNvSpPr>
-            <a:spLocks noGrp="1"/>
-          </p:cNvSpPr>
-          <p:nvPr>
-            <p:ph type="title"/>
-          </p:nvPr>
-        </p:nvSpPr>
-        <p:spPr/>
-        <p:txBody>
-          <a:bodyPr/>
-          <a:lstStyle/>
-          <a:p>
-            <a:r>
-              <a:rPr lang="nl-BE" dirty="0"/>
-              <a:t>4. </a:t>
-            </a:r>
-            <a:r>
-              <a:rPr lang="nl-BE" dirty="0" err="1"/>
-              <a:t>Testing</a:t>
-            </a:r>
-            <a:r>
-              <a:rPr lang="nl-BE" dirty="0"/>
-              <a:t> Approach – Total Coverage</a:t>
-            </a:r>
-            <a:endParaRPr lang="en-US" dirty="0"/>
-          </a:p>
-        </p:txBody>
-      </p:sp>
-      <p:pic>
-        <p:nvPicPr>
-          <p:cNvPr id="5" name="Tijdelijke aanduiding voor inhoud 4">
-            <a:extLst>
-              <a:ext uri="{FF2B5EF4-FFF2-40B4-BE49-F238E27FC236}">
-                <a16:creationId xmlns:a16="http://schemas.microsoft.com/office/drawing/2014/main" id="{6FD4BF5A-28A6-4A7A-AAA5-4B6000A11E17}"/>
-              </a:ext>
-            </a:extLst>
-          </p:cNvPr>
-          <p:cNvPicPr>
-            <a:picLocks noGrp="1" noChangeAspect="1"/>
-          </p:cNvPicPr>
-          <p:nvPr>
-            <p:ph idx="1"/>
-          </p:nvPr>
-        </p:nvPicPr>
-        <p:blipFill>
-          <a:blip r:embed="rId2"/>
-          <a:stretch>
-            <a:fillRect/>
-          </a:stretch>
-        </p:blipFill>
-        <p:spPr>
-          <a:xfrm>
-            <a:off x="1983835" y="2628900"/>
-            <a:ext cx="7666578" cy="2672942"/>
-          </a:xfrm>
-          <a:prstGeom prst="rect">
-            <a:avLst/>
-          </a:prstGeom>
-        </p:spPr>
-      </p:pic>
-    </p:spTree>
-    <p:extLst>
-      <p:ext uri="{BB962C8B-B14F-4D97-AF65-F5344CB8AC3E}">
-        <p14:creationId xmlns:p14="http://schemas.microsoft.com/office/powerpoint/2010/main" val="1933140011"/>
-      </p:ext>
-    </p:extLst>
-  </p:cSld>
-  <p:clrMapOvr>
-    <a:masterClrMapping/>
-  </p:clrMapOvr>
-</p:sld>
-</file>
-
-<file path=ppt/slides/slide14.xml><?xml version="1.0" encoding="utf-8"?>
-<p:sld xmlns:a="http://schemas.openxmlformats.org/drawingml/2006/main" xmlns:r="http://schemas.openxmlformats.org/officeDocument/2006/relationships" xmlns:p="http://schemas.openxmlformats.org/presentationml/2006/main">
-  <p:cSld>
-    <p:spTree>
-      <p:nvGrpSpPr>
-        <p:cNvPr id="1" name=""/>
-        <p:cNvGrpSpPr/>
-        <p:nvPr/>
-      </p:nvGrpSpPr>
-      <p:grpSpPr>
-        <a:xfrm>
-          <a:off x="0" y="0"/>
-          <a:ext cx="0" cy="0"/>
-          <a:chOff x="0" y="0"/>
-          <a:chExt cx="0" cy="0"/>
-        </a:xfrm>
-      </p:grpSpPr>
-      <p:sp>
-        <p:nvSpPr>
-          <p:cNvPr id="3" name="Content Placeholder 2">
-            <a:extLst>
-              <a:ext uri="{FF2B5EF4-FFF2-40B4-BE49-F238E27FC236}">
-                <a16:creationId xmlns:a16="http://schemas.microsoft.com/office/drawing/2014/main" id="{12290A3E-58EF-471B-BDBC-8270556B7C45}"/>
-              </a:ext>
-            </a:extLst>
-          </p:cNvPr>
-          <p:cNvSpPr>
-            <a:spLocks noGrp="1"/>
-          </p:cNvSpPr>
-          <p:nvPr>
-            <p:ph idx="1"/>
-          </p:nvPr>
-        </p:nvSpPr>
-        <p:spPr/>
-        <p:txBody>
-          <a:bodyPr/>
-          <a:lstStyle/>
-          <a:p>
-            <a:r>
-              <a:rPr lang="en-US" dirty="0"/>
-              <a:t>79% tot nu toe</a:t>
-            </a:r>
-          </a:p>
-          <a:p>
-            <a:endParaRPr lang="en-US" dirty="0"/>
-          </a:p>
-          <a:p>
-            <a:r>
-              <a:rPr lang="en-US" dirty="0"/>
-              <a:t>What is not tested?</a:t>
-            </a:r>
-          </a:p>
-          <a:p>
-            <a:pPr lvl="1"/>
-            <a:r>
-              <a:rPr lang="en-US" dirty="0" err="1"/>
-              <a:t>Canvaswindow</a:t>
-            </a:r>
-            <a:endParaRPr lang="en-US" dirty="0"/>
-          </a:p>
-          <a:p>
-            <a:pPr lvl="1"/>
-            <a:r>
-              <a:rPr lang="en-US" dirty="0"/>
-              <a:t>Paint methods</a:t>
-            </a:r>
-          </a:p>
-          <a:p>
-            <a:pPr marL="201168" lvl="1" indent="0">
-              <a:buNone/>
-            </a:pPr>
-            <a:endParaRPr lang="en-US" dirty="0"/>
-          </a:p>
-        </p:txBody>
-      </p:sp>
-      <p:sp>
-        <p:nvSpPr>
-          <p:cNvPr id="4" name="Title 1">
-            <a:extLst>
-              <a:ext uri="{FF2B5EF4-FFF2-40B4-BE49-F238E27FC236}">
-                <a16:creationId xmlns:a16="http://schemas.microsoft.com/office/drawing/2014/main" id="{8280398C-8D72-40A9-8A03-A5F9815CC996}"/>
-              </a:ext>
-            </a:extLst>
-          </p:cNvPr>
-          <p:cNvSpPr>
-            <a:spLocks noGrp="1"/>
-          </p:cNvSpPr>
-          <p:nvPr>
-            <p:ph type="title"/>
-          </p:nvPr>
-        </p:nvSpPr>
-        <p:spPr>
-          <a:xfrm>
-            <a:off x="1097280" y="286603"/>
-            <a:ext cx="10058400" cy="1450757"/>
-          </a:xfrm>
-        </p:spPr>
-        <p:txBody>
-          <a:bodyPr/>
-          <a:lstStyle/>
-          <a:p>
-            <a:r>
-              <a:rPr lang="nl-BE" dirty="0"/>
-              <a:t>4. </a:t>
-            </a:r>
-            <a:r>
-              <a:rPr lang="nl-BE" dirty="0" err="1"/>
-              <a:t>Testing</a:t>
-            </a:r>
-            <a:r>
-              <a:rPr lang="nl-BE" dirty="0"/>
-              <a:t> Approach – </a:t>
-            </a:r>
-            <a:r>
-              <a:rPr lang="nl-BE" dirty="0" err="1"/>
-              <a:t>Adjusted</a:t>
-            </a:r>
-            <a:r>
-              <a:rPr lang="nl-BE" dirty="0"/>
-              <a:t> Coverage</a:t>
-            </a:r>
-            <a:endParaRPr lang="en-US" dirty="0"/>
-          </a:p>
-        </p:txBody>
-      </p:sp>
-    </p:spTree>
-    <p:extLst>
-      <p:ext uri="{BB962C8B-B14F-4D97-AF65-F5344CB8AC3E}">
-        <p14:creationId xmlns:p14="http://schemas.microsoft.com/office/powerpoint/2010/main" val="1837408397"/>
-      </p:ext>
-    </p:extLst>
-  </p:cSld>
-  <p:clrMapOvr>
-    <a:masterClrMapping/>
-  </p:clrMapOvr>
-</p:sld>
-</file>
-
-<file path=ppt/slides/slide15.xml><?xml version="1.0" encoding="utf-8"?>
-<p:sld xmlns:a="http://schemas.openxmlformats.org/drawingml/2006/main" xmlns:r="http://schemas.openxmlformats.org/officeDocument/2006/relationships" xmlns:p="http://schemas.openxmlformats.org/presentationml/2006/main">
-  <p:cSld>
-    <p:spTree>
-      <p:nvGrpSpPr>
-        <p:cNvPr id="1" name=""/>
-        <p:cNvGrpSpPr/>
-        <p:nvPr/>
-      </p:nvGrpSpPr>
-      <p:grpSpPr>
-        <a:xfrm>
-          <a:off x="0" y="0"/>
-          <a:ext cx="0" cy="0"/>
-          <a:chOff x="0" y="0"/>
-          <a:chExt cx="0" cy="0"/>
-        </a:xfrm>
-      </p:grpSpPr>
-      <p:sp>
-        <p:nvSpPr>
-          <p:cNvPr id="2" name="Titel 1"/>
-          <p:cNvSpPr>
-            <a:spLocks noGrp="1"/>
-          </p:cNvSpPr>
-          <p:nvPr>
-            <p:ph type="title"/>
-          </p:nvPr>
-        </p:nvSpPr>
-        <p:spPr/>
-        <p:txBody>
-          <a:bodyPr/>
-          <a:lstStyle/>
-          <a:p>
-            <a:r>
-              <a:rPr lang="nl-BE" dirty="0" err="1"/>
-              <a:t>Overview</a:t>
-            </a:r>
-            <a:r>
-              <a:rPr lang="nl-BE" dirty="0"/>
-              <a:t> of project management</a:t>
-            </a:r>
-          </a:p>
-        </p:txBody>
-      </p:sp>
-      <p:sp>
-        <p:nvSpPr>
-          <p:cNvPr id="3" name="Tijdelijke aanduiding voor inhoud 2"/>
-          <p:cNvSpPr>
-            <a:spLocks noGrp="1"/>
-          </p:cNvSpPr>
-          <p:nvPr>
-            <p:ph idx="1"/>
-          </p:nvPr>
-        </p:nvSpPr>
-        <p:spPr/>
-        <p:txBody>
-          <a:bodyPr/>
-          <a:lstStyle/>
-          <a:p>
-            <a:r>
-              <a:rPr lang="nl-BE" dirty="0"/>
-              <a:t>Domain </a:t>
-            </a:r>
-            <a:r>
-              <a:rPr lang="nl-BE" dirty="0" err="1"/>
-              <a:t>Coordinator</a:t>
-            </a:r>
-            <a:r>
-              <a:rPr lang="nl-BE" dirty="0"/>
-              <a:t>: </a:t>
-            </a:r>
-            <a:r>
-              <a:rPr lang="nl-BE" dirty="0" err="1"/>
-              <a:t>Ignace</a:t>
-            </a:r>
-            <a:endParaRPr lang="nl-BE" dirty="0"/>
-          </a:p>
-          <a:p>
-            <a:r>
-              <a:rPr lang="nl-BE" dirty="0" err="1"/>
-              <a:t>Testing</a:t>
-            </a:r>
-            <a:r>
-              <a:rPr lang="nl-BE" dirty="0"/>
-              <a:t> </a:t>
-            </a:r>
-            <a:r>
-              <a:rPr lang="nl-BE" dirty="0" err="1"/>
-              <a:t>Coordinator</a:t>
-            </a:r>
-            <a:r>
-              <a:rPr lang="nl-BE" dirty="0"/>
-              <a:t>: Tom</a:t>
-            </a:r>
-          </a:p>
-          <a:p>
-            <a:r>
-              <a:rPr lang="nl-BE" dirty="0"/>
-              <a:t>Design </a:t>
-            </a:r>
-            <a:r>
-              <a:rPr lang="nl-BE" dirty="0" err="1"/>
-              <a:t>Coordinator</a:t>
-            </a:r>
-            <a:r>
-              <a:rPr lang="nl-BE" dirty="0"/>
-              <a:t>: Quinten &amp; Martijn</a:t>
-            </a:r>
-          </a:p>
-          <a:p>
-            <a:endParaRPr lang="nl-BE" dirty="0"/>
-          </a:p>
-          <a:p>
-            <a:r>
-              <a:rPr lang="nl-BE" dirty="0"/>
-              <a:t>Next iteration: </a:t>
-            </a:r>
-          </a:p>
-          <a:p>
-            <a:r>
-              <a:rPr lang="nl-BE" dirty="0"/>
-              <a:t>Domain </a:t>
-            </a:r>
-            <a:r>
-              <a:rPr lang="nl-BE" dirty="0" err="1"/>
-              <a:t>Coordinator</a:t>
-            </a:r>
-            <a:r>
-              <a:rPr lang="nl-BE" dirty="0"/>
-              <a:t>: Martijn</a:t>
-            </a:r>
-          </a:p>
-          <a:p>
-            <a:r>
-              <a:rPr lang="nl-BE" dirty="0" err="1"/>
-              <a:t>Testing</a:t>
-            </a:r>
-            <a:r>
-              <a:rPr lang="nl-BE" dirty="0"/>
-              <a:t> </a:t>
-            </a:r>
-            <a:r>
-              <a:rPr lang="nl-BE" dirty="0" err="1"/>
-              <a:t>Coordinator</a:t>
-            </a:r>
-            <a:r>
-              <a:rPr lang="nl-BE" dirty="0"/>
-              <a:t>: </a:t>
-            </a:r>
-            <a:r>
-              <a:rPr lang="nl-BE" dirty="0" err="1"/>
-              <a:t>Ignace</a:t>
-            </a:r>
-            <a:endParaRPr lang="nl-BE" dirty="0"/>
-          </a:p>
-          <a:p>
-            <a:r>
-              <a:rPr lang="nl-BE" dirty="0"/>
-              <a:t>Design </a:t>
-            </a:r>
-            <a:r>
-              <a:rPr lang="nl-BE" dirty="0" err="1"/>
-              <a:t>Coordinator</a:t>
-            </a:r>
-            <a:r>
-              <a:rPr lang="nl-BE" dirty="0"/>
-              <a:t>: Tom &amp; Quinten </a:t>
-            </a:r>
-          </a:p>
-          <a:p>
-            <a:pPr marL="0" indent="0">
-              <a:buNone/>
-            </a:pPr>
-            <a:endParaRPr lang="nl-BE" dirty="0"/>
-          </a:p>
-        </p:txBody>
-      </p:sp>
-    </p:spTree>
-    <p:extLst>
-      <p:ext uri="{BB962C8B-B14F-4D97-AF65-F5344CB8AC3E}">
-        <p14:creationId xmlns:p14="http://schemas.microsoft.com/office/powerpoint/2010/main" val="3368649563"/>
-      </p:ext>
-    </p:extLst>
-  </p:cSld>
-  <p:clrMapOvr>
-    <a:masterClrMapping/>
-  </p:clrMapOvr>
-</p:sld>
-</file>
-
-<file path=ppt/slides/slide16.xml><?xml version="1.0" encoding="utf-8"?>
-<p:sld xmlns:a="http://schemas.openxmlformats.org/drawingml/2006/main" xmlns:r="http://schemas.openxmlformats.org/officeDocument/2006/relationships" xmlns:p="http://schemas.openxmlformats.org/presentationml/2006/main">
-  <p:cSld>
-    <p:spTree>
-      <p:nvGrpSpPr>
-        <p:cNvPr id="1" name=""/>
-        <p:cNvGrpSpPr/>
-        <p:nvPr/>
-      </p:nvGrpSpPr>
-      <p:grpSpPr>
-        <a:xfrm>
-          <a:off x="0" y="0"/>
-          <a:ext cx="0" cy="0"/>
-          <a:chOff x="0" y="0"/>
-          <a:chExt cx="0" cy="0"/>
-        </a:xfrm>
-      </p:grpSpPr>
-      <p:sp>
-        <p:nvSpPr>
-          <p:cNvPr id="2" name="Titel 1"/>
-          <p:cNvSpPr>
-            <a:spLocks noGrp="1"/>
-          </p:cNvSpPr>
-          <p:nvPr>
-            <p:ph type="title"/>
-          </p:nvPr>
-        </p:nvSpPr>
-        <p:spPr/>
-        <p:txBody>
-          <a:bodyPr/>
-          <a:lstStyle/>
-          <a:p>
-            <a:r>
-              <a:rPr lang="nl-BE" dirty="0" err="1"/>
-              <a:t>Spent</a:t>
-            </a:r>
-            <a:r>
-              <a:rPr lang="nl-BE" dirty="0"/>
-              <a:t> </a:t>
-            </a:r>
-            <a:r>
-              <a:rPr lang="nl-BE" dirty="0" err="1"/>
-              <a:t>hours</a:t>
-            </a:r>
-            <a:r>
-              <a:rPr lang="nl-BE" dirty="0"/>
-              <a:t>: Group </a:t>
-            </a:r>
-            <a:r>
-              <a:rPr lang="nl-BE" dirty="0" err="1"/>
-              <a:t>work</a:t>
-            </a:r>
-            <a:endParaRPr lang="nl-BE" dirty="0"/>
-          </a:p>
-        </p:txBody>
-      </p:sp>
-      <p:sp>
-        <p:nvSpPr>
-          <p:cNvPr id="3" name="Tijdelijke aanduiding voor inhoud 2"/>
-          <p:cNvSpPr>
-            <a:spLocks noGrp="1"/>
-          </p:cNvSpPr>
-          <p:nvPr>
-            <p:ph idx="1"/>
-          </p:nvPr>
-        </p:nvSpPr>
-        <p:spPr/>
-        <p:txBody>
-          <a:bodyPr/>
-          <a:lstStyle/>
-          <a:p>
-            <a:r>
-              <a:rPr lang="nl-BE" dirty="0"/>
-              <a:t>Quinten </a:t>
-            </a:r>
-            <a:r>
-              <a:rPr lang="nl-BE" dirty="0" err="1"/>
-              <a:t>Bruynseeraede</a:t>
-            </a:r>
-            <a:r>
-              <a:rPr lang="nl-BE" dirty="0"/>
-              <a:t>: ~ 35 </a:t>
-            </a:r>
-            <a:r>
-              <a:rPr lang="nl-BE" dirty="0" err="1"/>
-              <a:t>hours</a:t>
-            </a:r>
-            <a:endParaRPr lang="nl-BE" dirty="0"/>
-          </a:p>
-          <a:p>
-            <a:r>
-              <a:rPr lang="nl-BE" dirty="0" err="1"/>
-              <a:t>Ignace</a:t>
-            </a:r>
-            <a:r>
-              <a:rPr lang="nl-BE" dirty="0"/>
-              <a:t> </a:t>
-            </a:r>
-            <a:r>
-              <a:rPr lang="nl-BE" dirty="0" err="1"/>
-              <a:t>Bleukx</a:t>
-            </a:r>
-            <a:r>
-              <a:rPr lang="nl-BE" dirty="0"/>
-              <a:t>: ~ 35 </a:t>
-            </a:r>
-            <a:r>
-              <a:rPr lang="nl-BE" dirty="0" err="1"/>
-              <a:t>hours</a:t>
-            </a:r>
-            <a:r>
-              <a:rPr lang="nl-BE" dirty="0"/>
-              <a:t> </a:t>
-            </a:r>
-          </a:p>
-          <a:p>
-            <a:r>
-              <a:rPr lang="nl-BE" dirty="0"/>
-              <a:t>Tom De Backer: ~ 30 </a:t>
-            </a:r>
-            <a:r>
-              <a:rPr lang="nl-BE" dirty="0" err="1"/>
-              <a:t>hours</a:t>
-            </a:r>
-            <a:endParaRPr lang="nl-BE" dirty="0"/>
-          </a:p>
-          <a:p>
-            <a:r>
-              <a:rPr lang="nl-BE" dirty="0"/>
-              <a:t>Martijn </a:t>
-            </a:r>
-            <a:r>
-              <a:rPr lang="nl-BE" dirty="0" err="1"/>
-              <a:t>Slaets</a:t>
-            </a:r>
-            <a:r>
-              <a:rPr lang="nl-BE" dirty="0"/>
-              <a:t>: ~ 20 </a:t>
-            </a:r>
-            <a:r>
-              <a:rPr lang="nl-BE" dirty="0" err="1"/>
-              <a:t>hours</a:t>
-            </a:r>
-            <a:endParaRPr lang="nl-BE" dirty="0"/>
-          </a:p>
-          <a:p>
-            <a:endParaRPr lang="nl-BE" dirty="0"/>
-          </a:p>
-        </p:txBody>
-      </p:sp>
-    </p:spTree>
-    <p:extLst>
-      <p:ext uri="{BB962C8B-B14F-4D97-AF65-F5344CB8AC3E}">
-        <p14:creationId xmlns:p14="http://schemas.microsoft.com/office/powerpoint/2010/main" val="1229639849"/>
-      </p:ext>
-    </p:extLst>
   </p:cSld>
   <p:clrMapOvr>
     <a:masterClrMapping/>
@@ -5057,7 +5119,7 @@
       </p:grpSpPr>
       <p:sp>
         <p:nvSpPr>
-          <p:cNvPr id="2" name="Titel 1"/>
+          <p:cNvPr id="2" name="Title 1"/>
           <p:cNvSpPr>
             <a:spLocks noGrp="1"/>
           </p:cNvSpPr>
@@ -5071,27 +5133,25 @@
           <a:lstStyle/>
           <a:p>
             <a:r>
+              <a:rPr lang="nl-BE" dirty="0"/>
+              <a:t>4. </a:t>
+            </a:r>
+            <a:r>
               <a:rPr lang="nl-BE" dirty="0" err="1"/>
-              <a:t>Individual</a:t>
+              <a:t>Testing</a:t>
             </a:r>
             <a:r>
               <a:rPr lang="nl-BE" dirty="0"/>
-              <a:t> </a:t>
-            </a:r>
-            <a:r>
-              <a:rPr lang="nl-BE" dirty="0" err="1"/>
-              <a:t>work</a:t>
-            </a:r>
-            <a:endParaRPr lang="nl-BE" dirty="0"/>
-          </a:p>
-        </p:txBody>
-      </p:sp>
-      <p:sp>
-        <p:nvSpPr>
-          <p:cNvPr id="3" name="Tijdelijke aanduiding voor inhoud 2"/>
-          <p:cNvSpPr>
-            <a:spLocks noGrp="1"/>
-          </p:cNvSpPr>
+              <a:t> Approach – Total Coverage</a:t>
+            </a:r>
+            <a:endParaRPr lang="en-US" dirty="0"/>
+          </a:p>
+        </p:txBody>
+      </p:sp>
+      <p:sp>
+        <p:nvSpPr>
+          <p:cNvPr id="3" name="Content Placeholder 2"/>
+          <p:cNvSpPr/>
           <p:nvPr>
             <p:ph idx="1"/>
           </p:nvPr>
@@ -5099,93 +5159,12 @@
         <p:spPr/>
         <p:txBody>
           <a:bodyPr/>
-          <a:lstStyle/>
-          <a:p>
-            <a:r>
-              <a:rPr lang="nl-BE" dirty="0"/>
-              <a:t>Quinten </a:t>
-            </a:r>
-            <a:r>
-              <a:rPr lang="nl-BE" dirty="0" err="1"/>
-              <a:t>Bruynseeraede</a:t>
-            </a:r>
-            <a:r>
-              <a:rPr lang="nl-BE" dirty="0"/>
-              <a:t>: ~ 19 </a:t>
-            </a:r>
-            <a:r>
-              <a:rPr lang="nl-BE" dirty="0" err="1"/>
-              <a:t>hours</a:t>
-            </a:r>
-            <a:endParaRPr lang="nl-BE" dirty="0"/>
-          </a:p>
-          <a:p>
-            <a:r>
-              <a:rPr lang="nl-BE" dirty="0" err="1"/>
-              <a:t>Ignace</a:t>
-            </a:r>
-            <a:r>
-              <a:rPr lang="nl-BE" dirty="0"/>
-              <a:t> </a:t>
-            </a:r>
-            <a:r>
-              <a:rPr lang="nl-BE" dirty="0" err="1"/>
-              <a:t>Bleukx</a:t>
-            </a:r>
-            <a:r>
-              <a:rPr lang="nl-BE" dirty="0"/>
-              <a:t>: ~ 19 </a:t>
-            </a:r>
-            <a:r>
-              <a:rPr lang="nl-BE" dirty="0" err="1"/>
-              <a:t>hours</a:t>
-            </a:r>
-            <a:r>
-              <a:rPr lang="nl-BE" dirty="0"/>
-              <a:t> </a:t>
-            </a:r>
-          </a:p>
-          <a:p>
-            <a:r>
-              <a:rPr lang="nl-BE" dirty="0"/>
-              <a:t>Tom De Backer: ~ 9 </a:t>
-            </a:r>
-            <a:r>
-              <a:rPr lang="nl-BE" dirty="0" err="1"/>
-              <a:t>hours</a:t>
-            </a:r>
-            <a:endParaRPr lang="nl-BE" dirty="0"/>
-          </a:p>
-          <a:p>
-            <a:r>
-              <a:rPr lang="nl-BE" dirty="0"/>
-              <a:t>Martijn </a:t>
-            </a:r>
-            <a:r>
-              <a:rPr lang="nl-BE" dirty="0" err="1"/>
-              <a:t>Slaets</a:t>
-            </a:r>
-            <a:r>
-              <a:rPr lang="nl-BE" dirty="0"/>
-              <a:t>: ~ 9 </a:t>
-            </a:r>
-            <a:r>
-              <a:rPr lang="nl-BE" dirty="0" err="1"/>
-              <a:t>hours</a:t>
-            </a:r>
-            <a:endParaRPr lang="nl-BE" dirty="0"/>
-          </a:p>
-          <a:p>
-            <a:endParaRPr lang="nl-BE" dirty="0"/>
+          <a:p>
+            <a:endParaRPr lang="en-US"/>
           </a:p>
         </p:txBody>
       </p:sp>
     </p:spTree>
-    <p:extLst>
-      <p:ext uri="{BB962C8B-B14F-4D97-AF65-F5344CB8AC3E}">
-        <p14:creationId xmlns:p14="http://schemas.microsoft.com/office/powerpoint/2010/main" val="3056279545"/>
-      </p:ext>
-    </p:extLst>
   </p:cSld>
   <p:clrMapOvr>
     <a:masterClrMapping/>
@@ -5212,7 +5191,7 @@
       </p:grpSpPr>
       <p:sp>
         <p:nvSpPr>
-          <p:cNvPr id="2" name="Titel 1"/>
+          <p:cNvPr id="4" name="Title 1"/>
           <p:cNvSpPr>
             <a:spLocks noGrp="1"/>
           </p:cNvSpPr>
@@ -5220,25 +5199,44 @@
             <p:ph type="title"/>
           </p:nvPr>
         </p:nvSpPr>
-        <p:spPr/>
+        <p:spPr>
+          <a:xfrm>
+            <a:off x="1097280" y="286603"/>
+            <a:ext cx="10058400" cy="1450757"/>
+          </a:xfrm>
+        </p:spPr>
         <p:txBody>
           <a:bodyPr/>
           <a:lstStyle/>
           <a:p>
             <a:r>
+              <a:rPr lang="nl-BE" dirty="0"/>
+              <a:t>4. </a:t>
+            </a:r>
+            <a:r>
               <a:rPr lang="nl-BE" dirty="0" err="1"/>
-              <a:t>Study</a:t>
-            </a:r>
-            <a:endParaRPr lang="nl-BE" dirty="0"/>
-          </a:p>
-        </p:txBody>
-      </p:sp>
-      <p:sp>
-        <p:nvSpPr>
-          <p:cNvPr id="3" name="Tijdelijke aanduiding voor inhoud 2"/>
-          <p:cNvSpPr>
-            <a:spLocks noGrp="1"/>
-          </p:cNvSpPr>
+              <a:t>Testing</a:t>
+            </a:r>
+            <a:r>
+              <a:rPr lang="nl-BE" dirty="0"/>
+              <a:t> Approach – </a:t>
+            </a:r>
+            <a:r>
+              <a:rPr lang="nl-BE" dirty="0" err="1"/>
+              <a:t>Adjusted</a:t>
+            </a:r>
+            <a:r>
+              <a:rPr lang="nl-BE" dirty="0"/>
+              <a:t> Coverage</a:t>
+            </a:r>
+            <a:endParaRPr lang="en-US" dirty="0"/>
+          </a:p>
+        </p:txBody>
+      </p:sp>
+      <p:sp>
+        <p:nvSpPr>
+          <p:cNvPr id="2" name="Content Placeholder 1"/>
+          <p:cNvSpPr/>
           <p:nvPr>
             <p:ph idx="1"/>
           </p:nvPr>
@@ -5246,90 +5244,12 @@
         <p:spPr/>
         <p:txBody>
           <a:bodyPr/>
-          <a:lstStyle/>
-          <a:p>
-            <a:r>
-              <a:rPr lang="nl-BE" dirty="0"/>
-              <a:t>Quinten </a:t>
-            </a:r>
-            <a:r>
-              <a:rPr lang="nl-BE" dirty="0" err="1"/>
-              <a:t>Bruynseeraede</a:t>
-            </a:r>
-            <a:r>
-              <a:rPr lang="nl-BE" dirty="0"/>
-              <a:t>: ~ 1 </a:t>
-            </a:r>
-            <a:r>
-              <a:rPr lang="nl-BE" dirty="0" err="1"/>
-              <a:t>hour</a:t>
-            </a:r>
-            <a:endParaRPr lang="nl-BE" dirty="0"/>
-          </a:p>
-          <a:p>
-            <a:r>
-              <a:rPr lang="nl-BE" dirty="0" err="1"/>
-              <a:t>Ignace</a:t>
-            </a:r>
-            <a:r>
-              <a:rPr lang="nl-BE" dirty="0"/>
-              <a:t> </a:t>
-            </a:r>
-            <a:r>
-              <a:rPr lang="nl-BE" dirty="0" err="1"/>
-              <a:t>Bleukx</a:t>
-            </a:r>
-            <a:r>
-              <a:rPr lang="nl-BE" dirty="0"/>
-              <a:t>: ~ 1 </a:t>
-            </a:r>
-            <a:r>
-              <a:rPr lang="nl-BE" dirty="0" err="1"/>
-              <a:t>hour</a:t>
-            </a:r>
-            <a:endParaRPr lang="nl-BE" dirty="0"/>
-          </a:p>
-          <a:p>
-            <a:r>
-              <a:rPr lang="nl-BE" dirty="0"/>
-              <a:t>Tom De Backer: ~ 1 </a:t>
-            </a:r>
-            <a:r>
-              <a:rPr lang="nl-BE" dirty="0" err="1"/>
-              <a:t>hour</a:t>
-            </a:r>
-            <a:endParaRPr lang="nl-BE" dirty="0"/>
-          </a:p>
-          <a:p>
-            <a:r>
-              <a:rPr lang="nl-BE" dirty="0"/>
-              <a:t>Martijn </a:t>
-            </a:r>
-            <a:r>
-              <a:rPr lang="nl-BE" dirty="0" err="1"/>
-              <a:t>Slaets</a:t>
-            </a:r>
-            <a:r>
-              <a:rPr lang="nl-BE" dirty="0"/>
-              <a:t>: ~ 1 </a:t>
-            </a:r>
-            <a:r>
-              <a:rPr lang="nl-BE" dirty="0" err="1"/>
-              <a:t>hour</a:t>
-            </a:r>
-            <a:endParaRPr lang="nl-BE" dirty="0"/>
-          </a:p>
-          <a:p>
-            <a:endParaRPr lang="nl-BE" dirty="0"/>
+          <a:p>
+            <a:endParaRPr lang="en-US"/>
           </a:p>
         </p:txBody>
       </p:sp>
     </p:spTree>
-    <p:extLst>
-      <p:ext uri="{BB962C8B-B14F-4D97-AF65-F5344CB8AC3E}">
-        <p14:creationId xmlns:p14="http://schemas.microsoft.com/office/powerpoint/2010/main" val="967289705"/>
-      </p:ext>
-    </p:extLst>
   </p:cSld>
   <p:clrMapOvr>
     <a:masterClrMapping/>
@@ -5356,13 +5276,7 @@
       </p:grpSpPr>
       <p:sp>
         <p:nvSpPr>
-          <p:cNvPr id="2" name="Title 1">
-            <a:extLst>
-              <a:ext uri="{FF2B5EF4-FFF2-40B4-BE49-F238E27FC236}">
-                <a16:creationId xmlns:a16="http://schemas.microsoft.com/office/drawing/2014/main" id="{45BB96DF-07F9-4544-A66F-461BE46CD671}"/>
-              </a:ext>
-            </a:extLst>
-          </p:cNvPr>
+          <p:cNvPr id="2" name="Titel 1"/>
           <p:cNvSpPr>
             <a:spLocks noGrp="1"/>
           </p:cNvSpPr>
@@ -5377,25 +5291,19 @@
           <a:p>
             <a:r>
               <a:rPr lang="nl-BE" dirty="0" err="1"/>
-              <a:t>Use</a:t>
+              <a:t>Overview</a:t>
             </a:r>
             <a:r>
               <a:rPr lang="nl-BE" dirty="0"/>
-              <a:t> cases</a:t>
-            </a:r>
-            <a:endParaRPr lang="en-US" dirty="0"/>
-          </a:p>
-        </p:txBody>
-      </p:sp>
-      <p:sp>
-        <p:nvSpPr>
-          <p:cNvPr id="3" name="Content Placeholder 2">
-            <a:extLst>
-              <a:ext uri="{FF2B5EF4-FFF2-40B4-BE49-F238E27FC236}">
-                <a16:creationId xmlns:a16="http://schemas.microsoft.com/office/drawing/2014/main" id="{7BADEB07-E71E-4BE9-9EE5-C76E20A0D3CA}"/>
-              </a:ext>
-            </a:extLst>
-          </p:cNvPr>
+              <a:t> of project management</a:t>
+            </a:r>
+            <a:endParaRPr lang="nl-BE" dirty="0"/>
+          </a:p>
+        </p:txBody>
+      </p:sp>
+      <p:sp>
+        <p:nvSpPr>
+          <p:cNvPr id="3" name="Tijdelijke aanduiding voor inhoud 2"/>
           <p:cNvSpPr>
             <a:spLocks noGrp="1"/>
           </p:cNvSpPr>
@@ -5405,19 +5313,236 @@
         </p:nvSpPr>
         <p:spPr/>
         <p:txBody>
-          <a:bodyPr/>
+          <a:bodyPr>
+            <a:normAutofit lnSpcReduction="10000"/>
+          </a:bodyPr>
           <a:lstStyle/>
           <a:p>
-            <a:endParaRPr lang="en-US"/>
+            <a:pPr marL="0" indent="0">
+              <a:buFont typeface="Arial" panose="02080604020202020204" pitchFamily="34" charset="0"/>
+              <a:buNone/>
+            </a:pPr>
+            <a:r>
+              <a:rPr lang="" altLang="nl-BE" dirty="0"/>
+              <a:t>This </a:t>
+            </a:r>
+            <a:r>
+              <a:rPr lang="nl-BE" dirty="0"/>
+              <a:t>iteration: </a:t>
+            </a:r>
+            <a:endParaRPr lang="nl-BE" dirty="0"/>
+          </a:p>
+          <a:p>
+            <a:pPr>
+              <a:buFont typeface="Arial" panose="02080604020202020204" pitchFamily="34" charset="0"/>
+              <a:buChar char="•"/>
+            </a:pPr>
+            <a:r>
+              <a:rPr lang="nl-BE" dirty="0"/>
+              <a:t>Domain </a:t>
+            </a:r>
+            <a:r>
+              <a:rPr lang="nl-BE" dirty="0" err="1"/>
+              <a:t>Coordinator</a:t>
+            </a:r>
+            <a:r>
+              <a:rPr lang="nl-BE" dirty="0"/>
+              <a:t>: Martijn</a:t>
+            </a:r>
+            <a:endParaRPr lang="nl-BE" dirty="0"/>
+          </a:p>
+          <a:p>
+            <a:pPr>
+              <a:buFont typeface="Arial" panose="02080604020202020204" pitchFamily="34" charset="0"/>
+              <a:buChar char="•"/>
+            </a:pPr>
+            <a:r>
+              <a:rPr lang="nl-BE" dirty="0" err="1"/>
+              <a:t>Testing</a:t>
+            </a:r>
+            <a:r>
+              <a:rPr lang="nl-BE" dirty="0"/>
+              <a:t> </a:t>
+            </a:r>
+            <a:r>
+              <a:rPr lang="nl-BE" dirty="0" err="1"/>
+              <a:t>Coordinator</a:t>
+            </a:r>
+            <a:r>
+              <a:rPr lang="nl-BE" dirty="0"/>
+              <a:t>: </a:t>
+            </a:r>
+            <a:r>
+              <a:rPr lang="nl-BE" dirty="0" err="1"/>
+              <a:t>Ignace</a:t>
+            </a:r>
+            <a:endParaRPr lang="nl-BE" dirty="0"/>
+          </a:p>
+          <a:p>
+            <a:pPr>
+              <a:buFont typeface="Arial" panose="02080604020202020204" pitchFamily="34" charset="0"/>
+              <a:buChar char="•"/>
+            </a:pPr>
+            <a:r>
+              <a:rPr lang="nl-BE" dirty="0"/>
+              <a:t>Design </a:t>
+            </a:r>
+            <a:r>
+              <a:rPr lang="nl-BE" dirty="0" err="1"/>
+              <a:t>Coordinator</a:t>
+            </a:r>
+            <a:r>
+              <a:rPr lang="nl-BE" dirty="0"/>
+              <a:t>: Tom &amp; Quinten </a:t>
+            </a:r>
+            <a:endParaRPr lang="nl-BE" dirty="0"/>
+          </a:p>
+          <a:p>
+            <a:pPr marL="0" indent="0">
+              <a:buFont typeface="Arial" panose="02080604020202020204" pitchFamily="34" charset="0"/>
+              <a:buNone/>
+            </a:pPr>
+            <a:endParaRPr lang="nl-BE" dirty="0"/>
+          </a:p>
+          <a:p>
+            <a:pPr marL="0" indent="0">
+              <a:buFont typeface="Arial" panose="02080604020202020204" pitchFamily="34" charset="0"/>
+              <a:buNone/>
+            </a:pPr>
+            <a:r>
+              <a:rPr lang="" altLang="en-US" dirty="0">
+                <a:sym typeface="+mn-ea"/>
+              </a:rPr>
+              <a:t>Next </a:t>
+            </a:r>
+            <a:r>
+              <a:rPr lang="nl-BE" dirty="0">
+                <a:sym typeface="+mn-ea"/>
+              </a:rPr>
+              <a:t>iteration: </a:t>
+            </a:r>
+            <a:endParaRPr lang="nl-BE" dirty="0"/>
+          </a:p>
+          <a:p>
+            <a:pPr>
+              <a:buFont typeface="Arial" panose="02080604020202020204" pitchFamily="34" charset="0"/>
+              <a:buChar char="•"/>
+            </a:pPr>
+            <a:r>
+              <a:rPr lang="nl-BE" dirty="0">
+                <a:sym typeface="+mn-ea"/>
+              </a:rPr>
+              <a:t>Domain </a:t>
+            </a:r>
+            <a:r>
+              <a:rPr lang="nl-BE" dirty="0" err="1">
+                <a:sym typeface="+mn-ea"/>
+              </a:rPr>
+              <a:t>Coordinator</a:t>
+            </a:r>
+            <a:r>
+              <a:rPr lang="nl-BE" dirty="0">
+                <a:sym typeface="+mn-ea"/>
+              </a:rPr>
+              <a:t>: </a:t>
+            </a:r>
+            <a:r>
+              <a:rPr lang="" altLang="nl-BE" dirty="0">
+                <a:sym typeface="+mn-ea"/>
+              </a:rPr>
+              <a:t>Quinten</a:t>
+            </a:r>
+            <a:endParaRPr lang="nl-BE" dirty="0"/>
+          </a:p>
+          <a:p>
+            <a:pPr>
+              <a:buFont typeface="Arial" panose="02080604020202020204" pitchFamily="34" charset="0"/>
+              <a:buChar char="•"/>
+            </a:pPr>
+            <a:r>
+              <a:rPr lang="nl-BE" dirty="0" err="1">
+                <a:sym typeface="+mn-ea"/>
+              </a:rPr>
+              <a:t>Testing</a:t>
+            </a:r>
+            <a:r>
+              <a:rPr lang="nl-BE" dirty="0">
+                <a:sym typeface="+mn-ea"/>
+              </a:rPr>
+              <a:t> </a:t>
+            </a:r>
+            <a:r>
+              <a:rPr lang="nl-BE" dirty="0" err="1">
+                <a:sym typeface="+mn-ea"/>
+              </a:rPr>
+              <a:t>Coordinator</a:t>
+            </a:r>
+            <a:r>
+              <a:rPr lang="nl-BE" dirty="0">
+                <a:sym typeface="+mn-ea"/>
+              </a:rPr>
+              <a:t>: </a:t>
+            </a:r>
+            <a:r>
+              <a:rPr lang="" altLang="nl-BE" dirty="0" err="1">
+                <a:sym typeface="+mn-ea"/>
+              </a:rPr>
+              <a:t>Martijn</a:t>
+            </a:r>
+            <a:endParaRPr lang="nl-BE" dirty="0"/>
+          </a:p>
+          <a:p>
+            <a:pPr>
+              <a:buFont typeface="Arial" panose="02080604020202020204" pitchFamily="34" charset="0"/>
+              <a:buChar char="•"/>
+            </a:pPr>
+            <a:r>
+              <a:rPr lang="nl-BE" dirty="0">
+                <a:sym typeface="+mn-ea"/>
+              </a:rPr>
+              <a:t>Design </a:t>
+            </a:r>
+            <a:r>
+              <a:rPr lang="nl-BE" dirty="0" err="1">
+                <a:sym typeface="+mn-ea"/>
+              </a:rPr>
+              <a:t>Coordinator</a:t>
+            </a:r>
+            <a:r>
+              <a:rPr lang="nl-BE" dirty="0">
+                <a:sym typeface="+mn-ea"/>
+              </a:rPr>
+              <a:t>: </a:t>
+            </a:r>
+            <a:r>
+              <a:rPr lang="" altLang="nl-BE" dirty="0">
+                <a:sym typeface="+mn-ea"/>
+              </a:rPr>
+              <a:t>Ignace </a:t>
+            </a:r>
+            <a:r>
+              <a:rPr lang="nl-BE" dirty="0">
+                <a:sym typeface="+mn-ea"/>
+              </a:rPr>
+              <a:t>&amp; </a:t>
+            </a:r>
+            <a:r>
+              <a:rPr lang="" altLang="nl-BE" dirty="0">
+                <a:sym typeface="+mn-ea"/>
+              </a:rPr>
+              <a:t>Tom</a:t>
+            </a:r>
+            <a:endParaRPr lang="nl-BE" dirty="0"/>
+          </a:p>
+          <a:p>
+            <a:pPr marL="0" indent="0">
+              <a:buNone/>
+            </a:pPr>
+            <a:endParaRPr lang="nl-BE" dirty="0"/>
           </a:p>
         </p:txBody>
       </p:sp>
     </p:spTree>
-    <p:extLst>
-      <p:ext uri="{BB962C8B-B14F-4D97-AF65-F5344CB8AC3E}">
-        <p14:creationId xmlns:p14="http://schemas.microsoft.com/office/powerpoint/2010/main" val="2509005969"/>
-      </p:ext>
-    </p:extLst>
   </p:cSld>
   <p:clrMapOvr>
     <a:masterClrMapping/>
@@ -5444,516 +5569,137 @@
       </p:grpSpPr>
       <p:sp>
         <p:nvSpPr>
-          <p:cNvPr id="2" name="Title 1">
+          <p:cNvPr id="2" name="Title 1"/>
+          <p:cNvSpPr>
+            <a:spLocks noGrp="1"/>
+          </p:cNvSpPr>
+          <p:nvPr>
+            <p:ph type="title"/>
+          </p:nvPr>
+        </p:nvSpPr>
+        <p:spPr/>
+        <p:txBody>
+          <a:bodyPr/>
+          <a:lstStyle/>
+          <a:p>
+            <a:r>
+              <a:rPr lang="nl-BE" dirty="0"/>
+              <a:t>1. Design</a:t>
+            </a:r>
+            <a:r>
+              <a:rPr lang="" altLang="nl-BE" dirty="0"/>
+              <a:t>: then vs Now</a:t>
+            </a:r>
+            <a:endParaRPr lang="" altLang="nl-BE" dirty="0"/>
+          </a:p>
+        </p:txBody>
+      </p:sp>
+      <p:pic>
+        <p:nvPicPr>
+          <p:cNvPr id="5" name="Content Placeholder 4"/>
+          <p:cNvPicPr>
+            <a:picLocks noGrp="1" noChangeAspect="1"/>
+          </p:cNvPicPr>
+          <p:nvPr>
+            <p:ph idx="1"/>
+          </p:nvPr>
+        </p:nvPicPr>
+        <p:blipFill rotWithShape="1">
+          <a:blip r:embed="rId1">
             <a:extLst>
-              <a:ext uri="{FF2B5EF4-FFF2-40B4-BE49-F238E27FC236}">
-                <a16:creationId xmlns:a16="http://schemas.microsoft.com/office/drawing/2014/main" id="{78429832-2F06-42D7-9F1B-2C1C5430D48A}"/>
+              <a:ext uri="{28A0092B-C50C-407E-A947-70E740481C1C}">
+                <a14:useLocalDpi xmlns:a14="http://schemas.microsoft.com/office/drawing/2010/main" val="0"/>
               </a:ext>
             </a:extLst>
-          </p:cNvPr>
-          <p:cNvSpPr>
-            <a:spLocks noGrp="1"/>
-          </p:cNvSpPr>
-          <p:nvPr>
-            <p:ph type="title"/>
-          </p:nvPr>
-        </p:nvSpPr>
-        <p:spPr/>
-        <p:txBody>
-          <a:bodyPr/>
-          <a:lstStyle/>
-          <a:p>
-            <a:r>
-              <a:rPr lang="nl-BE" dirty="0"/>
-              <a:t>1. Design</a:t>
-            </a:r>
-            <a:endParaRPr lang="en-US" dirty="0"/>
-          </a:p>
-        </p:txBody>
-      </p:sp>
-      <p:sp>
-        <p:nvSpPr>
-          <p:cNvPr id="3" name="Content Placeholder 2">
-            <a:extLst>
-              <a:ext uri="{FF2B5EF4-FFF2-40B4-BE49-F238E27FC236}">
-                <a16:creationId xmlns:a16="http://schemas.microsoft.com/office/drawing/2014/main" id="{C5AEAD98-A929-45E3-AD5C-8F26AAEC9235}"/>
-              </a:ext>
-            </a:extLst>
-          </p:cNvPr>
-          <p:cNvSpPr>
-            <a:spLocks noGrp="1"/>
-          </p:cNvSpPr>
-          <p:nvPr>
-            <p:ph idx="1"/>
-          </p:nvPr>
-        </p:nvSpPr>
-        <p:spPr/>
-        <p:txBody>
-          <a:bodyPr/>
-          <a:lstStyle/>
-          <a:p>
-            <a:r>
-              <a:rPr lang="nl-BE" sz="2800" dirty="0" err="1"/>
-              <a:t>Pattern</a:t>
-            </a:r>
-            <a:r>
-              <a:rPr lang="nl-BE" sz="2800" dirty="0"/>
-              <a:t>:</a:t>
-            </a:r>
-          </a:p>
-          <a:p>
-            <a:pPr lvl="1"/>
-            <a:r>
-              <a:rPr lang="nl-BE" sz="2400" dirty="0"/>
-              <a:t>Front Controller </a:t>
-            </a:r>
-            <a:r>
-              <a:rPr lang="nl-BE" sz="2400" dirty="0" err="1"/>
-              <a:t>pattern</a:t>
-            </a:r>
-            <a:endParaRPr lang="nl-BE" sz="2400" dirty="0"/>
-          </a:p>
-          <a:p>
-            <a:pPr lvl="2"/>
-            <a:r>
-              <a:rPr lang="nl-BE" sz="1800" dirty="0"/>
-              <a:t>Every UI Object </a:t>
-            </a:r>
-            <a:r>
-              <a:rPr lang="nl-BE" sz="1800" dirty="0" err="1"/>
-              <a:t>uses</a:t>
-            </a:r>
-            <a:r>
-              <a:rPr lang="nl-BE" sz="1800" dirty="0"/>
-              <a:t> his </a:t>
-            </a:r>
-            <a:r>
-              <a:rPr lang="nl-BE" sz="1800" dirty="0" err="1"/>
-              <a:t>reference</a:t>
-            </a:r>
-            <a:r>
-              <a:rPr lang="nl-BE" sz="1800" dirty="0"/>
-              <a:t> to </a:t>
-            </a:r>
-            <a:r>
-              <a:rPr lang="nl-BE" sz="1800" dirty="0" err="1"/>
-              <a:t>the</a:t>
-            </a:r>
-            <a:r>
-              <a:rPr lang="nl-BE" sz="1800" dirty="0"/>
-              <a:t> </a:t>
-            </a:r>
-            <a:r>
-              <a:rPr lang="nl-BE" sz="1800" dirty="0" err="1"/>
-              <a:t>communicationmanager</a:t>
-            </a:r>
-            <a:r>
-              <a:rPr lang="nl-BE" sz="1800" dirty="0"/>
-              <a:t> to </a:t>
-            </a:r>
-            <a:r>
-              <a:rPr lang="nl-BE" sz="1800" dirty="0" err="1"/>
-              <a:t>interact</a:t>
-            </a:r>
-            <a:r>
-              <a:rPr lang="nl-BE" sz="1800" dirty="0"/>
-              <a:t> </a:t>
-            </a:r>
-            <a:r>
-              <a:rPr lang="nl-BE" sz="1800" dirty="0" err="1"/>
-              <a:t>with</a:t>
-            </a:r>
-            <a:r>
-              <a:rPr lang="nl-BE" sz="1800" dirty="0"/>
-              <a:t> </a:t>
-            </a:r>
-            <a:r>
-              <a:rPr lang="nl-BE" sz="1800" dirty="0" err="1"/>
-              <a:t>the</a:t>
-            </a:r>
-            <a:r>
-              <a:rPr lang="nl-BE" sz="1800" dirty="0"/>
-              <a:t> domain.</a:t>
-            </a:r>
-          </a:p>
-          <a:p>
-            <a:pPr lvl="2"/>
-            <a:r>
-              <a:rPr lang="nl-BE" sz="1800" dirty="0">
-                <a:solidFill>
-                  <a:srgbClr val="00B050"/>
-                </a:solidFill>
-              </a:rPr>
-              <a:t>+ No direct access </a:t>
-            </a:r>
-            <a:r>
-              <a:rPr lang="nl-BE" sz="1800" dirty="0" err="1">
-                <a:solidFill>
-                  <a:srgbClr val="00B050"/>
-                </a:solidFill>
-              </a:rPr>
-              <a:t>from</a:t>
-            </a:r>
-            <a:r>
-              <a:rPr lang="nl-BE" sz="1800" dirty="0">
-                <a:solidFill>
-                  <a:srgbClr val="00B050"/>
-                </a:solidFill>
-              </a:rPr>
-              <a:t> UI </a:t>
-            </a:r>
-            <a:r>
-              <a:rPr lang="nl-BE" sz="1800" dirty="0" err="1">
-                <a:solidFill>
-                  <a:srgbClr val="00B050"/>
-                </a:solidFill>
-              </a:rPr>
-              <a:t>Objects</a:t>
-            </a:r>
-            <a:r>
-              <a:rPr lang="nl-BE" sz="1800" dirty="0">
-                <a:solidFill>
-                  <a:srgbClr val="00B050"/>
-                </a:solidFill>
-              </a:rPr>
-              <a:t> to </a:t>
-            </a:r>
-            <a:r>
-              <a:rPr lang="nl-BE" sz="1800" dirty="0" err="1">
-                <a:solidFill>
-                  <a:srgbClr val="00B050"/>
-                </a:solidFill>
-              </a:rPr>
-              <a:t>the</a:t>
-            </a:r>
-            <a:r>
-              <a:rPr lang="nl-BE" sz="1800" dirty="0">
-                <a:solidFill>
-                  <a:srgbClr val="00B050"/>
-                </a:solidFill>
-              </a:rPr>
-              <a:t> domain. ()</a:t>
-            </a:r>
-          </a:p>
-          <a:p>
-            <a:pPr lvl="5"/>
-            <a:r>
-              <a:rPr lang="nl-BE" sz="1800" dirty="0">
-                <a:solidFill>
-                  <a:srgbClr val="00B050"/>
-                </a:solidFill>
-              </a:rPr>
-              <a:t>The domain </a:t>
-            </a:r>
-            <a:r>
-              <a:rPr lang="nl-BE" sz="1800" dirty="0" err="1">
-                <a:solidFill>
-                  <a:srgbClr val="00B050"/>
-                </a:solidFill>
-              </a:rPr>
-              <a:t>can</a:t>
-            </a:r>
-            <a:r>
-              <a:rPr lang="nl-BE" sz="1800" dirty="0">
-                <a:solidFill>
-                  <a:srgbClr val="00B050"/>
-                </a:solidFill>
-              </a:rPr>
-              <a:t> never </a:t>
-            </a:r>
-            <a:r>
-              <a:rPr lang="nl-BE" sz="1800" dirty="0" err="1">
-                <a:solidFill>
-                  <a:srgbClr val="00B050"/>
-                </a:solidFill>
-              </a:rPr>
-              <a:t>be</a:t>
-            </a:r>
-            <a:r>
-              <a:rPr lang="nl-BE" sz="1800" dirty="0">
-                <a:solidFill>
-                  <a:srgbClr val="00B050"/>
-                </a:solidFill>
-              </a:rPr>
-              <a:t> </a:t>
-            </a:r>
-            <a:r>
-              <a:rPr lang="nl-BE" sz="1800" dirty="0" err="1">
-                <a:solidFill>
-                  <a:srgbClr val="00B050"/>
-                </a:solidFill>
-              </a:rPr>
-              <a:t>brought</a:t>
-            </a:r>
-            <a:r>
-              <a:rPr lang="nl-BE" sz="1800" dirty="0">
-                <a:solidFill>
-                  <a:srgbClr val="00B050"/>
-                </a:solidFill>
-              </a:rPr>
-              <a:t> </a:t>
-            </a:r>
-            <a:r>
-              <a:rPr lang="nl-BE" sz="1800" dirty="0" err="1">
-                <a:solidFill>
-                  <a:srgbClr val="00B050"/>
-                </a:solidFill>
-              </a:rPr>
-              <a:t>into</a:t>
-            </a:r>
-            <a:r>
-              <a:rPr lang="nl-BE" sz="1800" dirty="0">
-                <a:solidFill>
-                  <a:srgbClr val="00B050"/>
-                </a:solidFill>
-              </a:rPr>
-              <a:t> </a:t>
-            </a:r>
-            <a:r>
-              <a:rPr lang="nl-BE" sz="1800" dirty="0" err="1">
-                <a:solidFill>
-                  <a:srgbClr val="00B050"/>
-                </a:solidFill>
-              </a:rPr>
-              <a:t>an</a:t>
-            </a:r>
-            <a:r>
-              <a:rPr lang="nl-BE" sz="1800" dirty="0">
-                <a:solidFill>
-                  <a:srgbClr val="00B050"/>
-                </a:solidFill>
-              </a:rPr>
-              <a:t> inconsistent state.</a:t>
-            </a:r>
-          </a:p>
-          <a:p>
-            <a:pPr lvl="2"/>
-            <a:r>
-              <a:rPr lang="nl-BE" sz="1800" dirty="0">
-                <a:solidFill>
-                  <a:srgbClr val="00B050"/>
-                </a:solidFill>
-              </a:rPr>
-              <a:t>+ </a:t>
-            </a:r>
-            <a:r>
-              <a:rPr lang="nl-BE" sz="1800" dirty="0" err="1">
-                <a:solidFill>
-                  <a:srgbClr val="00B050"/>
-                </a:solidFill>
-              </a:rPr>
-              <a:t>Centralized</a:t>
-            </a:r>
-            <a:r>
-              <a:rPr lang="nl-BE" sz="1800" dirty="0">
-                <a:solidFill>
-                  <a:srgbClr val="00B050"/>
-                </a:solidFill>
-              </a:rPr>
-              <a:t> control (</a:t>
-            </a:r>
-            <a:r>
-              <a:rPr lang="nl-BE" sz="1800" b="1" dirty="0">
-                <a:solidFill>
-                  <a:srgbClr val="00B050"/>
-                </a:solidFill>
-              </a:rPr>
-              <a:t>Controller)</a:t>
-            </a:r>
-            <a:endParaRPr lang="nl-BE" sz="1800" dirty="0">
-              <a:solidFill>
-                <a:srgbClr val="00B050"/>
-              </a:solidFill>
-            </a:endParaRPr>
-          </a:p>
-          <a:p>
-            <a:pPr lvl="2"/>
-            <a:r>
-              <a:rPr lang="nl-BE" sz="1800" dirty="0">
-                <a:solidFill>
-                  <a:srgbClr val="00B050"/>
-                </a:solidFill>
-              </a:rPr>
-              <a:t>+ Every object </a:t>
-            </a:r>
-            <a:r>
-              <a:rPr lang="nl-BE" sz="1800" dirty="0" err="1">
-                <a:solidFill>
-                  <a:srgbClr val="00B050"/>
-                </a:solidFill>
-              </a:rPr>
-              <a:t>needs</a:t>
-            </a:r>
-            <a:r>
-              <a:rPr lang="nl-BE" sz="1800" dirty="0">
-                <a:solidFill>
-                  <a:srgbClr val="00B050"/>
-                </a:solidFill>
-              </a:rPr>
-              <a:t> </a:t>
-            </a:r>
-            <a:r>
-              <a:rPr lang="nl-BE" sz="1800" dirty="0" err="1">
-                <a:solidFill>
-                  <a:srgbClr val="00B050"/>
-                </a:solidFill>
-              </a:rPr>
-              <a:t>only</a:t>
-            </a:r>
-            <a:r>
-              <a:rPr lang="nl-BE" sz="1800" dirty="0">
-                <a:solidFill>
-                  <a:srgbClr val="00B050"/>
-                </a:solidFill>
-              </a:rPr>
-              <a:t> </a:t>
-            </a:r>
-            <a:r>
-              <a:rPr lang="nl-BE" sz="1800" dirty="0" err="1">
-                <a:solidFill>
-                  <a:srgbClr val="00B050"/>
-                </a:solidFill>
-              </a:rPr>
-              <a:t>one</a:t>
-            </a:r>
-            <a:r>
-              <a:rPr lang="nl-BE" sz="1800" dirty="0">
-                <a:solidFill>
-                  <a:srgbClr val="00B050"/>
-                </a:solidFill>
-              </a:rPr>
-              <a:t> </a:t>
-            </a:r>
-            <a:r>
-              <a:rPr lang="nl-BE" sz="1800" dirty="0" err="1">
-                <a:solidFill>
-                  <a:srgbClr val="00B050"/>
-                </a:solidFill>
-              </a:rPr>
-              <a:t>reference</a:t>
-            </a:r>
-            <a:r>
-              <a:rPr lang="nl-BE" sz="1800" dirty="0">
-                <a:solidFill>
-                  <a:srgbClr val="00B050"/>
-                </a:solidFill>
-              </a:rPr>
-              <a:t> (</a:t>
-            </a:r>
-            <a:r>
-              <a:rPr lang="nl-BE" sz="1800" b="1" dirty="0">
-                <a:solidFill>
-                  <a:srgbClr val="00B050"/>
-                </a:solidFill>
-              </a:rPr>
-              <a:t>Low </a:t>
-            </a:r>
-            <a:r>
-              <a:rPr lang="nl-BE" sz="1800" b="1" dirty="0" err="1">
-                <a:solidFill>
-                  <a:srgbClr val="00B050"/>
-                </a:solidFill>
-              </a:rPr>
-              <a:t>coupling</a:t>
-            </a:r>
-            <a:r>
-              <a:rPr lang="nl-BE" sz="1800" dirty="0">
-                <a:solidFill>
-                  <a:srgbClr val="00B050"/>
-                </a:solidFill>
-              </a:rPr>
-              <a:t>)</a:t>
-            </a:r>
-          </a:p>
-          <a:p>
-            <a:pPr lvl="2"/>
-            <a:r>
-              <a:rPr lang="nl-BE" sz="1800" dirty="0">
-                <a:solidFill>
-                  <a:srgbClr val="FF0000"/>
-                </a:solidFill>
-              </a:rPr>
-              <a:t>- A lot of </a:t>
-            </a:r>
-            <a:r>
-              <a:rPr lang="nl-BE" sz="1800" dirty="0" err="1">
-                <a:solidFill>
-                  <a:srgbClr val="FF0000"/>
-                </a:solidFill>
-              </a:rPr>
-              <a:t>methods</a:t>
-            </a:r>
-            <a:r>
-              <a:rPr lang="nl-BE" sz="1800" dirty="0">
-                <a:solidFill>
-                  <a:srgbClr val="FF0000"/>
-                </a:solidFill>
-              </a:rPr>
-              <a:t> in </a:t>
-            </a:r>
-            <a:r>
-              <a:rPr lang="nl-BE" sz="1800" dirty="0" err="1">
-                <a:solidFill>
-                  <a:srgbClr val="FF0000"/>
-                </a:solidFill>
-              </a:rPr>
-              <a:t>the</a:t>
-            </a:r>
-            <a:r>
-              <a:rPr lang="nl-BE" sz="1800" dirty="0">
-                <a:solidFill>
-                  <a:srgbClr val="FF0000"/>
-                </a:solidFill>
-              </a:rPr>
-              <a:t> </a:t>
-            </a:r>
-            <a:r>
-              <a:rPr lang="nl-BE" sz="1800" dirty="0" err="1">
-                <a:solidFill>
-                  <a:srgbClr val="FF0000"/>
-                </a:solidFill>
-              </a:rPr>
-              <a:t>communicationmanager</a:t>
-            </a:r>
-            <a:r>
-              <a:rPr lang="nl-BE" sz="1800" dirty="0">
-                <a:solidFill>
-                  <a:srgbClr val="FF0000"/>
-                </a:solidFill>
-              </a:rPr>
-              <a:t> class</a:t>
-            </a:r>
-          </a:p>
-          <a:p>
-            <a:pPr lvl="2"/>
-            <a:endParaRPr lang="nl-BE" sz="1800" dirty="0">
-              <a:solidFill>
-                <a:srgbClr val="00B050"/>
-              </a:solidFill>
-            </a:endParaRPr>
-          </a:p>
-          <a:p>
-            <a:pPr lvl="1"/>
-            <a:endParaRPr lang="nl-BE" sz="2400" dirty="0"/>
-          </a:p>
-          <a:p>
-            <a:pPr lvl="1"/>
-            <a:endParaRPr lang="nl-BE" dirty="0"/>
-          </a:p>
-          <a:p>
-            <a:pPr marL="0" indent="0">
+          </a:blip>
+          <a:srcRect t="1" r="39432" b="41534"/>
+          <a:stretch>
+            <a:fillRect/>
+          </a:stretch>
+        </p:blipFill>
+        <p:spPr>
+          <a:xfrm>
+            <a:off x="1273175" y="3277870"/>
+            <a:ext cx="7686675" cy="3016250"/>
+          </a:xfrm>
+          <a:prstGeom prst="rect">
+            <a:avLst/>
+          </a:prstGeom>
+        </p:spPr>
+      </p:pic>
+      <p:sp>
+        <p:nvSpPr>
+          <p:cNvPr id="6" name="Text Box 5"/>
+          <p:cNvSpPr txBox="1"/>
+          <p:nvPr/>
+        </p:nvSpPr>
+        <p:spPr>
+          <a:xfrm>
+            <a:off x="1273175" y="2422525"/>
+            <a:ext cx="10002520" cy="1337945"/>
+          </a:xfrm>
+          <a:prstGeom prst="rect">
+            <a:avLst/>
+          </a:prstGeom>
+          <a:noFill/>
+        </p:spPr>
+        <p:txBody>
+          <a:bodyPr wrap="square" rtlCol="0">
+            <a:spAutoFit/>
+          </a:bodyPr>
+          <a:p>
+            <a:pPr indent="0">
+              <a:lnSpc>
+                <a:spcPct val="150000"/>
+              </a:lnSpc>
+              <a:buFont typeface="Arial" panose="02080604020202020204" pitchFamily="34" charset="0"/>
               <a:buNone/>
             </a:pPr>
-            <a:endParaRPr lang="en-US" dirty="0"/>
+            <a:r>
+              <a:rPr lang="" altLang="en-US"/>
+              <a:t>Iteration 1:</a:t>
+            </a:r>
+            <a:endParaRPr lang="" altLang="en-US"/>
+          </a:p>
+          <a:p>
+            <a:pPr marL="285750" indent="-285750">
+              <a:lnSpc>
+                <a:spcPct val="150000"/>
+              </a:lnSpc>
+              <a:buFont typeface="Arial" panose="02080604020202020204" pitchFamily="34" charset="0"/>
+              <a:buChar char="•"/>
+            </a:pPr>
+            <a:r>
+              <a:rPr lang="" altLang="en-US"/>
+              <a:t>CommunicationManager was used by </a:t>
+            </a:r>
+            <a:r>
+              <a:rPr lang="" altLang="en-US" u="sng"/>
+              <a:t>every object</a:t>
+            </a:r>
+            <a:r>
+              <a:rPr lang="" altLang="en-US"/>
+              <a:t> to modify Domain or UI</a:t>
+            </a:r>
+            <a:endParaRPr lang="" altLang="en-US"/>
+          </a:p>
+          <a:p>
+            <a:pPr marL="285750" indent="-285750">
+              <a:lnSpc>
+                <a:spcPct val="150000"/>
+              </a:lnSpc>
+              <a:buFont typeface="Arial" panose="02080604020202020204" pitchFamily="34" charset="0"/>
+              <a:buChar char="•"/>
+            </a:pPr>
+            <a:r>
+              <a:rPr lang="" altLang="en-US"/>
+              <a:t>CommunicationManager made use of UIFacade and DomainFacade	 </a:t>
+            </a:r>
+            <a:endParaRPr lang="" altLang="en-US"/>
           </a:p>
         </p:txBody>
       </p:sp>
     </p:spTree>
-    <p:extLst>
-      <p:ext uri="{BB962C8B-B14F-4D97-AF65-F5344CB8AC3E}">
-        <p14:creationId xmlns:p14="http://schemas.microsoft.com/office/powerpoint/2010/main" val="1646264065"/>
-      </p:ext>
-    </p:extLst>
   </p:cSld>
   <p:clrMapOvr>
     <a:masterClrMapping/>
@@ -5980,13 +5726,7 @@
       </p:grpSpPr>
       <p:sp>
         <p:nvSpPr>
-          <p:cNvPr id="2" name="Title 1">
-            <a:extLst>
-              <a:ext uri="{FF2B5EF4-FFF2-40B4-BE49-F238E27FC236}">
-                <a16:creationId xmlns:a16="http://schemas.microsoft.com/office/drawing/2014/main" id="{145E62E7-F780-40BF-9D10-F327B5619788}"/>
-              </a:ext>
-            </a:extLst>
-          </p:cNvPr>
+          <p:cNvPr id="2" name="Titel 1"/>
           <p:cNvSpPr>
             <a:spLocks noGrp="1"/>
           </p:cNvSpPr>
@@ -6000,66 +5740,137 @@
           <a:lstStyle/>
           <a:p>
             <a:r>
+              <a:rPr lang="nl-BE" dirty="0" err="1"/>
+              <a:t>Spent</a:t>
+            </a:r>
+            <a:r>
               <a:rPr lang="nl-BE" dirty="0"/>
-              <a:t>1. </a:t>
+              <a:t> </a:t>
             </a:r>
             <a:r>
               <a:rPr lang="nl-BE" dirty="0" err="1"/>
-              <a:t>Adding</a:t>
+              <a:t>hours</a:t>
             </a:r>
             <a:r>
               <a:rPr lang="nl-BE" dirty="0"/>
-              <a:t> a </a:t>
+              <a:t>: Group </a:t>
             </a:r>
             <a:r>
               <a:rPr lang="nl-BE" dirty="0" err="1"/>
-              <a:t>table</a:t>
-            </a:r>
-            <a:endParaRPr lang="en-US" dirty="0"/>
-          </a:p>
-        </p:txBody>
-      </p:sp>
-      <p:pic>
-        <p:nvPicPr>
-          <p:cNvPr id="5" name="Content Placeholder 4">
-            <a:extLst>
-              <a:ext uri="{FF2B5EF4-FFF2-40B4-BE49-F238E27FC236}">
-                <a16:creationId xmlns:a16="http://schemas.microsoft.com/office/drawing/2014/main" id="{39783975-8BFA-491A-B11A-AF9857711D78}"/>
-              </a:ext>
-            </a:extLst>
-          </p:cNvPr>
-          <p:cNvPicPr>
-            <a:picLocks noGrp="1" noChangeAspect="1"/>
-          </p:cNvPicPr>
+              <a:t>work</a:t>
+            </a:r>
+            <a:endParaRPr lang="nl-BE" dirty="0"/>
+          </a:p>
+        </p:txBody>
+      </p:sp>
+      <p:sp>
+        <p:nvSpPr>
+          <p:cNvPr id="3" name="Tijdelijke aanduiding voor inhoud 2"/>
+          <p:cNvSpPr>
+            <a:spLocks noGrp="1"/>
+          </p:cNvSpPr>
           <p:nvPr>
             <p:ph idx="1"/>
           </p:nvPr>
-        </p:nvPicPr>
-        <p:blipFill>
-          <a:blip r:embed="rId2">
-            <a:extLst>
-              <a:ext uri="{28A0092B-C50C-407E-A947-70E740481C1C}">
-                <a14:useLocalDpi xmlns:a14="http://schemas.microsoft.com/office/drawing/2010/main" val="0"/>
-              </a:ext>
-            </a:extLst>
-          </a:blip>
-          <a:stretch>
-            <a:fillRect/>
-          </a:stretch>
-        </p:blipFill>
-        <p:spPr>
-          <a:xfrm>
-            <a:off x="1252477" y="1846263"/>
-            <a:ext cx="9747372" cy="4022725"/>
-          </a:xfrm>
-        </p:spPr>
-      </p:pic>
+        </p:nvSpPr>
+        <p:spPr/>
+        <p:txBody>
+          <a:bodyPr/>
+          <a:lstStyle/>
+          <a:p>
+            <a:r>
+              <a:rPr lang="nl-BE" dirty="0"/>
+              <a:t>Quinten </a:t>
+            </a:r>
+            <a:r>
+              <a:rPr lang="nl-BE" dirty="0" err="1"/>
+              <a:t>Bruynseraede</a:t>
+            </a:r>
+            <a:r>
+              <a:rPr lang="nl-BE" dirty="0"/>
+              <a:t>: ~ </a:t>
+            </a:r>
+            <a:r>
+              <a:rPr lang="" altLang="nl-BE" dirty="0"/>
+              <a:t>15 </a:t>
+            </a:r>
+            <a:r>
+              <a:rPr lang="nl-BE" dirty="0" err="1"/>
+              <a:t>hours</a:t>
+            </a:r>
+            <a:endParaRPr lang="nl-BE" dirty="0"/>
+          </a:p>
+          <a:p>
+            <a:r>
+              <a:rPr lang="nl-BE" dirty="0" err="1"/>
+              <a:t>Ignace</a:t>
+            </a:r>
+            <a:r>
+              <a:rPr lang="nl-BE" dirty="0"/>
+              <a:t> </a:t>
+            </a:r>
+            <a:r>
+              <a:rPr lang="nl-BE" dirty="0" err="1"/>
+              <a:t>Bleukx</a:t>
+            </a:r>
+            <a:r>
+              <a:rPr lang="nl-BE" dirty="0"/>
+              <a:t>: ~ </a:t>
+            </a:r>
+            <a:r>
+              <a:rPr lang="" altLang="nl-BE" dirty="0"/>
+              <a:t>25 </a:t>
+            </a:r>
+            <a:r>
+              <a:rPr lang="" altLang="nl-BE" dirty="0"/>
+              <a:t>hours</a:t>
+            </a:r>
+            <a:endParaRPr lang="nl-BE" dirty="0"/>
+          </a:p>
+          <a:p>
+            <a:r>
+              <a:rPr lang="nl-BE" dirty="0"/>
+              <a:t>Tom De Backer: ~ </a:t>
+            </a:r>
+            <a:r>
+              <a:rPr lang="" altLang="nl-BE" dirty="0"/>
+              <a:t>25 </a:t>
+            </a:r>
+            <a:r>
+              <a:rPr lang="nl-BE" dirty="0" err="1"/>
+              <a:t>hours</a:t>
+            </a:r>
+            <a:endParaRPr lang="nl-BE" dirty="0"/>
+          </a:p>
+          <a:p>
+            <a:r>
+              <a:rPr lang="nl-BE" dirty="0"/>
+              <a:t>Martijn </a:t>
+            </a:r>
+            <a:r>
+              <a:rPr lang="nl-BE" dirty="0" err="1"/>
+              <a:t>Slaets</a:t>
+            </a:r>
+            <a:r>
+              <a:rPr lang="nl-BE" dirty="0"/>
+              <a:t>: ~ </a:t>
+            </a:r>
+            <a:r>
+              <a:rPr lang="" altLang="nl-BE" dirty="0"/>
+              <a:t>15 </a:t>
+            </a:r>
+            <a:r>
+              <a:rPr lang="nl-BE" dirty="0" err="1"/>
+              <a:t>hours</a:t>
+            </a:r>
+            <a:endParaRPr lang="nl-BE" dirty="0"/>
+          </a:p>
+          <a:p>
+            <a:endParaRPr lang="nl-BE" dirty="0"/>
+          </a:p>
+        </p:txBody>
+      </p:sp>
     </p:spTree>
-    <p:extLst>
-      <p:ext uri="{BB962C8B-B14F-4D97-AF65-F5344CB8AC3E}">
-        <p14:creationId xmlns:p14="http://schemas.microsoft.com/office/powerpoint/2010/main" val="3004057349"/>
-      </p:ext>
-    </p:extLst>
   </p:cSld>
   <p:clrMapOvr>
     <a:masterClrMapping/>
@@ -6086,13 +5897,7 @@
       </p:grpSpPr>
       <p:sp>
         <p:nvSpPr>
-          <p:cNvPr id="2" name="Title 1">
-            <a:extLst>
-              <a:ext uri="{FF2B5EF4-FFF2-40B4-BE49-F238E27FC236}">
-                <a16:creationId xmlns:a16="http://schemas.microsoft.com/office/drawing/2014/main" id="{B887EBEC-3B8E-4632-A863-D1B7274F59D7}"/>
-              </a:ext>
-            </a:extLst>
-          </p:cNvPr>
+          <p:cNvPr id="2" name="Titel 1"/>
           <p:cNvSpPr>
             <a:spLocks noGrp="1"/>
           </p:cNvSpPr>
@@ -6106,60 +5911,382 @@
           <a:lstStyle/>
           <a:p>
             <a:r>
+              <a:rPr lang="nl-BE" dirty="0" err="1"/>
+              <a:t>Individual</a:t>
+            </a:r>
+            <a:r>
               <a:rPr lang="nl-BE" dirty="0"/>
-              <a:t>2. </a:t>
+              <a:t> </a:t>
             </a:r>
             <a:r>
               <a:rPr lang="nl-BE" dirty="0" err="1"/>
-              <a:t>Edit</a:t>
-            </a:r>
+              <a:t>work</a:t>
+            </a:r>
+            <a:endParaRPr lang="nl-BE" dirty="0"/>
+          </a:p>
+        </p:txBody>
+      </p:sp>
+      <p:sp>
+        <p:nvSpPr>
+          <p:cNvPr id="5" name="Tijdelijke aanduiding voor inhoud 2"/>
+          <p:cNvSpPr>
+            <a:spLocks noGrp="1"/>
+          </p:cNvSpPr>
+          <p:nvPr/>
+        </p:nvSpPr>
+        <p:spPr>
+          <a:xfrm>
+            <a:off x="1224280" y="1972734"/>
+            <a:ext cx="10058400" cy="4023360"/>
+          </a:xfrm>
+          <a:prstGeom prst="rect">
+            <a:avLst/>
+          </a:prstGeom>
+        </p:spPr>
+        <p:txBody>
+          <a:bodyPr vert="horz" lIns="0" tIns="45720" rIns="0" bIns="45720" rtlCol="0">
+            <a:normAutofit/>
+          </a:bodyPr>
+          <a:lstStyle>
+            <a:lvl1pPr marL="91440" indent="-91440" algn="l" defTabSz="914400" rtl="0" eaLnBrk="1" latinLnBrk="0" hangingPunct="1">
+              <a:lnSpc>
+                <a:spcPct val="90000"/>
+              </a:lnSpc>
+              <a:spcBef>
+                <a:spcPts val="1200"/>
+              </a:spcBef>
+              <a:spcAft>
+                <a:spcPts val="200"/>
+              </a:spcAft>
+              <a:buClr>
+                <a:schemeClr val="accent1"/>
+              </a:buClr>
+              <a:buSzPct val="100000"/>
+              <a:buFont typeface="Calibri" panose="020F0502020204030204" pitchFamily="34" charset="0"/>
+              <a:buChar char=" "/>
+              <a:defRPr sz="2000" kern="1200">
+                <a:solidFill>
+                  <a:schemeClr val="tx1">
+                    <a:lumMod val="75000"/>
+                    <a:lumOff val="25000"/>
+                  </a:schemeClr>
+                </a:solidFill>
+                <a:latin typeface="+mn-lt"/>
+                <a:ea typeface="+mn-ea"/>
+                <a:cs typeface="+mn-cs"/>
+              </a:defRPr>
+            </a:lvl1pPr>
+            <a:lvl2pPr marL="384175" indent="-182880" algn="l" defTabSz="914400" rtl="0" eaLnBrk="1" latinLnBrk="0" hangingPunct="1">
+              <a:lnSpc>
+                <a:spcPct val="90000"/>
+              </a:lnSpc>
+              <a:spcBef>
+                <a:spcPts val="200"/>
+              </a:spcBef>
+              <a:spcAft>
+                <a:spcPts val="400"/>
+              </a:spcAft>
+              <a:buClr>
+                <a:schemeClr val="accent1"/>
+              </a:buClr>
+              <a:buFont typeface="Calibri" panose="020F0502020204030204" pitchFamily="34" charset="0"/>
+              <a:buChar char="◦"/>
+              <a:defRPr sz="1800" kern="1200">
+                <a:solidFill>
+                  <a:schemeClr val="tx1">
+                    <a:lumMod val="75000"/>
+                    <a:lumOff val="25000"/>
+                  </a:schemeClr>
+                </a:solidFill>
+                <a:latin typeface="+mn-lt"/>
+                <a:ea typeface="+mn-ea"/>
+                <a:cs typeface="+mn-cs"/>
+              </a:defRPr>
+            </a:lvl2pPr>
+            <a:lvl3pPr marL="567055" indent="-182880" algn="l" defTabSz="914400" rtl="0" eaLnBrk="1" latinLnBrk="0" hangingPunct="1">
+              <a:lnSpc>
+                <a:spcPct val="90000"/>
+              </a:lnSpc>
+              <a:spcBef>
+                <a:spcPts val="200"/>
+              </a:spcBef>
+              <a:spcAft>
+                <a:spcPts val="400"/>
+              </a:spcAft>
+              <a:buClr>
+                <a:schemeClr val="accent1"/>
+              </a:buClr>
+              <a:buFont typeface="Calibri" panose="020F0502020204030204" pitchFamily="34" charset="0"/>
+              <a:buChar char="◦"/>
+              <a:defRPr sz="1400" kern="1200">
+                <a:solidFill>
+                  <a:schemeClr val="tx1">
+                    <a:lumMod val="75000"/>
+                    <a:lumOff val="25000"/>
+                  </a:schemeClr>
+                </a:solidFill>
+                <a:latin typeface="+mn-lt"/>
+                <a:ea typeface="+mn-ea"/>
+                <a:cs typeface="+mn-cs"/>
+              </a:defRPr>
+            </a:lvl3pPr>
+            <a:lvl4pPr marL="749935" indent="-182880" algn="l" defTabSz="914400" rtl="0" eaLnBrk="1" latinLnBrk="0" hangingPunct="1">
+              <a:lnSpc>
+                <a:spcPct val="90000"/>
+              </a:lnSpc>
+              <a:spcBef>
+                <a:spcPts val="200"/>
+              </a:spcBef>
+              <a:spcAft>
+                <a:spcPts val="400"/>
+              </a:spcAft>
+              <a:buClr>
+                <a:schemeClr val="accent1"/>
+              </a:buClr>
+              <a:buFont typeface="Calibri" panose="020F0502020204030204" pitchFamily="34" charset="0"/>
+              <a:buChar char="◦"/>
+              <a:defRPr sz="1400" kern="1200">
+                <a:solidFill>
+                  <a:schemeClr val="tx1">
+                    <a:lumMod val="75000"/>
+                    <a:lumOff val="25000"/>
+                  </a:schemeClr>
+                </a:solidFill>
+                <a:latin typeface="+mn-lt"/>
+                <a:ea typeface="+mn-ea"/>
+                <a:cs typeface="+mn-cs"/>
+              </a:defRPr>
+            </a:lvl4pPr>
+            <a:lvl5pPr marL="932815" indent="-182880" algn="l" defTabSz="914400" rtl="0" eaLnBrk="1" latinLnBrk="0" hangingPunct="1">
+              <a:lnSpc>
+                <a:spcPct val="90000"/>
+              </a:lnSpc>
+              <a:spcBef>
+                <a:spcPts val="200"/>
+              </a:spcBef>
+              <a:spcAft>
+                <a:spcPts val="400"/>
+              </a:spcAft>
+              <a:buClr>
+                <a:schemeClr val="accent1"/>
+              </a:buClr>
+              <a:buFont typeface="Calibri" panose="020F0502020204030204" pitchFamily="34" charset="0"/>
+              <a:buChar char="◦"/>
+              <a:defRPr sz="1400" kern="1200">
+                <a:solidFill>
+                  <a:schemeClr val="tx1">
+                    <a:lumMod val="75000"/>
+                    <a:lumOff val="25000"/>
+                  </a:schemeClr>
+                </a:solidFill>
+                <a:latin typeface="+mn-lt"/>
+                <a:ea typeface="+mn-ea"/>
+                <a:cs typeface="+mn-cs"/>
+              </a:defRPr>
+            </a:lvl5pPr>
+            <a:lvl6pPr marL="1099820" indent="-228600" algn="l" defTabSz="914400" rtl="0" eaLnBrk="1" latinLnBrk="0" hangingPunct="1">
+              <a:lnSpc>
+                <a:spcPct val="90000"/>
+              </a:lnSpc>
+              <a:spcBef>
+                <a:spcPts val="200"/>
+              </a:spcBef>
+              <a:spcAft>
+                <a:spcPts val="400"/>
+              </a:spcAft>
+              <a:buClr>
+                <a:schemeClr val="accent1"/>
+              </a:buClr>
+              <a:buFont typeface="Calibri" panose="020F0502020204030204" pitchFamily="34" charset="0"/>
+              <a:buChar char="◦"/>
+              <a:defRPr sz="1400" kern="1200">
+                <a:solidFill>
+                  <a:schemeClr val="tx1">
+                    <a:lumMod val="75000"/>
+                    <a:lumOff val="25000"/>
+                  </a:schemeClr>
+                </a:solidFill>
+                <a:latin typeface="+mn-lt"/>
+                <a:ea typeface="+mn-ea"/>
+                <a:cs typeface="+mn-cs"/>
+              </a:defRPr>
+            </a:lvl6pPr>
+            <a:lvl7pPr marL="1299845" indent="-228600" algn="l" defTabSz="914400" rtl="0" eaLnBrk="1" latinLnBrk="0" hangingPunct="1">
+              <a:lnSpc>
+                <a:spcPct val="90000"/>
+              </a:lnSpc>
+              <a:spcBef>
+                <a:spcPts val="200"/>
+              </a:spcBef>
+              <a:spcAft>
+                <a:spcPts val="400"/>
+              </a:spcAft>
+              <a:buClr>
+                <a:schemeClr val="accent1"/>
+              </a:buClr>
+              <a:buFont typeface="Calibri" panose="020F0502020204030204" pitchFamily="34" charset="0"/>
+              <a:buChar char="◦"/>
+              <a:defRPr sz="1400" kern="1200">
+                <a:solidFill>
+                  <a:schemeClr val="tx1">
+                    <a:lumMod val="75000"/>
+                    <a:lumOff val="25000"/>
+                  </a:schemeClr>
+                </a:solidFill>
+                <a:latin typeface="+mn-lt"/>
+                <a:ea typeface="+mn-ea"/>
+                <a:cs typeface="+mn-cs"/>
+              </a:defRPr>
+            </a:lvl7pPr>
+            <a:lvl8pPr marL="1499870" indent="-228600" algn="l" defTabSz="914400" rtl="0" eaLnBrk="1" latinLnBrk="0" hangingPunct="1">
+              <a:lnSpc>
+                <a:spcPct val="90000"/>
+              </a:lnSpc>
+              <a:spcBef>
+                <a:spcPts val="200"/>
+              </a:spcBef>
+              <a:spcAft>
+                <a:spcPts val="400"/>
+              </a:spcAft>
+              <a:buClr>
+                <a:schemeClr val="accent1"/>
+              </a:buClr>
+              <a:buFont typeface="Calibri" panose="020F0502020204030204" pitchFamily="34" charset="0"/>
+              <a:buChar char="◦"/>
+              <a:defRPr sz="1400" kern="1200">
+                <a:solidFill>
+                  <a:schemeClr val="tx1">
+                    <a:lumMod val="75000"/>
+                    <a:lumOff val="25000"/>
+                  </a:schemeClr>
+                </a:solidFill>
+                <a:latin typeface="+mn-lt"/>
+                <a:ea typeface="+mn-ea"/>
+                <a:cs typeface="+mn-cs"/>
+              </a:defRPr>
+            </a:lvl8pPr>
+            <a:lvl9pPr marL="1699895" indent="-228600" algn="l" defTabSz="914400" rtl="0" eaLnBrk="1" latinLnBrk="0" hangingPunct="1">
+              <a:lnSpc>
+                <a:spcPct val="90000"/>
+              </a:lnSpc>
+              <a:spcBef>
+                <a:spcPts val="200"/>
+              </a:spcBef>
+              <a:spcAft>
+                <a:spcPts val="400"/>
+              </a:spcAft>
+              <a:buClr>
+                <a:schemeClr val="accent1"/>
+              </a:buClr>
+              <a:buFont typeface="Calibri" panose="020F0502020204030204" pitchFamily="34" charset="0"/>
+              <a:buChar char="◦"/>
+              <a:defRPr sz="1400" kern="1200">
+                <a:solidFill>
+                  <a:schemeClr val="tx1">
+                    <a:lumMod val="75000"/>
+                    <a:lumOff val="25000"/>
+                  </a:schemeClr>
+                </a:solidFill>
+                <a:latin typeface="+mn-lt"/>
+                <a:ea typeface="+mn-ea"/>
+                <a:cs typeface="+mn-cs"/>
+              </a:defRPr>
+            </a:lvl9pPr>
+          </a:lstStyle>
+          <a:p>
             <a:r>
               <a:rPr lang="nl-BE" dirty="0"/>
-              <a:t> a </a:t>
+              <a:t>Quinten </a:t>
             </a:r>
             <a:r>
               <a:rPr lang="nl-BE" dirty="0" err="1"/>
-              <a:t>table</a:t>
+              <a:t>Bruynseraede</a:t>
             </a:r>
             <a:r>
               <a:rPr lang="nl-BE" dirty="0"/>
-              <a:t> name</a:t>
-            </a:r>
-            <a:endParaRPr lang="en-US" dirty="0"/>
-          </a:p>
-        </p:txBody>
-      </p:sp>
-      <p:sp>
-        <p:nvSpPr>
-          <p:cNvPr id="7" name="Content Placeholder 6">
-            <a:extLst>
-              <a:ext uri="{FF2B5EF4-FFF2-40B4-BE49-F238E27FC236}">
-                <a16:creationId xmlns:a16="http://schemas.microsoft.com/office/drawing/2014/main" id="{14141365-A369-4652-80EC-A34B81C59813}"/>
-              </a:ext>
-            </a:extLst>
-          </p:cNvPr>
-          <p:cNvSpPr>
-            <a:spLocks noGrp="1"/>
-          </p:cNvSpPr>
-          <p:nvPr>
-            <p:ph idx="1"/>
-          </p:nvPr>
-        </p:nvSpPr>
-        <p:spPr/>
-        <p:txBody>
-          <a:bodyPr/>
-          <a:lstStyle/>
-          <a:p>
-            <a:endParaRPr lang="en-US" dirty="0"/>
+              <a:t>: ~ </a:t>
+            </a:r>
+            <a:r>
+              <a:rPr lang="" altLang="en-US" dirty="0"/>
+              <a:t>25 </a:t>
+            </a:r>
+            <a:r>
+              <a:rPr lang="nl-BE" dirty="0" err="1"/>
+              <a:t>hours</a:t>
+            </a:r>
+            <a:endParaRPr lang="nl-BE" dirty="0"/>
+          </a:p>
+          <a:p>
+            <a:r>
+              <a:rPr lang="nl-BE" dirty="0" err="1"/>
+              <a:t>Ignace</a:t>
+            </a:r>
+            <a:r>
+              <a:rPr lang="nl-BE" dirty="0"/>
+              <a:t> </a:t>
+            </a:r>
+            <a:r>
+              <a:rPr lang="nl-BE" dirty="0" err="1"/>
+              <a:t>Bleukx</a:t>
+            </a:r>
+            <a:r>
+              <a:rPr lang="nl-BE" dirty="0"/>
+              <a:t>: ~ </a:t>
+            </a:r>
+            <a:r>
+              <a:rPr lang="" altLang="en-US" dirty="0"/>
+              <a:t>50 </a:t>
+            </a:r>
+            <a:r>
+              <a:rPr lang="en-US" altLang="nl-BE" dirty="0"/>
+              <a:t>hours</a:t>
+            </a:r>
+            <a:endParaRPr lang="nl-BE" dirty="0"/>
+          </a:p>
+          <a:p>
+            <a:r>
+              <a:rPr lang="nl-BE" dirty="0"/>
+              <a:t>Tom De Backer: ~ </a:t>
+            </a:r>
+            <a:r>
+              <a:rPr lang="" altLang="nl-BE" dirty="0"/>
+              <a:t>35 </a:t>
+            </a:r>
+            <a:r>
+              <a:rPr lang="nl-BE" dirty="0" err="1"/>
+              <a:t>hours</a:t>
+            </a:r>
+            <a:endParaRPr lang="nl-BE" dirty="0"/>
+          </a:p>
+          <a:p>
+            <a:r>
+              <a:rPr lang="nl-BE" dirty="0"/>
+              <a:t>Martijn </a:t>
+            </a:r>
+            <a:r>
+              <a:rPr lang="nl-BE" dirty="0" err="1"/>
+              <a:t>Slaets</a:t>
+            </a:r>
+            <a:r>
+              <a:rPr lang="nl-BE" dirty="0"/>
+              <a:t>: ~ </a:t>
+            </a:r>
+            <a:r>
+              <a:rPr lang="" altLang="nl-BE" dirty="0"/>
+              <a:t>30 </a:t>
+            </a:r>
+            <a:r>
+              <a:rPr lang="nl-BE" dirty="0" err="1"/>
+              <a:t>hours</a:t>
+            </a:r>
+            <a:endParaRPr lang="nl-BE" dirty="0"/>
+          </a:p>
+          <a:p>
+            <a:endParaRPr lang="nl-BE" dirty="0"/>
           </a:p>
         </p:txBody>
       </p:sp>
     </p:spTree>
-    <p:extLst>
-      <p:ext uri="{BB962C8B-B14F-4D97-AF65-F5344CB8AC3E}">
-        <p14:creationId xmlns:p14="http://schemas.microsoft.com/office/powerpoint/2010/main" val="749707364"/>
-      </p:ext>
-    </p:extLst>
   </p:cSld>
   <p:clrMapOvr>
     <a:masterClrMapping/>
@@ -6186,13 +6313,7 @@
       </p:grpSpPr>
       <p:sp>
         <p:nvSpPr>
-          <p:cNvPr id="2" name="Title 1">
-            <a:extLst>
-              <a:ext uri="{FF2B5EF4-FFF2-40B4-BE49-F238E27FC236}">
-                <a16:creationId xmlns:a16="http://schemas.microsoft.com/office/drawing/2014/main" id="{0A8DB0E6-56C4-4099-A773-57BAC922EAA9}"/>
-              </a:ext>
-            </a:extLst>
-          </p:cNvPr>
+          <p:cNvPr id="2" name="Titel 1"/>
           <p:cNvSpPr>
             <a:spLocks noGrp="1"/>
           </p:cNvSpPr>
@@ -6205,19 +6326,17 @@
           <a:bodyPr/>
           <a:lstStyle/>
           <a:p>
-            <a:endParaRPr lang="en-US"/>
-          </a:p>
-        </p:txBody>
-      </p:sp>
-      <p:sp>
-        <p:nvSpPr>
-          <p:cNvPr id="3" name="Content Placeholder 2">
-            <a:extLst>
-              <a:ext uri="{FF2B5EF4-FFF2-40B4-BE49-F238E27FC236}">
-                <a16:creationId xmlns:a16="http://schemas.microsoft.com/office/drawing/2014/main" id="{74C59A00-08EA-4B23-8C9F-2738AA94F8DC}"/>
-              </a:ext>
-            </a:extLst>
-          </p:cNvPr>
+            <a:r>
+              <a:rPr lang="nl-BE" dirty="0" err="1"/>
+              <a:t>Study</a:t>
+            </a:r>
+            <a:endParaRPr lang="nl-BE" dirty="0"/>
+          </a:p>
+        </p:txBody>
+      </p:sp>
+      <p:sp>
+        <p:nvSpPr>
+          <p:cNvPr id="3" name="Tijdelijke aanduiding voor inhoud 2"/>
           <p:cNvSpPr>
             <a:spLocks noGrp="1"/>
           </p:cNvSpPr>
@@ -6230,51 +6349,115 @@
           <a:bodyPr/>
           <a:lstStyle/>
           <a:p>
-            <a:endParaRPr lang="en-US"/>
-          </a:p>
-        </p:txBody>
-      </p:sp>
-      <p:pic>
-        <p:nvPicPr>
-          <p:cNvPr id="4" name="Content Placeholder 4">
-            <a:extLst>
-              <a:ext uri="{FF2B5EF4-FFF2-40B4-BE49-F238E27FC236}">
-                <a16:creationId xmlns:a16="http://schemas.microsoft.com/office/drawing/2014/main" id="{CAEDE92E-66AD-4FCA-979F-8E821CB53FE0}"/>
-              </a:ext>
-            </a:extLst>
-          </p:cNvPr>
-          <p:cNvPicPr>
-            <a:picLocks noChangeAspect="1"/>
-          </p:cNvPicPr>
-          <p:nvPr/>
-        </p:nvPicPr>
-        <p:blipFill rotWithShape="1">
-          <a:blip r:embed="rId2">
-            <a:extLst>
-              <a:ext uri="{28A0092B-C50C-407E-A947-70E740481C1C}">
-                <a14:useLocalDpi xmlns:a14="http://schemas.microsoft.com/office/drawing/2010/main" val="0"/>
-              </a:ext>
-            </a:extLst>
-          </a:blip>
-          <a:srcRect b="42215"/>
-          <a:stretch/>
-        </p:blipFill>
-        <p:spPr>
-          <a:xfrm>
-            <a:off x="1651692" y="0"/>
-            <a:ext cx="8888616" cy="6799085"/>
-          </a:xfrm>
-          <a:prstGeom prst="rect">
-            <a:avLst/>
-          </a:prstGeom>
-        </p:spPr>
-      </p:pic>
+            <a:r>
+              <a:rPr lang="nl-BE" dirty="0"/>
+              <a:t>Quinten </a:t>
+            </a:r>
+            <a:r>
+              <a:rPr lang="nl-BE" dirty="0" err="1"/>
+              <a:t>Bruynseraede</a:t>
+            </a:r>
+            <a:r>
+              <a:rPr lang="nl-BE" dirty="0"/>
+              <a:t>: ~ </a:t>
+            </a:r>
+            <a:r>
+              <a:rPr lang="" altLang="nl-BE" dirty="0"/>
+              <a:t>2</a:t>
+            </a:r>
+            <a:r>
+              <a:rPr lang="nl-BE" dirty="0"/>
+              <a:t> </a:t>
+            </a:r>
+            <a:r>
+              <a:rPr lang="nl-BE" dirty="0" err="1"/>
+              <a:t>hour</a:t>
+            </a:r>
+            <a:endParaRPr lang="nl-BE" dirty="0"/>
+          </a:p>
+          <a:p>
+            <a:r>
+              <a:rPr lang="nl-BE" dirty="0" err="1"/>
+              <a:t>Ignace</a:t>
+            </a:r>
+            <a:r>
+              <a:rPr lang="nl-BE" dirty="0"/>
+              <a:t> </a:t>
+            </a:r>
+            <a:r>
+              <a:rPr lang="nl-BE" dirty="0" err="1"/>
+              <a:t>Bleukx</a:t>
+            </a:r>
+            <a:r>
+              <a:rPr lang="nl-BE" dirty="0"/>
+              <a:t>: ~ </a:t>
+            </a:r>
+            <a:r>
+              <a:rPr lang="" altLang="nl-BE" dirty="0"/>
+              <a:t>2</a:t>
+            </a:r>
+            <a:r>
+              <a:rPr lang="nl-BE" dirty="0"/>
+              <a:t> </a:t>
+            </a:r>
+            <a:r>
+              <a:rPr lang="nl-BE" dirty="0" err="1"/>
+              <a:t>hour</a:t>
+            </a:r>
+            <a:endParaRPr lang="nl-BE" dirty="0"/>
+          </a:p>
+          <a:p>
+            <a:r>
+              <a:rPr lang="nl-BE" dirty="0"/>
+              <a:t>Tom De Backer: ~ </a:t>
+            </a:r>
+            <a:r>
+              <a:rPr lang="" altLang="nl-BE" dirty="0"/>
+              <a:t>2</a:t>
+            </a:r>
+            <a:r>
+              <a:rPr lang="nl-BE" dirty="0"/>
+              <a:t> </a:t>
+            </a:r>
+            <a:r>
+              <a:rPr lang="nl-BE" dirty="0" err="1"/>
+              <a:t>hour</a:t>
+            </a:r>
+            <a:endParaRPr lang="nl-BE" dirty="0"/>
+          </a:p>
+          <a:p>
+            <a:r>
+              <a:rPr lang="nl-BE" dirty="0"/>
+              <a:t>Martijn </a:t>
+            </a:r>
+            <a:r>
+              <a:rPr lang="nl-BE" dirty="0" err="1"/>
+              <a:t>Slaets</a:t>
+            </a:r>
+            <a:r>
+              <a:rPr lang="nl-BE" dirty="0"/>
+              <a:t>: ~ </a:t>
+            </a:r>
+            <a:r>
+              <a:rPr lang="" altLang="nl-BE" dirty="0"/>
+              <a:t>2</a:t>
+            </a:r>
+            <a:r>
+              <a:rPr lang="nl-BE" dirty="0"/>
+              <a:t> </a:t>
+            </a:r>
+            <a:r>
+              <a:rPr lang="nl-BE" dirty="0" err="1"/>
+              <a:t>hour</a:t>
+            </a:r>
+            <a:endParaRPr lang="nl-BE" dirty="0"/>
+          </a:p>
+          <a:p>
+            <a:endParaRPr lang="nl-BE" dirty="0"/>
+          </a:p>
+        </p:txBody>
+      </p:sp>
     </p:spTree>
-    <p:extLst>
-      <p:ext uri="{BB962C8B-B14F-4D97-AF65-F5344CB8AC3E}">
-        <p14:creationId xmlns:p14="http://schemas.microsoft.com/office/powerpoint/2010/main" val="1755774996"/>
-      </p:ext>
-    </p:extLst>
   </p:cSld>
   <p:clrMapOvr>
     <a:masterClrMapping/>
@@ -6301,13 +6484,7 @@
       </p:grpSpPr>
       <p:sp>
         <p:nvSpPr>
-          <p:cNvPr id="2" name="Title 1">
-            <a:extLst>
-              <a:ext uri="{FF2B5EF4-FFF2-40B4-BE49-F238E27FC236}">
-                <a16:creationId xmlns:a16="http://schemas.microsoft.com/office/drawing/2014/main" id="{652B9D35-2361-4F29-9561-0339939D6A6D}"/>
-              </a:ext>
-            </a:extLst>
-          </p:cNvPr>
+          <p:cNvPr id="2" name="Title 1"/>
           <p:cNvSpPr>
             <a:spLocks noGrp="1"/>
           </p:cNvSpPr>
@@ -6320,19 +6497,21 @@
           <a:bodyPr/>
           <a:lstStyle/>
           <a:p>
-            <a:endParaRPr lang="en-US"/>
-          </a:p>
-        </p:txBody>
-      </p:sp>
-      <p:sp>
-        <p:nvSpPr>
-          <p:cNvPr id="3" name="Content Placeholder 2">
-            <a:extLst>
-              <a:ext uri="{FF2B5EF4-FFF2-40B4-BE49-F238E27FC236}">
-                <a16:creationId xmlns:a16="http://schemas.microsoft.com/office/drawing/2014/main" id="{1CE07B6A-0609-4390-870A-82F8DD7FFCA9}"/>
-              </a:ext>
-            </a:extLst>
-          </p:cNvPr>
+            <a:r>
+              <a:rPr lang="nl-BE" dirty="0" err="1"/>
+              <a:t>Use</a:t>
+            </a:r>
+            <a:r>
+              <a:rPr lang="nl-BE" dirty="0"/>
+              <a:t> cases</a:t>
+            </a:r>
+            <a:endParaRPr lang="en-US" dirty="0"/>
+          </a:p>
+        </p:txBody>
+      </p:sp>
+      <p:sp>
+        <p:nvSpPr>
+          <p:cNvPr id="3" name="Content Placeholder 2"/>
           <p:cNvSpPr>
             <a:spLocks noGrp="1"/>
           </p:cNvSpPr>
@@ -6342,54 +6521,89 @@
         </p:nvSpPr>
         <p:spPr/>
         <p:txBody>
-          <a:bodyPr/>
+          <a:bodyPr>
+            <a:normAutofit lnSpcReduction="10000"/>
+          </a:bodyPr>
           <a:lstStyle/>
           <a:p>
-            <a:endParaRPr lang="en-US"/>
-          </a:p>
-        </p:txBody>
-      </p:sp>
-      <p:pic>
-        <p:nvPicPr>
-          <p:cNvPr id="4" name="Content Placeholder 4">
-            <a:extLst>
-              <a:ext uri="{FF2B5EF4-FFF2-40B4-BE49-F238E27FC236}">
-                <a16:creationId xmlns:a16="http://schemas.microsoft.com/office/drawing/2014/main" id="{6444D1AF-605D-4F55-B26B-88E6B8B3D444}"/>
-              </a:ext>
-            </a:extLst>
-          </p:cNvPr>
-          <p:cNvPicPr>
-            <a:picLocks noChangeAspect="1"/>
-          </p:cNvPicPr>
-          <p:nvPr/>
-        </p:nvPicPr>
-        <p:blipFill rotWithShape="1">
-          <a:blip r:embed="rId2">
-            <a:extLst>
-              <a:ext uri="{28A0092B-C50C-407E-A947-70E740481C1C}">
-                <a14:useLocalDpi xmlns:a14="http://schemas.microsoft.com/office/drawing/2010/main" val="0"/>
-              </a:ext>
-            </a:extLst>
-          </a:blip>
-          <a:srcRect t="58173"/>
-          <a:stretch/>
-        </p:blipFill>
-        <p:spPr>
-          <a:xfrm>
-            <a:off x="1412281" y="1033757"/>
-            <a:ext cx="8732957" cy="4835337"/>
-          </a:xfrm>
-          <a:prstGeom prst="rect">
-            <a:avLst/>
-          </a:prstGeom>
-        </p:spPr>
-      </p:pic>
+            <a:pPr marL="457200" indent="-457200">
+              <a:buAutoNum type="arabicPeriod"/>
+            </a:pPr>
+            <a:r>
+              <a:rPr lang="" altLang="en-US"/>
+              <a:t>Find UIElement that needs to act upon input</a:t>
+            </a:r>
+            <a:endParaRPr lang="" altLang="en-US"/>
+          </a:p>
+          <a:p>
+            <a:pPr marL="457200" indent="-457200">
+              <a:buAutoNum type="arabicPeriod"/>
+            </a:pPr>
+            <a:r>
+              <a:rPr lang="en-US" altLang="en-US" sz="2000">
+                <a:sym typeface="+mn-ea"/>
+              </a:rPr>
+              <a:t>Invoke its singleClickHandler() / keyEventHandler()</a:t>
+            </a:r>
+            <a:endParaRPr lang="en-US" altLang="en-US" sz="2000"/>
+          </a:p>
+          <a:p>
+            <a:pPr marL="914400" lvl="1" indent="-457200"/>
+            <a:r>
+              <a:rPr lang="en-US" altLang="en-US" sz="2000">
+                <a:sym typeface="+mn-ea"/>
+              </a:rPr>
+              <a:t>Modifies UIElement</a:t>
+            </a:r>
+            <a:endParaRPr lang="en-US" altLang="en-US" sz="2000"/>
+          </a:p>
+          <a:p>
+            <a:pPr marL="914400" lvl="1" indent="-457200"/>
+            <a:r>
+              <a:rPr lang="en-US" altLang="en-US" sz="2000">
+                <a:sym typeface="+mn-ea"/>
+              </a:rPr>
+              <a:t>Uses a Tablr reference to modify Domain if necessary</a:t>
+            </a:r>
+            <a:endParaRPr lang="" altLang="en-US"/>
+          </a:p>
+          <a:p>
+            <a:pPr>
+              <a:buAutoNum type="arabicPeriod"/>
+            </a:pPr>
+            <a:r>
+              <a:rPr lang="" altLang="en-US"/>
+              <a:t> Notify other UIElements if Domain changed</a:t>
+            </a:r>
+            <a:endParaRPr lang="" altLang="en-US"/>
+          </a:p>
+          <a:p>
+            <a:pPr marL="0" indent="0">
+              <a:buNone/>
+            </a:pPr>
+            <a:endParaRPr lang="en-US" altLang="en-US" sz="2000"/>
+          </a:p>
+          <a:p>
+            <a:pPr marL="0" indent="0">
+              <a:buNone/>
+            </a:pPr>
+            <a:endParaRPr lang="" altLang="en-US"/>
+          </a:p>
+          <a:p>
+            <a:pPr marL="457200" lvl="1" indent="0">
+              <a:buNone/>
+            </a:pPr>
+            <a:endParaRPr lang="" altLang="en-US"/>
+          </a:p>
+          <a:p>
+            <a:pPr marL="914400" lvl="1" indent="-457200">
+              <a:buAutoNum type="arabicPeriod"/>
+            </a:pPr>
+            <a:endParaRPr lang="" altLang="en-US"/>
+          </a:p>
+        </p:txBody>
+      </p:sp>
     </p:spTree>
-    <p:extLst>
-      <p:ext uri="{BB962C8B-B14F-4D97-AF65-F5344CB8AC3E}">
-        <p14:creationId xmlns:p14="http://schemas.microsoft.com/office/powerpoint/2010/main" val="886430134"/>
-      </p:ext>
-    </p:extLst>
   </p:cSld>
   <p:clrMapOvr>
     <a:masterClrMapping/>
@@ -6414,80 +6628,68 @@
           <a:chExt cx="0" cy="0"/>
         </a:xfrm>
       </p:grpSpPr>
+      <p:sp>
+        <p:nvSpPr>
+          <p:cNvPr id="2" name="Title 1"/>
+          <p:cNvSpPr>
+            <a:spLocks noGrp="1"/>
+          </p:cNvSpPr>
+          <p:nvPr>
+            <p:ph type="title"/>
+          </p:nvPr>
+        </p:nvSpPr>
+        <p:spPr/>
+        <p:txBody>
+          <a:bodyPr/>
+          <a:lstStyle/>
+          <a:p>
+            <a:r>
+              <a:rPr lang="nl-BE" dirty="0"/>
+              <a:t>1. </a:t>
+            </a:r>
+            <a:r>
+              <a:rPr lang="nl-BE" dirty="0" err="1"/>
+              <a:t>Adding</a:t>
+            </a:r>
+            <a:r>
+              <a:rPr lang="nl-BE" dirty="0"/>
+              <a:t> a </a:t>
+            </a:r>
+            <a:r>
+              <a:rPr lang="nl-BE" dirty="0" err="1"/>
+              <a:t>table</a:t>
+            </a:r>
+            <a:endParaRPr lang="en-US" dirty="0"/>
+          </a:p>
+        </p:txBody>
+      </p:sp>
       <p:pic>
         <p:nvPicPr>
-          <p:cNvPr id="5" name="Content Placeholder 4">
-            <a:extLst>
-              <a:ext uri="{FF2B5EF4-FFF2-40B4-BE49-F238E27FC236}">
-                <a16:creationId xmlns:a16="http://schemas.microsoft.com/office/drawing/2014/main" id="{128C2A04-9FB2-4619-82F6-F70583326CCD}"/>
-              </a:ext>
-            </a:extLst>
-          </p:cNvPr>
+          <p:cNvPr id="4" name="Content Placeholder 3" descr="useCase1"/>
           <p:cNvPicPr>
-            <a:picLocks noGrp="1" noChangeAspect="1"/>
+            <a:picLocks noChangeAspect="1"/>
           </p:cNvPicPr>
           <p:nvPr>
             <p:ph idx="1"/>
           </p:nvPr>
         </p:nvPicPr>
         <p:blipFill>
-          <a:blip r:embed="rId2">
-            <a:extLst>
-              <a:ext uri="{28A0092B-C50C-407E-A947-70E740481C1C}">
-                <a14:useLocalDpi xmlns:a14="http://schemas.microsoft.com/office/drawing/2010/main" val="0"/>
-              </a:ext>
-            </a:extLst>
-          </a:blip>
+          <a:blip r:embed="rId1"/>
           <a:stretch>
             <a:fillRect/>
           </a:stretch>
         </p:blipFill>
         <p:spPr>
           <a:xfrm>
-            <a:off x="1933073" y="794034"/>
-            <a:ext cx="8573195" cy="5923299"/>
-          </a:xfrm>
+            <a:off x="1433830" y="1737360"/>
+            <a:ext cx="9721850" cy="4672965"/>
+          </a:xfrm>
+          <a:prstGeom prst="rect">
+            <a:avLst/>
+          </a:prstGeom>
         </p:spPr>
       </p:pic>
-      <p:sp>
-        <p:nvSpPr>
-          <p:cNvPr id="2" name="Title 1">
-            <a:extLst>
-              <a:ext uri="{FF2B5EF4-FFF2-40B4-BE49-F238E27FC236}">
-                <a16:creationId xmlns:a16="http://schemas.microsoft.com/office/drawing/2014/main" id="{AFD052B6-D1B0-41F4-A085-CE5D18FF339A}"/>
-              </a:ext>
-            </a:extLst>
-          </p:cNvPr>
-          <p:cNvSpPr>
-            <a:spLocks noGrp="1"/>
-          </p:cNvSpPr>
-          <p:nvPr>
-            <p:ph type="title"/>
-          </p:nvPr>
-        </p:nvSpPr>
-        <p:spPr/>
-        <p:txBody>
-          <a:bodyPr/>
-          <a:lstStyle/>
-          <a:p>
-            <a:r>
-              <a:rPr lang="nl-BE" dirty="0"/>
-              <a:t>3. Delete </a:t>
-            </a:r>
-            <a:r>
-              <a:rPr lang="nl-BE" dirty="0" err="1"/>
-              <a:t>table</a:t>
-            </a:r>
-            <a:endParaRPr lang="en-US" dirty="0"/>
-          </a:p>
-        </p:txBody>
-      </p:sp>
     </p:spTree>
-    <p:extLst>
-      <p:ext uri="{BB962C8B-B14F-4D97-AF65-F5344CB8AC3E}">
-        <p14:creationId xmlns:p14="http://schemas.microsoft.com/office/powerpoint/2010/main" val="4275102536"/>
-      </p:ext>
-    </p:extLst>
   </p:cSld>
   <p:clrMapOvr>
     <a:masterClrMapping/>
@@ -6512,80 +6714,73 @@
           <a:chExt cx="0" cy="0"/>
         </a:xfrm>
       </p:grpSpPr>
+      <p:sp>
+        <p:nvSpPr>
+          <p:cNvPr id="2" name="Title 1"/>
+          <p:cNvSpPr>
+            <a:spLocks noGrp="1"/>
+          </p:cNvSpPr>
+          <p:nvPr>
+            <p:ph type="title"/>
+          </p:nvPr>
+        </p:nvSpPr>
+        <p:spPr/>
+        <p:txBody>
+          <a:bodyPr/>
+          <a:lstStyle/>
+          <a:p>
+            <a:r>
+              <a:rPr lang="nl-BE" dirty="0"/>
+              <a:t>2. </a:t>
+            </a:r>
+            <a:r>
+              <a:rPr lang="nl-BE" dirty="0" err="1"/>
+              <a:t>Edit</a:t>
+            </a:r>
+            <a:r>
+              <a:rPr lang="nl-BE" dirty="0"/>
+              <a:t> a </a:t>
+            </a:r>
+            <a:r>
+              <a:rPr lang="nl-BE" dirty="0" err="1"/>
+              <a:t>table</a:t>
+            </a:r>
+            <a:r>
+              <a:rPr lang="nl-BE" dirty="0"/>
+              <a:t> name</a:t>
+            </a:r>
+            <a:endParaRPr lang="en-US" dirty="0"/>
+          </a:p>
+        </p:txBody>
+      </p:sp>
       <p:pic>
         <p:nvPicPr>
-          <p:cNvPr id="5" name="Content Placeholder 4">
-            <a:extLst>
-              <a:ext uri="{FF2B5EF4-FFF2-40B4-BE49-F238E27FC236}">
-                <a16:creationId xmlns:a16="http://schemas.microsoft.com/office/drawing/2014/main" id="{B53DF88B-8BAA-4442-8AEE-CEE500D61DD7}"/>
-              </a:ext>
-            </a:extLst>
-          </p:cNvPr>
+          <p:cNvPr id="3" name="Content Placeholder 2" descr="usecase2"/>
           <p:cNvPicPr>
-            <a:picLocks noGrp="1" noChangeAspect="1"/>
+            <a:picLocks noChangeAspect="1"/>
           </p:cNvPicPr>
           <p:nvPr>
             <p:ph idx="1"/>
           </p:nvPr>
         </p:nvPicPr>
         <p:blipFill>
-          <a:blip r:embed="rId2">
-            <a:extLst>
-              <a:ext uri="{28A0092B-C50C-407E-A947-70E740481C1C}">
-                <a14:useLocalDpi xmlns:a14="http://schemas.microsoft.com/office/drawing/2010/main" val="0"/>
-              </a:ext>
-            </a:extLst>
-          </a:blip>
+          <a:blip r:embed="rId1"/>
+          <a:srcRect b="40688"/>
           <a:stretch>
             <a:fillRect/>
           </a:stretch>
         </p:blipFill>
         <p:spPr>
           <a:xfrm>
-            <a:off x="1970784" y="847887"/>
-            <a:ext cx="8432849" cy="5621900"/>
-          </a:xfrm>
+            <a:off x="1538605" y="1847215"/>
+            <a:ext cx="9573260" cy="4424680"/>
+          </a:xfrm>
+          <a:prstGeom prst="rect">
+            <a:avLst/>
+          </a:prstGeom>
         </p:spPr>
       </p:pic>
-      <p:sp>
-        <p:nvSpPr>
-          <p:cNvPr id="2" name="Title 1">
-            <a:extLst>
-              <a:ext uri="{FF2B5EF4-FFF2-40B4-BE49-F238E27FC236}">
-                <a16:creationId xmlns:a16="http://schemas.microsoft.com/office/drawing/2014/main" id="{D0AB03CA-9FBD-4CC4-801B-395050EFBD83}"/>
-              </a:ext>
-            </a:extLst>
-          </p:cNvPr>
-          <p:cNvSpPr>
-            <a:spLocks noGrp="1"/>
-          </p:cNvSpPr>
-          <p:nvPr>
-            <p:ph type="title"/>
-          </p:nvPr>
-        </p:nvSpPr>
-        <p:spPr/>
-        <p:txBody>
-          <a:bodyPr/>
-          <a:lstStyle/>
-          <a:p>
-            <a:r>
-              <a:rPr lang="nl-BE" dirty="0"/>
-              <a:t>4. Open </a:t>
-            </a:r>
-            <a:r>
-              <a:rPr lang="nl-BE" dirty="0" err="1"/>
-              <a:t>table</a:t>
-            </a:r>
-            <a:endParaRPr lang="en-US" dirty="0"/>
-          </a:p>
-        </p:txBody>
-      </p:sp>
     </p:spTree>
-    <p:extLst>
-      <p:ext uri="{BB962C8B-B14F-4D97-AF65-F5344CB8AC3E}">
-        <p14:creationId xmlns:p14="http://schemas.microsoft.com/office/powerpoint/2010/main" val="2192225772"/>
-      </p:ext>
-    </p:extLst>
   </p:cSld>
   <p:clrMapOvr>
     <a:masterClrMapping/>
@@ -6602,92 +6797,91 @@
         <p:cNvGrpSpPr/>
         <p:nvPr/>
       </p:nvGrpSpPr>
-      <p:grpSpPr>
-        <a:xfrm>
-          <a:off x="0" y="0"/>
-          <a:ext cx="0" cy="0"/>
-          <a:chOff x="0" y="0"/>
-          <a:chExt cx="0" cy="0"/>
-        </a:xfrm>
-      </p:grpSpPr>
+      <p:grpSpPr/>
+      <p:sp>
+        <p:nvSpPr>
+          <p:cNvPr id="2" name="Title 1"/>
+          <p:cNvSpPr>
+            <a:spLocks noGrp="1"/>
+          </p:cNvSpPr>
+          <p:nvPr>
+            <p:ph type="title"/>
+          </p:nvPr>
+        </p:nvSpPr>
+        <p:spPr/>
+        <p:txBody>
+          <a:bodyPr/>
+          <a:p>
+            <a:r>
+              <a:rPr lang="nl-BE" dirty="0">
+                <a:sym typeface="+mn-ea"/>
+              </a:rPr>
+              <a:t>2. </a:t>
+            </a:r>
+            <a:r>
+              <a:rPr lang="nl-BE" dirty="0" err="1">
+                <a:sym typeface="+mn-ea"/>
+              </a:rPr>
+              <a:t>Edit</a:t>
+            </a:r>
+            <a:r>
+              <a:rPr lang="nl-BE" dirty="0">
+                <a:sym typeface="+mn-ea"/>
+              </a:rPr>
+              <a:t> a </a:t>
+            </a:r>
+            <a:r>
+              <a:rPr lang="nl-BE" dirty="0" err="1">
+                <a:sym typeface="+mn-ea"/>
+              </a:rPr>
+              <a:t>table</a:t>
+            </a:r>
+            <a:r>
+              <a:rPr lang="nl-BE" dirty="0">
+                <a:sym typeface="+mn-ea"/>
+              </a:rPr>
+              <a:t> name </a:t>
+            </a:r>
+            <a:r>
+              <a:rPr lang="" altLang="nl-BE" dirty="0">
+                <a:sym typeface="+mn-ea"/>
+              </a:rPr>
+              <a:t>(continued)</a:t>
+            </a:r>
+            <a:endParaRPr lang="" altLang="nl-BE" dirty="0">
+              <a:sym typeface="+mn-ea"/>
+            </a:endParaRPr>
+          </a:p>
+        </p:txBody>
+      </p:sp>
       <p:pic>
         <p:nvPicPr>
-          <p:cNvPr id="5" name="Content Placeholder 4">
-            <a:extLst>
-              <a:ext uri="{FF2B5EF4-FFF2-40B4-BE49-F238E27FC236}">
-                <a16:creationId xmlns:a16="http://schemas.microsoft.com/office/drawing/2014/main" id="{17D2CE80-43A7-4A68-8E71-D3EF09308225}"/>
-              </a:ext>
-            </a:extLst>
-          </p:cNvPr>
+          <p:cNvPr id="4" name="Content Placeholder 3" descr="usecase2"/>
           <p:cNvPicPr>
-            <a:picLocks noGrp="1" noChangeAspect="1"/>
+            <a:picLocks noChangeAspect="1"/>
           </p:cNvPicPr>
           <p:nvPr>
             <p:ph idx="1"/>
           </p:nvPr>
         </p:nvPicPr>
         <p:blipFill>
-          <a:blip r:embed="rId2">
-            <a:extLst>
-              <a:ext uri="{28A0092B-C50C-407E-A947-70E740481C1C}">
-                <a14:useLocalDpi xmlns:a14="http://schemas.microsoft.com/office/drawing/2010/main" val="0"/>
-              </a:ext>
-            </a:extLst>
-          </a:blip>
+          <a:blip r:embed="rId1"/>
+          <a:srcRect t="62105"/>
           <a:stretch>
             <a:fillRect/>
           </a:stretch>
         </p:blipFill>
         <p:spPr>
           <a:xfrm>
-            <a:off x="1789682" y="1155798"/>
-            <a:ext cx="9614255" cy="5133035"/>
-          </a:xfrm>
+            <a:off x="319405" y="2247265"/>
+            <a:ext cx="11614785" cy="3429635"/>
+          </a:xfrm>
+          <a:prstGeom prst="rect">
+            <a:avLst/>
+          </a:prstGeom>
         </p:spPr>
       </p:pic>
-      <p:sp>
-        <p:nvSpPr>
-          <p:cNvPr id="2" name="Title 1">
-            <a:extLst>
-              <a:ext uri="{FF2B5EF4-FFF2-40B4-BE49-F238E27FC236}">
-                <a16:creationId xmlns:a16="http://schemas.microsoft.com/office/drawing/2014/main" id="{3BB931E7-9EF3-4CDB-8BA0-1A2811FF77CD}"/>
-              </a:ext>
-            </a:extLst>
-          </p:cNvPr>
-          <p:cNvSpPr>
-            <a:spLocks noGrp="1"/>
-          </p:cNvSpPr>
-          <p:nvPr>
-            <p:ph type="title"/>
-          </p:nvPr>
-        </p:nvSpPr>
-        <p:spPr/>
-        <p:txBody>
-          <a:bodyPr/>
-          <a:lstStyle/>
-          <a:p>
-            <a:r>
-              <a:rPr lang="nl-BE" dirty="0"/>
-              <a:t>5. </a:t>
-            </a:r>
-            <a:r>
-              <a:rPr lang="nl-BE" dirty="0" err="1"/>
-              <a:t>Add</a:t>
-            </a:r>
-            <a:r>
-              <a:rPr lang="nl-BE" dirty="0"/>
-              <a:t> Column</a:t>
-            </a:r>
-            <a:endParaRPr lang="en-US" dirty="0"/>
-          </a:p>
-        </p:txBody>
-      </p:sp>
     </p:spTree>
-    <p:extLst>
-      <p:ext uri="{BB962C8B-B14F-4D97-AF65-F5344CB8AC3E}">
-        <p14:creationId xmlns:p14="http://schemas.microsoft.com/office/powerpoint/2010/main" val="282943634"/>
-      </p:ext>
-    </p:extLst>
   </p:cSld>
   <p:clrMapOvr>
     <a:masterClrMapping/>
@@ -6714,13 +6908,7 @@
       </p:grpSpPr>
       <p:sp>
         <p:nvSpPr>
-          <p:cNvPr id="2" name="Title 1">
-            <a:extLst>
-              <a:ext uri="{FF2B5EF4-FFF2-40B4-BE49-F238E27FC236}">
-                <a16:creationId xmlns:a16="http://schemas.microsoft.com/office/drawing/2014/main" id="{90718DBA-6FEC-4B99-8DD3-820746119739}"/>
-              </a:ext>
-            </a:extLst>
-          </p:cNvPr>
+          <p:cNvPr id="2" name="Title 1"/>
           <p:cNvSpPr>
             <a:spLocks noGrp="1"/>
           </p:cNvSpPr>
@@ -6730,7 +6918,7 @@
         </p:nvSpPr>
         <p:spPr>
           <a:xfrm>
-            <a:off x="1066800" y="-725379"/>
+            <a:off x="1066800" y="-321727"/>
             <a:ext cx="10058400" cy="1450757"/>
           </a:xfrm>
         </p:spPr>
@@ -6740,19 +6928,11 @@
           <a:p>
             <a:r>
               <a:rPr lang="nl-BE" dirty="0"/>
-              <a:t>6. </a:t>
+              <a:t>3. Delete </a:t>
             </a:r>
             <a:r>
               <a:rPr lang="nl-BE" dirty="0" err="1"/>
-              <a:t>Edit</a:t>
-            </a:r>
-            <a:r>
-              <a:rPr lang="nl-BE" dirty="0"/>
-              <a:t> Column </a:t>
-            </a:r>
-            <a:r>
-              <a:rPr lang="nl-BE" dirty="0" err="1"/>
-              <a:t>Characteristic</a:t>
+              <a:t>table</a:t>
             </a:r>
             <a:endParaRPr lang="en-US" dirty="0"/>
           </a:p>
@@ -6760,45 +6940,32 @@
       </p:sp>
       <p:pic>
         <p:nvPicPr>
-          <p:cNvPr id="5" name="Content Placeholder 4">
-            <a:extLst>
-              <a:ext uri="{FF2B5EF4-FFF2-40B4-BE49-F238E27FC236}">
-                <a16:creationId xmlns:a16="http://schemas.microsoft.com/office/drawing/2014/main" id="{075C7478-151D-4729-A4C6-CF82D22BFD36}"/>
-              </a:ext>
-            </a:extLst>
-          </p:cNvPr>
+          <p:cNvPr id="7" name="Content Placeholder 6" descr="useCase3"/>
           <p:cNvPicPr>
-            <a:picLocks noGrp="1" noChangeAspect="1"/>
+            <a:picLocks noChangeAspect="1"/>
           </p:cNvPicPr>
           <p:nvPr>
             <p:ph idx="1"/>
           </p:nvPr>
         </p:nvPicPr>
         <p:blipFill>
-          <a:blip r:embed="rId2">
-            <a:extLst>
-              <a:ext uri="{28A0092B-C50C-407E-A947-70E740481C1C}">
-                <a14:useLocalDpi xmlns:a14="http://schemas.microsoft.com/office/drawing/2010/main" val="0"/>
-              </a:ext>
-            </a:extLst>
-          </a:blip>
+          <a:blip r:embed="rId1"/>
+          <a:srcRect b="4218"/>
           <a:stretch>
             <a:fillRect/>
           </a:stretch>
         </p:blipFill>
         <p:spPr>
           <a:xfrm>
-            <a:off x="2427740" y="582187"/>
-            <a:ext cx="8666980" cy="6346687"/>
-          </a:xfrm>
+            <a:off x="336550" y="1008380"/>
+            <a:ext cx="11518900" cy="5623560"/>
+          </a:xfrm>
+          <a:prstGeom prst="rect">
+            <a:avLst/>
+          </a:prstGeom>
         </p:spPr>
       </p:pic>
     </p:spTree>
-    <p:extLst>
-      <p:ext uri="{BB962C8B-B14F-4D97-AF65-F5344CB8AC3E}">
-        <p14:creationId xmlns:p14="http://schemas.microsoft.com/office/powerpoint/2010/main" val="3584573852"/>
-      </p:ext>
-    </p:extLst>
   </p:cSld>
   <p:clrMapOvr>
     <a:masterClrMapping/>
@@ -6815,23 +6982,10 @@
         <p:cNvGrpSpPr/>
         <p:nvPr/>
       </p:nvGrpSpPr>
-      <p:grpSpPr>
-        <a:xfrm>
-          <a:off x="0" y="0"/>
-          <a:ext cx="0" cy="0"/>
-          <a:chOff x="0" y="0"/>
-          <a:chExt cx="0" cy="0"/>
-        </a:xfrm>
-      </p:grpSpPr>
-      <p:sp>
-        <p:nvSpPr>
-          <p:cNvPr id="2" name="Title 1">
-            <a:extLst>
-              <a:ext uri="{FF2B5EF4-FFF2-40B4-BE49-F238E27FC236}">
-                <a16:creationId xmlns:a16="http://schemas.microsoft.com/office/drawing/2014/main" id="{64261B14-BA49-49B8-BF84-7F26194ADC41}"/>
-              </a:ext>
-            </a:extLst>
-          </p:cNvPr>
+      <p:grpSpPr/>
+      <p:sp>
+        <p:nvSpPr>
+          <p:cNvPr id="2" name="Title 1"/>
           <p:cNvSpPr>
             <a:spLocks noGrp="1"/>
           </p:cNvSpPr>
@@ -6842,72 +6996,42 @@
         <p:spPr/>
         <p:txBody>
           <a:bodyPr/>
-          <a:lstStyle/>
-          <a:p>
-            <a:r>
-              <a:rPr lang="nl-BE" dirty="0"/>
-              <a:t>6. </a:t>
-            </a:r>
-            <a:r>
-              <a:rPr lang="nl-BE" dirty="0" err="1"/>
-              <a:t>Edit</a:t>
-            </a:r>
-            <a:r>
-              <a:rPr lang="nl-BE" dirty="0"/>
-              <a:t> Column </a:t>
-            </a:r>
-            <a:r>
-              <a:rPr lang="nl-BE" dirty="0" err="1"/>
-              <a:t>Characteristic</a:t>
-            </a:r>
-            <a:r>
-              <a:rPr lang="nl-BE" dirty="0"/>
-              <a:t> (a)</a:t>
-            </a:r>
-            <a:endParaRPr lang="en-US" dirty="0"/>
+          <a:p>
+            <a:r>
+              <a:rPr lang="" altLang="en-US"/>
+              <a:t>4. Open a Table </a:t>
+            </a:r>
+            <a:endParaRPr lang="" altLang="en-US"/>
           </a:p>
         </p:txBody>
       </p:sp>
       <p:pic>
         <p:nvPicPr>
-          <p:cNvPr id="5" name="Content Placeholder 4">
-            <a:extLst>
-              <a:ext uri="{FF2B5EF4-FFF2-40B4-BE49-F238E27FC236}">
-                <a16:creationId xmlns:a16="http://schemas.microsoft.com/office/drawing/2014/main" id="{17EB800A-73E8-45CD-8A89-0D625BB353FA}"/>
-              </a:ext>
-            </a:extLst>
-          </p:cNvPr>
+          <p:cNvPr id="4" name="Content Placeholder 3" descr="useCase4"/>
           <p:cNvPicPr>
-            <a:picLocks noGrp="1" noChangeAspect="1"/>
+            <a:picLocks noChangeAspect="1"/>
           </p:cNvPicPr>
           <p:nvPr>
             <p:ph idx="1"/>
           </p:nvPr>
         </p:nvPicPr>
-        <p:blipFill rotWithShape="1">
-          <a:blip r:embed="rId2">
-            <a:extLst>
-              <a:ext uri="{28A0092B-C50C-407E-A947-70E740481C1C}">
-                <a14:useLocalDpi xmlns:a14="http://schemas.microsoft.com/office/drawing/2010/main" val="0"/>
-              </a:ext>
-            </a:extLst>
-          </a:blip>
-          <a:srcRect b="6865"/>
-          <a:stretch/>
+        <p:blipFill>
+          <a:blip r:embed="rId1"/>
+          <a:stretch>
+            <a:fillRect/>
+          </a:stretch>
         </p:blipFill>
         <p:spPr>
           <a:xfrm>
-            <a:off x="905224" y="1653385"/>
-            <a:ext cx="10381551" cy="5118816"/>
-          </a:xfrm>
+            <a:off x="721360" y="1894840"/>
+            <a:ext cx="10954385" cy="4206875"/>
+          </a:xfrm>
+          <a:prstGeom prst="rect">
+            <a:avLst/>
+          </a:prstGeom>
         </p:spPr>
       </p:pic>
     </p:spTree>
-    <p:extLst>
-      <p:ext uri="{BB962C8B-B14F-4D97-AF65-F5344CB8AC3E}">
-        <p14:creationId xmlns:p14="http://schemas.microsoft.com/office/powerpoint/2010/main" val="2271822578"/>
-      </p:ext>
-    </p:extLst>
   </p:cSld>
   <p:clrMapOvr>
     <a:masterClrMapping/>
@@ -6934,13 +7058,7 @@
       </p:grpSpPr>
       <p:sp>
         <p:nvSpPr>
-          <p:cNvPr id="2" name="Title 1">
-            <a:extLst>
-              <a:ext uri="{FF2B5EF4-FFF2-40B4-BE49-F238E27FC236}">
-                <a16:creationId xmlns:a16="http://schemas.microsoft.com/office/drawing/2014/main" id="{134ECFBE-02C4-4948-8737-095384C67431}"/>
-              </a:ext>
-            </a:extLst>
-          </p:cNvPr>
+          <p:cNvPr id="2" name="Title 1"/>
           <p:cNvSpPr>
             <a:spLocks noGrp="1"/>
           </p:cNvSpPr>
@@ -6948,30 +7066,27 @@
             <p:ph type="title"/>
           </p:nvPr>
         </p:nvSpPr>
-        <p:spPr/>
+        <p:spPr>
+          <a:xfrm>
+            <a:off x="1097280" y="-48677"/>
+            <a:ext cx="10058400" cy="1450757"/>
+          </a:xfrm>
+        </p:spPr>
         <p:txBody>
           <a:bodyPr/>
           <a:lstStyle/>
           <a:p>
             <a:r>
               <a:rPr lang="nl-BE" dirty="0"/>
-              <a:t>6. </a:t>
+              <a:t>5. </a:t>
             </a:r>
             <a:r>
               <a:rPr lang="nl-BE" dirty="0" err="1"/>
-              <a:t>Edit</a:t>
+              <a:t>Add</a:t>
             </a:r>
             <a:r>
               <a:rPr lang="nl-BE" dirty="0"/>
-              <a:t> Column </a:t>
-            </a:r>
-            <a:r>
-              <a:rPr lang="nl-BE" dirty="0" err="1"/>
-              <a:t>Characteristic</a:t>
-            </a:r>
-            <a:r>
-              <a:rPr lang="nl-BE" dirty="0"/>
-              <a:t> (b)</a:t>
+              <a:t> Column</a:t>
             </a:r>
             <a:endParaRPr lang="en-US" dirty="0"/>
           </a:p>
@@ -6979,45 +7094,31 @@
       </p:sp>
       <p:pic>
         <p:nvPicPr>
-          <p:cNvPr id="5" name="Content Placeholder 4">
-            <a:extLst>
-              <a:ext uri="{FF2B5EF4-FFF2-40B4-BE49-F238E27FC236}">
-                <a16:creationId xmlns:a16="http://schemas.microsoft.com/office/drawing/2014/main" id="{82DC2BEC-D85E-4F7C-B48E-027E1B27C796}"/>
-              </a:ext>
-            </a:extLst>
-          </p:cNvPr>
+          <p:cNvPr id="4" name="Content Placeholder 3" descr="useCase5"/>
           <p:cNvPicPr>
-            <a:picLocks noGrp="1" noChangeAspect="1"/>
+            <a:picLocks noChangeAspect="1"/>
           </p:cNvPicPr>
           <p:nvPr>
             <p:ph idx="1"/>
           </p:nvPr>
         </p:nvPicPr>
         <p:blipFill>
-          <a:blip r:embed="rId2">
-            <a:extLst>
-              <a:ext uri="{28A0092B-C50C-407E-A947-70E740481C1C}">
-                <a14:useLocalDpi xmlns:a14="http://schemas.microsoft.com/office/drawing/2010/main" val="0"/>
-              </a:ext>
-            </a:extLst>
-          </a:blip>
+          <a:blip r:embed="rId1"/>
           <a:stretch>
             <a:fillRect/>
           </a:stretch>
         </p:blipFill>
         <p:spPr>
           <a:xfrm>
-            <a:off x="1294588" y="1558212"/>
-            <a:ext cx="9357438" cy="5299788"/>
-          </a:xfrm>
+            <a:off x="992505" y="1538605"/>
+            <a:ext cx="10206355" cy="4909185"/>
+          </a:xfrm>
+          <a:prstGeom prst="rect">
+            <a:avLst/>
+          </a:prstGeom>
         </p:spPr>
       </p:pic>
     </p:spTree>
-    <p:extLst>
-      <p:ext uri="{BB962C8B-B14F-4D97-AF65-F5344CB8AC3E}">
-        <p14:creationId xmlns:p14="http://schemas.microsoft.com/office/powerpoint/2010/main" val="2675401575"/>
-      </p:ext>
-    </p:extLst>
   </p:cSld>
   <p:clrMapOvr>
     <a:masterClrMapping/>
@@ -7034,23 +7135,10 @@
         <p:cNvGrpSpPr/>
         <p:nvPr/>
       </p:nvGrpSpPr>
-      <p:grpSpPr>
-        <a:xfrm>
-          <a:off x="0" y="0"/>
-          <a:ext cx="0" cy="0"/>
-          <a:chOff x="0" y="0"/>
-          <a:chExt cx="0" cy="0"/>
-        </a:xfrm>
-      </p:grpSpPr>
-      <p:sp>
-        <p:nvSpPr>
-          <p:cNvPr id="2" name="Title 1">
-            <a:extLst>
-              <a:ext uri="{FF2B5EF4-FFF2-40B4-BE49-F238E27FC236}">
-                <a16:creationId xmlns:a16="http://schemas.microsoft.com/office/drawing/2014/main" id="{7C557CF4-E03E-4E20-AB0E-617EC24FEDFA}"/>
-              </a:ext>
-            </a:extLst>
-          </p:cNvPr>
+      <p:grpSpPr/>
+      <p:sp>
+        <p:nvSpPr>
+          <p:cNvPr id="2" name="Title 1"/>
           <p:cNvSpPr>
             <a:spLocks noGrp="1"/>
           </p:cNvSpPr>
@@ -7061,97 +7149,452 @@
         <p:spPr/>
         <p:txBody>
           <a:bodyPr/>
-          <a:lstStyle/>
-          <a:p>
-            <a:r>
-              <a:rPr lang="nl-BE" dirty="0"/>
-              <a:t>Class Diagram - 1</a:t>
-            </a:r>
-            <a:endParaRPr lang="en-US" dirty="0"/>
+          <a:p>
+            <a:r>
+              <a:rPr lang="" altLang="en-US"/>
+              <a:t>1. Design: then vs Now</a:t>
+            </a:r>
+            <a:endParaRPr lang="" altLang="en-US"/>
+          </a:p>
+        </p:txBody>
+      </p:sp>
+      <p:sp>
+        <p:nvSpPr>
+          <p:cNvPr id="3" name="Content Placeholder 2"/>
+          <p:cNvSpPr>
+            <a:spLocks noGrp="1"/>
+          </p:cNvSpPr>
+          <p:nvPr>
+            <p:ph idx="1"/>
+          </p:nvPr>
+        </p:nvSpPr>
+        <p:spPr/>
+        <p:txBody>
+          <a:bodyPr/>
+          <a:p>
+            <a:pPr marL="0" indent="0">
+              <a:buNone/>
+            </a:pPr>
+            <a:r>
+              <a:rPr lang="" altLang="en-US"/>
+              <a:t>Iteration 2:</a:t>
+            </a:r>
+            <a:endParaRPr lang="" altLang="en-US"/>
+          </a:p>
+          <a:p>
+            <a:pPr>
+              <a:buFont typeface="Arial" panose="02080604020202020204" pitchFamily="34" charset="0"/>
+              <a:buChar char="•"/>
+            </a:pPr>
+            <a:r>
+              <a:rPr lang="" altLang="en-US"/>
+              <a:t>All </a:t>
+            </a:r>
+            <a:r>
+              <a:rPr lang="" altLang="en-US">
+                <a:solidFill>
+                  <a:schemeClr val="bg2">
+                    <a:lumMod val="75000"/>
+                  </a:schemeClr>
+                </a:solidFill>
+              </a:rPr>
+              <a:t>DomainElements </a:t>
+            </a:r>
+            <a:r>
+              <a:rPr lang="" altLang="en-US"/>
+              <a:t>and </a:t>
+            </a:r>
+            <a:r>
+              <a:rPr lang="" altLang="en-US">
+                <a:solidFill>
+                  <a:schemeClr val="bg2">
+                    <a:lumMod val="75000"/>
+                  </a:schemeClr>
+                </a:solidFill>
+              </a:rPr>
+              <a:t>UIElements </a:t>
+            </a:r>
+            <a:r>
+              <a:rPr lang="" altLang="en-US"/>
+              <a:t>are free of references to </a:t>
+            </a:r>
+            <a:r>
+              <a:rPr lang="" altLang="en-US">
+                <a:solidFill>
+                  <a:schemeClr val="accent1"/>
+                </a:solidFill>
+              </a:rPr>
+              <a:t>'Tablr'-specific</a:t>
+            </a:r>
+            <a:r>
+              <a:rPr lang="" altLang="en-US"/>
+              <a:t> Classes</a:t>
+            </a:r>
+            <a:endParaRPr lang="" altLang="en-US"/>
+          </a:p>
+          <a:p>
+            <a:pPr marL="0" indent="0">
+              <a:buFont typeface="Arial" panose="02080604020202020204" pitchFamily="34" charset="0"/>
+              <a:buNone/>
+            </a:pPr>
+            <a:endParaRPr lang="" altLang="en-US"/>
           </a:p>
         </p:txBody>
       </p:sp>
       <p:pic>
         <p:nvPicPr>
-          <p:cNvPr id="5" name="Content Placeholder 4">
-            <a:extLst>
-              <a:ext uri="{FF2B5EF4-FFF2-40B4-BE49-F238E27FC236}">
-                <a16:creationId xmlns:a16="http://schemas.microsoft.com/office/drawing/2014/main" id="{71AA9F66-CD43-412D-AB27-3B249B44CFA5}"/>
-              </a:ext>
-            </a:extLst>
-          </p:cNvPr>
+          <p:cNvPr id="4" name="Picture 3" descr="Screenshot from 2019-04-29 15.13.44"/>
           <p:cNvPicPr>
-            <a:picLocks noGrp="1" noChangeAspect="1"/>
+            <a:picLocks noChangeAspect="1"/>
           </p:cNvPicPr>
-          <p:nvPr>
-            <p:ph idx="1"/>
-          </p:nvPr>
+          <p:nvPr/>
         </p:nvPicPr>
-        <p:blipFill rotWithShape="1">
-          <a:blip r:embed="rId2">
-            <a:extLst>
-              <a:ext uri="{28A0092B-C50C-407E-A947-70E740481C1C}">
-                <a14:useLocalDpi xmlns:a14="http://schemas.microsoft.com/office/drawing/2010/main" val="0"/>
-              </a:ext>
-            </a:extLst>
-          </a:blip>
-          <a:srcRect t="1" r="39432" b="41534"/>
-          <a:stretch/>
+        <p:blipFill>
+          <a:blip r:embed="rId1"/>
+          <a:srcRect t="17164"/>
+          <a:stretch>
+            <a:fillRect/>
+          </a:stretch>
         </p:blipFill>
         <p:spPr>
           <a:xfrm>
-            <a:off x="394283" y="1652331"/>
-            <a:ext cx="11517231" cy="4362575"/>
-          </a:xfrm>
-        </p:spPr>
-      </p:pic>
-      <p:cxnSp>
-        <p:nvCxnSpPr>
-          <p:cNvPr id="7" name="Straight Connector 6">
-            <a:extLst>
-              <a:ext uri="{FF2B5EF4-FFF2-40B4-BE49-F238E27FC236}">
-                <a16:creationId xmlns:a16="http://schemas.microsoft.com/office/drawing/2014/main" id="{889C6CFA-9A76-4721-AE76-AED5A2899ED4}"/>
-              </a:ext>
-            </a:extLst>
-          </p:cNvPr>
-          <p:cNvCxnSpPr/>
-          <p:nvPr/>
-        </p:nvCxnSpPr>
-        <p:spPr>
-          <a:xfrm flipH="1">
-            <a:off x="0" y="4068661"/>
-            <a:ext cx="637563" cy="0"/>
-          </a:xfrm>
-          <a:prstGeom prst="line">
+            <a:off x="984250" y="2914015"/>
+            <a:ext cx="9459595" cy="3279775"/>
+          </a:xfrm>
+          <a:prstGeom prst="rect">
             <a:avLst/>
           </a:prstGeom>
-          <a:ln>
+        </p:spPr>
+      </p:pic>
+      <p:sp>
+        <p:nvSpPr>
+          <p:cNvPr id="5" name="Rounded Rectangle 4"/>
+          <p:cNvSpPr/>
+          <p:nvPr/>
+        </p:nvSpPr>
+        <p:spPr>
+          <a:xfrm>
+            <a:off x="804545" y="4238625"/>
+            <a:ext cx="1186815" cy="960120"/>
+          </a:xfrm>
+          <a:prstGeom prst="roundRect">
+            <a:avLst/>
+          </a:prstGeom>
+          <a:noFill/>
+          <a:ln w="57150">
             <a:solidFill>
-              <a:schemeClr val="tx1"/>
+              <a:schemeClr val="bg2">
+                <a:lumMod val="75000"/>
+              </a:schemeClr>
             </a:solidFill>
           </a:ln>
+          <a:extLst>
+            <a:ext uri="{909E8E84-426E-40DD-AFC4-6F175D3DCCD1}">
+              <a14:hiddenFill xmlns:a14="http://schemas.microsoft.com/office/drawing/2010/main">
+                <a:solidFill>
+                  <a:schemeClr val="accent2"/>
+                </a:solidFill>
+              </a14:hiddenFill>
+            </a:ext>
+          </a:extLst>
         </p:spPr>
         <p:style>
-          <a:lnRef idx="1">
-            <a:schemeClr val="accent1"/>
+          <a:lnRef idx="2">
+            <a:schemeClr val="accent1">
+              <a:shade val="50000"/>
+            </a:schemeClr>
           </a:lnRef>
-          <a:fillRef idx="0">
+          <a:fillRef idx="1">
             <a:schemeClr val="accent1"/>
           </a:fillRef>
           <a:effectRef idx="0">
             <a:schemeClr val="accent1"/>
           </a:effectRef>
           <a:fontRef idx="minor">
-            <a:schemeClr val="tx1"/>
+            <a:schemeClr val="lt1"/>
           </a:fontRef>
         </p:style>
-      </p:cxnSp>
+        <p:txBody>
+          <a:bodyPr rtlCol="0" anchor="ctr"/>
+          <a:p>
+            <a:pPr algn="ctr"/>
+            <a:endParaRPr lang="en-US"/>
+          </a:p>
+        </p:txBody>
+      </p:sp>
+      <p:sp>
+        <p:nvSpPr>
+          <p:cNvPr id="6" name="Rounded Rectangle 5"/>
+          <p:cNvSpPr/>
+          <p:nvPr/>
+        </p:nvSpPr>
+        <p:spPr>
+          <a:xfrm>
+            <a:off x="8625840" y="3735705"/>
+            <a:ext cx="1754505" cy="960120"/>
+          </a:xfrm>
+          <a:prstGeom prst="roundRect">
+            <a:avLst/>
+          </a:prstGeom>
+          <a:noFill/>
+          <a:ln w="57150">
+            <a:solidFill>
+              <a:schemeClr val="bg2">
+                <a:lumMod val="75000"/>
+              </a:schemeClr>
+            </a:solidFill>
+          </a:ln>
+          <a:extLst>
+            <a:ext uri="{909E8E84-426E-40DD-AFC4-6F175D3DCCD1}">
+              <a14:hiddenFill xmlns:a14="http://schemas.microsoft.com/office/drawing/2010/main">
+                <a:solidFill>
+                  <a:schemeClr val="accent2"/>
+                </a:solidFill>
+              </a14:hiddenFill>
+            </a:ext>
+          </a:extLst>
+        </p:spPr>
+        <p:style>
+          <a:lnRef idx="2">
+            <a:schemeClr val="accent1">
+              <a:shade val="50000"/>
+            </a:schemeClr>
+          </a:lnRef>
+          <a:fillRef idx="1">
+            <a:schemeClr val="accent1"/>
+          </a:fillRef>
+          <a:effectRef idx="0">
+            <a:schemeClr val="accent1"/>
+          </a:effectRef>
+          <a:fontRef idx="minor">
+            <a:schemeClr val="lt1"/>
+          </a:fontRef>
+        </p:style>
+        <p:txBody>
+          <a:bodyPr rtlCol="0" anchor="ctr"/>
+          <a:p>
+            <a:pPr algn="ctr"/>
+            <a:endParaRPr lang="en-US"/>
+          </a:p>
+        </p:txBody>
+      </p:sp>
+      <p:sp>
+        <p:nvSpPr>
+          <p:cNvPr id="8" name="Rounded Rectangle 7"/>
+          <p:cNvSpPr/>
+          <p:nvPr/>
+        </p:nvSpPr>
+        <p:spPr>
+          <a:xfrm>
+            <a:off x="3211830" y="2954655"/>
+            <a:ext cx="2043430" cy="557530"/>
+          </a:xfrm>
+          <a:prstGeom prst="roundRect">
+            <a:avLst/>
+          </a:prstGeom>
+          <a:noFill/>
+          <a:ln w="19050">
+            <a:solidFill>
+              <a:srgbClr val="FFC000"/>
+            </a:solidFill>
+          </a:ln>
+          <a:extLst>
+            <a:ext uri="{909E8E84-426E-40DD-AFC4-6F175D3DCCD1}">
+              <a14:hiddenFill xmlns:a14="http://schemas.microsoft.com/office/drawing/2010/main">
+                <a:solidFill>
+                  <a:schemeClr val="accent2"/>
+                </a:solidFill>
+              </a14:hiddenFill>
+            </a:ext>
+          </a:extLst>
+        </p:spPr>
+        <p:style>
+          <a:lnRef idx="2">
+            <a:schemeClr val="accent1">
+              <a:shade val="50000"/>
+            </a:schemeClr>
+          </a:lnRef>
+          <a:fillRef idx="1">
+            <a:schemeClr val="accent1"/>
+          </a:fillRef>
+          <a:effectRef idx="0">
+            <a:schemeClr val="accent1"/>
+          </a:effectRef>
+          <a:fontRef idx="minor">
+            <a:schemeClr val="lt1"/>
+          </a:fontRef>
+        </p:style>
+        <p:txBody>
+          <a:bodyPr rtlCol="0" anchor="ctr"/>
+          <a:p>
+            <a:pPr algn="ctr"/>
+            <a:endParaRPr lang="en-US"/>
+          </a:p>
+        </p:txBody>
+      </p:sp>
+      <p:sp>
+        <p:nvSpPr>
+          <p:cNvPr id="9" name="Rounded Rectangle 8"/>
+          <p:cNvSpPr/>
+          <p:nvPr/>
+        </p:nvSpPr>
+        <p:spPr>
+          <a:xfrm>
+            <a:off x="2637790" y="3843655"/>
+            <a:ext cx="1435100" cy="557530"/>
+          </a:xfrm>
+          <a:prstGeom prst="roundRect">
+            <a:avLst/>
+          </a:prstGeom>
+          <a:noFill/>
+          <a:ln w="19050">
+            <a:solidFill>
+              <a:srgbClr val="FFC000"/>
+            </a:solidFill>
+          </a:ln>
+          <a:extLst>
+            <a:ext uri="{909E8E84-426E-40DD-AFC4-6F175D3DCCD1}">
+              <a14:hiddenFill xmlns:a14="http://schemas.microsoft.com/office/drawing/2010/main">
+                <a:solidFill>
+                  <a:schemeClr val="accent2"/>
+                </a:solidFill>
+              </a14:hiddenFill>
+            </a:ext>
+          </a:extLst>
+        </p:spPr>
+        <p:style>
+          <a:lnRef idx="2">
+            <a:schemeClr val="accent1">
+              <a:shade val="50000"/>
+            </a:schemeClr>
+          </a:lnRef>
+          <a:fillRef idx="1">
+            <a:schemeClr val="accent1"/>
+          </a:fillRef>
+          <a:effectRef idx="0">
+            <a:schemeClr val="accent1"/>
+          </a:effectRef>
+          <a:fontRef idx="minor">
+            <a:schemeClr val="lt1"/>
+          </a:fontRef>
+        </p:style>
+        <p:txBody>
+          <a:bodyPr rtlCol="0" anchor="ctr"/>
+          <a:p>
+            <a:pPr algn="ctr"/>
+            <a:endParaRPr lang="en-US"/>
+          </a:p>
+        </p:txBody>
+      </p:sp>
+      <p:sp>
+        <p:nvSpPr>
+          <p:cNvPr id="10" name="Rounded Rectangle 9"/>
+          <p:cNvSpPr/>
+          <p:nvPr/>
+        </p:nvSpPr>
+        <p:spPr>
+          <a:xfrm>
+            <a:off x="4232910" y="3833495"/>
+            <a:ext cx="1506855" cy="557530"/>
+          </a:xfrm>
+          <a:prstGeom prst="roundRect">
+            <a:avLst/>
+          </a:prstGeom>
+          <a:noFill/>
+          <a:ln w="19050">
+            <a:solidFill>
+              <a:srgbClr val="FFC000"/>
+            </a:solidFill>
+          </a:ln>
+          <a:extLst>
+            <a:ext uri="{909E8E84-426E-40DD-AFC4-6F175D3DCCD1}">
+              <a14:hiddenFill xmlns:a14="http://schemas.microsoft.com/office/drawing/2010/main">
+                <a:solidFill>
+                  <a:schemeClr val="accent2"/>
+                </a:solidFill>
+              </a14:hiddenFill>
+            </a:ext>
+          </a:extLst>
+        </p:spPr>
+        <p:style>
+          <a:lnRef idx="2">
+            <a:schemeClr val="accent1">
+              <a:shade val="50000"/>
+            </a:schemeClr>
+          </a:lnRef>
+          <a:fillRef idx="1">
+            <a:schemeClr val="accent1"/>
+          </a:fillRef>
+          <a:effectRef idx="0">
+            <a:schemeClr val="accent1"/>
+          </a:effectRef>
+          <a:fontRef idx="minor">
+            <a:schemeClr val="lt1"/>
+          </a:fontRef>
+        </p:style>
+        <p:txBody>
+          <a:bodyPr rtlCol="0" anchor="ctr"/>
+          <a:p>
+            <a:pPr algn="ctr"/>
+            <a:endParaRPr lang="en-US"/>
+          </a:p>
+        </p:txBody>
+      </p:sp>
+      <p:sp>
+        <p:nvSpPr>
+          <p:cNvPr id="11" name="Rounded Rectangle 10"/>
+          <p:cNvSpPr/>
+          <p:nvPr/>
+        </p:nvSpPr>
+        <p:spPr>
+          <a:xfrm>
+            <a:off x="6733540" y="3853815"/>
+            <a:ext cx="1351280" cy="557530"/>
+          </a:xfrm>
+          <a:prstGeom prst="roundRect">
+            <a:avLst/>
+          </a:prstGeom>
+          <a:noFill/>
+          <a:ln w="19050">
+            <a:solidFill>
+              <a:srgbClr val="FFC000"/>
+            </a:solidFill>
+          </a:ln>
+          <a:extLst>
+            <a:ext uri="{909E8E84-426E-40DD-AFC4-6F175D3DCCD1}">
+              <a14:hiddenFill xmlns:a14="http://schemas.microsoft.com/office/drawing/2010/main">
+                <a:solidFill>
+                  <a:schemeClr val="accent2"/>
+                </a:solidFill>
+              </a14:hiddenFill>
+            </a:ext>
+          </a:extLst>
+        </p:spPr>
+        <p:style>
+          <a:lnRef idx="2">
+            <a:schemeClr val="accent1">
+              <a:shade val="50000"/>
+            </a:schemeClr>
+          </a:lnRef>
+          <a:fillRef idx="1">
+            <a:schemeClr val="accent1"/>
+          </a:fillRef>
+          <a:effectRef idx="0">
+            <a:schemeClr val="accent1"/>
+          </a:effectRef>
+          <a:fontRef idx="minor">
+            <a:schemeClr val="lt1"/>
+          </a:fontRef>
+        </p:style>
+        <p:txBody>
+          <a:bodyPr rtlCol="0" anchor="ctr"/>
+          <a:p>
+            <a:pPr algn="ctr"/>
+            <a:endParaRPr lang="en-US"/>
+          </a:p>
+        </p:txBody>
+      </p:sp>
     </p:spTree>
-    <p:extLst>
-      <p:ext uri="{BB962C8B-B14F-4D97-AF65-F5344CB8AC3E}">
-        <p14:creationId xmlns:p14="http://schemas.microsoft.com/office/powerpoint/2010/main" val="3191859193"/>
-      </p:ext>
-    </p:extLst>
   </p:cSld>
   <p:clrMapOvr>
     <a:masterClrMapping/>
@@ -7178,13 +7621,7 @@
       </p:grpSpPr>
       <p:sp>
         <p:nvSpPr>
-          <p:cNvPr id="2" name="Title 1">
-            <a:extLst>
-              <a:ext uri="{FF2B5EF4-FFF2-40B4-BE49-F238E27FC236}">
-                <a16:creationId xmlns:a16="http://schemas.microsoft.com/office/drawing/2014/main" id="{01B95CCF-9AB0-4B00-AF83-34AF084B3137}"/>
-              </a:ext>
-            </a:extLst>
-          </p:cNvPr>
+          <p:cNvPr id="2" name="Title 1"/>
           <p:cNvSpPr>
             <a:spLocks noGrp="1"/>
           </p:cNvSpPr>
@@ -7192,7 +7629,12 @@
             <p:ph type="title"/>
           </p:nvPr>
         </p:nvSpPr>
-        <p:spPr/>
+        <p:spPr>
+          <a:xfrm>
+            <a:off x="1066800" y="-467569"/>
+            <a:ext cx="10058400" cy="1450757"/>
+          </a:xfrm>
+        </p:spPr>
         <p:txBody>
           <a:bodyPr/>
           <a:lstStyle/>
@@ -7211,109 +7653,43 @@
             </a:r>
             <a:r>
               <a:rPr lang="nl-BE" dirty="0" err="1"/>
-              <a:t>Characteristic</a:t>
-            </a:r>
-            <a:r>
-              <a:rPr lang="nl-BE" dirty="0"/>
-              <a:t> (c)</a:t>
-            </a:r>
-            <a:endParaRPr lang="en-US" dirty="0"/>
+              <a:t>Characteristic </a:t>
+            </a:r>
+            <a:r>
+              <a:rPr lang="" altLang="nl-BE" dirty="0" err="1"/>
+              <a:t>(a)</a:t>
+            </a:r>
+            <a:endParaRPr lang="" altLang="nl-BE" dirty="0" err="1"/>
           </a:p>
         </p:txBody>
       </p:sp>
       <p:pic>
         <p:nvPicPr>
-          <p:cNvPr id="5" name="Content Placeholder 4">
-            <a:extLst>
-              <a:ext uri="{FF2B5EF4-FFF2-40B4-BE49-F238E27FC236}">
-                <a16:creationId xmlns:a16="http://schemas.microsoft.com/office/drawing/2014/main" id="{6738299C-111A-4A2D-8F19-83CDE4499729}"/>
-              </a:ext>
-            </a:extLst>
-          </p:cNvPr>
+          <p:cNvPr id="4" name="Content Placeholder 3" descr="useCase6.1a"/>
           <p:cNvPicPr>
-            <a:picLocks noGrp="1" noChangeAspect="1"/>
+            <a:picLocks noChangeAspect="1"/>
           </p:cNvPicPr>
           <p:nvPr>
             <p:ph idx="1"/>
           </p:nvPr>
         </p:nvPicPr>
         <p:blipFill>
-          <a:blip r:embed="rId2">
-            <a:extLst>
-              <a:ext uri="{28A0092B-C50C-407E-A947-70E740481C1C}">
-                <a14:useLocalDpi xmlns:a14="http://schemas.microsoft.com/office/drawing/2010/main" val="0"/>
-              </a:ext>
-            </a:extLst>
-          </a:blip>
+          <a:blip r:embed="rId1"/>
           <a:stretch>
             <a:fillRect/>
           </a:stretch>
         </p:blipFill>
         <p:spPr>
           <a:xfrm>
-            <a:off x="391947" y="1737360"/>
-            <a:ext cx="11408105" cy="4381373"/>
-          </a:xfrm>
-        </p:spPr>
-      </p:pic>
-      <p:sp>
-        <p:nvSpPr>
-          <p:cNvPr id="6" name="Rectangle 5">
-            <a:extLst>
-              <a:ext uri="{FF2B5EF4-FFF2-40B4-BE49-F238E27FC236}">
-                <a16:creationId xmlns:a16="http://schemas.microsoft.com/office/drawing/2014/main" id="{716EDE25-B667-4BE5-B83B-F2DE57A67A04}"/>
-              </a:ext>
-            </a:extLst>
-          </p:cNvPr>
-          <p:cNvSpPr/>
-          <p:nvPr/>
-        </p:nvSpPr>
-        <p:spPr>
-          <a:xfrm>
-            <a:off x="8061649" y="1737360"/>
-            <a:ext cx="1735494" cy="1015171"/>
+            <a:off x="721360" y="983615"/>
+            <a:ext cx="10749915" cy="5127625"/>
           </a:xfrm>
           <a:prstGeom prst="rect">
             <a:avLst/>
           </a:prstGeom>
-          <a:solidFill>
-            <a:schemeClr val="bg1"/>
-          </a:solidFill>
-          <a:ln>
-            <a:noFill/>
-          </a:ln>
-        </p:spPr>
-        <p:style>
-          <a:lnRef idx="2">
-            <a:schemeClr val="accent1">
-              <a:shade val="50000"/>
-            </a:schemeClr>
-          </a:lnRef>
-          <a:fillRef idx="1">
-            <a:schemeClr val="accent1"/>
-          </a:fillRef>
-          <a:effectRef idx="0">
-            <a:schemeClr val="accent1"/>
-          </a:effectRef>
-          <a:fontRef idx="minor">
-            <a:schemeClr val="lt1"/>
-          </a:fontRef>
-        </p:style>
-        <p:txBody>
-          <a:bodyPr rtlCol="0" anchor="ctr"/>
-          <a:lstStyle/>
-          <a:p>
-            <a:pPr algn="ctr"/>
-            <a:endParaRPr lang="en-US"/>
-          </a:p>
-        </p:txBody>
-      </p:sp>
+        </p:spPr>
+      </p:pic>
     </p:spTree>
-    <p:extLst>
-      <p:ext uri="{BB962C8B-B14F-4D97-AF65-F5344CB8AC3E}">
-        <p14:creationId xmlns:p14="http://schemas.microsoft.com/office/powerpoint/2010/main" val="4122151920"/>
-      </p:ext>
-    </p:extLst>
   </p:cSld>
   <p:clrMapOvr>
     <a:masterClrMapping/>
@@ -7338,76 +7714,72 @@
           <a:chExt cx="0" cy="0"/>
         </a:xfrm>
       </p:grpSpPr>
+      <p:sp>
+        <p:nvSpPr>
+          <p:cNvPr id="2" name="Title 1"/>
+          <p:cNvSpPr>
+            <a:spLocks noGrp="1"/>
+          </p:cNvSpPr>
+          <p:nvPr>
+            <p:ph type="title"/>
+          </p:nvPr>
+        </p:nvSpPr>
+        <p:spPr/>
+        <p:txBody>
+          <a:bodyPr/>
+          <a:lstStyle/>
+          <a:p>
+            <a:r>
+              <a:rPr lang="nl-BE" dirty="0"/>
+              <a:t>6. </a:t>
+            </a:r>
+            <a:r>
+              <a:rPr lang="nl-BE" dirty="0" err="1"/>
+              <a:t>Edit</a:t>
+            </a:r>
+            <a:r>
+              <a:rPr lang="nl-BE" dirty="0"/>
+              <a:t> Column </a:t>
+            </a:r>
+            <a:r>
+              <a:rPr lang="nl-BE" dirty="0" err="1"/>
+              <a:t>Characteristic</a:t>
+            </a:r>
+            <a:r>
+              <a:rPr lang="nl-BE" dirty="0"/>
+              <a:t> (b)</a:t>
+            </a:r>
+            <a:endParaRPr lang="en-US" dirty="0"/>
+          </a:p>
+        </p:txBody>
+      </p:sp>
       <p:pic>
         <p:nvPicPr>
-          <p:cNvPr id="5" name="Content Placeholder 4">
-            <a:extLst>
-              <a:ext uri="{FF2B5EF4-FFF2-40B4-BE49-F238E27FC236}">
-                <a16:creationId xmlns:a16="http://schemas.microsoft.com/office/drawing/2014/main" id="{700D8207-ADC9-4674-9222-568FED3BF933}"/>
-              </a:ext>
-            </a:extLst>
-          </p:cNvPr>
+          <p:cNvPr id="4" name="Content Placeholder 3" descr="useCase6.1b"/>
           <p:cNvPicPr>
-            <a:picLocks noGrp="1" noChangeAspect="1"/>
+            <a:picLocks noChangeAspect="1"/>
           </p:cNvPicPr>
           <p:nvPr>
             <p:ph idx="1"/>
           </p:nvPr>
         </p:nvPicPr>
         <p:blipFill>
-          <a:blip r:embed="rId2">
-            <a:extLst>
-              <a:ext uri="{28A0092B-C50C-407E-A947-70E740481C1C}">
-                <a14:useLocalDpi xmlns:a14="http://schemas.microsoft.com/office/drawing/2010/main" val="0"/>
-              </a:ext>
-            </a:extLst>
-          </a:blip>
+          <a:blip r:embed="rId1"/>
           <a:stretch>
             <a:fillRect/>
           </a:stretch>
         </p:blipFill>
         <p:spPr>
           <a:xfrm>
-            <a:off x="1818227" y="1221110"/>
-            <a:ext cx="9337453" cy="5151698"/>
-          </a:xfrm>
+            <a:off x="840740" y="1609090"/>
+            <a:ext cx="10510520" cy="5013325"/>
+          </a:xfrm>
+          <a:prstGeom prst="rect">
+            <a:avLst/>
+          </a:prstGeom>
         </p:spPr>
       </p:pic>
-      <p:sp>
-        <p:nvSpPr>
-          <p:cNvPr id="2" name="Title 1">
-            <a:extLst>
-              <a:ext uri="{FF2B5EF4-FFF2-40B4-BE49-F238E27FC236}">
-                <a16:creationId xmlns:a16="http://schemas.microsoft.com/office/drawing/2014/main" id="{B7363E8D-7849-45BA-B36F-F33F3F03E579}"/>
-              </a:ext>
-            </a:extLst>
-          </p:cNvPr>
-          <p:cNvSpPr>
-            <a:spLocks noGrp="1"/>
-          </p:cNvSpPr>
-          <p:nvPr>
-            <p:ph type="title"/>
-          </p:nvPr>
-        </p:nvSpPr>
-        <p:spPr/>
-        <p:txBody>
-          <a:bodyPr/>
-          <a:lstStyle/>
-          <a:p>
-            <a:r>
-              <a:rPr lang="nl-BE" dirty="0"/>
-              <a:t>7. Delete Column</a:t>
-            </a:r>
-            <a:endParaRPr lang="en-US" dirty="0"/>
-          </a:p>
-        </p:txBody>
-      </p:sp>
     </p:spTree>
-    <p:extLst>
-      <p:ext uri="{BB962C8B-B14F-4D97-AF65-F5344CB8AC3E}">
-        <p14:creationId xmlns:p14="http://schemas.microsoft.com/office/powerpoint/2010/main" val="1061075301"/>
-      </p:ext>
-    </p:extLst>
   </p:cSld>
   <p:clrMapOvr>
     <a:masterClrMapping/>
@@ -7432,88 +7804,123 @@
           <a:chExt cx="0" cy="0"/>
         </a:xfrm>
       </p:grpSpPr>
+      <p:sp>
+        <p:nvSpPr>
+          <p:cNvPr id="2" name="Title 1"/>
+          <p:cNvSpPr>
+            <a:spLocks noGrp="1"/>
+          </p:cNvSpPr>
+          <p:nvPr>
+            <p:ph type="title"/>
+          </p:nvPr>
+        </p:nvSpPr>
+        <p:spPr>
+          <a:xfrm>
+            <a:off x="1091565" y="-22642"/>
+            <a:ext cx="10058400" cy="1450757"/>
+          </a:xfrm>
+        </p:spPr>
+        <p:txBody>
+          <a:bodyPr/>
+          <a:lstStyle/>
+          <a:p>
+            <a:r>
+              <a:rPr lang="nl-BE" dirty="0"/>
+              <a:t>6. </a:t>
+            </a:r>
+            <a:r>
+              <a:rPr lang="nl-BE" dirty="0" err="1"/>
+              <a:t>Edit</a:t>
+            </a:r>
+            <a:r>
+              <a:rPr lang="nl-BE" dirty="0"/>
+              <a:t> Column </a:t>
+            </a:r>
+            <a:r>
+              <a:rPr lang="nl-BE" dirty="0" err="1"/>
+              <a:t>Characteristic</a:t>
+            </a:r>
+            <a:r>
+              <a:rPr lang="nl-BE" dirty="0"/>
+              <a:t> (c)</a:t>
+            </a:r>
+            <a:endParaRPr lang="en-US" dirty="0"/>
+          </a:p>
+        </p:txBody>
+      </p:sp>
+      <p:sp>
+        <p:nvSpPr>
+          <p:cNvPr id="6" name="Rectangle 5"/>
+          <p:cNvSpPr/>
+          <p:nvPr/>
+        </p:nvSpPr>
+        <p:spPr>
+          <a:xfrm>
+            <a:off x="8061649" y="1737360"/>
+            <a:ext cx="1735494" cy="1015171"/>
+          </a:xfrm>
+          <a:prstGeom prst="rect">
+            <a:avLst/>
+          </a:prstGeom>
+          <a:solidFill>
+            <a:schemeClr val="bg1"/>
+          </a:solidFill>
+          <a:ln>
+            <a:noFill/>
+          </a:ln>
+        </p:spPr>
+        <p:style>
+          <a:lnRef idx="2">
+            <a:schemeClr val="accent1">
+              <a:shade val="50000"/>
+            </a:schemeClr>
+          </a:lnRef>
+          <a:fillRef idx="1">
+            <a:schemeClr val="accent1"/>
+          </a:fillRef>
+          <a:effectRef idx="0">
+            <a:schemeClr val="accent1"/>
+          </a:effectRef>
+          <a:fontRef idx="minor">
+            <a:schemeClr val="lt1"/>
+          </a:fontRef>
+        </p:style>
+        <p:txBody>
+          <a:bodyPr rtlCol="0" anchor="ctr"/>
+          <a:lstStyle/>
+          <a:p>
+            <a:pPr algn="ctr"/>
+            <a:endParaRPr lang="en-US"/>
+          </a:p>
+        </p:txBody>
+      </p:sp>
       <p:pic>
         <p:nvPicPr>
-          <p:cNvPr id="5" name="Content Placeholder 4">
-            <a:extLst>
-              <a:ext uri="{FF2B5EF4-FFF2-40B4-BE49-F238E27FC236}">
-                <a16:creationId xmlns:a16="http://schemas.microsoft.com/office/drawing/2014/main" id="{858CECC6-FF97-4BE0-900D-82973106F233}"/>
-              </a:ext>
-            </a:extLst>
-          </p:cNvPr>
+          <p:cNvPr id="4" name="Content Placeholder 3" descr="useCase6.1c"/>
           <p:cNvPicPr>
-            <a:picLocks noGrp="1" noChangeAspect="1"/>
+            <a:picLocks noChangeAspect="1"/>
           </p:cNvPicPr>
           <p:nvPr>
             <p:ph idx="1"/>
           </p:nvPr>
         </p:nvPicPr>
         <p:blipFill>
-          <a:blip r:embed="rId2">
-            <a:extLst>
-              <a:ext uri="{28A0092B-C50C-407E-A947-70E740481C1C}">
-                <a14:useLocalDpi xmlns:a14="http://schemas.microsoft.com/office/drawing/2010/main" val="0"/>
-              </a:ext>
-            </a:extLst>
-          </a:blip>
+          <a:blip r:embed="rId1"/>
           <a:stretch>
             <a:fillRect/>
           </a:stretch>
         </p:blipFill>
         <p:spPr>
           <a:xfrm>
-            <a:off x="281004" y="1280159"/>
-            <a:ext cx="12200156" cy="4859383"/>
-          </a:xfrm>
+            <a:off x="1091565" y="1556385"/>
+            <a:ext cx="10008870" cy="5081905"/>
+          </a:xfrm>
+          <a:prstGeom prst="rect">
+            <a:avLst/>
+          </a:prstGeom>
         </p:spPr>
       </p:pic>
-      <p:sp>
-        <p:nvSpPr>
-          <p:cNvPr id="2" name="Title 1">
-            <a:extLst>
-              <a:ext uri="{FF2B5EF4-FFF2-40B4-BE49-F238E27FC236}">
-                <a16:creationId xmlns:a16="http://schemas.microsoft.com/office/drawing/2014/main" id="{CACC3D54-0243-4436-AEED-6A3150445D27}"/>
-              </a:ext>
-            </a:extLst>
-          </p:cNvPr>
-          <p:cNvSpPr>
-            <a:spLocks noGrp="1"/>
-          </p:cNvSpPr>
-          <p:nvPr>
-            <p:ph type="title"/>
-          </p:nvPr>
-        </p:nvSpPr>
-        <p:spPr/>
-        <p:txBody>
-          <a:bodyPr/>
-          <a:lstStyle/>
-          <a:p>
-            <a:r>
-              <a:rPr lang="nl-BE" dirty="0"/>
-              <a:t>8. </a:t>
-            </a:r>
-            <a:r>
-              <a:rPr lang="nl-BE" dirty="0" err="1"/>
-              <a:t>Add</a:t>
-            </a:r>
-            <a:r>
-              <a:rPr lang="nl-BE" dirty="0"/>
-              <a:t> </a:t>
-            </a:r>
-            <a:r>
-              <a:rPr lang="nl-BE" dirty="0" err="1"/>
-              <a:t>Row</a:t>
-            </a:r>
-            <a:endParaRPr lang="en-US" dirty="0"/>
-          </a:p>
-        </p:txBody>
-      </p:sp>
     </p:spTree>
-    <p:extLst>
-      <p:ext uri="{BB962C8B-B14F-4D97-AF65-F5344CB8AC3E}">
-        <p14:creationId xmlns:p14="http://schemas.microsoft.com/office/powerpoint/2010/main" val="1982530797"/>
-      </p:ext>
-    </p:extLst>
   </p:cSld>
   <p:clrMapOvr>
     <a:masterClrMapping/>
@@ -7538,92 +7945,61 @@
           <a:chExt cx="0" cy="0"/>
         </a:xfrm>
       </p:grpSpPr>
+      <p:sp>
+        <p:nvSpPr>
+          <p:cNvPr id="2" name="Title 1"/>
+          <p:cNvSpPr>
+            <a:spLocks noGrp="1"/>
+          </p:cNvSpPr>
+          <p:nvPr>
+            <p:ph type="title"/>
+          </p:nvPr>
+        </p:nvSpPr>
+        <p:spPr>
+          <a:xfrm>
+            <a:off x="1097280" y="-156627"/>
+            <a:ext cx="10058400" cy="1450757"/>
+          </a:xfrm>
+        </p:spPr>
+        <p:txBody>
+          <a:bodyPr/>
+          <a:lstStyle/>
+          <a:p>
+            <a:r>
+              <a:rPr lang="nl-BE" dirty="0"/>
+              <a:t>7. Delete Column</a:t>
+            </a:r>
+            <a:endParaRPr lang="en-US" dirty="0"/>
+          </a:p>
+        </p:txBody>
+      </p:sp>
       <p:pic>
         <p:nvPicPr>
-          <p:cNvPr id="5" name="Content Placeholder 4">
-            <a:extLst>
-              <a:ext uri="{FF2B5EF4-FFF2-40B4-BE49-F238E27FC236}">
-                <a16:creationId xmlns:a16="http://schemas.microsoft.com/office/drawing/2014/main" id="{D2FA472B-DD2F-4B7B-A232-4B0922D167E0}"/>
-              </a:ext>
-            </a:extLst>
-          </p:cNvPr>
+          <p:cNvPr id="4" name="Content Placeholder 3" descr="useCase7"/>
           <p:cNvPicPr>
-            <a:picLocks noGrp="1" noChangeAspect="1"/>
+            <a:picLocks noChangeAspect="1"/>
           </p:cNvPicPr>
           <p:nvPr>
             <p:ph idx="1"/>
           </p:nvPr>
         </p:nvPicPr>
         <p:blipFill>
-          <a:blip r:embed="rId2">
-            <a:extLst>
-              <a:ext uri="{28A0092B-C50C-407E-A947-70E740481C1C}">
-                <a14:useLocalDpi xmlns:a14="http://schemas.microsoft.com/office/drawing/2010/main" val="0"/>
-              </a:ext>
-            </a:extLst>
-          </a:blip>
+          <a:blip r:embed="rId1"/>
           <a:stretch>
             <a:fillRect/>
           </a:stretch>
         </p:blipFill>
         <p:spPr>
           <a:xfrm>
-            <a:off x="222785" y="1417637"/>
-            <a:ext cx="11776381" cy="4941874"/>
-          </a:xfrm>
+            <a:off x="1097280" y="1092835"/>
+            <a:ext cx="9695180" cy="5411470"/>
+          </a:xfrm>
+          <a:prstGeom prst="rect">
+            <a:avLst/>
+          </a:prstGeom>
         </p:spPr>
       </p:pic>
-      <p:sp>
-        <p:nvSpPr>
-          <p:cNvPr id="2" name="Title 1">
-            <a:extLst>
-              <a:ext uri="{FF2B5EF4-FFF2-40B4-BE49-F238E27FC236}">
-                <a16:creationId xmlns:a16="http://schemas.microsoft.com/office/drawing/2014/main" id="{8E4E2E44-B80C-4CC7-9DCE-96B5F636BE21}"/>
-              </a:ext>
-            </a:extLst>
-          </p:cNvPr>
-          <p:cNvSpPr>
-            <a:spLocks noGrp="1"/>
-          </p:cNvSpPr>
-          <p:nvPr>
-            <p:ph type="title"/>
-          </p:nvPr>
-        </p:nvSpPr>
-        <p:spPr/>
-        <p:txBody>
-          <a:bodyPr/>
-          <a:lstStyle/>
-          <a:p>
-            <a:r>
-              <a:rPr lang="nl-BE" dirty="0"/>
-              <a:t>9. </a:t>
-            </a:r>
-            <a:r>
-              <a:rPr lang="nl-BE" dirty="0" err="1"/>
-              <a:t>Edit</a:t>
-            </a:r>
-            <a:r>
-              <a:rPr lang="nl-BE" dirty="0"/>
-              <a:t> </a:t>
-            </a:r>
-            <a:r>
-              <a:rPr lang="nl-BE" dirty="0" err="1"/>
-              <a:t>Row</a:t>
-            </a:r>
-            <a:r>
-              <a:rPr lang="nl-BE" dirty="0"/>
-              <a:t> Value</a:t>
-            </a:r>
-            <a:endParaRPr lang="en-US" dirty="0"/>
-          </a:p>
-        </p:txBody>
-      </p:sp>
     </p:spTree>
-    <p:extLst>
-      <p:ext uri="{BB962C8B-B14F-4D97-AF65-F5344CB8AC3E}">
-        <p14:creationId xmlns:p14="http://schemas.microsoft.com/office/powerpoint/2010/main" val="2449132390"/>
-      </p:ext>
-    </p:extLst>
   </p:cSld>
   <p:clrMapOvr>
     <a:masterClrMapping/>
@@ -7648,50 +8024,95 @@
           <a:chExt cx="0" cy="0"/>
         </a:xfrm>
       </p:grpSpPr>
+      <p:sp>
+        <p:nvSpPr>
+          <p:cNvPr id="2" name="Title 1"/>
+          <p:cNvSpPr>
+            <a:spLocks noGrp="1"/>
+          </p:cNvSpPr>
+          <p:nvPr>
+            <p:ph type="title"/>
+          </p:nvPr>
+        </p:nvSpPr>
+        <p:spPr/>
+        <p:txBody>
+          <a:bodyPr/>
+          <a:lstStyle/>
+          <a:p>
+            <a:r>
+              <a:rPr lang="nl-BE" dirty="0"/>
+              <a:t>8. </a:t>
+            </a:r>
+            <a:r>
+              <a:rPr lang="nl-BE" dirty="0" err="1"/>
+              <a:t>Add</a:t>
+            </a:r>
+            <a:r>
+              <a:rPr lang="nl-BE" dirty="0"/>
+              <a:t> </a:t>
+            </a:r>
+            <a:r>
+              <a:rPr lang="nl-BE" dirty="0" err="1"/>
+              <a:t>Row</a:t>
+            </a:r>
+            <a:endParaRPr lang="en-US" dirty="0"/>
+          </a:p>
+        </p:txBody>
+      </p:sp>
       <p:pic>
         <p:nvPicPr>
-          <p:cNvPr id="5" name="Content Placeholder 4">
-            <a:extLst>
-              <a:ext uri="{FF2B5EF4-FFF2-40B4-BE49-F238E27FC236}">
-                <a16:creationId xmlns:a16="http://schemas.microsoft.com/office/drawing/2014/main" id="{9C931F99-1C5F-414B-A972-7B2C7BCC8606}"/>
-              </a:ext>
-            </a:extLst>
-          </p:cNvPr>
+          <p:cNvPr id="4" name="Content Placeholder 3" descr="useCase8"/>
           <p:cNvPicPr>
-            <a:picLocks noGrp="1" noChangeAspect="1"/>
+            <a:picLocks noChangeAspect="1"/>
           </p:cNvPicPr>
           <p:nvPr>
             <p:ph idx="1"/>
           </p:nvPr>
         </p:nvPicPr>
         <p:blipFill>
-          <a:blip r:embed="rId2">
-            <a:extLst>
-              <a:ext uri="{28A0092B-C50C-407E-A947-70E740481C1C}">
-                <a14:useLocalDpi xmlns:a14="http://schemas.microsoft.com/office/drawing/2010/main" val="0"/>
-              </a:ext>
-            </a:extLst>
-          </a:blip>
+          <a:blip r:embed="rId1"/>
           <a:stretch>
             <a:fillRect/>
           </a:stretch>
         </p:blipFill>
         <p:spPr>
           <a:xfrm>
-            <a:off x="1097280" y="1211650"/>
-            <a:ext cx="10211422" cy="5633888"/>
-          </a:xfrm>
+            <a:off x="892175" y="1639570"/>
+            <a:ext cx="10407015" cy="4921250"/>
+          </a:xfrm>
+          <a:prstGeom prst="rect">
+            <a:avLst/>
+          </a:prstGeom>
         </p:spPr>
       </p:pic>
-      <p:sp>
-        <p:nvSpPr>
-          <p:cNvPr id="2" name="Title 1">
-            <a:extLst>
-              <a:ext uri="{FF2B5EF4-FFF2-40B4-BE49-F238E27FC236}">
-                <a16:creationId xmlns:a16="http://schemas.microsoft.com/office/drawing/2014/main" id="{BA86CB3D-D523-40A2-9CA2-E185A7D52D7D}"/>
-              </a:ext>
-            </a:extLst>
-          </p:cNvPr>
+    </p:spTree>
+  </p:cSld>
+  <p:clrMapOvr>
+    <a:masterClrMapping/>
+  </p:clrMapOvr>
+</p:sld>
+</file>
+
+<file path=ppt/slides/slide35.xml><?xml version="1.0" encoding="utf-8"?>
+<p:sld xmlns:a="http://schemas.openxmlformats.org/drawingml/2006/main" xmlns:r="http://schemas.openxmlformats.org/officeDocument/2006/relationships" xmlns:p="http://schemas.openxmlformats.org/presentationml/2006/main">
+  <p:cSld>
+    <p:spTree>
+      <p:nvGrpSpPr>
+        <p:cNvPr id="1" name=""/>
+        <p:cNvGrpSpPr/>
+        <p:nvPr/>
+      </p:nvGrpSpPr>
+      <p:grpSpPr>
+        <a:xfrm>
+          <a:off x="0" y="0"/>
+          <a:ext cx="0" cy="0"/>
+          <a:chOff x="0" y="0"/>
+          <a:chExt cx="0" cy="0"/>
+        </a:xfrm>
+      </p:grpSpPr>
+      <p:sp>
+        <p:nvSpPr>
+          <p:cNvPr id="2" name="Title 1"/>
           <p:cNvSpPr>
             <a:spLocks noGrp="1"/>
           </p:cNvSpPr>
@@ -7706,22 +8127,138 @@
           <a:p>
             <a:r>
               <a:rPr lang="nl-BE" dirty="0"/>
-              <a:t>10. Delete </a:t>
+              <a:t>9. </a:t>
+            </a:r>
+            <a:r>
+              <a:rPr lang="nl-BE" dirty="0" err="1"/>
+              <a:t>Edit</a:t>
+            </a:r>
+            <a:r>
+              <a:rPr lang="nl-BE" dirty="0"/>
+              <a:t> </a:t>
             </a:r>
             <a:r>
               <a:rPr lang="nl-BE" dirty="0" err="1"/>
               <a:t>Row</a:t>
             </a:r>
+            <a:r>
+              <a:rPr lang="nl-BE" dirty="0"/>
+              <a:t> Value</a:t>
+            </a:r>
             <a:endParaRPr lang="en-US" dirty="0"/>
           </a:p>
         </p:txBody>
       </p:sp>
+      <p:pic>
+        <p:nvPicPr>
+          <p:cNvPr id="4" name="Content Placeholder 3" descr="useCase9"/>
+          <p:cNvPicPr>
+            <a:picLocks noChangeAspect="1"/>
+          </p:cNvPicPr>
+          <p:nvPr>
+            <p:ph idx="1"/>
+          </p:nvPr>
+        </p:nvPicPr>
+        <p:blipFill>
+          <a:blip r:embed="rId1"/>
+          <a:stretch>
+            <a:fillRect/>
+          </a:stretch>
+        </p:blipFill>
+        <p:spPr>
+          <a:xfrm>
+            <a:off x="1263015" y="1659890"/>
+            <a:ext cx="9727565" cy="5013960"/>
+          </a:xfrm>
+          <a:prstGeom prst="rect">
+            <a:avLst/>
+          </a:prstGeom>
+        </p:spPr>
+      </p:pic>
     </p:spTree>
-    <p:extLst>
-      <p:ext uri="{BB962C8B-B14F-4D97-AF65-F5344CB8AC3E}">
-        <p14:creationId xmlns:p14="http://schemas.microsoft.com/office/powerpoint/2010/main" val="42778260"/>
-      </p:ext>
-    </p:extLst>
+  </p:cSld>
+  <p:clrMapOvr>
+    <a:masterClrMapping/>
+  </p:clrMapOvr>
+</p:sld>
+</file>
+
+<file path=ppt/slides/slide36.xml><?xml version="1.0" encoding="utf-8"?>
+<p:sld xmlns:a="http://schemas.openxmlformats.org/drawingml/2006/main" xmlns:r="http://schemas.openxmlformats.org/officeDocument/2006/relationships" xmlns:p="http://schemas.openxmlformats.org/presentationml/2006/main">
+  <p:cSld>
+    <p:spTree>
+      <p:nvGrpSpPr>
+        <p:cNvPr id="1" name=""/>
+        <p:cNvGrpSpPr/>
+        <p:nvPr/>
+      </p:nvGrpSpPr>
+      <p:grpSpPr>
+        <a:xfrm>
+          <a:off x="0" y="0"/>
+          <a:ext cx="0" cy="0"/>
+          <a:chOff x="0" y="0"/>
+          <a:chExt cx="0" cy="0"/>
+        </a:xfrm>
+      </p:grpSpPr>
+      <p:sp>
+        <p:nvSpPr>
+          <p:cNvPr id="2" name="Title 1"/>
+          <p:cNvSpPr>
+            <a:spLocks noGrp="1"/>
+          </p:cNvSpPr>
+          <p:nvPr>
+            <p:ph type="title"/>
+          </p:nvPr>
+        </p:nvSpPr>
+        <p:spPr>
+          <a:xfrm>
+            <a:off x="1097280" y="-105192"/>
+            <a:ext cx="10058400" cy="1450757"/>
+          </a:xfrm>
+        </p:spPr>
+        <p:txBody>
+          <a:bodyPr/>
+          <a:lstStyle/>
+          <a:p>
+            <a:r>
+              <a:rPr lang="nl-BE" dirty="0"/>
+              <a:t>10. Delete </a:t>
+            </a:r>
+            <a:r>
+              <a:rPr lang="nl-BE" dirty="0" err="1"/>
+              <a:t>Row</a:t>
+            </a:r>
+            <a:endParaRPr lang="en-US" dirty="0"/>
+          </a:p>
+        </p:txBody>
+      </p:sp>
+      <p:pic>
+        <p:nvPicPr>
+          <p:cNvPr id="4" name="Content Placeholder 3" descr="useCase10"/>
+          <p:cNvPicPr>
+            <a:picLocks noChangeAspect="1"/>
+          </p:cNvPicPr>
+          <p:nvPr>
+            <p:ph idx="1"/>
+          </p:nvPr>
+        </p:nvPicPr>
+        <p:blipFill>
+          <a:blip r:embed="rId1"/>
+          <a:stretch>
+            <a:fillRect/>
+          </a:stretch>
+        </p:blipFill>
+        <p:spPr>
+          <a:xfrm>
+            <a:off x="1268730" y="1426845"/>
+            <a:ext cx="9654540" cy="5314315"/>
+          </a:xfrm>
+          <a:prstGeom prst="rect">
+            <a:avLst/>
+          </a:prstGeom>
+        </p:spPr>
+      </p:pic>
+    </p:spTree>
   </p:cSld>
   <p:clrMapOvr>
     <a:masterClrMapping/>
@@ -7746,50 +8283,9 @@
           <a:chExt cx="0" cy="0"/>
         </a:xfrm>
       </p:grpSpPr>
-      <p:pic>
-        <p:nvPicPr>
-          <p:cNvPr id="6" name="Content Placeholder 5">
-            <a:extLst>
-              <a:ext uri="{FF2B5EF4-FFF2-40B4-BE49-F238E27FC236}">
-                <a16:creationId xmlns:a16="http://schemas.microsoft.com/office/drawing/2014/main" id="{FD5879C2-4451-4F97-9C21-92C1CAA2DD7D}"/>
-              </a:ext>
-            </a:extLst>
-          </p:cNvPr>
-          <p:cNvPicPr>
-            <a:picLocks noGrp="1" noChangeAspect="1"/>
-          </p:cNvPicPr>
-          <p:nvPr>
-            <p:ph idx="1"/>
-          </p:nvPr>
-        </p:nvPicPr>
-        <p:blipFill>
-          <a:blip r:embed="rId2">
-            <a:extLst>
-              <a:ext uri="{28A0092B-C50C-407E-A947-70E740481C1C}">
-                <a14:useLocalDpi xmlns:a14="http://schemas.microsoft.com/office/drawing/2010/main" val="0"/>
-              </a:ext>
-            </a:extLst>
-          </a:blip>
-          <a:stretch>
-            <a:fillRect/>
-          </a:stretch>
-        </p:blipFill>
-        <p:spPr>
-          <a:xfrm>
-            <a:off x="3202281" y="385894"/>
-            <a:ext cx="6762986" cy="6472106"/>
-          </a:xfrm>
-        </p:spPr>
-      </p:pic>
-      <p:sp>
-        <p:nvSpPr>
-          <p:cNvPr id="2" name="Title 1">
-            <a:extLst>
-              <a:ext uri="{FF2B5EF4-FFF2-40B4-BE49-F238E27FC236}">
-                <a16:creationId xmlns:a16="http://schemas.microsoft.com/office/drawing/2014/main" id="{EA5C2E94-9074-4457-B50D-EF296AECA55E}"/>
-              </a:ext>
-            </a:extLst>
-          </p:cNvPr>
+      <p:sp>
+        <p:nvSpPr>
+          <p:cNvPr id="2" name="Title 1"/>
           <p:cNvSpPr>
             <a:spLocks noGrp="1"/>
           </p:cNvSpPr>
@@ -7803,19 +8299,88 @@
           <a:lstStyle/>
           <a:p>
             <a:r>
-              <a:rPr lang="nl-BE" dirty="0"/>
-              <a:t>Class Diagram - 2</a:t>
-            </a:r>
-            <a:endParaRPr lang="en-US" dirty="0"/>
+              <a:rPr lang="" altLang="en-US" dirty="0"/>
+              <a:t>1. Design: then vs Now</a:t>
+            </a:r>
+            <a:endParaRPr lang="" altLang="en-US" dirty="0"/>
+          </a:p>
+        </p:txBody>
+      </p:sp>
+      <p:cxnSp>
+        <p:nvCxnSpPr>
+          <p:cNvPr id="7" name="Straight Connector 6"/>
+          <p:cNvCxnSpPr/>
+          <p:nvPr/>
+        </p:nvCxnSpPr>
+        <p:spPr>
+          <a:xfrm flipH="1">
+            <a:off x="0" y="4068661"/>
+            <a:ext cx="637563" cy="0"/>
+          </a:xfrm>
+          <a:prstGeom prst="line">
+            <a:avLst/>
+          </a:prstGeom>
+          <a:ln>
+            <a:solidFill>
+              <a:schemeClr val="tx1"/>
+            </a:solidFill>
+          </a:ln>
+        </p:spPr>
+        <p:style>
+          <a:lnRef idx="1">
+            <a:schemeClr val="accent1"/>
+          </a:lnRef>
+          <a:fillRef idx="0">
+            <a:schemeClr val="accent1"/>
+          </a:fillRef>
+          <a:effectRef idx="0">
+            <a:schemeClr val="accent1"/>
+          </a:effectRef>
+          <a:fontRef idx="minor">
+            <a:schemeClr val="tx1"/>
+          </a:fontRef>
+        </p:style>
+      </p:cxnSp>
+      <p:sp>
+        <p:nvSpPr>
+          <p:cNvPr id="3" name="Content Placeholder 2"/>
+          <p:cNvSpPr/>
+          <p:nvPr>
+            <p:ph idx="1"/>
+          </p:nvPr>
+        </p:nvSpPr>
+        <p:spPr/>
+        <p:txBody>
+          <a:bodyPr/>
+          <a:p>
+            <a:r>
+              <a:rPr lang="" altLang="en-US"/>
+              <a:t>Iteration 1:</a:t>
+            </a:r>
+            <a:endParaRPr lang="" altLang="en-US"/>
+          </a:p>
+          <a:p>
+            <a:r>
+              <a:rPr lang="" altLang="en-US"/>
+              <a:t>The loading of different UI's was handled in different UIElements</a:t>
+            </a:r>
+            <a:endParaRPr lang="" altLang="en-US"/>
+          </a:p>
+          <a:p>
+            <a:pPr lvl="1"/>
+            <a:r>
+              <a:rPr lang="" altLang="en-US"/>
+              <a:t>e.g. ListView.loadFromTables()</a:t>
+            </a:r>
+            <a:endParaRPr lang="" altLang="en-US"/>
+          </a:p>
+          <a:p>
+            <a:pPr lvl="1"/>
+            <a:endParaRPr lang="" altLang="en-US"/>
           </a:p>
         </p:txBody>
       </p:sp>
     </p:spTree>
-    <p:extLst>
-      <p:ext uri="{BB962C8B-B14F-4D97-AF65-F5344CB8AC3E}">
-        <p14:creationId xmlns:p14="http://schemas.microsoft.com/office/powerpoint/2010/main" val="2296389487"/>
-      </p:ext>
-    </p:extLst>
   </p:cSld>
   <p:clrMapOvr>
     <a:masterClrMapping/>
@@ -7842,13 +8407,7 @@
       </p:grpSpPr>
       <p:sp>
         <p:nvSpPr>
-          <p:cNvPr id="2" name="Title 1">
-            <a:extLst>
-              <a:ext uri="{FF2B5EF4-FFF2-40B4-BE49-F238E27FC236}">
-                <a16:creationId xmlns:a16="http://schemas.microsoft.com/office/drawing/2014/main" id="{C325F94C-DBC9-4286-AD69-6BB1CC3FF5CC}"/>
-              </a:ext>
-            </a:extLst>
-          </p:cNvPr>
+          <p:cNvPr id="2" name="Title 1"/>
           <p:cNvSpPr>
             <a:spLocks noGrp="1"/>
           </p:cNvSpPr>
@@ -7862,338 +8421,107 @@
           <a:lstStyle/>
           <a:p>
             <a:r>
-              <a:rPr lang="nl-BE" dirty="0"/>
-              <a:t>2. Design </a:t>
-            </a:r>
-            <a:r>
-              <a:rPr lang="nl-BE" dirty="0" err="1"/>
-              <a:t>choices</a:t>
-            </a:r>
-            <a:r>
-              <a:rPr lang="nl-BE" dirty="0"/>
-              <a:t> - </a:t>
-            </a:r>
-            <a:r>
-              <a:rPr lang="nl-BE" dirty="0" err="1"/>
-              <a:t>Polymorphism</a:t>
-            </a:r>
-            <a:endParaRPr lang="en-US" dirty="0"/>
-          </a:p>
-        </p:txBody>
-      </p:sp>
-      <p:sp>
-        <p:nvSpPr>
-          <p:cNvPr id="3" name="Content Placeholder 2">
-            <a:extLst>
-              <a:ext uri="{FF2B5EF4-FFF2-40B4-BE49-F238E27FC236}">
-                <a16:creationId xmlns:a16="http://schemas.microsoft.com/office/drawing/2014/main" id="{1D3AD11A-5B4E-4826-B5C2-F9325D090B82}"/>
-              </a:ext>
-            </a:extLst>
-          </p:cNvPr>
-          <p:cNvSpPr>
-            <a:spLocks noGrp="1"/>
-          </p:cNvSpPr>
+              <a:rPr lang="" altLang="en-US" dirty="0"/>
+              <a:t>1. Design: then vs Now</a:t>
+            </a:r>
+            <a:endParaRPr lang="" altLang="en-US" dirty="0"/>
+          </a:p>
+        </p:txBody>
+      </p:sp>
+      <p:sp>
+        <p:nvSpPr>
+          <p:cNvPr id="3" name="Content Placeholder 2"/>
+          <p:cNvSpPr/>
           <p:nvPr>
             <p:ph idx="1"/>
           </p:nvPr>
         </p:nvSpPr>
-        <p:spPr/>
+        <p:spPr>
+          <a:xfrm>
+            <a:off x="1097280" y="1845945"/>
+            <a:ext cx="5766435" cy="4023360"/>
+          </a:xfrm>
+        </p:spPr>
         <p:txBody>
           <a:bodyPr/>
-          <a:lstStyle/>
-          <a:p>
-            <a:endParaRPr lang="en-US" b="1" dirty="0"/>
+          <a:p>
+            <a:pPr marL="0" indent="0">
+              <a:buNone/>
+            </a:pPr>
+            <a:r>
+              <a:rPr lang="" altLang="en-US"/>
+              <a:t>Iteration 2:</a:t>
+            </a:r>
+            <a:endParaRPr lang="" altLang="en-US"/>
+          </a:p>
+          <a:p>
+            <a:pPr>
+              <a:buFont typeface="Arial" panose="02080604020202020204" pitchFamily="34" charset="0"/>
+              <a:buChar char="•"/>
+            </a:pPr>
+            <a:r>
+              <a:rPr lang="" altLang="en-US"/>
+              <a:t>Subwindows inherit from superclass UI</a:t>
+            </a:r>
+            <a:endParaRPr lang="" altLang="en-US"/>
+          </a:p>
+          <a:p>
+            <a:pPr>
+              <a:buFont typeface="Arial" panose="02080604020202020204" pitchFamily="34" charset="0"/>
+              <a:buChar char="•"/>
+            </a:pPr>
+            <a:r>
+              <a:rPr lang="" altLang="en-US"/>
+              <a:t>Method loadUI() to create the necessary components</a:t>
+            </a:r>
+            <a:endParaRPr lang="" altLang="en-US"/>
+          </a:p>
+          <a:p>
+            <a:pPr>
+              <a:buFont typeface="Arial" panose="02080604020202020204" pitchFamily="34" charset="0"/>
+              <a:buChar char="•"/>
+            </a:pPr>
+            <a:r>
+              <a:rPr lang="" altLang="en-US"/>
+              <a:t>All Tablr-logic is specified in the loading of a UI, not in UIElements</a:t>
+            </a:r>
+            <a:endParaRPr lang="" altLang="en-US"/>
+          </a:p>
+          <a:p>
+            <a:pPr>
+              <a:buFont typeface="Arial" panose="02080604020202020204" pitchFamily="34" charset="0"/>
+              <a:buChar char="•"/>
+            </a:pPr>
+            <a:endParaRPr lang="" altLang="en-US"/>
           </a:p>
         </p:txBody>
       </p:sp>
       <p:pic>
         <p:nvPicPr>
-          <p:cNvPr id="4" name="Picture 3">
-            <a:extLst>
-              <a:ext uri="{FF2B5EF4-FFF2-40B4-BE49-F238E27FC236}">
-                <a16:creationId xmlns:a16="http://schemas.microsoft.com/office/drawing/2014/main" id="{6103D989-63D0-468F-A2C7-EF7A2BF5A029}"/>
-              </a:ext>
-            </a:extLst>
-          </p:cNvPr>
-          <p:cNvPicPr>
-            <a:picLocks noChangeAspect="1"/>
-          </p:cNvPicPr>
-          <p:nvPr/>
-        </p:nvPicPr>
-        <p:blipFill rotWithShape="1">
-          <a:blip r:embed="rId2"/>
-          <a:srcRect t="52283"/>
-          <a:stretch/>
-        </p:blipFill>
-        <p:spPr>
-          <a:xfrm>
-            <a:off x="1097280" y="2843868"/>
-            <a:ext cx="6962775" cy="1013546"/>
-          </a:xfrm>
-          <a:prstGeom prst="rect">
-            <a:avLst/>
-          </a:prstGeom>
-        </p:spPr>
-      </p:pic>
-      <p:pic>
-        <p:nvPicPr>
-          <p:cNvPr id="5" name="Picture 4">
-            <a:extLst>
-              <a:ext uri="{FF2B5EF4-FFF2-40B4-BE49-F238E27FC236}">
-                <a16:creationId xmlns:a16="http://schemas.microsoft.com/office/drawing/2014/main" id="{DFB20F60-DA53-4F78-9FD2-78517D0A1902}"/>
-              </a:ext>
-            </a:extLst>
-          </p:cNvPr>
+          <p:cNvPr id="4" name="Picture 3" descr="Screenshot from 2019-04-29 15.21.22"/>
           <p:cNvPicPr>
             <a:picLocks noChangeAspect="1"/>
           </p:cNvPicPr>
           <p:nvPr/>
         </p:nvPicPr>
         <p:blipFill>
-          <a:blip r:embed="rId3"/>
+          <a:blip r:embed="rId1"/>
+          <a:srcRect t="7937" b="6350"/>
           <a:stretch>
             <a:fillRect/>
           </a:stretch>
         </p:blipFill>
         <p:spPr>
           <a:xfrm>
-            <a:off x="6399619" y="4105357"/>
-            <a:ext cx="5248275" cy="1914525"/>
+            <a:off x="6924675" y="1845945"/>
+            <a:ext cx="4657090" cy="4457065"/>
           </a:xfrm>
           <a:prstGeom prst="rect">
             <a:avLst/>
           </a:prstGeom>
         </p:spPr>
       </p:pic>
-      <p:cxnSp>
-        <p:nvCxnSpPr>
-          <p:cNvPr id="7" name="Straight Arrow Connector 6">
-            <a:extLst>
-              <a:ext uri="{FF2B5EF4-FFF2-40B4-BE49-F238E27FC236}">
-                <a16:creationId xmlns:a16="http://schemas.microsoft.com/office/drawing/2014/main" id="{B32C8F28-6F4F-4559-8CA0-41AA5AE65865}"/>
-              </a:ext>
-            </a:extLst>
-          </p:cNvPr>
-          <p:cNvCxnSpPr>
-            <a:cxnSpLocks/>
-          </p:cNvCxnSpPr>
-          <p:nvPr/>
-        </p:nvCxnSpPr>
-        <p:spPr>
-          <a:xfrm>
-            <a:off x="4362275" y="3523376"/>
-            <a:ext cx="1921079" cy="511729"/>
-          </a:xfrm>
-          <a:prstGeom prst="straightConnector1">
-            <a:avLst/>
-          </a:prstGeom>
-          <a:ln w="76200">
-            <a:tailEnd type="triangle"/>
-          </a:ln>
-        </p:spPr>
-        <p:style>
-          <a:lnRef idx="1">
-            <a:schemeClr val="accent1"/>
-          </a:lnRef>
-          <a:fillRef idx="0">
-            <a:schemeClr val="accent1"/>
-          </a:fillRef>
-          <a:effectRef idx="0">
-            <a:schemeClr val="accent1"/>
-          </a:effectRef>
-          <a:fontRef idx="minor">
-            <a:schemeClr val="tx1"/>
-          </a:fontRef>
-        </p:style>
-      </p:cxnSp>
-      <p:sp>
-        <p:nvSpPr>
-          <p:cNvPr id="8" name="TextBox 7">
-            <a:extLst>
-              <a:ext uri="{FF2B5EF4-FFF2-40B4-BE49-F238E27FC236}">
-                <a16:creationId xmlns:a16="http://schemas.microsoft.com/office/drawing/2014/main" id="{73A2E88E-B678-4260-9CC1-1EA91DD571FC}"/>
-              </a:ext>
-            </a:extLst>
-          </p:cNvPr>
-          <p:cNvSpPr txBox="1"/>
-          <p:nvPr/>
-        </p:nvSpPr>
-        <p:spPr>
-          <a:xfrm>
-            <a:off x="6333606" y="3766495"/>
-            <a:ext cx="858697" cy="369332"/>
-          </a:xfrm>
-          <a:prstGeom prst="rect">
-            <a:avLst/>
-          </a:prstGeom>
-          <a:noFill/>
-        </p:spPr>
-        <p:txBody>
-          <a:bodyPr wrap="none" rtlCol="0">
-            <a:spAutoFit/>
-          </a:bodyPr>
-          <a:lstStyle/>
-          <a:p>
-            <a:r>
-              <a:rPr lang="nl-BE" dirty="0" err="1"/>
-              <a:t>UIRow</a:t>
-            </a:r>
-            <a:r>
-              <a:rPr lang="nl-BE" dirty="0"/>
-              <a:t>:</a:t>
-            </a:r>
-            <a:endParaRPr lang="en-US" dirty="0"/>
-          </a:p>
-        </p:txBody>
-      </p:sp>
-      <p:sp>
-        <p:nvSpPr>
-          <p:cNvPr id="9" name="TextBox 8">
-            <a:extLst>
-              <a:ext uri="{FF2B5EF4-FFF2-40B4-BE49-F238E27FC236}">
-                <a16:creationId xmlns:a16="http://schemas.microsoft.com/office/drawing/2014/main" id="{907B7A60-6064-43EA-9B81-0892F2DD5843}"/>
-              </a:ext>
-            </a:extLst>
-          </p:cNvPr>
-          <p:cNvSpPr txBox="1"/>
-          <p:nvPr/>
-        </p:nvSpPr>
-        <p:spPr>
-          <a:xfrm>
-            <a:off x="1097280" y="2508414"/>
-            <a:ext cx="1229311" cy="369332"/>
-          </a:xfrm>
-          <a:prstGeom prst="rect">
-            <a:avLst/>
-          </a:prstGeom>
-          <a:noFill/>
-        </p:spPr>
-        <p:txBody>
-          <a:bodyPr wrap="none" rtlCol="0">
-            <a:spAutoFit/>
-          </a:bodyPr>
-          <a:lstStyle/>
-          <a:p>
-            <a:r>
-              <a:rPr lang="nl-BE" dirty="0" err="1"/>
-              <a:t>UIElement</a:t>
-            </a:r>
-            <a:r>
-              <a:rPr lang="nl-BE" dirty="0"/>
-              <a:t>:</a:t>
-            </a:r>
-            <a:endParaRPr lang="en-US" dirty="0"/>
-          </a:p>
-        </p:txBody>
-      </p:sp>
-      <mc:AlternateContent xmlns:mc="http://schemas.openxmlformats.org/markup-compatibility/2006" xmlns:p14="http://schemas.microsoft.com/office/powerpoint/2010/main">
-        <mc:Choice Requires="p14">
-          <p:contentPart p14:bwMode="auto" r:id="rId4">
-            <p14:nvContentPartPr>
-              <p14:cNvPr id="11" name="Ink 10">
-                <a:extLst>
-                  <a:ext uri="{FF2B5EF4-FFF2-40B4-BE49-F238E27FC236}">
-                    <a16:creationId xmlns:a16="http://schemas.microsoft.com/office/drawing/2014/main" id="{52151B06-91B2-476C-8EFC-2A3EB0B74911}"/>
-                  </a:ext>
-                </a:extLst>
-              </p14:cNvPr>
-              <p14:cNvContentPartPr/>
-              <p14:nvPr/>
-            </p14:nvContentPartPr>
-            <p14:xfrm>
-              <a:off x="7130560" y="4938787"/>
-              <a:ext cx="871920" cy="10800"/>
-            </p14:xfrm>
-          </p:contentPart>
-        </mc:Choice>
-        <mc:Fallback xmlns="">
-          <p:pic>
-            <p:nvPicPr>
-              <p:cNvPr id="11" name="Ink 10">
-                <a:extLst>
-                  <a:ext uri="{FF2B5EF4-FFF2-40B4-BE49-F238E27FC236}">
-                    <a16:creationId xmlns:a16="http://schemas.microsoft.com/office/drawing/2014/main" id="{52151B06-91B2-476C-8EFC-2A3EB0B74911}"/>
-                  </a:ext>
-                </a:extLst>
-              </p:cNvPr>
-              <p:cNvPicPr/>
-              <p:nvPr/>
-            </p:nvPicPr>
-            <p:blipFill>
-              <a:blip r:embed="rId5"/>
-              <a:stretch>
-                <a:fillRect/>
-              </a:stretch>
-            </p:blipFill>
-            <p:spPr>
-              <a:xfrm>
-                <a:off x="7076560" y="4831147"/>
-                <a:ext cx="979560" cy="226440"/>
-              </a:xfrm>
-              <a:prstGeom prst="rect">
-                <a:avLst/>
-              </a:prstGeom>
-            </p:spPr>
-          </p:pic>
-        </mc:Fallback>
-      </mc:AlternateContent>
-      <mc:AlternateContent xmlns:mc="http://schemas.openxmlformats.org/markup-compatibility/2006" xmlns:p14="http://schemas.microsoft.com/office/powerpoint/2010/main">
-        <mc:Choice Requires="p14">
-          <p:contentPart p14:bwMode="auto" r:id="rId6">
-            <p14:nvContentPartPr>
-              <p14:cNvPr id="12" name="Ink 11">
-                <a:extLst>
-                  <a:ext uri="{FF2B5EF4-FFF2-40B4-BE49-F238E27FC236}">
-                    <a16:creationId xmlns:a16="http://schemas.microsoft.com/office/drawing/2014/main" id="{4562EDEB-6C5B-4428-82D9-565884146662}"/>
-                  </a:ext>
-                </a:extLst>
-              </p14:cNvPr>
-              <p14:cNvContentPartPr/>
-              <p14:nvPr/>
-            </p14:nvContentPartPr>
-            <p14:xfrm>
-              <a:off x="7734280" y="4948867"/>
-              <a:ext cx="1157040" cy="19440"/>
-            </p14:xfrm>
-          </p:contentPart>
-        </mc:Choice>
-        <mc:Fallback xmlns="">
-          <p:pic>
-            <p:nvPicPr>
-              <p:cNvPr id="12" name="Ink 11">
-                <a:extLst>
-                  <a:ext uri="{FF2B5EF4-FFF2-40B4-BE49-F238E27FC236}">
-                    <a16:creationId xmlns:a16="http://schemas.microsoft.com/office/drawing/2014/main" id="{4562EDEB-6C5B-4428-82D9-565884146662}"/>
-                  </a:ext>
-                </a:extLst>
-              </p:cNvPr>
-              <p:cNvPicPr/>
-              <p:nvPr/>
-            </p:nvPicPr>
-            <p:blipFill>
-              <a:blip r:embed="rId7"/>
-              <a:stretch>
-                <a:fillRect/>
-              </a:stretch>
-            </p:blipFill>
-            <p:spPr>
-              <a:xfrm>
-                <a:off x="7680640" y="4841227"/>
-                <a:ext cx="1264680" cy="235080"/>
-              </a:xfrm>
-              <a:prstGeom prst="rect">
-                <a:avLst/>
-              </a:prstGeom>
-            </p:spPr>
-          </p:pic>
-        </mc:Fallback>
-      </mc:AlternateContent>
     </p:spTree>
-    <p:extLst>
-      <p:ext uri="{BB962C8B-B14F-4D97-AF65-F5344CB8AC3E}">
-        <p14:creationId xmlns:p14="http://schemas.microsoft.com/office/powerpoint/2010/main" val="3397611280"/>
-      </p:ext>
-    </p:extLst>
   </p:cSld>
   <p:clrMapOvr>
     <a:masterClrMapping/>
@@ -8210,23 +8538,10 @@
         <p:cNvGrpSpPr/>
         <p:nvPr/>
       </p:nvGrpSpPr>
-      <p:grpSpPr>
-        <a:xfrm>
-          <a:off x="0" y="0"/>
-          <a:ext cx="0" cy="0"/>
-          <a:chOff x="0" y="0"/>
-          <a:chExt cx="0" cy="0"/>
-        </a:xfrm>
-      </p:grpSpPr>
-      <p:sp>
-        <p:nvSpPr>
-          <p:cNvPr id="2" name="Title 1">
-            <a:extLst>
-              <a:ext uri="{FF2B5EF4-FFF2-40B4-BE49-F238E27FC236}">
-                <a16:creationId xmlns:a16="http://schemas.microsoft.com/office/drawing/2014/main" id="{D669918C-B644-412B-9A38-A1751D5FE5CA}"/>
-              </a:ext>
-            </a:extLst>
-          </p:cNvPr>
+      <p:grpSpPr/>
+      <p:sp>
+        <p:nvSpPr>
+          <p:cNvPr id="2" name="Title 1"/>
           <p:cNvSpPr>
             <a:spLocks noGrp="1"/>
           </p:cNvSpPr>
@@ -8237,135 +8552,71 @@
         <p:spPr/>
         <p:txBody>
           <a:bodyPr/>
-          <a:lstStyle/>
-          <a:p>
-            <a:r>
-              <a:rPr lang="nl-BE" dirty="0"/>
-              <a:t>2. Design </a:t>
-            </a:r>
-            <a:r>
-              <a:rPr lang="nl-BE" dirty="0" err="1"/>
-              <a:t>choices</a:t>
-            </a:r>
-            <a:r>
-              <a:rPr lang="nl-BE" dirty="0"/>
-              <a:t> - </a:t>
-            </a:r>
-            <a:r>
-              <a:rPr lang="nl-BE" dirty="0" err="1"/>
-              <a:t>Facades</a:t>
-            </a:r>
-            <a:endParaRPr lang="en-US" dirty="0"/>
-          </a:p>
-        </p:txBody>
-      </p:sp>
-      <p:sp>
-        <p:nvSpPr>
-          <p:cNvPr id="3" name="Content Placeholder 2">
-            <a:extLst>
-              <a:ext uri="{FF2B5EF4-FFF2-40B4-BE49-F238E27FC236}">
-                <a16:creationId xmlns:a16="http://schemas.microsoft.com/office/drawing/2014/main" id="{89BCF477-D511-43F9-9D19-56A4FD29F9E4}"/>
-              </a:ext>
-            </a:extLst>
-          </p:cNvPr>
-          <p:cNvSpPr>
-            <a:spLocks noGrp="1"/>
-          </p:cNvSpPr>
-          <p:nvPr>
-            <p:ph idx="1"/>
-          </p:nvPr>
-        </p:nvSpPr>
-        <p:spPr/>
-        <p:txBody>
-          <a:bodyPr/>
-          <a:lstStyle/>
-          <a:p>
-            <a:r>
-              <a:rPr lang="nl-BE" dirty="0" err="1"/>
-              <a:t>Communicationmanager</a:t>
-            </a:r>
-            <a:r>
-              <a:rPr lang="nl-BE" dirty="0"/>
-              <a:t> </a:t>
-            </a:r>
-            <a:r>
-              <a:rPr lang="nl-BE" dirty="0" err="1"/>
-              <a:t>uses</a:t>
-            </a:r>
-            <a:r>
-              <a:rPr lang="nl-BE" dirty="0"/>
-              <a:t> </a:t>
-            </a:r>
-            <a:r>
-              <a:rPr lang="nl-BE" dirty="0" err="1"/>
-              <a:t>facades</a:t>
-            </a:r>
-            <a:r>
-              <a:rPr lang="nl-BE" dirty="0"/>
-              <a:t> (</a:t>
-            </a:r>
-            <a:r>
-              <a:rPr lang="nl-BE" b="1" dirty="0" err="1"/>
-              <a:t>indirection</a:t>
-            </a:r>
-            <a:r>
-              <a:rPr lang="nl-BE" dirty="0"/>
-              <a:t> + </a:t>
-            </a:r>
-            <a:r>
-              <a:rPr lang="nl-BE" b="1" dirty="0"/>
-              <a:t>high </a:t>
-            </a:r>
-            <a:r>
-              <a:rPr lang="nl-BE" b="1" dirty="0" err="1"/>
-              <a:t>cohesion</a:t>
-            </a:r>
-            <a:r>
-              <a:rPr lang="nl-BE" dirty="0"/>
-              <a:t>)</a:t>
-            </a:r>
-          </a:p>
-          <a:p>
-            <a:endParaRPr lang="en-US" dirty="0"/>
+          <a:p>
+            <a:r>
+              <a:rPr lang="" altLang="en-US"/>
+              <a:t>1. Design: then vs Now</a:t>
+            </a:r>
+            <a:endParaRPr lang="" altLang="en-US"/>
           </a:p>
         </p:txBody>
       </p:sp>
       <p:pic>
         <p:nvPicPr>
-          <p:cNvPr id="5" name="Picture 4">
-            <a:extLst>
-              <a:ext uri="{FF2B5EF4-FFF2-40B4-BE49-F238E27FC236}">
-                <a16:creationId xmlns:a16="http://schemas.microsoft.com/office/drawing/2014/main" id="{D98FDC1F-A02B-45B3-B98A-4C668859BB83}"/>
-              </a:ext>
-            </a:extLst>
-          </p:cNvPr>
+          <p:cNvPr id="4" name="Content Placeholder 3" descr="Screenshot from 2019-04-29 15.25.29"/>
           <p:cNvPicPr>
             <a:picLocks noChangeAspect="1"/>
           </p:cNvPicPr>
-          <p:nvPr/>
+          <p:nvPr>
+            <p:ph idx="1"/>
+          </p:nvPr>
         </p:nvPicPr>
         <p:blipFill>
-          <a:blip r:embed="rId2"/>
+          <a:blip r:embed="rId1"/>
           <a:stretch>
             <a:fillRect/>
           </a:stretch>
         </p:blipFill>
         <p:spPr>
           <a:xfrm>
-            <a:off x="1097281" y="2431977"/>
-            <a:ext cx="5242498" cy="1200456"/>
+            <a:off x="1097280" y="3035300"/>
+            <a:ext cx="7425690" cy="1230630"/>
           </a:xfrm>
           <a:prstGeom prst="rect">
             <a:avLst/>
           </a:prstGeom>
         </p:spPr>
       </p:pic>
+      <p:sp>
+        <p:nvSpPr>
+          <p:cNvPr id="5" name="Text Box 4"/>
+          <p:cNvSpPr txBox="1"/>
+          <p:nvPr/>
+        </p:nvSpPr>
+        <p:spPr>
+          <a:xfrm>
+            <a:off x="1052195" y="2040255"/>
+            <a:ext cx="9156065" cy="368300"/>
+          </a:xfrm>
+          <a:prstGeom prst="rect">
+            <a:avLst/>
+          </a:prstGeom>
+          <a:noFill/>
+        </p:spPr>
+        <p:txBody>
+          <a:bodyPr wrap="square" rtlCol="0">
+            <a:spAutoFit/>
+          </a:bodyPr>
+          <a:p>
+            <a:r>
+              <a:rPr lang="" altLang="en-US"/>
+              <a:t>Iteration 2: extensive use of Listeners to specify behaviour of UIElements</a:t>
+            </a:r>
+            <a:endParaRPr lang="" altLang="en-US"/>
+          </a:p>
+        </p:txBody>
+      </p:sp>
     </p:spTree>
-    <p:extLst>
-      <p:ext uri="{BB962C8B-B14F-4D97-AF65-F5344CB8AC3E}">
-        <p14:creationId xmlns:p14="http://schemas.microsoft.com/office/powerpoint/2010/main" val="3367423214"/>
-      </p:ext>
-    </p:extLst>
   </p:cSld>
   <p:clrMapOvr>
     <a:masterClrMapping/>
@@ -8382,23 +8633,10 @@
         <p:cNvGrpSpPr/>
         <p:nvPr/>
       </p:nvGrpSpPr>
-      <p:grpSpPr>
-        <a:xfrm>
-          <a:off x="0" y="0"/>
-          <a:ext cx="0" cy="0"/>
-          <a:chOff x="0" y="0"/>
-          <a:chExt cx="0" cy="0"/>
-        </a:xfrm>
-      </p:grpSpPr>
-      <p:sp>
-        <p:nvSpPr>
-          <p:cNvPr id="2" name="Title 1">
-            <a:extLst>
-              <a:ext uri="{FF2B5EF4-FFF2-40B4-BE49-F238E27FC236}">
-                <a16:creationId xmlns:a16="http://schemas.microsoft.com/office/drawing/2014/main" id="{960951B1-B1F2-4B50-96E5-3C8A614E959C}"/>
-              </a:ext>
-            </a:extLst>
-          </p:cNvPr>
+      <p:grpSpPr/>
+      <p:sp>
+        <p:nvSpPr>
+          <p:cNvPr id="2" name="Title 1"/>
           <p:cNvSpPr>
             <a:spLocks noGrp="1"/>
           </p:cNvSpPr>
@@ -8406,87 +8644,43 @@
             <p:ph type="title"/>
           </p:nvPr>
         </p:nvSpPr>
-        <p:spPr/>
+        <p:spPr>
+          <a:xfrm>
+            <a:off x="1097280" y="286385"/>
+            <a:ext cx="10058400" cy="1286510"/>
+          </a:xfrm>
+        </p:spPr>
         <p:txBody>
           <a:bodyPr/>
-          <a:lstStyle/>
-          <a:p>
-            <a:r>
-              <a:rPr lang="nl-BE" dirty="0"/>
-              <a:t>2. Design </a:t>
-            </a:r>
-            <a:r>
-              <a:rPr lang="nl-BE" dirty="0" err="1"/>
-              <a:t>choices</a:t>
-            </a:r>
-            <a:r>
-              <a:rPr lang="nl-BE" dirty="0"/>
-              <a:t> - </a:t>
-            </a:r>
-            <a:r>
-              <a:rPr lang="nl-BE" dirty="0" err="1"/>
-              <a:t>Listeners</a:t>
-            </a:r>
-            <a:endParaRPr lang="en-US" dirty="0"/>
-          </a:p>
-        </p:txBody>
-      </p:sp>
-      <p:sp>
-        <p:nvSpPr>
-          <p:cNvPr id="3" name="Content Placeholder 2">
-            <a:extLst>
-              <a:ext uri="{FF2B5EF4-FFF2-40B4-BE49-F238E27FC236}">
-                <a16:creationId xmlns:a16="http://schemas.microsoft.com/office/drawing/2014/main" id="{FD2020EC-7195-4BCC-B9C4-BFF21DFE4123}"/>
-              </a:ext>
-            </a:extLst>
-          </p:cNvPr>
-          <p:cNvSpPr>
-            <a:spLocks noGrp="1"/>
-          </p:cNvSpPr>
-          <p:nvPr>
-            <p:ph idx="1"/>
-          </p:nvPr>
-        </p:nvSpPr>
-        <p:spPr/>
-        <p:txBody>
-          <a:bodyPr/>
-          <a:lstStyle/>
-          <a:p>
-            <a:r>
-              <a:rPr lang="nl-BE" dirty="0"/>
-              <a:t>Low </a:t>
-            </a:r>
-            <a:r>
-              <a:rPr lang="nl-BE" dirty="0" err="1"/>
-              <a:t>coupling</a:t>
-            </a:r>
-            <a:endParaRPr lang="en-US" dirty="0"/>
+          <a:p>
+            <a:r>
+              <a:rPr lang="" altLang="en-US"/>
+              <a:t>1. Design: class diagram</a:t>
+            </a:r>
+            <a:endParaRPr lang="" altLang="en-US"/>
           </a:p>
         </p:txBody>
       </p:sp>
       <p:pic>
         <p:nvPicPr>
-          <p:cNvPr id="4" name="Picture 3">
-            <a:extLst>
-              <a:ext uri="{FF2B5EF4-FFF2-40B4-BE49-F238E27FC236}">
-                <a16:creationId xmlns:a16="http://schemas.microsoft.com/office/drawing/2014/main" id="{C2068E64-9CC4-4296-9D2B-E027B0E4837F}"/>
-              </a:ext>
-            </a:extLst>
-          </p:cNvPr>
+          <p:cNvPr id="4" name="Content Placeholder 3" descr="classdiagram_iteratie2_basic"/>
           <p:cNvPicPr>
             <a:picLocks noChangeAspect="1"/>
           </p:cNvPicPr>
-          <p:nvPr/>
+          <p:nvPr>
+            <p:ph idx="1"/>
+          </p:nvPr>
         </p:nvPicPr>
-        <p:blipFill rotWithShape="1">
-          <a:blip r:embed="rId2"/>
-          <a:srcRect b="48948"/>
-          <a:stretch/>
+        <p:blipFill>
+          <a:blip r:embed="rId1"/>
+          <a:stretch>
+            <a:fillRect/>
+          </a:stretch>
         </p:blipFill>
         <p:spPr>
           <a:xfrm>
-            <a:off x="1097280" y="2374709"/>
-            <a:ext cx="5261575" cy="2657055"/>
+            <a:off x="1815465" y="1845945"/>
+            <a:ext cx="8620760" cy="4023360"/>
           </a:xfrm>
           <a:prstGeom prst="rect">
             <a:avLst/>
@@ -8494,11 +8688,6 @@
         </p:spPr>
       </p:pic>
     </p:spTree>
-    <p:extLst>
-      <p:ext uri="{BB962C8B-B14F-4D97-AF65-F5344CB8AC3E}">
-        <p14:creationId xmlns:p14="http://schemas.microsoft.com/office/powerpoint/2010/main" val="1793291412"/>
-      </p:ext>
-    </p:extLst>
   </p:cSld>
   <p:clrMapOvr>
     <a:masterClrMapping/>
@@ -8515,108 +8704,27 @@
         <p:cNvGrpSpPr/>
         <p:nvPr/>
       </p:nvGrpSpPr>
-      <p:grpSpPr>
-        <a:xfrm>
-          <a:off x="0" y="0"/>
-          <a:ext cx="0" cy="0"/>
-          <a:chOff x="0" y="0"/>
-          <a:chExt cx="0" cy="0"/>
-        </a:xfrm>
-      </p:grpSpPr>
-      <p:sp>
-        <p:nvSpPr>
-          <p:cNvPr id="2" name="Title 1">
-            <a:extLst>
-              <a:ext uri="{FF2B5EF4-FFF2-40B4-BE49-F238E27FC236}">
-                <a16:creationId xmlns:a16="http://schemas.microsoft.com/office/drawing/2014/main" id="{A2B3D989-7934-444B-B460-9F5341551CF8}"/>
-              </a:ext>
-            </a:extLst>
-          </p:cNvPr>
-          <p:cNvSpPr>
-            <a:spLocks noGrp="1"/>
-          </p:cNvSpPr>
-          <p:nvPr>
-            <p:ph type="title"/>
-          </p:nvPr>
-        </p:nvSpPr>
-        <p:spPr/>
-        <p:txBody>
-          <a:bodyPr/>
-          <a:lstStyle/>
-          <a:p>
-            <a:r>
-              <a:rPr lang="nl-BE" dirty="0"/>
-              <a:t>2. Design </a:t>
-            </a:r>
-            <a:r>
-              <a:rPr lang="nl-BE" dirty="0" err="1"/>
-              <a:t>choices</a:t>
-            </a:r>
-            <a:r>
-              <a:rPr lang="nl-BE" dirty="0"/>
-              <a:t> – Independent domain</a:t>
-            </a:r>
-            <a:endParaRPr lang="en-US" dirty="0"/>
-          </a:p>
-        </p:txBody>
-      </p:sp>
-      <p:sp>
-        <p:nvSpPr>
-          <p:cNvPr id="3" name="Content Placeholder 2">
-            <a:extLst>
-              <a:ext uri="{FF2B5EF4-FFF2-40B4-BE49-F238E27FC236}">
-                <a16:creationId xmlns:a16="http://schemas.microsoft.com/office/drawing/2014/main" id="{985D6289-4481-4589-98A5-36D310EBC64F}"/>
-              </a:ext>
-            </a:extLst>
-          </p:cNvPr>
-          <p:cNvSpPr>
-            <a:spLocks noGrp="1"/>
-          </p:cNvSpPr>
-          <p:nvPr>
-            <p:ph idx="1"/>
-          </p:nvPr>
-        </p:nvSpPr>
-        <p:spPr/>
-        <p:txBody>
-          <a:bodyPr/>
-          <a:lstStyle/>
-          <a:p>
-            <a:r>
-              <a:rPr lang="nl-BE" dirty="0"/>
-              <a:t>Low </a:t>
-            </a:r>
-            <a:r>
-              <a:rPr lang="nl-BE" dirty="0" err="1"/>
-              <a:t>Coupling</a:t>
-            </a:r>
-            <a:endParaRPr lang="en-US" dirty="0"/>
-          </a:p>
-        </p:txBody>
-      </p:sp>
+      <p:grpSpPr/>
       <p:pic>
         <p:nvPicPr>
-          <p:cNvPr id="4" name="Picture 3">
-            <a:extLst>
-              <a:ext uri="{FF2B5EF4-FFF2-40B4-BE49-F238E27FC236}">
-                <a16:creationId xmlns:a16="http://schemas.microsoft.com/office/drawing/2014/main" id="{DFC0E8C2-7ADF-4222-8050-C6E5249B0517}"/>
-              </a:ext>
-            </a:extLst>
-          </p:cNvPr>
+          <p:cNvPr id="4" name="Content Placeholder 3" descr="classdiagram_iteratie2"/>
           <p:cNvPicPr>
             <a:picLocks noChangeAspect="1"/>
           </p:cNvPicPr>
-          <p:nvPr/>
+          <p:nvPr>
+            <p:ph idx="1"/>
+          </p:nvPr>
         </p:nvPicPr>
         <p:blipFill>
-          <a:blip r:embed="rId2"/>
+          <a:blip r:embed="rId1"/>
           <a:stretch>
             <a:fillRect/>
           </a:stretch>
         </p:blipFill>
         <p:spPr>
           <a:xfrm>
-            <a:off x="1097280" y="2281768"/>
-            <a:ext cx="3362325" cy="3695700"/>
+            <a:off x="1624965" y="1270"/>
+            <a:ext cx="8942070" cy="6856095"/>
           </a:xfrm>
           <a:prstGeom prst="rect">
             <a:avLst/>
@@ -8624,11 +8732,6 @@
         </p:spPr>
       </p:pic>
     </p:spTree>
-    <p:extLst>
-      <p:ext uri="{BB962C8B-B14F-4D97-AF65-F5344CB8AC3E}">
-        <p14:creationId xmlns:p14="http://schemas.microsoft.com/office/powerpoint/2010/main" val="430633603"/>
-      </p:ext>
-    </p:extLst>
   </p:cSld>
   <p:clrMapOvr>
     <a:masterClrMapping/>
@@ -8645,23 +8748,10 @@
         <p:cNvGrpSpPr/>
         <p:nvPr/>
       </p:nvGrpSpPr>
-      <p:grpSpPr>
-        <a:xfrm>
-          <a:off x="0" y="0"/>
-          <a:ext cx="0" cy="0"/>
-          <a:chOff x="0" y="0"/>
-          <a:chExt cx="0" cy="0"/>
-        </a:xfrm>
-      </p:grpSpPr>
-      <p:sp>
-        <p:nvSpPr>
-          <p:cNvPr id="2" name="Title 1">
-            <a:extLst>
-              <a:ext uri="{FF2B5EF4-FFF2-40B4-BE49-F238E27FC236}">
-                <a16:creationId xmlns:a16="http://schemas.microsoft.com/office/drawing/2014/main" id="{02A1423B-9164-4DB3-8B5E-550E1F283CF5}"/>
-              </a:ext>
-            </a:extLst>
-          </p:cNvPr>
+      <p:grpSpPr/>
+      <p:sp>
+        <p:nvSpPr>
+          <p:cNvPr id="2" name="Title 1"/>
           <p:cNvSpPr>
             <a:spLocks noGrp="1"/>
           </p:cNvSpPr>
@@ -8669,122 +8759,51 @@
             <p:ph type="title"/>
           </p:nvPr>
         </p:nvSpPr>
-        <p:spPr/>
+        <p:spPr>
+          <a:xfrm>
+            <a:off x="1097280" y="-359192"/>
+            <a:ext cx="10058400" cy="1450757"/>
+          </a:xfrm>
+        </p:spPr>
         <p:txBody>
           <a:bodyPr/>
-          <a:lstStyle/>
-          <a:p>
-            <a:r>
-              <a:rPr lang="nl-BE" dirty="0"/>
-              <a:t>2. Design </a:t>
-            </a:r>
-            <a:r>
-              <a:rPr lang="nl-BE" dirty="0" err="1"/>
-              <a:t>Choices</a:t>
-            </a:r>
-            <a:r>
-              <a:rPr lang="nl-BE" dirty="0"/>
-              <a:t> – Pure </a:t>
-            </a:r>
-            <a:r>
-              <a:rPr lang="nl-BE" dirty="0" err="1"/>
-              <a:t>fabriction</a:t>
-            </a:r>
-            <a:endParaRPr lang="en-US" dirty="0"/>
-          </a:p>
-        </p:txBody>
-      </p:sp>
-      <p:sp>
-        <p:nvSpPr>
-          <p:cNvPr id="3" name="Content Placeholder 2">
-            <a:extLst>
-              <a:ext uri="{FF2B5EF4-FFF2-40B4-BE49-F238E27FC236}">
-                <a16:creationId xmlns:a16="http://schemas.microsoft.com/office/drawing/2014/main" id="{798DAF5D-F7BD-4DF5-A952-737C453AF050}"/>
-              </a:ext>
-            </a:extLst>
-          </p:cNvPr>
-          <p:cNvSpPr>
-            <a:spLocks noGrp="1"/>
-          </p:cNvSpPr>
-          <p:nvPr>
-            <p:ph idx="1"/>
-          </p:nvPr>
-        </p:nvSpPr>
-        <p:spPr/>
-        <p:txBody>
-          <a:bodyPr/>
-          <a:lstStyle/>
-          <a:p>
-            <a:endParaRPr lang="en-US"/>
+          <a:p>
+            <a:r>
+              <a:rPr lang="" altLang="en-US"/>
+              <a:t>1. Design: UI elements</a:t>
+            </a:r>
+            <a:endParaRPr lang="" altLang="en-US"/>
           </a:p>
         </p:txBody>
       </p:sp>
       <p:pic>
         <p:nvPicPr>
-          <p:cNvPr id="4" name="Picture 3">
-            <a:extLst>
-              <a:ext uri="{FF2B5EF4-FFF2-40B4-BE49-F238E27FC236}">
-                <a16:creationId xmlns:a16="http://schemas.microsoft.com/office/drawing/2014/main" id="{0CA880F9-BCFC-475C-A62B-8846D5BBFC1C}"/>
-              </a:ext>
-            </a:extLst>
-          </p:cNvPr>
+          <p:cNvPr id="4" name="Content Placeholder 3" descr="ui"/>
           <p:cNvPicPr>
             <a:picLocks noChangeAspect="1"/>
           </p:cNvPicPr>
-          <p:nvPr/>
+          <p:nvPr>
+            <p:ph idx="1"/>
+          </p:nvPr>
         </p:nvPicPr>
         <p:blipFill>
-          <a:blip r:embed="rId2"/>
+          <a:blip r:embed="rId1"/>
+          <a:srcRect r="38888" b="54879"/>
           <a:stretch>
             <a:fillRect/>
           </a:stretch>
         </p:blipFill>
         <p:spPr>
           <a:xfrm>
-            <a:off x="1097280" y="2051720"/>
-            <a:ext cx="6153150" cy="1009650"/>
+            <a:off x="3347720" y="979170"/>
+            <a:ext cx="4915535" cy="5690235"/>
           </a:xfrm>
           <a:prstGeom prst="rect">
             <a:avLst/>
           </a:prstGeom>
         </p:spPr>
       </p:pic>
-      <p:pic>
-        <p:nvPicPr>
-          <p:cNvPr id="5" name="Picture 4">
-            <a:extLst>
-              <a:ext uri="{FF2B5EF4-FFF2-40B4-BE49-F238E27FC236}">
-                <a16:creationId xmlns:a16="http://schemas.microsoft.com/office/drawing/2014/main" id="{2806FF29-7DEF-4778-8F01-8FE4BCC96F10}"/>
-              </a:ext>
-            </a:extLst>
-          </p:cNvPr>
-          <p:cNvPicPr>
-            <a:picLocks noChangeAspect="1"/>
-          </p:cNvPicPr>
-          <p:nvPr/>
-        </p:nvPicPr>
-        <p:blipFill>
-          <a:blip r:embed="rId3"/>
-          <a:stretch>
-            <a:fillRect/>
-          </a:stretch>
-        </p:blipFill>
-        <p:spPr>
-          <a:xfrm>
-            <a:off x="1097280" y="3493682"/>
-            <a:ext cx="6296025" cy="971550"/>
-          </a:xfrm>
-          <a:prstGeom prst="rect">
-            <a:avLst/>
-          </a:prstGeom>
-        </p:spPr>
-      </p:pic>
     </p:spTree>
-    <p:extLst>
-      <p:ext uri="{BB962C8B-B14F-4D97-AF65-F5344CB8AC3E}">
-        <p14:creationId xmlns:p14="http://schemas.microsoft.com/office/powerpoint/2010/main" val="3604215769"/>
-      </p:ext>
-    </p:extLst>
   </p:cSld>
   <p:clrMapOvr>
     <a:masterClrMapping/>
@@ -8835,7 +8854,7 @@
     </a:clrScheme>
     <a:fontScheme name="Retrospect">
       <a:majorFont>
-        <a:latin typeface="Calibri Light" panose="020F0302020204030204"/>
+        <a:latin typeface="Calibri Light"/>
         <a:ea typeface=""/>
         <a:cs typeface=""/>
         <a:font script="Jpan" typeface="ＭＳ Ｐゴシック"/>
@@ -8870,7 +8889,7 @@
         <a:font script="Geor" typeface="Sylfaen"/>
       </a:majorFont>
       <a:minorFont>
-        <a:latin typeface="Calibri" panose="020F0502020204030204"/>
+        <a:latin typeface="Calibri"/>
         <a:ea typeface=""/>
         <a:cs typeface=""/>
         <a:font script="Jpan" typeface="ＭＳ Ｐゴシック"/>
@@ -9065,11 +9084,268 @@
       </a:bgFillStyleLst>
     </a:fmtScheme>
   </a:themeElements>
-  <a:objectDefaults/>
-  <a:extraClrSchemeLst/>
   <a:extLst>
     <a:ext uri="{05A4C25C-085E-4340-85A3-A5531E510DB2}">
-      <thm15:themeFamily xmlns:thm15="http://schemas.microsoft.com/office/thememl/2012/main" name="Retrospect" id="{5F128B03-DCCA-4EEB-AB3B-CF2899314A46}" vid="{3F1AAB62-24C6-49D2-8E01-B56FAC9A3DCD}"/>
+      <thm15:themeFamily xmlns:thm15="http://schemas.microsoft.com/office/thememl/2012/main" name="Office Theme" id="{62F939B6-93AF-4DB8-9C6B-D6C7DFDC589F}" vid="{4A3C46E8-61CC-4603-A589-7422A47A8E4A}"/>
+    </a:ext>
+  </a:extLst>
+</a:theme>
+</file>
+
+<file path=ppt/theme/theme2.xml><?xml version="1.0" encoding="utf-8"?>
+<a:theme xmlns:a="http://schemas.openxmlformats.org/drawingml/2006/main" name="Office Theme">
+  <a:themeElements>
+    <a:clrScheme name="Office">
+      <a:dk1>
+        <a:sysClr val="windowText" lastClr="000000"/>
+      </a:dk1>
+      <a:lt1>
+        <a:sysClr val="window" lastClr="FFFFFF"/>
+      </a:lt1>
+      <a:dk2>
+        <a:srgbClr val="44546A"/>
+      </a:dk2>
+      <a:lt2>
+        <a:srgbClr val="E7E6E6"/>
+      </a:lt2>
+      <a:accent1>
+        <a:srgbClr val="5B9BD5"/>
+      </a:accent1>
+      <a:accent2>
+        <a:srgbClr val="ED7D31"/>
+      </a:accent2>
+      <a:accent3>
+        <a:srgbClr val="A5A5A5"/>
+      </a:accent3>
+      <a:accent4>
+        <a:srgbClr val="FFC000"/>
+      </a:accent4>
+      <a:accent5>
+        <a:srgbClr val="4472C4"/>
+      </a:accent5>
+      <a:accent6>
+        <a:srgbClr val="70AD47"/>
+      </a:accent6>
+      <a:hlink>
+        <a:srgbClr val="0563C1"/>
+      </a:hlink>
+      <a:folHlink>
+        <a:srgbClr val="954F72"/>
+      </a:folHlink>
+    </a:clrScheme>
+    <a:fontScheme name="Office">
+      <a:majorFont>
+        <a:latin typeface="Calibri Light"/>
+        <a:ea typeface=""/>
+        <a:cs typeface=""/>
+        <a:font script="Jpan" typeface="ＭＳ Ｐゴシック"/>
+        <a:font script="Hang" typeface="맑은 고딕"/>
+        <a:font script="Hans" typeface="宋体"/>
+        <a:font script="Hant" typeface="新細明體"/>
+        <a:font script="Arab" typeface="Times New Roman"/>
+        <a:font script="Hebr" typeface="Times New Roman"/>
+        <a:font script="Thai" typeface="Angsana New"/>
+        <a:font script="Ethi" typeface="Nyala"/>
+        <a:font script="Beng" typeface="Vrinda"/>
+        <a:font script="Gujr" typeface="Shruti"/>
+        <a:font script="Khmr" typeface="MoolBoran"/>
+        <a:font script="Knda" typeface="Tunga"/>
+        <a:font script="Guru" typeface="Raavi"/>
+        <a:font script="Cans" typeface="Euphemia"/>
+        <a:font script="Cher" typeface="Plantagenet Cherokee"/>
+        <a:font script="Yiii" typeface="Microsoft Yi Baiti"/>
+        <a:font script="Tibt" typeface="Microsoft Himalaya"/>
+        <a:font script="Thaa" typeface="MV Boli"/>
+        <a:font script="Deva" typeface="Mangal"/>
+        <a:font script="Telu" typeface="Gautami"/>
+        <a:font script="Taml" typeface="Latha"/>
+        <a:font script="Syrc" typeface="Estrangelo Edessa"/>
+        <a:font script="Orya" typeface="Kalinga"/>
+        <a:font script="Mlym" typeface="Kartika"/>
+        <a:font script="Laoo" typeface="DokChampa"/>
+        <a:font script="Sinh" typeface="Iskoola Pota"/>
+        <a:font script="Mong" typeface="Mongolian Baiti"/>
+        <a:font script="Viet" typeface="Times New Roman"/>
+        <a:font script="Uigh" typeface="Microsoft Uighur"/>
+        <a:font script="Geor" typeface="Sylfaen"/>
+      </a:majorFont>
+      <a:minorFont>
+        <a:latin typeface="Calibri"/>
+        <a:ea typeface=""/>
+        <a:cs typeface=""/>
+        <a:font script="Jpan" typeface="ＭＳ Ｐゴシック"/>
+        <a:font script="Hang" typeface="맑은 고딕"/>
+        <a:font script="Hans" typeface="宋体"/>
+        <a:font script="Hant" typeface="新細明體"/>
+        <a:font script="Arab" typeface="Arial"/>
+        <a:font script="Hebr" typeface="Arial"/>
+        <a:font script="Thai" typeface="Cordia New"/>
+        <a:font script="Ethi" typeface="Nyala"/>
+        <a:font script="Beng" typeface="Vrinda"/>
+        <a:font script="Gujr" typeface="Shruti"/>
+        <a:font script="Khmr" typeface="DaunPenh"/>
+        <a:font script="Knda" typeface="Tunga"/>
+        <a:font script="Guru" typeface="Raavi"/>
+        <a:font script="Cans" typeface="Euphemia"/>
+        <a:font script="Cher" typeface="Plantagenet Cherokee"/>
+        <a:font script="Yiii" typeface="Microsoft Yi Baiti"/>
+        <a:font script="Tibt" typeface="Microsoft Himalaya"/>
+        <a:font script="Thaa" typeface="MV Boli"/>
+        <a:font script="Deva" typeface="Mangal"/>
+        <a:font script="Telu" typeface="Gautami"/>
+        <a:font script="Taml" typeface="Latha"/>
+        <a:font script="Syrc" typeface="Estrangelo Edessa"/>
+        <a:font script="Orya" typeface="Kalinga"/>
+        <a:font script="Mlym" typeface="Kartika"/>
+        <a:font script="Laoo" typeface="DokChampa"/>
+        <a:font script="Sinh" typeface="Iskoola Pota"/>
+        <a:font script="Mong" typeface="Mongolian Baiti"/>
+        <a:font script="Viet" typeface="Arial"/>
+        <a:font script="Uigh" typeface="Microsoft Uighur"/>
+        <a:font script="Geor" typeface="Sylfaen"/>
+      </a:minorFont>
+    </a:fontScheme>
+    <a:fmtScheme name="Office">
+      <a:fillStyleLst>
+        <a:solidFill>
+          <a:schemeClr val="phClr"/>
+        </a:solidFill>
+        <a:gradFill rotWithShape="1">
+          <a:gsLst>
+            <a:gs pos="0">
+              <a:schemeClr val="phClr">
+                <a:lumMod val="110000"/>
+                <a:satMod val="105000"/>
+                <a:tint val="67000"/>
+              </a:schemeClr>
+            </a:gs>
+            <a:gs pos="50000">
+              <a:schemeClr val="phClr">
+                <a:lumMod val="105000"/>
+                <a:satMod val="103000"/>
+                <a:tint val="73000"/>
+              </a:schemeClr>
+            </a:gs>
+            <a:gs pos="100000">
+              <a:schemeClr val="phClr">
+                <a:lumMod val="105000"/>
+                <a:satMod val="109000"/>
+                <a:tint val="81000"/>
+              </a:schemeClr>
+            </a:gs>
+          </a:gsLst>
+          <a:lin ang="5400000" scaled="0"/>
+        </a:gradFill>
+        <a:gradFill rotWithShape="1">
+          <a:gsLst>
+            <a:gs pos="0">
+              <a:schemeClr val="phClr">
+                <a:satMod val="103000"/>
+                <a:lumMod val="102000"/>
+                <a:tint val="94000"/>
+              </a:schemeClr>
+            </a:gs>
+            <a:gs pos="50000">
+              <a:schemeClr val="phClr">
+                <a:satMod val="110000"/>
+                <a:lumMod val="100000"/>
+                <a:shade val="100000"/>
+              </a:schemeClr>
+            </a:gs>
+            <a:gs pos="100000">
+              <a:schemeClr val="phClr">
+                <a:lumMod val="99000"/>
+                <a:satMod val="120000"/>
+                <a:shade val="78000"/>
+              </a:schemeClr>
+            </a:gs>
+          </a:gsLst>
+          <a:lin ang="5400000" scaled="0"/>
+        </a:gradFill>
+      </a:fillStyleLst>
+      <a:lnStyleLst>
+        <a:ln w="6350" cap="flat" cmpd="sng" algn="ctr">
+          <a:solidFill>
+            <a:schemeClr val="phClr"/>
+          </a:solidFill>
+          <a:prstDash val="solid"/>
+          <a:miter lim="800000"/>
+        </a:ln>
+        <a:ln w="12700" cap="flat" cmpd="sng" algn="ctr">
+          <a:solidFill>
+            <a:schemeClr val="phClr"/>
+          </a:solidFill>
+          <a:prstDash val="solid"/>
+          <a:miter lim="800000"/>
+        </a:ln>
+        <a:ln w="19050" cap="flat" cmpd="sng" algn="ctr">
+          <a:solidFill>
+            <a:schemeClr val="phClr"/>
+          </a:solidFill>
+          <a:prstDash val="solid"/>
+          <a:miter lim="800000"/>
+        </a:ln>
+      </a:lnStyleLst>
+      <a:effectStyleLst>
+        <a:effectStyle>
+          <a:effectLst/>
+        </a:effectStyle>
+        <a:effectStyle>
+          <a:effectLst/>
+        </a:effectStyle>
+        <a:effectStyle>
+          <a:effectLst>
+            <a:outerShdw blurRad="57150" dist="19050" dir="5400000" algn="ctr" rotWithShape="0">
+              <a:srgbClr val="000000">
+                <a:alpha val="63000"/>
+              </a:srgbClr>
+            </a:outerShdw>
+          </a:effectLst>
+        </a:effectStyle>
+      </a:effectStyleLst>
+      <a:bgFillStyleLst>
+        <a:solidFill>
+          <a:schemeClr val="phClr"/>
+        </a:solidFill>
+        <a:solidFill>
+          <a:schemeClr val="phClr">
+            <a:tint val="95000"/>
+            <a:satMod val="170000"/>
+          </a:schemeClr>
+        </a:solidFill>
+        <a:gradFill rotWithShape="1">
+          <a:gsLst>
+            <a:gs pos="0">
+              <a:schemeClr val="phClr">
+                <a:tint val="93000"/>
+                <a:satMod val="150000"/>
+                <a:shade val="98000"/>
+                <a:lumMod val="102000"/>
+              </a:schemeClr>
+            </a:gs>
+            <a:gs pos="50000">
+              <a:schemeClr val="phClr">
+                <a:tint val="98000"/>
+                <a:satMod val="130000"/>
+                <a:shade val="90000"/>
+                <a:lumMod val="103000"/>
+              </a:schemeClr>
+            </a:gs>
+            <a:gs pos="100000">
+              <a:schemeClr val="phClr">
+                <a:shade val="63000"/>
+                <a:satMod val="120000"/>
+              </a:schemeClr>
+            </a:gs>
+          </a:gsLst>
+          <a:lin ang="5400000" scaled="0"/>
+        </a:gradFill>
+      </a:bgFillStyleLst>
+    </a:fmtScheme>
+  </a:themeElements>
+  <a:extLst>
+    <a:ext uri="{05A4C25C-085E-4340-85A3-A5531E510DB2}">
+      <thm15:themeFamily xmlns:thm15="http://schemas.microsoft.com/office/thememl/2012/main" name="Office Theme" id="{62F939B6-93AF-4DB8-9C6B-D6C7DFDC589F}" vid="{4A3C46E8-61CC-4603-A589-7422A47A8E4A}"/>
     </a:ext>
   </a:extLst>
 </a:theme>

--- a/Presentaties/Iteration2.pptx
+++ b/Presentaties/Iteration2.pptx
@@ -189,6 +189,954 @@
     </p:ext>
   </p:extLst>
 </p:presentation>
+</file>
+
+<file path=ppt/charts/chart1.xml><?xml version="1.0" encoding="utf-8"?>
+<c:chartSpace xmlns:c="http://schemas.openxmlformats.org/drawingml/2006/chart" xmlns:a="http://schemas.openxmlformats.org/drawingml/2006/main" xmlns:r="http://schemas.openxmlformats.org/officeDocument/2006/relationships">
+  <c:date1904 val="0"/>
+  <c:lang val="zh-CN"/>
+  <c:roundedCorners val="0"/>
+  <mc:AlternateContent xmlns:mc="http://schemas.openxmlformats.org/markup-compatibility/2006">
+    <mc:Choice xmlns:c14="http://schemas.microsoft.com/office/drawing/2007/8/2/chart" Requires="c14">
+      <c14:style val="102"/>
+    </mc:Choice>
+    <mc:Fallback>
+      <c:style val="2"/>
+    </mc:Fallback>
+  </mc:AlternateContent>
+  <c:chart>
+    <c:title>
+      <c:layout/>
+      <c:overlay val="0"/>
+      <c:spPr>
+        <a:noFill/>
+        <a:ln>
+          <a:noFill/>
+        </a:ln>
+        <a:effectLst/>
+      </c:spPr>
+      <c:txPr>
+        <a:bodyPr rot="0" spcFirstLastPara="0" vertOverflow="ellipsis" vert="horz" wrap="square" anchor="ctr" anchorCtr="1"/>
+        <a:lstStyle/>
+        <a:p>
+          <a:pPr>
+            <a:defRPr lang="en-US" sz="1400" b="0" i="0" u="none" strike="noStrike" kern="1200" spc="0" baseline="0">
+              <a:solidFill>
+                <a:schemeClr val="tx1">
+                  <a:lumMod val="65000"/>
+                  <a:lumOff val="35000"/>
+                </a:schemeClr>
+              </a:solidFill>
+              <a:latin typeface="+mn-lt"/>
+              <a:ea typeface="+mn-ea"/>
+              <a:cs typeface="+mn-cs"/>
+            </a:defRPr>
+          </a:pPr>
+        </a:p>
+      </c:txPr>
+    </c:title>
+    <c:autoTitleDeleted val="0"/>
+    <c:plotArea>
+      <c:layout/>
+      <c:pieChart>
+        <c:varyColors val="1"/>
+        <c:ser>
+          <c:idx val="0"/>
+          <c:order val="0"/>
+          <c:tx>
+            <c:strRef>
+              <c:f>Sheet1!$B$1</c:f>
+              <c:strCache>
+                <c:ptCount val="1"/>
+                <c:pt idx="0">
+                  <c:v>Missed instructions</c:v>
+                </c:pt>
+              </c:strCache>
+            </c:strRef>
+          </c:tx>
+          <c:spPr/>
+          <c:explosion val="0"/>
+          <c:dPt>
+            <c:idx val="0"/>
+            <c:bubble3D val="0"/>
+            <c:spPr>
+              <a:solidFill>
+                <a:schemeClr val="accent1"/>
+              </a:solidFill>
+              <a:ln w="19050">
+                <a:solidFill>
+                  <a:schemeClr val="lt1"/>
+                </a:solidFill>
+              </a:ln>
+              <a:effectLst/>
+            </c:spPr>
+          </c:dPt>
+          <c:dPt>
+            <c:idx val="1"/>
+            <c:bubble3D val="0"/>
+            <c:spPr>
+              <a:solidFill>
+                <a:schemeClr val="accent2"/>
+              </a:solidFill>
+              <a:ln w="19050">
+                <a:solidFill>
+                  <a:schemeClr val="lt1"/>
+                </a:solidFill>
+              </a:ln>
+              <a:effectLst/>
+            </c:spPr>
+          </c:dPt>
+          <c:dPt>
+            <c:idx val="2"/>
+            <c:bubble3D val="0"/>
+            <c:spPr>
+              <a:solidFill>
+                <a:schemeClr val="accent3"/>
+              </a:solidFill>
+              <a:ln w="19050">
+                <a:solidFill>
+                  <a:schemeClr val="lt1"/>
+                </a:solidFill>
+              </a:ln>
+              <a:effectLst/>
+            </c:spPr>
+          </c:dPt>
+          <c:dLbls>
+            <c:dLbl>
+              <c:idx val="0"/>
+              <c:layout/>
+              <c:spPr>
+                <a:noFill/>
+                <a:ln>
+                  <a:noFill/>
+                </a:ln>
+                <a:effectLst/>
+              </c:spPr>
+              <c:txPr>
+                <a:bodyPr rot="0" spcFirstLastPara="0" vertOverflow="ellipsis" vert="horz" wrap="square" lIns="38100" tIns="19050" rIns="38100" bIns="19050" anchor="ctr" anchorCtr="1"/>
+                <a:lstStyle/>
+                <a:p>
+                  <a:pPr>
+                    <a:defRPr lang="en-US" sz="900" b="0" i="0" u="none" strike="noStrike" kern="1200" baseline="0">
+                      <a:solidFill>
+                        <a:schemeClr val="bg1"/>
+                      </a:solidFill>
+                      <a:latin typeface="+mn-lt"/>
+                      <a:ea typeface="+mn-ea"/>
+                      <a:cs typeface="+mn-cs"/>
+                    </a:defRPr>
+                  </a:pPr>
+                </a:p>
+              </c:txPr>
+              <c:dLblPos val="bestFit"/>
+              <c:showLegendKey val="0"/>
+              <c:showVal val="1"/>
+              <c:showCatName val="0"/>
+              <c:showSerName val="0"/>
+              <c:showPercent val="0"/>
+              <c:showBubbleSize val="0"/>
+              <c:extLst>
+                <c:ext xmlns:c15="http://schemas.microsoft.com/office/drawing/2012/chart" uri="{CE6537A1-D6FC-4f65-9D91-7224C49458BB}"/>
+              </c:extLst>
+            </c:dLbl>
+            <c:dLbl>
+              <c:idx val="1"/>
+              <c:layout/>
+              <c:spPr>
+                <a:noFill/>
+                <a:ln>
+                  <a:noFill/>
+                </a:ln>
+                <a:effectLst/>
+              </c:spPr>
+              <c:txPr>
+                <a:bodyPr rot="0" spcFirstLastPara="0" vertOverflow="ellipsis" vert="horz" wrap="square" lIns="38100" tIns="19050" rIns="38100" bIns="19050" anchor="ctr" anchorCtr="1"/>
+                <a:lstStyle/>
+                <a:p>
+                  <a:pPr>
+                    <a:defRPr lang="en-US" sz="900" b="0" i="0" u="none" strike="noStrike" kern="1200" baseline="0">
+                      <a:solidFill>
+                        <a:schemeClr val="bg1"/>
+                      </a:solidFill>
+                      <a:latin typeface="+mn-lt"/>
+                      <a:ea typeface="+mn-ea"/>
+                      <a:cs typeface="+mn-cs"/>
+                    </a:defRPr>
+                  </a:pPr>
+                </a:p>
+              </c:txPr>
+              <c:dLblPos val="bestFit"/>
+              <c:showLegendKey val="0"/>
+              <c:showVal val="1"/>
+              <c:showCatName val="0"/>
+              <c:showSerName val="0"/>
+              <c:showPercent val="0"/>
+              <c:showBubbleSize val="0"/>
+              <c:extLst>
+                <c:ext xmlns:c15="http://schemas.microsoft.com/office/drawing/2012/chart" uri="{CE6537A1-D6FC-4f65-9D91-7224C49458BB}"/>
+              </c:extLst>
+            </c:dLbl>
+            <c:dLbl>
+              <c:idx val="2"/>
+              <c:layout/>
+              <c:spPr>
+                <a:noFill/>
+                <a:ln>
+                  <a:noFill/>
+                </a:ln>
+                <a:effectLst/>
+              </c:spPr>
+              <c:txPr>
+                <a:bodyPr rot="0" spcFirstLastPara="0" vertOverflow="ellipsis" vert="horz" wrap="square" lIns="38100" tIns="19050" rIns="38100" bIns="19050" anchor="ctr" anchorCtr="1"/>
+                <a:lstStyle/>
+                <a:p>
+                  <a:pPr>
+                    <a:defRPr lang="en-US" sz="900" b="0" i="0" u="none" strike="noStrike" kern="1200" baseline="0">
+                      <a:solidFill>
+                        <a:schemeClr val="bg1"/>
+                      </a:solidFill>
+                      <a:latin typeface="+mn-lt"/>
+                      <a:ea typeface="+mn-ea"/>
+                      <a:cs typeface="+mn-cs"/>
+                    </a:defRPr>
+                  </a:pPr>
+                </a:p>
+              </c:txPr>
+              <c:dLblPos val="bestFit"/>
+              <c:showLegendKey val="0"/>
+              <c:showVal val="1"/>
+              <c:showCatName val="0"/>
+              <c:showSerName val="0"/>
+              <c:showPercent val="0"/>
+              <c:showBubbleSize val="0"/>
+              <c:extLst>
+                <c:ext xmlns:c15="http://schemas.microsoft.com/office/drawing/2012/chart" uri="{CE6537A1-D6FC-4f65-9D91-7224C49458BB}"/>
+              </c:extLst>
+            </c:dLbl>
+            <c:spPr>
+              <a:noFill/>
+              <a:ln>
+                <a:noFill/>
+              </a:ln>
+              <a:effectLst/>
+            </c:spPr>
+            <c:txPr>
+              <a:bodyPr rot="0" spcFirstLastPara="0" vertOverflow="ellipsis" vert="horz" wrap="square" lIns="38100" tIns="19050" rIns="38100" bIns="19050" anchor="ctr" anchorCtr="1"/>
+              <a:lstStyle/>
+              <a:p>
+                <a:pPr>
+                  <a:defRPr lang="en-US" sz="900" b="0" i="0" u="none" strike="noStrike" kern="1200" baseline="0">
+                    <a:solidFill>
+                      <a:schemeClr val="tx1">
+                        <a:lumMod val="75000"/>
+                        <a:lumOff val="25000"/>
+                      </a:schemeClr>
+                    </a:solidFill>
+                    <a:latin typeface="+mn-lt"/>
+                    <a:ea typeface="+mn-ea"/>
+                    <a:cs typeface="+mn-cs"/>
+                  </a:defRPr>
+                </a:pPr>
+              </a:p>
+            </c:txPr>
+            <c:dLblPos val="bestFit"/>
+            <c:showLegendKey val="0"/>
+            <c:showVal val="1"/>
+            <c:showCatName val="0"/>
+            <c:showSerName val="0"/>
+            <c:showPercent val="0"/>
+            <c:showBubbleSize val="0"/>
+            <c:showLeaderLines val="1"/>
+            <c:extLst>
+              <c:ext xmlns:c15="http://schemas.microsoft.com/office/drawing/2012/chart" uri="{CE6537A1-D6FC-4f65-9D91-7224C49458BB}">
+                <c15:layout/>
+                <c15:showLeaderLines val="1"/>
+                <c15:leaderLines>
+                  <c:spPr>
+                    <a:ln w="9525" cap="flat" cmpd="sng" algn="ctr">
+                      <a:solidFill>
+                        <a:schemeClr val="tx1">
+                          <a:lumMod val="35000"/>
+                          <a:lumOff val="65000"/>
+                        </a:schemeClr>
+                      </a:solidFill>
+                      <a:round/>
+                    </a:ln>
+                    <a:effectLst/>
+                  </c:spPr>
+                </c15:leaderLines>
+              </c:ext>
+            </c:extLst>
+          </c:dLbls>
+          <c:cat>
+            <c:strRef>
+              <c:f>Sheet1!$A$2:$A$4</c:f>
+              <c:strCache>
+                <c:ptCount val="3"/>
+                <c:pt idx="0">
+                  <c:v>CanvasWindow</c:v>
+                </c:pt>
+                <c:pt idx="1">
+                  <c:v>paint()</c:v>
+                </c:pt>
+                <c:pt idx="2">
+                  <c:v>Our code</c:v>
+                </c:pt>
+              </c:strCache>
+            </c:strRef>
+          </c:cat>
+          <c:val>
+            <c:numRef>
+              <c:f>Sheet1!$B$2:$B$4</c:f>
+              <c:numCache>
+                <c:formatCode>General</c:formatCode>
+                <c:ptCount val="3"/>
+                <c:pt idx="0">
+                  <c:v>525</c:v>
+                </c:pt>
+                <c:pt idx="1">
+                  <c:v>874</c:v>
+                </c:pt>
+                <c:pt idx="2">
+                  <c:v>1288</c:v>
+                </c:pt>
+              </c:numCache>
+            </c:numRef>
+          </c:val>
+        </c:ser>
+        <c:dLbls>
+          <c:showLegendKey val="0"/>
+          <c:showVal val="1"/>
+          <c:showCatName val="0"/>
+          <c:showSerName val="0"/>
+          <c:showPercent val="0"/>
+          <c:showBubbleSize val="0"/>
+          <c:showLeaderLines val="1"/>
+        </c:dLbls>
+        <c:firstSliceAng val="0"/>
+      </c:pieChart>
+      <c:spPr>
+        <a:noFill/>
+        <a:ln>
+          <a:noFill/>
+        </a:ln>
+        <a:effectLst/>
+      </c:spPr>
+    </c:plotArea>
+    <c:legend>
+      <c:legendPos val="b"/>
+      <c:layout/>
+      <c:overlay val="0"/>
+      <c:spPr>
+        <a:noFill/>
+        <a:ln>
+          <a:noFill/>
+        </a:ln>
+        <a:effectLst/>
+      </c:spPr>
+      <c:txPr>
+        <a:bodyPr rot="0" spcFirstLastPara="0" vertOverflow="ellipsis" vert="horz" wrap="square" anchor="ctr" anchorCtr="1"/>
+        <a:lstStyle/>
+        <a:p>
+          <a:pPr>
+            <a:defRPr lang="en-US" sz="900" b="0" i="0" u="none" strike="noStrike" kern="1200" baseline="0">
+              <a:solidFill>
+                <a:schemeClr val="tx1">
+                  <a:lumMod val="65000"/>
+                  <a:lumOff val="35000"/>
+                </a:schemeClr>
+              </a:solidFill>
+              <a:latin typeface="+mn-lt"/>
+              <a:ea typeface="+mn-ea"/>
+              <a:cs typeface="+mn-cs"/>
+            </a:defRPr>
+          </a:pPr>
+        </a:p>
+      </c:txPr>
+    </c:legend>
+    <c:plotVisOnly val="1"/>
+    <c:dispBlanksAs val="gap"/>
+    <c:showDLblsOverMax val="0"/>
+  </c:chart>
+  <c:spPr>
+    <a:noFill/>
+    <a:ln>
+      <a:noFill/>
+    </a:ln>
+    <a:effectLst/>
+  </c:spPr>
+  <c:txPr>
+    <a:bodyPr/>
+    <a:lstStyle/>
+    <a:p>
+      <a:pPr>
+        <a:defRPr lang="en-US"/>
+      </a:pPr>
+    </a:p>
+  </c:txPr>
+  <c:externalData r:id="rId1">
+    <c:autoUpdate val="0"/>
+  </c:externalData>
+</c:chartSpace>
+</file>
+
+<file path=ppt/charts/colors1.xml><?xml version="1.0" encoding="utf-8"?>
+<cs:colorStyle xmlns:cs="http://schemas.microsoft.com/office/drawing/2012/chartStyle" xmlns:a="http://schemas.openxmlformats.org/drawingml/2006/main" meth="cycle" id="10">
+  <a:schemeClr val="accent1"/>
+  <a:schemeClr val="accent2"/>
+  <a:schemeClr val="accent3"/>
+  <a:schemeClr val="accent4"/>
+  <a:schemeClr val="accent5"/>
+  <a:schemeClr val="accent6"/>
+  <cs:variation/>
+  <cs:variation>
+    <a:lumMod val="60000"/>
+  </cs:variation>
+  <cs:variation>
+    <a:lumMod val="80000"/>
+    <a:lumOff val="20000"/>
+  </cs:variation>
+  <cs:variation>
+    <a:lumMod val="80000"/>
+  </cs:variation>
+  <cs:variation>
+    <a:lumMod val="60000"/>
+    <a:lumOff val="40000"/>
+  </cs:variation>
+  <cs:variation>
+    <a:lumMod val="50000"/>
+  </cs:variation>
+  <cs:variation>
+    <a:lumMod val="70000"/>
+    <a:lumOff val="30000"/>
+  </cs:variation>
+  <cs:variation>
+    <a:lumMod val="70000"/>
+  </cs:variation>
+  <cs:variation>
+    <a:lumMod val="50000"/>
+    <a:lumOff val="50000"/>
+  </cs:variation>
+</cs:colorStyle>
+</file>
+
+<file path=ppt/charts/style1.xml><?xml version="1.0" encoding="utf-8"?>
+<cs:chartStyle xmlns:cs="http://schemas.microsoft.com/office/drawing/2012/chartStyle" xmlns:a="http://schemas.openxmlformats.org/drawingml/2006/main" id="251">
+  <cs:axisTitle>
+    <cs:lnRef idx="0"/>
+    <cs:fillRef idx="0"/>
+    <cs:effectRef idx="0"/>
+    <cs:fontRef idx="minor">
+      <a:schemeClr val="tx1">
+        <a:lumMod val="65000"/>
+        <a:lumOff val="35000"/>
+      </a:schemeClr>
+    </cs:fontRef>
+    <cs:defRPr sz="1000" kern="1200"/>
+  </cs:axisTitle>
+  <cs:categoryAxis>
+    <cs:lnRef idx="0"/>
+    <cs:fillRef idx="0"/>
+    <cs:effectRef idx="0"/>
+    <cs:fontRef idx="minor">
+      <a:schemeClr val="tx1">
+        <a:lumMod val="65000"/>
+        <a:lumOff val="35000"/>
+      </a:schemeClr>
+    </cs:fontRef>
+    <cs:spPr>
+      <a:ln w="9525" cap="flat" cmpd="sng" algn="ctr">
+        <a:solidFill>
+          <a:schemeClr val="tx1">
+            <a:lumMod val="15000"/>
+            <a:lumOff val="85000"/>
+          </a:schemeClr>
+        </a:solidFill>
+        <a:round/>
+      </a:ln>
+    </cs:spPr>
+    <cs:defRPr sz="900" kern="1200"/>
+  </cs:categoryAxis>
+  <cs:chartArea mods="allowNoFillOverride allowNoLineOverride">
+    <cs:lnRef idx="0"/>
+    <cs:fillRef idx="0"/>
+    <cs:effectRef idx="0"/>
+    <cs:fontRef idx="minor">
+      <a:schemeClr val="tx1"/>
+    </cs:fontRef>
+    <cs:spPr>
+      <a:solidFill>
+        <a:schemeClr val="bg1"/>
+      </a:solidFill>
+      <a:ln w="9525" cap="flat" cmpd="sng" algn="ctr">
+        <a:solidFill>
+          <a:schemeClr val="tx1">
+            <a:lumMod val="15000"/>
+            <a:lumOff val="85000"/>
+          </a:schemeClr>
+        </a:solidFill>
+        <a:round/>
+      </a:ln>
+    </cs:spPr>
+    <cs:defRPr sz="900" kern="1200"/>
+  </cs:chartArea>
+  <cs:dataLabel>
+    <cs:lnRef idx="0"/>
+    <cs:fillRef idx="0"/>
+    <cs:effectRef idx="0"/>
+    <cs:fontRef idx="minor">
+      <a:schemeClr val="tx1">
+        <a:lumMod val="75000"/>
+        <a:lumOff val="25000"/>
+      </a:schemeClr>
+    </cs:fontRef>
+    <cs:defRPr sz="900" kern="1200"/>
+  </cs:dataLabel>
+  <cs:dataLabelCallout>
+    <cs:lnRef idx="0"/>
+    <cs:fillRef idx="0"/>
+    <cs:effectRef idx="0"/>
+    <cs:fontRef idx="minor">
+      <a:schemeClr val="dk1">
+        <a:lumMod val="65000"/>
+        <a:lumOff val="35000"/>
+      </a:schemeClr>
+    </cs:fontRef>
+    <cs:spPr>
+      <a:solidFill>
+        <a:schemeClr val="lt1"/>
+      </a:solidFill>
+      <a:ln>
+        <a:solidFill>
+          <a:schemeClr val="dk1">
+            <a:lumMod val="25000"/>
+            <a:lumOff val="75000"/>
+          </a:schemeClr>
+        </a:solidFill>
+      </a:ln>
+    </cs:spPr>
+    <cs:defRPr sz="900" kern="1200"/>
+    <cs:bodyPr rot="0" spcFirstLastPara="1" vertOverflow="clip" horzOverflow="clip" vert="horz" wrap="square" lIns="36576" tIns="18288" rIns="36576" bIns="18288" anchor="ctr" anchorCtr="1">
+      <a:spAutoFit/>
+    </cs:bodyPr>
+  </cs:dataLabelCallout>
+  <cs:dataPoint>
+    <cs:lnRef idx="0"/>
+    <cs:fillRef idx="1">
+      <cs:styleClr val="auto"/>
+    </cs:fillRef>
+    <cs:effectRef idx="0"/>
+    <cs:fontRef idx="minor">
+      <a:schemeClr val="tx1"/>
+    </cs:fontRef>
+    <cs:spPr>
+      <a:ln w="19050">
+        <a:solidFill>
+          <a:schemeClr val="lt1"/>
+        </a:solidFill>
+      </a:ln>
+    </cs:spPr>
+  </cs:dataPoint>
+  <cs:dataPoint3D>
+    <cs:lnRef idx="0"/>
+    <cs:fillRef idx="1">
+      <cs:styleClr val="auto"/>
+    </cs:fillRef>
+    <cs:effectRef idx="0"/>
+    <cs:fontRef idx="minor">
+      <a:schemeClr val="tx1"/>
+    </cs:fontRef>
+    <cs:spPr>
+      <a:ln w="25400">
+        <a:solidFill>
+          <a:schemeClr val="lt1"/>
+        </a:solidFill>
+      </a:ln>
+    </cs:spPr>
+  </cs:dataPoint3D>
+  <cs:dataPointLine>
+    <cs:lnRef idx="0">
+      <cs:styleClr val="auto"/>
+    </cs:lnRef>
+    <cs:fillRef idx="0"/>
+    <cs:effectRef idx="0"/>
+    <cs:fontRef idx="minor">
+      <a:schemeClr val="tx1"/>
+    </cs:fontRef>
+    <cs:spPr>
+      <a:ln w="28575" cap="rnd">
+        <a:solidFill>
+          <a:schemeClr val="phClr"/>
+        </a:solidFill>
+        <a:round/>
+      </a:ln>
+    </cs:spPr>
+  </cs:dataPointLine>
+  <cs:dataPointMarker>
+    <cs:lnRef idx="0">
+      <cs:styleClr val="auto"/>
+    </cs:lnRef>
+    <cs:fillRef idx="1">
+      <cs:styleClr val="auto"/>
+    </cs:fillRef>
+    <cs:effectRef idx="0"/>
+    <cs:fontRef idx="minor">
+      <a:schemeClr val="tx1"/>
+    </cs:fontRef>
+    <cs:spPr>
+      <a:ln w="9525">
+        <a:solidFill>
+          <a:schemeClr val="phClr"/>
+        </a:solidFill>
+      </a:ln>
+    </cs:spPr>
+  </cs:dataPointMarker>
+  <cs:dataPointMarkerLayout symbol="circle" size="5"/>
+  <cs:dataPointWireframe>
+    <cs:lnRef idx="0">
+      <cs:styleClr val="auto"/>
+    </cs:lnRef>
+    <cs:fillRef idx="0"/>
+    <cs:effectRef idx="0"/>
+    <cs:fontRef idx="minor">
+      <a:schemeClr val="tx1"/>
+    </cs:fontRef>
+    <cs:spPr>
+      <a:ln w="9525" cap="rnd">
+        <a:solidFill>
+          <a:schemeClr val="phClr"/>
+        </a:solidFill>
+        <a:round/>
+      </a:ln>
+    </cs:spPr>
+  </cs:dataPointWireframe>
+  <cs:dataTable>
+    <cs:lnRef idx="0"/>
+    <cs:fillRef idx="0"/>
+    <cs:effectRef idx="0"/>
+    <cs:fontRef idx="minor">
+      <a:schemeClr val="tx1">
+        <a:lumMod val="65000"/>
+        <a:lumOff val="35000"/>
+      </a:schemeClr>
+    </cs:fontRef>
+    <cs:spPr>
+      <a:noFill/>
+      <a:ln w="9525" cap="flat" cmpd="sng" algn="ctr">
+        <a:solidFill>
+          <a:schemeClr val="tx1">
+            <a:lumMod val="15000"/>
+            <a:lumOff val="85000"/>
+          </a:schemeClr>
+        </a:solidFill>
+        <a:round/>
+      </a:ln>
+    </cs:spPr>
+    <cs:defRPr sz="900" kern="1200"/>
+  </cs:dataTable>
+  <cs:downBar>
+    <cs:lnRef idx="0"/>
+    <cs:fillRef idx="0"/>
+    <cs:effectRef idx="0"/>
+    <cs:fontRef idx="minor">
+      <a:schemeClr val="tx1"/>
+    </cs:fontRef>
+    <cs:spPr>
+      <a:solidFill>
+        <a:schemeClr val="dk1">
+          <a:lumMod val="75000"/>
+          <a:lumOff val="25000"/>
+        </a:schemeClr>
+      </a:solidFill>
+      <a:ln w="9525" cap="flat" cmpd="sng" algn="ctr">
+        <a:solidFill>
+          <a:schemeClr val="tx1">
+            <a:lumMod val="65000"/>
+            <a:lumOff val="35000"/>
+          </a:schemeClr>
+        </a:solidFill>
+        <a:round/>
+      </a:ln>
+    </cs:spPr>
+  </cs:downBar>
+  <cs:dropLine>
+    <cs:lnRef idx="0"/>
+    <cs:fillRef idx="0"/>
+    <cs:effectRef idx="0"/>
+    <cs:fontRef idx="minor">
+      <a:schemeClr val="tx1"/>
+    </cs:fontRef>
+    <cs:spPr>
+      <a:ln w="9525" cap="flat" cmpd="sng" algn="ctr">
+        <a:solidFill>
+          <a:schemeClr val="tx1">
+            <a:lumMod val="35000"/>
+            <a:lumOff val="65000"/>
+          </a:schemeClr>
+        </a:solidFill>
+        <a:round/>
+      </a:ln>
+    </cs:spPr>
+  </cs:dropLine>
+  <cs:errorBar>
+    <cs:lnRef idx="0"/>
+    <cs:fillRef idx="0"/>
+    <cs:effectRef idx="0"/>
+    <cs:fontRef idx="minor">
+      <a:schemeClr val="tx1"/>
+    </cs:fontRef>
+    <cs:spPr>
+      <a:ln w="9525" cap="flat" cmpd="sng" algn="ctr">
+        <a:solidFill>
+          <a:schemeClr val="tx1">
+            <a:lumMod val="65000"/>
+            <a:lumOff val="35000"/>
+          </a:schemeClr>
+        </a:solidFill>
+        <a:round/>
+      </a:ln>
+    </cs:spPr>
+  </cs:errorBar>
+  <cs:floor>
+    <cs:lnRef idx="0"/>
+    <cs:fillRef idx="0"/>
+    <cs:effectRef idx="0"/>
+    <cs:fontRef idx="minor">
+      <a:schemeClr val="tx1"/>
+    </cs:fontRef>
+    <cs:spPr>
+      <a:noFill/>
+      <a:ln>
+        <a:noFill/>
+      </a:ln>
+    </cs:spPr>
+  </cs:floor>
+  <cs:gridlineMajor>
+    <cs:lnRef idx="0"/>
+    <cs:fillRef idx="0"/>
+    <cs:effectRef idx="0"/>
+    <cs:fontRef idx="minor">
+      <a:schemeClr val="tx1"/>
+    </cs:fontRef>
+    <cs:spPr>
+      <a:ln w="9525" cap="flat" cmpd="sng" algn="ctr">
+        <a:solidFill>
+          <a:schemeClr val="tx1">
+            <a:lumMod val="15000"/>
+            <a:lumOff val="85000"/>
+          </a:schemeClr>
+        </a:solidFill>
+        <a:round/>
+      </a:ln>
+    </cs:spPr>
+  </cs:gridlineMajor>
+  <cs:gridlineMinor>
+    <cs:lnRef idx="0"/>
+    <cs:fillRef idx="0"/>
+    <cs:effectRef idx="0"/>
+    <cs:fontRef idx="minor">
+      <a:schemeClr val="tx1"/>
+    </cs:fontRef>
+    <cs:spPr>
+      <a:ln w="9525" cap="flat" cmpd="sng" algn="ctr">
+        <a:solidFill>
+          <a:schemeClr val="tx1">
+            <a:lumMod val="5000"/>
+            <a:lumOff val="95000"/>
+          </a:schemeClr>
+        </a:solidFill>
+        <a:round/>
+      </a:ln>
+    </cs:spPr>
+  </cs:gridlineMinor>
+  <cs:hiLoLine>
+    <cs:lnRef idx="0"/>
+    <cs:fillRef idx="0"/>
+    <cs:effectRef idx="0"/>
+    <cs:fontRef idx="minor">
+      <a:schemeClr val="tx1"/>
+    </cs:fontRef>
+    <cs:spPr>
+      <a:ln w="9525" cap="flat" cmpd="sng" algn="ctr">
+        <a:solidFill>
+          <a:schemeClr val="tx1">
+            <a:lumMod val="50000"/>
+            <a:lumOff val="50000"/>
+          </a:schemeClr>
+        </a:solidFill>
+        <a:round/>
+      </a:ln>
+    </cs:spPr>
+  </cs:hiLoLine>
+  <cs:leaderLine>
+    <cs:lnRef idx="0"/>
+    <cs:fillRef idx="0"/>
+    <cs:effectRef idx="0"/>
+    <cs:fontRef idx="minor">
+      <a:schemeClr val="tx1"/>
+    </cs:fontRef>
+    <cs:spPr>
+      <a:ln w="9525" cap="flat" cmpd="sng" algn="ctr">
+        <a:solidFill>
+          <a:schemeClr val="tx1">
+            <a:lumMod val="35000"/>
+            <a:lumOff val="65000"/>
+          </a:schemeClr>
+        </a:solidFill>
+        <a:round/>
+      </a:ln>
+    </cs:spPr>
+  </cs:leaderLine>
+  <cs:legend>
+    <cs:lnRef idx="0"/>
+    <cs:fillRef idx="0"/>
+    <cs:effectRef idx="0"/>
+    <cs:fontRef idx="minor">
+      <a:schemeClr val="tx1">
+        <a:lumMod val="65000"/>
+        <a:lumOff val="35000"/>
+      </a:schemeClr>
+    </cs:fontRef>
+    <cs:defRPr sz="900" kern="1200"/>
+  </cs:legend>
+  <cs:plotArea mods="allowNoFillOverride allowNoLineOverride">
+    <cs:lnRef idx="0"/>
+    <cs:fillRef idx="0"/>
+    <cs:effectRef idx="0"/>
+    <cs:fontRef idx="minor">
+      <a:schemeClr val="tx1"/>
+    </cs:fontRef>
+  </cs:plotArea>
+  <cs:plotArea3D mods="allowNoFillOverride allowNoLineOverride">
+    <cs:lnRef idx="0"/>
+    <cs:fillRef idx="0"/>
+    <cs:effectRef idx="0"/>
+    <cs:fontRef idx="minor">
+      <a:schemeClr val="tx1"/>
+    </cs:fontRef>
+  </cs:plotArea3D>
+  <cs:seriesAxis>
+    <cs:lnRef idx="0"/>
+    <cs:fillRef idx="0"/>
+    <cs:effectRef idx="0"/>
+    <cs:fontRef idx="minor">
+      <a:schemeClr val="tx1">
+        <a:lumMod val="65000"/>
+        <a:lumOff val="35000"/>
+      </a:schemeClr>
+    </cs:fontRef>
+    <cs:defRPr sz="900" kern="1200"/>
+  </cs:seriesAxis>
+  <cs:seriesLine>
+    <cs:lnRef idx="0"/>
+    <cs:fillRef idx="0"/>
+    <cs:effectRef idx="0"/>
+    <cs:fontRef idx="minor">
+      <a:schemeClr val="tx1"/>
+    </cs:fontRef>
+    <cs:spPr>
+      <a:ln w="9525" cap="flat" cmpd="sng" algn="ctr">
+        <a:solidFill>
+          <a:schemeClr val="tx1">
+            <a:lumMod val="35000"/>
+            <a:lumOff val="65000"/>
+          </a:schemeClr>
+        </a:solidFill>
+        <a:round/>
+      </a:ln>
+    </cs:spPr>
+  </cs:seriesLine>
+  <cs:title>
+    <cs:lnRef idx="0"/>
+    <cs:fillRef idx="0"/>
+    <cs:effectRef idx="0"/>
+    <cs:fontRef idx="minor">
+      <a:schemeClr val="tx1">
+        <a:lumMod val="65000"/>
+        <a:lumOff val="35000"/>
+      </a:schemeClr>
+    </cs:fontRef>
+    <cs:defRPr sz="1400" b="0" kern="1200" spc="0" baseline="0"/>
+  </cs:title>
+  <cs:trendline>
+    <cs:lnRef idx="0">
+      <cs:styleClr val="auto"/>
+    </cs:lnRef>
+    <cs:fillRef idx="0"/>
+    <cs:effectRef idx="0"/>
+    <cs:fontRef idx="minor">
+      <a:schemeClr val="tx1"/>
+    </cs:fontRef>
+    <cs:spPr>
+      <a:ln w="19050" cap="rnd">
+        <a:solidFill>
+          <a:schemeClr val="phClr"/>
+        </a:solidFill>
+        <a:prstDash val="sysDot"/>
+      </a:ln>
+    </cs:spPr>
+  </cs:trendline>
+  <cs:trendlineLabel>
+    <cs:lnRef idx="0"/>
+    <cs:fillRef idx="0"/>
+    <cs:effectRef idx="0"/>
+    <cs:fontRef idx="minor">
+      <a:schemeClr val="tx1">
+        <a:lumMod val="65000"/>
+        <a:lumOff val="35000"/>
+      </a:schemeClr>
+    </cs:fontRef>
+    <cs:defRPr sz="900" kern="1200"/>
+  </cs:trendlineLabel>
+  <cs:upBar>
+    <cs:lnRef idx="0"/>
+    <cs:fillRef idx="0"/>
+    <cs:effectRef idx="0"/>
+    <cs:fontRef idx="minor">
+      <a:schemeClr val="tx1"/>
+    </cs:fontRef>
+    <cs:spPr>
+      <a:solidFill>
+        <a:schemeClr val="lt1"/>
+      </a:solidFill>
+      <a:ln w="9525" cap="flat" cmpd="sng" algn="ctr">
+        <a:solidFill>
+          <a:schemeClr val="tx1">
+            <a:lumMod val="65000"/>
+            <a:lumOff val="35000"/>
+          </a:schemeClr>
+        </a:solidFill>
+        <a:round/>
+      </a:ln>
+    </cs:spPr>
+  </cs:upBar>
+  <cs:valueAxis>
+    <cs:lnRef idx="0"/>
+    <cs:fillRef idx="0"/>
+    <cs:effectRef idx="0"/>
+    <cs:fontRef idx="minor">
+      <a:schemeClr val="tx1">
+        <a:lumMod val="65000"/>
+        <a:lumOff val="35000"/>
+      </a:schemeClr>
+    </cs:fontRef>
+    <cs:defRPr sz="900" kern="1200"/>
+  </cs:valueAxis>
+  <cs:wall>
+    <cs:lnRef idx="0"/>
+    <cs:fillRef idx="0"/>
+    <cs:effectRef idx="0"/>
+    <cs:fontRef idx="minor">
+      <a:schemeClr val="tx1"/>
+    </cs:fontRef>
+    <cs:spPr>
+      <a:noFill/>
+      <a:ln>
+        <a:noFill/>
+      </a:ln>
+    </cs:spPr>
+  </cs:wall>
+</cs:chartStyle>
 </file>
 
 <file path=ppt/notesMasters/notesMaster1.xml><?xml version="1.0" encoding="utf-8"?>
@@ -5148,22 +6096,32 @@
           </a:p>
         </p:txBody>
       </p:sp>
-      <p:sp>
-        <p:nvSpPr>
-          <p:cNvPr id="3" name="Content Placeholder 2"/>
-          <p:cNvSpPr/>
+      <p:pic>
+        <p:nvPicPr>
+          <p:cNvPr id="4" name="Content Placeholder 3"/>
+          <p:cNvPicPr>
+            <a:picLocks noChangeAspect="1"/>
+          </p:cNvPicPr>
           <p:nvPr>
             <p:ph idx="1"/>
           </p:nvPr>
-        </p:nvSpPr>
-        <p:spPr/>
-        <p:txBody>
-          <a:bodyPr/>
-          <a:p>
-            <a:endParaRPr lang="en-US"/>
-          </a:p>
-        </p:txBody>
-      </p:sp>
+        </p:nvPicPr>
+        <p:blipFill>
+          <a:blip r:embed="rId1"/>
+          <a:stretch>
+            <a:fillRect/>
+          </a:stretch>
+        </p:blipFill>
+        <p:spPr>
+          <a:xfrm>
+            <a:off x="1257300" y="1957705"/>
+            <a:ext cx="9738360" cy="2693670"/>
+          </a:xfrm>
+          <a:prstGeom prst="rect">
+            <a:avLst/>
+          </a:prstGeom>
+        </p:spPr>
+      </p:pic>
     </p:spTree>
   </p:cSld>
   <p:clrMapOvr>
@@ -5219,15 +6177,7 @@
             </a:r>
             <a:r>
               <a:rPr lang="nl-BE" dirty="0"/>
-              <a:t> Approach – </a:t>
-            </a:r>
-            <a:r>
-              <a:rPr lang="nl-BE" dirty="0" err="1"/>
-              <a:t>Adjusted</a:t>
-            </a:r>
-            <a:r>
-              <a:rPr lang="nl-BE" dirty="0"/>
-              <a:t> Coverage</a:t>
+              <a:t> Approach</a:t>
             </a:r>
             <a:endParaRPr lang="en-US" dirty="0"/>
           </a:p>
@@ -5241,11 +6191,182 @@
             <p:ph idx="1"/>
           </p:nvPr>
         </p:nvSpPr>
-        <p:spPr/>
-        <p:txBody>
-          <a:bodyPr/>
-          <a:p>
-            <a:endParaRPr lang="en-US"/>
+        <p:spPr>
+          <a:xfrm>
+            <a:off x="1097280" y="1845945"/>
+            <a:ext cx="4330065" cy="822325"/>
+          </a:xfrm>
+        </p:spPr>
+        <p:txBody>
+          <a:bodyPr>
+            <a:normAutofit/>
+          </a:bodyPr>
+          <a:p>
+            <a:r>
+              <a:rPr lang="" altLang="en-US" sz="1800"/>
+              <a:t>Missed instructions: </a:t>
+            </a:r>
+            <a:r>
+              <a:rPr lang="" altLang="en-US" sz="1800" u="sng"/>
+              <a:t>2687</a:t>
+            </a:r>
+            <a:endParaRPr lang="" altLang="en-US" sz="1800" u="sng"/>
+          </a:p>
+          <a:p>
+            <a:endParaRPr lang="" altLang="en-US" sz="1800" u="sng"/>
+          </a:p>
+          <a:p>
+            <a:endParaRPr lang="" altLang="en-US" u="sng"/>
+          </a:p>
+          <a:p>
+            <a:endParaRPr lang="" altLang="en-US" u="sng"/>
+          </a:p>
+          <a:p>
+            <a:endParaRPr lang="" altLang="en-US" u="sng"/>
+          </a:p>
+          <a:p>
+            <a:endParaRPr lang="" altLang="en-US" u="sng"/>
+          </a:p>
+          <a:p>
+            <a:endParaRPr lang="" altLang="en-US" u="sng"/>
+          </a:p>
+          <a:p>
+            <a:pPr marL="0" indent="0">
+              <a:buNone/>
+            </a:pPr>
+            <a:endParaRPr lang="" altLang="en-US" u="sng"/>
+          </a:p>
+        </p:txBody>
+      </p:sp>
+      <p:graphicFrame>
+        <p:nvGraphicFramePr>
+          <p:cNvPr id="5" name="Chart 4"/>
+          <p:cNvGraphicFramePr/>
+          <p:nvPr/>
+        </p:nvGraphicFramePr>
+        <p:xfrm>
+          <a:off x="5256530" y="2338705"/>
+          <a:ext cx="5214620" cy="3741420"/>
+        </p:xfrm>
+        <a:graphic>
+          <a:graphicData uri="http://schemas.openxmlformats.org/drawingml/2006/chart">
+            <c:chart xmlns:c="http://schemas.openxmlformats.org/drawingml/2006/chart" xmlns:r="http://schemas.openxmlformats.org/officeDocument/2006/relationships" r:id="rId1"/>
+          </a:graphicData>
+        </a:graphic>
+      </p:graphicFrame>
+      <p:sp>
+        <p:nvSpPr>
+          <p:cNvPr id="7" name="Text Box 6"/>
+          <p:cNvSpPr txBox="1"/>
+          <p:nvPr/>
+        </p:nvSpPr>
+        <p:spPr>
+          <a:xfrm>
+            <a:off x="9001125" y="3016250"/>
+            <a:ext cx="2746375" cy="368300"/>
+          </a:xfrm>
+          <a:prstGeom prst="rect">
+            <a:avLst/>
+          </a:prstGeom>
+          <a:noFill/>
+        </p:spPr>
+        <p:txBody>
+          <a:bodyPr wrap="square" rtlCol="0">
+            <a:spAutoFit/>
+          </a:bodyPr>
+          <a:p>
+            <a:r>
+              <a:rPr lang="" altLang="en-US"/>
+              <a:t>CanvasWindow</a:t>
+            </a:r>
+            <a:endParaRPr lang="" altLang="en-US"/>
+          </a:p>
+        </p:txBody>
+      </p:sp>
+      <p:sp>
+        <p:nvSpPr>
+          <p:cNvPr id="8" name="Text Box 7"/>
+          <p:cNvSpPr txBox="1"/>
+          <p:nvPr/>
+        </p:nvSpPr>
+        <p:spPr>
+          <a:xfrm>
+            <a:off x="9262110" y="4404360"/>
+            <a:ext cx="2746375" cy="368300"/>
+          </a:xfrm>
+          <a:prstGeom prst="rect">
+            <a:avLst/>
+          </a:prstGeom>
+          <a:noFill/>
+        </p:spPr>
+        <p:txBody>
+          <a:bodyPr wrap="square" rtlCol="0">
+            <a:spAutoFit/>
+          </a:bodyPr>
+          <a:p>
+            <a:r>
+              <a:rPr lang="" altLang="en-US"/>
+              <a:t>paint() </a:t>
+            </a:r>
+            <a:endParaRPr lang="" altLang="en-US"/>
+          </a:p>
+        </p:txBody>
+      </p:sp>
+      <p:sp>
+        <p:nvSpPr>
+          <p:cNvPr id="9" name="Text Box 8"/>
+          <p:cNvSpPr txBox="1"/>
+          <p:nvPr/>
+        </p:nvSpPr>
+        <p:spPr>
+          <a:xfrm>
+            <a:off x="5256530" y="3143250"/>
+            <a:ext cx="1910715" cy="368300"/>
+          </a:xfrm>
+          <a:prstGeom prst="rect">
+            <a:avLst/>
+          </a:prstGeom>
+          <a:noFill/>
+        </p:spPr>
+        <p:txBody>
+          <a:bodyPr wrap="square" rtlCol="0">
+            <a:spAutoFit/>
+          </a:bodyPr>
+          <a:p>
+            <a:r>
+              <a:rPr lang="" altLang="en-US"/>
+              <a:t>Our code</a:t>
+            </a:r>
+            <a:endParaRPr lang="" altLang="en-US"/>
+          </a:p>
+        </p:txBody>
+      </p:sp>
+      <p:sp>
+        <p:nvSpPr>
+          <p:cNvPr id="10" name="Text Box 9"/>
+          <p:cNvSpPr txBox="1"/>
+          <p:nvPr/>
+        </p:nvSpPr>
+        <p:spPr>
+          <a:xfrm>
+            <a:off x="1000760" y="4063365"/>
+            <a:ext cx="4758690" cy="645160"/>
+          </a:xfrm>
+          <a:prstGeom prst="rect">
+            <a:avLst/>
+          </a:prstGeom>
+          <a:noFill/>
+        </p:spPr>
+        <p:txBody>
+          <a:bodyPr wrap="square" rtlCol="0">
+            <a:spAutoFit/>
+          </a:bodyPr>
+          <a:p>
+            <a:r>
+              <a:rPr lang="" altLang="en-US"/>
+              <a:t>Coverage without CanvasWindow and paint(): 92.4%</a:t>
+            </a:r>
+            <a:endParaRPr lang="" altLang="en-US"/>
           </a:p>
         </p:txBody>
       </p:sp>

--- a/Presentaties/Iteration2.pptx
+++ b/Presentaties/Iteration2.pptx
@@ -205,37 +205,7 @@
     </mc:Fallback>
   </mc:AlternateContent>
   <c:chart>
-    <c:title>
-      <c:layout/>
-      <c:overlay val="0"/>
-      <c:spPr>
-        <a:noFill/>
-        <a:ln>
-          <a:noFill/>
-        </a:ln>
-        <a:effectLst/>
-      </c:spPr>
-      <c:txPr>
-        <a:bodyPr rot="0" spcFirstLastPara="0" vertOverflow="ellipsis" vert="horz" wrap="square" anchor="ctr" anchorCtr="1"/>
-        <a:lstStyle/>
-        <a:p>
-          <a:pPr>
-            <a:defRPr lang="en-US" sz="1400" b="0" i="0" u="none" strike="noStrike" kern="1200" spc="0" baseline="0">
-              <a:solidFill>
-                <a:schemeClr val="tx1">
-                  <a:lumMod val="65000"/>
-                  <a:lumOff val="35000"/>
-                </a:schemeClr>
-              </a:solidFill>
-              <a:latin typeface="+mn-lt"/>
-              <a:ea typeface="+mn-ea"/>
-              <a:cs typeface="+mn-cs"/>
-            </a:defRPr>
-          </a:pPr>
-        </a:p>
-      </c:txPr>
-    </c:title>
-    <c:autoTitleDeleted val="0"/>
+    <c:autoTitleDeleted val="1"/>
     <c:plotArea>
       <c:layout/>
       <c:pieChart>
@@ -523,37 +493,6 @@
         <a:effectLst/>
       </c:spPr>
     </c:plotArea>
-    <c:legend>
-      <c:legendPos val="b"/>
-      <c:layout/>
-      <c:overlay val="0"/>
-      <c:spPr>
-        <a:noFill/>
-        <a:ln>
-          <a:noFill/>
-        </a:ln>
-        <a:effectLst/>
-      </c:spPr>
-      <c:txPr>
-        <a:bodyPr rot="0" spcFirstLastPara="0" vertOverflow="ellipsis" vert="horz" wrap="square" anchor="ctr" anchorCtr="1"/>
-        <a:lstStyle/>
-        <a:p>
-          <a:pPr>
-            <a:defRPr lang="en-US" sz="900" b="0" i="0" u="none" strike="noStrike" kern="1200" baseline="0">
-              <a:solidFill>
-                <a:schemeClr val="tx1">
-                  <a:lumMod val="65000"/>
-                  <a:lumOff val="35000"/>
-                </a:schemeClr>
-              </a:solidFill>
-              <a:latin typeface="+mn-lt"/>
-              <a:ea typeface="+mn-ea"/>
-              <a:cs typeface="+mn-cs"/>
-            </a:defRPr>
-          </a:pPr>
-        </a:p>
-      </c:txPr>
-    </c:legend>
     <c:plotVisOnly val="1"/>
     <c:dispBlanksAs val="gap"/>
     <c:showDLblsOverMax val="0"/>
@@ -5741,17 +5680,6 @@
             <a:endParaRPr lang="" altLang="en-US"/>
           </a:p>
           <a:p>
-            <a:pPr>
-              <a:buFont typeface="Arial" panose="02080604020202020204" pitchFamily="34" charset="0"/>
-              <a:buChar char="•"/>
-            </a:pPr>
-            <a:r>
-              <a:rPr lang="" altLang="en-US"/>
-              <a:t>Cloning is reference-based, so changes in clones are always reflected in the original window, etc.</a:t>
-            </a:r>
-            <a:endParaRPr lang="" altLang="en-US"/>
-          </a:p>
-          <a:p>
             <a:pPr marL="0" indent="0">
               <a:buFont typeface="Arial" panose="02080604020202020204" pitchFamily="34" charset="0"/>
               <a:buNone/>
@@ -6245,7 +6173,7 @@
           <p:nvPr/>
         </p:nvGraphicFramePr>
         <p:xfrm>
-          <a:off x="5256530" y="2338705"/>
+          <a:off x="6414770" y="1891665"/>
           <a:ext cx="5214620" cy="3741420"/>
         </p:xfrm>
         <a:graphic>
@@ -6262,7 +6190,7 @@
         </p:nvSpPr>
         <p:spPr>
           <a:xfrm>
-            <a:off x="9001125" y="3016250"/>
+            <a:off x="10159365" y="2569210"/>
             <a:ext cx="2746375" cy="368300"/>
           </a:xfrm>
           <a:prstGeom prst="rect">
@@ -6291,7 +6219,7 @@
         </p:nvSpPr>
         <p:spPr>
           <a:xfrm>
-            <a:off x="9262110" y="4404360"/>
+            <a:off x="10603230" y="3957320"/>
             <a:ext cx="2746375" cy="368300"/>
           </a:xfrm>
           <a:prstGeom prst="rect">
@@ -6320,7 +6248,7 @@
         </p:nvSpPr>
         <p:spPr>
           <a:xfrm>
-            <a:off x="5256530" y="3143250"/>
+            <a:off x="6414770" y="2696210"/>
             <a:ext cx="1910715" cy="368300"/>
           </a:xfrm>
           <a:prstGeom prst="rect">

--- a/Presentaties/Iteration2.pptx
+++ b/Presentaties/Iteration2.pptx
@@ -5,45 +5,45 @@
     <p:sldMasterId id="2147483648" r:id="rId1"/>
   </p:sldMasterIdLst>
   <p:notesMasterIdLst>
-    <p:notesMasterId r:id="rId6"/>
+    <p:notesMasterId r:id="rId38"/>
   </p:notesMasterIdLst>
   <p:sldIdLst>
-    <p:sldId id="256" r:id="rId3"/>
-    <p:sldId id="257" r:id="rId4"/>
-    <p:sldId id="306" r:id="rId5"/>
-    <p:sldId id="259" r:id="rId7"/>
-    <p:sldId id="260" r:id="rId8"/>
-    <p:sldId id="307" r:id="rId9"/>
-    <p:sldId id="309" r:id="rId10"/>
-    <p:sldId id="319" r:id="rId11"/>
-    <p:sldId id="310" r:id="rId12"/>
-    <p:sldId id="320" r:id="rId13"/>
-    <p:sldId id="308" r:id="rId14"/>
-    <p:sldId id="311" r:id="rId15"/>
-    <p:sldId id="313" r:id="rId16"/>
-    <p:sldId id="314" r:id="rId17"/>
-    <p:sldId id="268" r:id="rId18"/>
-    <p:sldId id="266" r:id="rId19"/>
-    <p:sldId id="265" r:id="rId20"/>
-    <p:sldId id="269" r:id="rId21"/>
-    <p:sldId id="286" r:id="rId22"/>
-    <p:sldId id="287" r:id="rId23"/>
-    <p:sldId id="288" r:id="rId24"/>
-    <p:sldId id="289" r:id="rId25"/>
-    <p:sldId id="270" r:id="rId26"/>
-    <p:sldId id="271" r:id="rId27"/>
-    <p:sldId id="272" r:id="rId28"/>
-    <p:sldId id="316" r:id="rId29"/>
-    <p:sldId id="275" r:id="rId30"/>
-    <p:sldId id="315" r:id="rId31"/>
-    <p:sldId id="277" r:id="rId32"/>
-    <p:sldId id="281" r:id="rId33"/>
-    <p:sldId id="279" r:id="rId34"/>
-    <p:sldId id="280" r:id="rId35"/>
-    <p:sldId id="282" r:id="rId36"/>
-    <p:sldId id="283" r:id="rId37"/>
-    <p:sldId id="284" r:id="rId38"/>
-    <p:sldId id="285" r:id="rId39"/>
+    <p:sldId id="256" r:id="rId2"/>
+    <p:sldId id="257" r:id="rId3"/>
+    <p:sldId id="306" r:id="rId4"/>
+    <p:sldId id="259" r:id="rId5"/>
+    <p:sldId id="260" r:id="rId6"/>
+    <p:sldId id="307" r:id="rId7"/>
+    <p:sldId id="309" r:id="rId8"/>
+    <p:sldId id="319" r:id="rId9"/>
+    <p:sldId id="310" r:id="rId10"/>
+    <p:sldId id="321" r:id="rId11"/>
+    <p:sldId id="308" r:id="rId12"/>
+    <p:sldId id="311" r:id="rId13"/>
+    <p:sldId id="313" r:id="rId14"/>
+    <p:sldId id="314" r:id="rId15"/>
+    <p:sldId id="268" r:id="rId16"/>
+    <p:sldId id="266" r:id="rId17"/>
+    <p:sldId id="265" r:id="rId18"/>
+    <p:sldId id="269" r:id="rId19"/>
+    <p:sldId id="286" r:id="rId20"/>
+    <p:sldId id="287" r:id="rId21"/>
+    <p:sldId id="288" r:id="rId22"/>
+    <p:sldId id="289" r:id="rId23"/>
+    <p:sldId id="270" r:id="rId24"/>
+    <p:sldId id="271" r:id="rId25"/>
+    <p:sldId id="272" r:id="rId26"/>
+    <p:sldId id="316" r:id="rId27"/>
+    <p:sldId id="275" r:id="rId28"/>
+    <p:sldId id="315" r:id="rId29"/>
+    <p:sldId id="277" r:id="rId30"/>
+    <p:sldId id="281" r:id="rId31"/>
+    <p:sldId id="279" r:id="rId32"/>
+    <p:sldId id="280" r:id="rId33"/>
+    <p:sldId id="282" r:id="rId34"/>
+    <p:sldId id="283" r:id="rId35"/>
+    <p:sldId id="284" r:id="rId36"/>
+    <p:sldId id="285" r:id="rId37"/>
   </p:sldIdLst>
   <p:sldSz cx="12192000" cy="6858000"/>
   <p:notesSz cx="6858000" cy="9144000"/>
@@ -149,12 +149,14 @@
           <p14:sldIdLst>
             <p14:sldId id="256"/>
             <p14:sldId id="257"/>
+            <p14:sldId id="306"/>
+            <p14:sldId id="259"/>
             <p14:sldId id="260"/>
             <p14:sldId id="307"/>
             <p14:sldId id="309"/>
             <p14:sldId id="319"/>
             <p14:sldId id="310"/>
-            <p14:sldId id="320"/>
+            <p14:sldId id="321"/>
             <p14:sldId id="308"/>
             <p14:sldId id="311"/>
             <p14:sldId id="313"/>
@@ -181,20 +183,21 @@
             <p14:sldId id="283"/>
             <p14:sldId id="284"/>
             <p14:sldId id="285"/>
-            <p14:sldId id="259"/>
-            <p14:sldId id="306"/>
           </p14:sldIdLst>
         </p14:section>
       </p14:sectionLst>
+    </p:ext>
+    <p:ext uri="{EFAFB233-063F-42B5-8137-9DF3F51BA10A}">
+      <p15:sldGuideLst xmlns:p15="http://schemas.microsoft.com/office/powerpoint/2012/main"/>
     </p:ext>
   </p:extLst>
 </p:presentation>
 </file>
 
 <file path=ppt/charts/chart1.xml><?xml version="1.0" encoding="utf-8"?>
-<c:chartSpace xmlns:c="http://schemas.openxmlformats.org/drawingml/2006/chart" xmlns:a="http://schemas.openxmlformats.org/drawingml/2006/main" xmlns:r="http://schemas.openxmlformats.org/officeDocument/2006/relationships">
+<c:chartSpace xmlns:c="http://schemas.openxmlformats.org/drawingml/2006/chart" xmlns:a="http://schemas.openxmlformats.org/drawingml/2006/main" xmlns:r="http://schemas.openxmlformats.org/officeDocument/2006/relationships" xmlns:c16r2="http://schemas.microsoft.com/office/drawing/2015/06/chart">
   <c:date1904 val="0"/>
-  <c:lang val="zh-CN"/>
+  <c:lang val="nl-NL"/>
   <c:roundedCorners val="0"/>
   <mc:AlternateContent xmlns:mc="http://schemas.openxmlformats.org/markup-compatibility/2006">
     <mc:Choice xmlns:c14="http://schemas.microsoft.com/office/drawing/2007/8/2/chart" Requires="c14">
@@ -224,8 +227,6 @@
               </c:strCache>
             </c:strRef>
           </c:tx>
-          <c:spPr/>
-          <c:explosion val="0"/>
           <c:dPt>
             <c:idx val="0"/>
             <c:bubble3D val="0"/>
@@ -240,6 +241,11 @@
               </a:ln>
               <a:effectLst/>
             </c:spPr>
+            <c:extLst>
+              <c:ext xmlns:c16="http://schemas.microsoft.com/office/drawing/2014/chart" uri="{C3380CC4-5D6E-409C-BE32-E72D297353CC}">
+                <c16:uniqueId val="{00000001-357C-41C6-B519-DC181C277607}"/>
+              </c:ext>
+            </c:extLst>
           </c:dPt>
           <c:dPt>
             <c:idx val="1"/>
@@ -255,6 +261,11 @@
               </a:ln>
               <a:effectLst/>
             </c:spPr>
+            <c:extLst>
+              <c:ext xmlns:c16="http://schemas.microsoft.com/office/drawing/2014/chart" uri="{C3380CC4-5D6E-409C-BE32-E72D297353CC}">
+                <c16:uniqueId val="{00000003-357C-41C6-B519-DC181C277607}"/>
+              </c:ext>
+            </c:extLst>
           </c:dPt>
           <c:dPt>
             <c:idx val="2"/>
@@ -270,11 +281,15 @@
               </a:ln>
               <a:effectLst/>
             </c:spPr>
+            <c:extLst>
+              <c:ext xmlns:c16="http://schemas.microsoft.com/office/drawing/2014/chart" uri="{C3380CC4-5D6E-409C-BE32-E72D297353CC}">
+                <c16:uniqueId val="{00000005-357C-41C6-B519-DC181C277607}"/>
+              </c:ext>
+            </c:extLst>
           </c:dPt>
           <c:dLbls>
             <c:dLbl>
               <c:idx val="0"/>
-              <c:layout/>
               <c:spPr>
                 <a:noFill/>
                 <a:ln>
@@ -296,6 +311,7 @@
                       <a:cs typeface="+mn-cs"/>
                     </a:defRPr>
                   </a:pPr>
+                  <a:endParaRPr lang="en-US"/>
                 </a:p>
               </c:txPr>
               <c:dLblPos val="bestFit"/>
@@ -306,12 +322,13 @@
               <c:showPercent val="0"/>
               <c:showBubbleSize val="0"/>
               <c:extLst>
-                <c:ext xmlns:c15="http://schemas.microsoft.com/office/drawing/2012/chart" uri="{CE6537A1-D6FC-4f65-9D91-7224C49458BB}"/>
+                <c:ext xmlns:c16="http://schemas.microsoft.com/office/drawing/2014/chart" uri="{C3380CC4-5D6E-409C-BE32-E72D297353CC}">
+                  <c16:uniqueId val="{00000001-357C-41C6-B519-DC181C277607}"/>
+                </c:ext>
               </c:extLst>
             </c:dLbl>
             <c:dLbl>
               <c:idx val="1"/>
-              <c:layout/>
               <c:spPr>
                 <a:noFill/>
                 <a:ln>
@@ -333,6 +350,7 @@
                       <a:cs typeface="+mn-cs"/>
                     </a:defRPr>
                   </a:pPr>
+                  <a:endParaRPr lang="en-US"/>
                 </a:p>
               </c:txPr>
               <c:dLblPos val="bestFit"/>
@@ -343,12 +361,13 @@
               <c:showPercent val="0"/>
               <c:showBubbleSize val="0"/>
               <c:extLst>
-                <c:ext xmlns:c15="http://schemas.microsoft.com/office/drawing/2012/chart" uri="{CE6537A1-D6FC-4f65-9D91-7224C49458BB}"/>
+                <c:ext xmlns:c16="http://schemas.microsoft.com/office/drawing/2014/chart" uri="{C3380CC4-5D6E-409C-BE32-E72D297353CC}">
+                  <c16:uniqueId val="{00000003-357C-41C6-B519-DC181C277607}"/>
+                </c:ext>
               </c:extLst>
             </c:dLbl>
             <c:dLbl>
               <c:idx val="2"/>
-              <c:layout/>
               <c:spPr>
                 <a:noFill/>
                 <a:ln>
@@ -370,6 +389,7 @@
                       <a:cs typeface="+mn-cs"/>
                     </a:defRPr>
                   </a:pPr>
+                  <a:endParaRPr lang="en-US"/>
                 </a:p>
               </c:txPr>
               <c:dLblPos val="bestFit"/>
@@ -380,7 +400,9 @@
               <c:showPercent val="0"/>
               <c:showBubbleSize val="0"/>
               <c:extLst>
-                <c:ext xmlns:c15="http://schemas.microsoft.com/office/drawing/2012/chart" uri="{CE6537A1-D6FC-4f65-9D91-7224C49458BB}"/>
+                <c:ext xmlns:c16="http://schemas.microsoft.com/office/drawing/2014/chart" uri="{C3380CC4-5D6E-409C-BE32-E72D297353CC}">
+                  <c16:uniqueId val="{00000005-357C-41C6-B519-DC181C277607}"/>
+                </c:ext>
               </c:extLst>
             </c:dLbl>
             <c:spPr>
@@ -407,6 +429,7 @@
                     <a:cs typeface="+mn-cs"/>
                   </a:defRPr>
                 </a:pPr>
+                <a:endParaRPr lang="en-US"/>
               </a:p>
             </c:txPr>
             <c:dLblPos val="bestFit"/>
@@ -417,25 +440,22 @@
             <c:showPercent val="0"/>
             <c:showBubbleSize val="0"/>
             <c:showLeaderLines val="1"/>
+            <c:leaderLines>
+              <c:spPr>
+                <a:ln w="9525" cap="flat" cmpd="sng" algn="ctr">
+                  <a:solidFill>
+                    <a:schemeClr val="tx1">
+                      <a:lumMod val="35000"/>
+                      <a:lumOff val="65000"/>
+                    </a:schemeClr>
+                  </a:solidFill>
+                  <a:round/>
+                </a:ln>
+                <a:effectLst/>
+              </c:spPr>
+            </c:leaderLines>
             <c:extLst>
-              <c:ext xmlns:c15="http://schemas.microsoft.com/office/drawing/2012/chart" uri="{CE6537A1-D6FC-4f65-9D91-7224C49458BB}">
-                <c15:layout/>
-                <c15:showLeaderLines val="1"/>
-                <c15:leaderLines>
-                  <c:spPr>
-                    <a:ln w="9525" cap="flat" cmpd="sng" algn="ctr">
-                      <a:solidFill>
-                        <a:schemeClr val="tx1">
-                          <a:lumMod val="35000"/>
-                          <a:lumOff val="65000"/>
-                        </a:schemeClr>
-                      </a:solidFill>
-                      <a:round/>
-                    </a:ln>
-                    <a:effectLst/>
-                  </c:spPr>
-                </c15:leaderLines>
-              </c:ext>
+              <c:ext xmlns:c15="http://schemas.microsoft.com/office/drawing/2012/chart" uri="{CE6537A1-D6FC-4f65-9D91-7224C49458BB}"/>
             </c:extLst>
           </c:dLbls>
           <c:cat>
@@ -473,6 +493,11 @@
               </c:numCache>
             </c:numRef>
           </c:val>
+          <c:extLst>
+            <c:ext xmlns:c16="http://schemas.microsoft.com/office/drawing/2014/chart" uri="{C3380CC4-5D6E-409C-BE32-E72D297353CC}">
+              <c16:uniqueId val="{00000006-357C-41C6-B519-DC181C277607}"/>
+            </c:ext>
+          </c:extLst>
         </c:ser>
         <c:dLbls>
           <c:showLegendKey val="0"/>
@@ -511,9 +536,10 @@
       <a:pPr>
         <a:defRPr lang="en-US"/>
       </a:pPr>
+      <a:endParaRPr lang="en-US"/>
     </a:p>
   </c:txPr>
-  <c:externalData r:id="rId1">
+  <c:externalData r:id="rId3">
     <c:autoUpdate val="0"/>
   </c:externalData>
 </c:chartSpace>
@@ -1160,6 +1186,7 @@
           <a:p>
             <a:fld id="{3EFD42F7-718C-4B98-AAEC-167E6DDD60A7}" type="datetimeFigureOut">
               <a:rPr lang="en-US" smtClean="0"/>
+              <a:t>4/29/2019</a:t>
             </a:fld>
             <a:endParaRPr lang="en-US"/>
           </a:p>
@@ -1223,42 +1250,37 @@
           <a:p>
             <a:pPr lvl="0"/>
             <a:r>
-              <a:rPr lang="en-US" smtClean="0"/>
+              <a:rPr lang="en-US"/>
               <a:t>Click to edit Master text styles</a:t>
             </a:r>
-            <a:endParaRPr lang="en-US" smtClean="0"/>
           </a:p>
           <a:p>
             <a:pPr lvl="1"/>
             <a:r>
-              <a:rPr lang="en-US" smtClean="0"/>
+              <a:rPr lang="en-US"/>
               <a:t>Second level</a:t>
             </a:r>
-            <a:endParaRPr lang="en-US" smtClean="0"/>
           </a:p>
           <a:p>
             <a:pPr lvl="2"/>
             <a:r>
-              <a:rPr lang="en-US" smtClean="0"/>
+              <a:rPr lang="en-US"/>
               <a:t>Third level</a:t>
             </a:r>
-            <a:endParaRPr lang="en-US" smtClean="0"/>
           </a:p>
           <a:p>
             <a:pPr lvl="3"/>
             <a:r>
-              <a:rPr lang="en-US" smtClean="0"/>
+              <a:rPr lang="en-US"/>
               <a:t>Fourth level</a:t>
             </a:r>
-            <a:endParaRPr lang="en-US" smtClean="0"/>
           </a:p>
           <a:p>
             <a:pPr lvl="4"/>
             <a:r>
-              <a:rPr lang="en-US" smtClean="0"/>
+              <a:rPr lang="en-US"/>
               <a:t>Fifth level</a:t>
             </a:r>
-            <a:endParaRPr lang="en-US"/>
           </a:p>
         </p:txBody>
       </p:sp>
@@ -1322,6 +1344,7 @@
           <a:p>
             <a:fld id="{21B2AA4F-B828-4D7C-AFD3-893933DAFCB4}" type="slidenum">
               <a:rPr lang="en-US" smtClean="0"/>
+              <a:t>‹nr.›</a:t>
             </a:fld>
             <a:endParaRPr lang="en-US"/>
           </a:p>
@@ -1434,11 +1457,20 @@
         <p:cNvGrpSpPr/>
         <p:nvPr/>
       </p:nvGrpSpPr>
-      <p:grpSpPr/>
+      <p:grpSpPr>
+        <a:xfrm>
+          <a:off x="0" y="0"/>
+          <a:ext cx="0" cy="0"/>
+          <a:chOff x="0" y="0"/>
+          <a:chExt cx="0" cy="0"/>
+        </a:xfrm>
+      </p:grpSpPr>
       <p:sp>
         <p:nvSpPr>
           <p:cNvPr id="2" name="Slide Image Placeholder 1"/>
-          <p:cNvSpPr/>
+          <p:cNvSpPr>
+            <a:spLocks noGrp="1" noRot="1" noChangeAspect="1"/>
+          </p:cNvSpPr>
           <p:nvPr>
             <p:ph type="sldImg" idx="2"/>
           </p:nvPr>
@@ -1448,7 +1480,9 @@
       <p:sp>
         <p:nvSpPr>
           <p:cNvPr id="3" name="Text Placeholder 2"/>
-          <p:cNvSpPr/>
+          <p:cNvSpPr>
+            <a:spLocks noGrp="1"/>
+          </p:cNvSpPr>
           <p:nvPr>
             <p:ph type="body" idx="3"/>
           </p:nvPr>
@@ -1456,6 +1490,7 @@
         <p:spPr/>
         <p:txBody>
           <a:bodyPr/>
+          <a:lstStyle/>
           <a:p>
             <a:endParaRPr lang="en-US"/>
           </a:p>
@@ -1470,7 +1505,7 @@
 </file>
 
 <file path=ppt/slideLayouts/slideLayout1.xml><?xml version="1.0" encoding="utf-8"?>
-<p:sldLayout xmlns:a="http://schemas.openxmlformats.org/drawingml/2006/main" xmlns:r="http://schemas.openxmlformats.org/officeDocument/2006/relationships" xmlns:p="http://schemas.openxmlformats.org/presentationml/2006/main" type="title" preserve="1" showMasterSp="0">
+<p:sldLayout xmlns:a="http://schemas.openxmlformats.org/drawingml/2006/main" xmlns:r="http://schemas.openxmlformats.org/officeDocument/2006/relationships" xmlns:p="http://schemas.openxmlformats.org/presentationml/2006/main" showMasterSp="0" type="title" preserve="1">
   <p:cSld name="Title Slide">
     <p:spTree>
       <p:nvGrpSpPr>
@@ -1695,6 +1730,7 @@
           <a:p>
             <a:fld id="{C6ACF9C8-6D65-41F9-9101-DBF005E879DE}" type="datetimeFigureOut">
               <a:rPr lang="en-US" smtClean="0"/>
+              <a:t>4/29/2019</a:t>
             </a:fld>
             <a:endParaRPr lang="en-US"/>
           </a:p>
@@ -1736,6 +1772,7 @@
           <a:p>
             <a:fld id="{ABBCC5BB-7559-4F86-B19F-0508DBA45658}" type="slidenum">
               <a:rPr lang="en-US" smtClean="0"/>
+              <a:t>‹nr.›</a:t>
             </a:fld>
             <a:endParaRPr lang="en-US"/>
           </a:p>
@@ -1847,7 +1884,6 @@
               <a:rPr lang="en-US"/>
               <a:t>Click to edit Master text styles</a:t>
             </a:r>
-            <a:endParaRPr lang="en-US"/>
           </a:p>
           <a:p>
             <a:pPr lvl="1"/>
@@ -1855,7 +1891,6 @@
               <a:rPr lang="en-US"/>
               <a:t>Second level</a:t>
             </a:r>
-            <a:endParaRPr lang="en-US"/>
           </a:p>
           <a:p>
             <a:pPr lvl="2"/>
@@ -1863,7 +1898,6 @@
               <a:rPr lang="en-US"/>
               <a:t>Third level</a:t>
             </a:r>
-            <a:endParaRPr lang="en-US"/>
           </a:p>
           <a:p>
             <a:pPr lvl="3"/>
@@ -1871,7 +1905,6 @@
               <a:rPr lang="en-US"/>
               <a:t>Fourth level</a:t>
             </a:r>
-            <a:endParaRPr lang="en-US"/>
           </a:p>
           <a:p>
             <a:pPr lvl="4"/>
@@ -1900,6 +1933,7 @@
           <a:p>
             <a:fld id="{C6ACF9C8-6D65-41F9-9101-DBF005E879DE}" type="datetimeFigureOut">
               <a:rPr lang="en-US" smtClean="0"/>
+              <a:t>4/29/2019</a:t>
             </a:fld>
             <a:endParaRPr lang="en-US"/>
           </a:p>
@@ -1941,6 +1975,7 @@
           <a:p>
             <a:fld id="{ABBCC5BB-7559-4F86-B19F-0508DBA45658}" type="slidenum">
               <a:rPr lang="en-US" smtClean="0"/>
+              <a:t>‹nr.›</a:t>
             </a:fld>
             <a:endParaRPr lang="en-US"/>
           </a:p>
@@ -1955,7 +1990,7 @@
 </file>
 
 <file path=ppt/slideLayouts/slideLayout11.xml><?xml version="1.0" encoding="utf-8"?>
-<p:sldLayout xmlns:a="http://schemas.openxmlformats.org/drawingml/2006/main" xmlns:r="http://schemas.openxmlformats.org/officeDocument/2006/relationships" xmlns:p="http://schemas.openxmlformats.org/presentationml/2006/main" type="vertTitleAndTx" preserve="1" showMasterSp="0">
+<p:sldLayout xmlns:a="http://schemas.openxmlformats.org/drawingml/2006/main" xmlns:r="http://schemas.openxmlformats.org/officeDocument/2006/relationships" xmlns:p="http://schemas.openxmlformats.org/presentationml/2006/main" showMasterSp="0" type="vertTitleAndTx" preserve="1">
   <p:cSld name="Vertical Title and Text">
     <p:spTree>
       <p:nvGrpSpPr>
@@ -2100,7 +2135,6 @@
               <a:rPr lang="en-US"/>
               <a:t>Click to edit Master text styles</a:t>
             </a:r>
-            <a:endParaRPr lang="en-US"/>
           </a:p>
           <a:p>
             <a:pPr lvl="1"/>
@@ -2108,7 +2142,6 @@
               <a:rPr lang="en-US"/>
               <a:t>Second level</a:t>
             </a:r>
-            <a:endParaRPr lang="en-US"/>
           </a:p>
           <a:p>
             <a:pPr lvl="2"/>
@@ -2116,7 +2149,6 @@
               <a:rPr lang="en-US"/>
               <a:t>Third level</a:t>
             </a:r>
-            <a:endParaRPr lang="en-US"/>
           </a:p>
           <a:p>
             <a:pPr lvl="3"/>
@@ -2124,7 +2156,6 @@
               <a:rPr lang="en-US"/>
               <a:t>Fourth level</a:t>
             </a:r>
-            <a:endParaRPr lang="en-US"/>
           </a:p>
           <a:p>
             <a:pPr lvl="4"/>
@@ -2153,6 +2184,7 @@
           <a:p>
             <a:fld id="{C6ACF9C8-6D65-41F9-9101-DBF005E879DE}" type="datetimeFigureOut">
               <a:rPr lang="en-US" smtClean="0"/>
+              <a:t>4/29/2019</a:t>
             </a:fld>
             <a:endParaRPr lang="en-US"/>
           </a:p>
@@ -2194,6 +2226,7 @@
           <a:p>
             <a:fld id="{ABBCC5BB-7559-4F86-B19F-0508DBA45658}" type="slidenum">
               <a:rPr lang="en-US" smtClean="0"/>
+              <a:t>‹nr.›</a:t>
             </a:fld>
             <a:endParaRPr lang="en-US"/>
           </a:p>
@@ -2271,7 +2304,6 @@
               <a:rPr lang="en-US"/>
               <a:t>Click to edit Master text styles</a:t>
             </a:r>
-            <a:endParaRPr lang="en-US"/>
           </a:p>
           <a:p>
             <a:pPr lvl="1"/>
@@ -2279,7 +2311,6 @@
               <a:rPr lang="en-US"/>
               <a:t>Second level</a:t>
             </a:r>
-            <a:endParaRPr lang="en-US"/>
           </a:p>
           <a:p>
             <a:pPr lvl="2"/>
@@ -2287,7 +2318,6 @@
               <a:rPr lang="en-US"/>
               <a:t>Third level</a:t>
             </a:r>
-            <a:endParaRPr lang="en-US"/>
           </a:p>
           <a:p>
             <a:pPr lvl="3"/>
@@ -2295,7 +2325,6 @@
               <a:rPr lang="en-US"/>
               <a:t>Fourth level</a:t>
             </a:r>
-            <a:endParaRPr lang="en-US"/>
           </a:p>
           <a:p>
             <a:pPr lvl="4"/>
@@ -2324,6 +2353,7 @@
           <a:p>
             <a:fld id="{C6ACF9C8-6D65-41F9-9101-DBF005E879DE}" type="datetimeFigureOut">
               <a:rPr lang="en-US" smtClean="0"/>
+              <a:t>4/29/2019</a:t>
             </a:fld>
             <a:endParaRPr lang="en-US"/>
           </a:p>
@@ -2365,6 +2395,7 @@
           <a:p>
             <a:fld id="{ABBCC5BB-7559-4F86-B19F-0508DBA45658}" type="slidenum">
               <a:rPr lang="en-US" smtClean="0"/>
+              <a:t>‹nr.›</a:t>
             </a:fld>
             <a:endParaRPr lang="en-US"/>
           </a:p>
@@ -2379,7 +2410,7 @@
 </file>
 
 <file path=ppt/slideLayouts/slideLayout3.xml><?xml version="1.0" encoding="utf-8"?>
-<p:sldLayout xmlns:a="http://schemas.openxmlformats.org/drawingml/2006/main" xmlns:r="http://schemas.openxmlformats.org/officeDocument/2006/relationships" xmlns:p="http://schemas.openxmlformats.org/presentationml/2006/main" type="secHead" preserve="1" showMasterSp="0">
+<p:sldLayout xmlns:a="http://schemas.openxmlformats.org/drawingml/2006/main" xmlns:r="http://schemas.openxmlformats.org/officeDocument/2006/relationships" xmlns:p="http://schemas.openxmlformats.org/presentationml/2006/main" showMasterSp="0" type="secHead" preserve="1">
   <p:cSld name="Section Header">
     <p:bg>
       <p:bgPr>
@@ -2640,7 +2671,6 @@
               <a:rPr lang="en-US"/>
               <a:t>Click to edit Master text styles</a:t>
             </a:r>
-            <a:endParaRPr lang="en-US"/>
           </a:p>
         </p:txBody>
       </p:sp>
@@ -2661,6 +2691,7 @@
           <a:p>
             <a:fld id="{C6ACF9C8-6D65-41F9-9101-DBF005E879DE}" type="datetimeFigureOut">
               <a:rPr lang="en-US" smtClean="0"/>
+              <a:t>4/29/2019</a:t>
             </a:fld>
             <a:endParaRPr lang="en-US"/>
           </a:p>
@@ -2702,6 +2733,7 @@
           <a:p>
             <a:fld id="{ABBCC5BB-7559-4F86-B19F-0508DBA45658}" type="slidenum">
               <a:rPr lang="en-US" smtClean="0"/>
+              <a:t>‹nr.›</a:t>
             </a:fld>
             <a:endParaRPr lang="en-US"/>
           </a:p>
@@ -2823,7 +2855,6 @@
               <a:rPr lang="en-US"/>
               <a:t>Click to edit Master text styles</a:t>
             </a:r>
-            <a:endParaRPr lang="en-US"/>
           </a:p>
           <a:p>
             <a:pPr lvl="1"/>
@@ -2831,7 +2862,6 @@
               <a:rPr lang="en-US"/>
               <a:t>Second level</a:t>
             </a:r>
-            <a:endParaRPr lang="en-US"/>
           </a:p>
           <a:p>
             <a:pPr lvl="2"/>
@@ -2839,7 +2869,6 @@
               <a:rPr lang="en-US"/>
               <a:t>Third level</a:t>
             </a:r>
-            <a:endParaRPr lang="en-US"/>
           </a:p>
           <a:p>
             <a:pPr lvl="3"/>
@@ -2847,7 +2876,6 @@
               <a:rPr lang="en-US"/>
               <a:t>Fourth level</a:t>
             </a:r>
-            <a:endParaRPr lang="en-US"/>
           </a:p>
           <a:p>
             <a:pPr lvl="4"/>
@@ -2884,7 +2912,6 @@
               <a:rPr lang="en-US"/>
               <a:t>Click to edit Master text styles</a:t>
             </a:r>
-            <a:endParaRPr lang="en-US"/>
           </a:p>
           <a:p>
             <a:pPr lvl="1"/>
@@ -2892,7 +2919,6 @@
               <a:rPr lang="en-US"/>
               <a:t>Second level</a:t>
             </a:r>
-            <a:endParaRPr lang="en-US"/>
           </a:p>
           <a:p>
             <a:pPr lvl="2"/>
@@ -2900,7 +2926,6 @@
               <a:rPr lang="en-US"/>
               <a:t>Third level</a:t>
             </a:r>
-            <a:endParaRPr lang="en-US"/>
           </a:p>
           <a:p>
             <a:pPr lvl="3"/>
@@ -2908,7 +2933,6 @@
               <a:rPr lang="en-US"/>
               <a:t>Fourth level</a:t>
             </a:r>
-            <a:endParaRPr lang="en-US"/>
           </a:p>
           <a:p>
             <a:pPr lvl="4"/>
@@ -2937,6 +2961,7 @@
           <a:p>
             <a:fld id="{C6ACF9C8-6D65-41F9-9101-DBF005E879DE}" type="datetimeFigureOut">
               <a:rPr lang="en-US" smtClean="0"/>
+              <a:t>4/29/2019</a:t>
             </a:fld>
             <a:endParaRPr lang="en-US"/>
           </a:p>
@@ -2978,6 +3003,7 @@
           <a:p>
             <a:fld id="{ABBCC5BB-7559-4F86-B19F-0508DBA45658}" type="slidenum">
               <a:rPr lang="en-US" smtClean="0"/>
+              <a:t>‹nr.›</a:t>
             </a:fld>
             <a:endParaRPr lang="en-US"/>
           </a:p>
@@ -3104,7 +3130,6 @@
               <a:rPr lang="en-US"/>
               <a:t>Click to edit Master text styles</a:t>
             </a:r>
-            <a:endParaRPr lang="en-US"/>
           </a:p>
         </p:txBody>
       </p:sp>
@@ -3133,7 +3158,6 @@
               <a:rPr lang="en-US"/>
               <a:t>Click to edit Master text styles</a:t>
             </a:r>
-            <a:endParaRPr lang="en-US"/>
           </a:p>
           <a:p>
             <a:pPr lvl="1"/>
@@ -3141,7 +3165,6 @@
               <a:rPr lang="en-US"/>
               <a:t>Second level</a:t>
             </a:r>
-            <a:endParaRPr lang="en-US"/>
           </a:p>
           <a:p>
             <a:pPr lvl="2"/>
@@ -3149,7 +3172,6 @@
               <a:rPr lang="en-US"/>
               <a:t>Third level</a:t>
             </a:r>
-            <a:endParaRPr lang="en-US"/>
           </a:p>
           <a:p>
             <a:pPr lvl="3"/>
@@ -3157,7 +3179,6 @@
               <a:rPr lang="en-US"/>
               <a:t>Fourth level</a:t>
             </a:r>
-            <a:endParaRPr lang="en-US"/>
           </a:p>
           <a:p>
             <a:pPr lvl="4"/>
@@ -3237,7 +3258,6 @@
               <a:rPr lang="en-US"/>
               <a:t>Click to edit Master text styles</a:t>
             </a:r>
-            <a:endParaRPr lang="en-US"/>
           </a:p>
         </p:txBody>
       </p:sp>
@@ -3266,7 +3286,6 @@
               <a:rPr lang="en-US"/>
               <a:t>Click to edit Master text styles</a:t>
             </a:r>
-            <a:endParaRPr lang="en-US"/>
           </a:p>
           <a:p>
             <a:pPr lvl="1"/>
@@ -3274,7 +3293,6 @@
               <a:rPr lang="en-US"/>
               <a:t>Second level</a:t>
             </a:r>
-            <a:endParaRPr lang="en-US"/>
           </a:p>
           <a:p>
             <a:pPr lvl="2"/>
@@ -3282,7 +3300,6 @@
               <a:rPr lang="en-US"/>
               <a:t>Third level</a:t>
             </a:r>
-            <a:endParaRPr lang="en-US"/>
           </a:p>
           <a:p>
             <a:pPr lvl="3"/>
@@ -3290,7 +3307,6 @@
               <a:rPr lang="en-US"/>
               <a:t>Fourth level</a:t>
             </a:r>
-            <a:endParaRPr lang="en-US"/>
           </a:p>
           <a:p>
             <a:pPr lvl="4"/>
@@ -3319,6 +3335,7 @@
           <a:p>
             <a:fld id="{C6ACF9C8-6D65-41F9-9101-DBF005E879DE}" type="datetimeFigureOut">
               <a:rPr lang="en-US" smtClean="0"/>
+              <a:t>4/29/2019</a:t>
             </a:fld>
             <a:endParaRPr lang="en-US"/>
           </a:p>
@@ -3360,6 +3377,7 @@
           <a:p>
             <a:fld id="{ABBCC5BB-7559-4F86-B19F-0508DBA45658}" type="slidenum">
               <a:rPr lang="en-US" smtClean="0"/>
+              <a:t>‹nr.›</a:t>
             </a:fld>
             <a:endParaRPr lang="en-US"/>
           </a:p>
@@ -3430,6 +3448,7 @@
           <a:p>
             <a:fld id="{C6ACF9C8-6D65-41F9-9101-DBF005E879DE}" type="datetimeFigureOut">
               <a:rPr lang="en-US" smtClean="0"/>
+              <a:t>4/29/2019</a:t>
             </a:fld>
             <a:endParaRPr lang="en-US"/>
           </a:p>
@@ -3471,6 +3490,7 @@
           <a:p>
             <a:fld id="{ABBCC5BB-7559-4F86-B19F-0508DBA45658}" type="slidenum">
               <a:rPr lang="en-US" smtClean="0"/>
+              <a:t>‹nr.›</a:t>
             </a:fld>
             <a:endParaRPr lang="en-US"/>
           </a:p>
@@ -3485,7 +3505,7 @@
 </file>
 
 <file path=ppt/slideLayouts/slideLayout7.xml><?xml version="1.0" encoding="utf-8"?>
-<p:sldLayout xmlns:a="http://schemas.openxmlformats.org/drawingml/2006/main" xmlns:r="http://schemas.openxmlformats.org/officeDocument/2006/relationships" xmlns:p="http://schemas.openxmlformats.org/presentationml/2006/main" type="blank" preserve="1" showMasterSp="0">
+<p:sldLayout xmlns:a="http://schemas.openxmlformats.org/drawingml/2006/main" xmlns:r="http://schemas.openxmlformats.org/officeDocument/2006/relationships" xmlns:p="http://schemas.openxmlformats.org/presentationml/2006/main" showMasterSp="0" type="blank" preserve="1">
   <p:cSld name="Blank">
     <p:spTree>
       <p:nvGrpSpPr>
@@ -3594,6 +3614,7 @@
           <a:p>
             <a:fld id="{C6ACF9C8-6D65-41F9-9101-DBF005E879DE}" type="datetimeFigureOut">
               <a:rPr lang="en-US" smtClean="0"/>
+              <a:t>4/29/2019</a:t>
             </a:fld>
             <a:endParaRPr lang="en-US"/>
           </a:p>
@@ -3643,6 +3664,7 @@
           <a:p>
             <a:fld id="{ABBCC5BB-7559-4F86-B19F-0508DBA45658}" type="slidenum">
               <a:rPr lang="en-US" smtClean="0"/>
+              <a:t>‹nr.›</a:t>
             </a:fld>
             <a:endParaRPr lang="en-US"/>
           </a:p>
@@ -3657,7 +3679,7 @@
 </file>
 
 <file path=ppt/slideLayouts/slideLayout8.xml><?xml version="1.0" encoding="utf-8"?>
-<p:sldLayout xmlns:a="http://schemas.openxmlformats.org/drawingml/2006/main" xmlns:r="http://schemas.openxmlformats.org/officeDocument/2006/relationships" xmlns:p="http://schemas.openxmlformats.org/presentationml/2006/main" type="objTx" preserve="1" showMasterSp="0">
+<p:sldLayout xmlns:a="http://schemas.openxmlformats.org/drawingml/2006/main" xmlns:r="http://schemas.openxmlformats.org/officeDocument/2006/relationships" xmlns:p="http://schemas.openxmlformats.org/presentationml/2006/main" showMasterSp="0" type="objTx" preserve="1">
   <p:cSld name="Content with Caption">
     <p:spTree>
       <p:nvGrpSpPr>
@@ -3812,7 +3834,6 @@
               <a:rPr lang="en-US"/>
               <a:t>Click to edit Master text styles</a:t>
             </a:r>
-            <a:endParaRPr lang="en-US"/>
           </a:p>
           <a:p>
             <a:pPr lvl="1"/>
@@ -3820,7 +3841,6 @@
               <a:rPr lang="en-US"/>
               <a:t>Second level</a:t>
             </a:r>
-            <a:endParaRPr lang="en-US"/>
           </a:p>
           <a:p>
             <a:pPr lvl="2"/>
@@ -3828,7 +3848,6 @@
               <a:rPr lang="en-US"/>
               <a:t>Third level</a:t>
             </a:r>
-            <a:endParaRPr lang="en-US"/>
           </a:p>
           <a:p>
             <a:pPr lvl="3"/>
@@ -3836,7 +3855,6 @@
               <a:rPr lang="en-US"/>
               <a:t>Fourth level</a:t>
             </a:r>
-            <a:endParaRPr lang="en-US"/>
           </a:p>
           <a:p>
             <a:pPr lvl="4"/>
@@ -3916,7 +3934,6 @@
               <a:rPr lang="en-US"/>
               <a:t>Click to edit Master text styles</a:t>
             </a:r>
-            <a:endParaRPr lang="en-US"/>
           </a:p>
         </p:txBody>
       </p:sp>
@@ -3946,6 +3963,7 @@
           <a:p>
             <a:fld id="{C6ACF9C8-6D65-41F9-9101-DBF005E879DE}" type="datetimeFigureOut">
               <a:rPr lang="en-US" smtClean="0"/>
+              <a:t>4/29/2019</a:t>
             </a:fld>
             <a:endParaRPr lang="en-US"/>
           </a:p>
@@ -4008,6 +4026,7 @@
           <a:p>
             <a:fld id="{ABBCC5BB-7559-4F86-B19F-0508DBA45658}" type="slidenum">
               <a:rPr lang="en-US" smtClean="0"/>
+              <a:t>‹nr.›</a:t>
             </a:fld>
             <a:endParaRPr lang="en-US"/>
           </a:p>
@@ -4022,7 +4041,7 @@
 </file>
 
 <file path=ppt/slideLayouts/slideLayout9.xml><?xml version="1.0" encoding="utf-8"?>
-<p:sldLayout xmlns:a="http://schemas.openxmlformats.org/drawingml/2006/main" xmlns:r="http://schemas.openxmlformats.org/officeDocument/2006/relationships" xmlns:p="http://schemas.openxmlformats.org/presentationml/2006/main" type="picTx" preserve="1" showMasterSp="0">
+<p:sldLayout xmlns:a="http://schemas.openxmlformats.org/drawingml/2006/main" xmlns:r="http://schemas.openxmlformats.org/officeDocument/2006/relationships" xmlns:p="http://schemas.openxmlformats.org/presentationml/2006/main" showMasterSp="0" type="picTx" preserve="1">
   <p:cSld name="Picture with Caption">
     <p:spTree>
       <p:nvGrpSpPr>
@@ -4301,7 +4320,6 @@
               <a:rPr lang="en-US"/>
               <a:t>Click to edit Master text styles</a:t>
             </a:r>
-            <a:endParaRPr lang="en-US"/>
           </a:p>
         </p:txBody>
       </p:sp>
@@ -4322,6 +4340,7 @@
           <a:p>
             <a:fld id="{C6ACF9C8-6D65-41F9-9101-DBF005E879DE}" type="datetimeFigureOut">
               <a:rPr lang="en-US" smtClean="0"/>
+              <a:t>4/29/2019</a:t>
             </a:fld>
             <a:endParaRPr lang="en-US"/>
           </a:p>
@@ -4363,6 +4382,7 @@
           <a:p>
             <a:fld id="{ABBCC5BB-7559-4F86-B19F-0508DBA45658}" type="slidenum">
               <a:rPr lang="en-US" smtClean="0"/>
+              <a:t>‹nr.›</a:t>
             </a:fld>
             <a:endParaRPr lang="en-US"/>
           </a:p>
@@ -4537,7 +4557,6 @@
               <a:rPr lang="en-US"/>
               <a:t>Click to edit Master text styles</a:t>
             </a:r>
-            <a:endParaRPr lang="en-US"/>
           </a:p>
           <a:p>
             <a:pPr lvl="1"/>
@@ -4545,7 +4564,6 @@
               <a:rPr lang="en-US"/>
               <a:t>Second level</a:t>
             </a:r>
-            <a:endParaRPr lang="en-US"/>
           </a:p>
           <a:p>
             <a:pPr lvl="2"/>
@@ -4553,7 +4571,6 @@
               <a:rPr lang="en-US"/>
               <a:t>Third level</a:t>
             </a:r>
-            <a:endParaRPr lang="en-US"/>
           </a:p>
           <a:p>
             <a:pPr lvl="3"/>
@@ -4561,7 +4578,6 @@
               <a:rPr lang="en-US"/>
               <a:t>Fourth level</a:t>
             </a:r>
-            <a:endParaRPr lang="en-US"/>
           </a:p>
           <a:p>
             <a:pPr lvl="4"/>
@@ -4606,6 +4622,7 @@
           <a:p>
             <a:fld id="{C6ACF9C8-6D65-41F9-9101-DBF005E879DE}" type="datetimeFigureOut">
               <a:rPr lang="en-US" smtClean="0"/>
+              <a:t>4/29/2019</a:t>
             </a:fld>
             <a:endParaRPr lang="en-US"/>
           </a:p>
@@ -4679,6 +4696,7 @@
           <a:p>
             <a:fld id="{ABBCC5BB-7559-4F86-B19F-0508DBA45658}" type="slidenum">
               <a:rPr lang="en-US" smtClean="0"/>
+              <a:t>‹nr.›</a:t>
             </a:fld>
             <a:endParaRPr lang="en-US"/>
           </a:p>
@@ -5160,7 +5178,6 @@
               <a:rPr lang="nl-BE" sz="7200" dirty="0"/>
               <a:t>Iteration 2</a:t>
             </a:r>
-            <a:endParaRPr lang="nl-BE" sz="7200" dirty="0"/>
           </a:p>
         </p:txBody>
       </p:sp>
@@ -5207,7 +5224,6 @@
               <a:rPr lang="nl-BE" dirty="0"/>
               <a:t>Tom De Backer</a:t>
             </a:r>
-            <a:endParaRPr lang="nl-BE" dirty="0"/>
           </a:p>
           <a:p>
             <a:r>
@@ -5235,19 +5251,30 @@
         <p:cNvGrpSpPr/>
         <p:nvPr/>
       </p:nvGrpSpPr>
-      <p:grpSpPr/>
+      <p:grpSpPr>
+        <a:xfrm>
+          <a:off x="0" y="0"/>
+          <a:ext cx="0" cy="0"/>
+          <a:chOff x="0" y="0"/>
+          <a:chExt cx="0" cy="0"/>
+        </a:xfrm>
+      </p:grpSpPr>
       <p:pic>
         <p:nvPicPr>
-          <p:cNvPr id="4" name="Content Placeholder 3" descr="ui"/>
+          <p:cNvPr id="2" name="Content Placeholder 3" descr="ui">
+            <a:extLst>
+              <a:ext uri="{FF2B5EF4-FFF2-40B4-BE49-F238E27FC236}">
+                <a16:creationId xmlns:a16="http://schemas.microsoft.com/office/drawing/2014/main" id="{3F912707-AAC8-45A6-8FEA-0A626AEA94ED}"/>
+              </a:ext>
+            </a:extLst>
+          </p:cNvPr>
           <p:cNvPicPr>
             <a:picLocks noChangeAspect="1"/>
           </p:cNvPicPr>
-          <p:nvPr>
-            <p:ph idx="1"/>
-          </p:nvPr>
+          <p:nvPr/>
         </p:nvPicPr>
         <p:blipFill>
-          <a:blip r:embed="rId1"/>
+          <a:blip r:embed="rId2"/>
           <a:srcRect l="34488" t="46951"/>
           <a:stretch>
             <a:fillRect/>
@@ -5264,6 +5291,11 @@
         </p:spPr>
       </p:pic>
     </p:spTree>
+    <p:extLst>
+      <p:ext uri="{BB962C8B-B14F-4D97-AF65-F5344CB8AC3E}">
+        <p14:creationId xmlns:p14="http://schemas.microsoft.com/office/powerpoint/2010/main" val="1421500211"/>
+      </p:ext>
+    </p:extLst>
   </p:cSld>
   <p:clrMapOvr>
     <a:masterClrMapping/>
@@ -5280,7 +5312,14 @@
         <p:cNvGrpSpPr/>
         <p:nvPr/>
       </p:nvGrpSpPr>
-      <p:grpSpPr/>
+      <p:grpSpPr>
+        <a:xfrm>
+          <a:off x="0" y="0"/>
+          <a:ext cx="0" cy="0"/>
+          <a:chOff x="0" y="0"/>
+          <a:chExt cx="0" cy="0"/>
+        </a:xfrm>
+      </p:grpSpPr>
       <p:sp>
         <p:nvSpPr>
           <p:cNvPr id="2" name="Title 1"/>
@@ -5294,12 +5333,12 @@
         <p:spPr/>
         <p:txBody>
           <a:bodyPr/>
+          <a:lstStyle/>
           <a:p>
             <a:r>
               <a:rPr lang="" altLang="en-US"/>
               <a:t>1. Design: Domain</a:t>
             </a:r>
-            <a:endParaRPr lang="" altLang="en-US"/>
           </a:p>
         </p:txBody>
       </p:sp>
@@ -5307,14 +5346,14 @@
         <p:nvPicPr>
           <p:cNvPr id="6" name="Content Placeholder 5" descr="domain"/>
           <p:cNvPicPr>
-            <a:picLocks noChangeAspect="1"/>
+            <a:picLocks noGrp="1" noChangeAspect="1"/>
           </p:cNvPicPr>
           <p:nvPr>
             <p:ph idx="1"/>
           </p:nvPr>
         </p:nvPicPr>
         <p:blipFill>
-          <a:blip r:embed="rId1"/>
+          <a:blip r:embed="rId2"/>
           <a:stretch>
             <a:fillRect/>
           </a:stretch>
@@ -5346,7 +5385,14 @@
         <p:cNvGrpSpPr/>
         <p:nvPr/>
       </p:nvGrpSpPr>
-      <p:grpSpPr/>
+      <p:grpSpPr>
+        <a:xfrm>
+          <a:off x="0" y="0"/>
+          <a:ext cx="0" cy="0"/>
+          <a:chOff x="0" y="0"/>
+          <a:chExt cx="0" cy="0"/>
+        </a:xfrm>
+      </p:grpSpPr>
       <p:sp>
         <p:nvSpPr>
           <p:cNvPr id="2" name="Title 1"/>
@@ -5360,12 +5406,12 @@
         <p:spPr/>
         <p:txBody>
           <a:bodyPr/>
+          <a:lstStyle/>
           <a:p>
             <a:r>
               <a:rPr lang="" altLang="en-US"/>
               <a:t>1. Design: handling subwindows</a:t>
             </a:r>
-            <a:endParaRPr lang="" altLang="en-US"/>
           </a:p>
         </p:txBody>
       </p:sp>
@@ -5373,14 +5419,14 @@
         <p:nvPicPr>
           <p:cNvPr id="4" name="Content Placeholder 3" descr="Screenshot from 2019-04-29 15.39.31"/>
           <p:cNvPicPr>
-            <a:picLocks noChangeAspect="1"/>
+            <a:picLocks noGrp="1" noChangeAspect="1"/>
           </p:cNvPicPr>
           <p:nvPr>
             <p:ph idx="1"/>
           </p:nvPr>
         </p:nvPicPr>
         <p:blipFill>
-          <a:blip r:embed="rId1"/>
+          <a:blip r:embed="rId2"/>
           <a:srcRect l="2424" t="13198"/>
           <a:stretch>
             <a:fillRect/>
@@ -5416,6 +5462,7 @@
           <a:bodyPr wrap="square" rtlCol="0">
             <a:spAutoFit/>
           </a:bodyPr>
+          <a:lstStyle/>
           <a:p>
             <a:pPr marL="285750" indent="-285750">
               <a:buFont typeface="Arial" panose="02080604020202020204" pitchFamily="34" charset="0"/>
@@ -5425,7 +5472,6 @@
               <a:rPr lang="" altLang="en-US"/>
               <a:t>WindowManager holds all UI's/Subwindows</a:t>
             </a:r>
-            <a:endParaRPr lang="" altLang="en-US"/>
           </a:p>
         </p:txBody>
       </p:sp>
@@ -5446,7 +5492,14 @@
         <p:cNvGrpSpPr/>
         <p:nvPr/>
       </p:nvGrpSpPr>
-      <p:grpSpPr/>
+      <p:grpSpPr>
+        <a:xfrm>
+          <a:off x="0" y="0"/>
+          <a:ext cx="0" cy="0"/>
+          <a:chOff x="0" y="0"/>
+          <a:chExt cx="0" cy="0"/>
+        </a:xfrm>
+      </p:grpSpPr>
       <p:sp>
         <p:nvSpPr>
           <p:cNvPr id="2" name="Title 1"/>
@@ -5460,12 +5513,12 @@
         <p:spPr/>
         <p:txBody>
           <a:bodyPr/>
+          <a:lstStyle/>
           <a:p>
             <a:r>
               <a:rPr lang="en-US" altLang="en-US"/>
               <a:t>1. Design: handling subwindows</a:t>
             </a:r>
-            <a:endParaRPr lang="en-US" altLang="en-US"/>
           </a:p>
         </p:txBody>
       </p:sp>
@@ -5473,14 +5526,14 @@
         <p:nvPicPr>
           <p:cNvPr id="4" name="Content Placeholder 3" descr="Screenshot from 2019-04-29 15.39.31"/>
           <p:cNvPicPr>
-            <a:picLocks noChangeAspect="1"/>
+            <a:picLocks noGrp="1" noChangeAspect="1"/>
           </p:cNvPicPr>
           <p:nvPr>
             <p:ph idx="1"/>
           </p:nvPr>
         </p:nvPicPr>
         <p:blipFill>
-          <a:blip r:embed="rId1"/>
+          <a:blip r:embed="rId2"/>
           <a:srcRect l="2424" t="13198"/>
           <a:stretch>
             <a:fillRect/>
@@ -5516,6 +5569,7 @@
           <a:bodyPr wrap="square" rtlCol="0">
             <a:spAutoFit/>
           </a:bodyPr>
+          <a:lstStyle/>
           <a:p>
             <a:pPr marL="285750" indent="-285750">
               <a:buFont typeface="Arial" panose="02080604020202020204" pitchFamily="34" charset="0"/>
@@ -5525,7 +5579,6 @@
               <a:rPr lang="en-US" altLang="en-US"/>
               <a:t>WindowManager holds all UI's/Subwindows</a:t>
             </a:r>
-            <a:endParaRPr lang="en-US" altLang="en-US"/>
           </a:p>
         </p:txBody>
       </p:sp>
@@ -5549,6 +5602,7 @@
           <a:bodyPr wrap="square" rtlCol="0">
             <a:spAutoFit/>
           </a:bodyPr>
+          <a:lstStyle/>
           <a:p>
             <a:pPr marL="285750" indent="-285750">
               <a:buFont typeface="Arial" panose="02080604020202020204" pitchFamily="34" charset="0"/>
@@ -5558,7 +5612,6 @@
               <a:rPr lang="" altLang="en-US"/>
               <a:t>Opening/Closing means activating/deactivating </a:t>
             </a:r>
-            <a:endParaRPr lang="" altLang="en-US"/>
           </a:p>
         </p:txBody>
       </p:sp>
@@ -5571,7 +5624,7 @@
           <p:nvPr/>
         </p:nvPicPr>
         <p:blipFill>
-          <a:blip r:embed="rId2"/>
+          <a:blip r:embed="rId3"/>
           <a:srcRect t="15072"/>
           <a:stretch>
             <a:fillRect/>
@@ -5604,7 +5657,14 @@
         <p:cNvGrpSpPr/>
         <p:nvPr/>
       </p:nvGrpSpPr>
-      <p:grpSpPr/>
+      <p:grpSpPr>
+        <a:xfrm>
+          <a:off x="0" y="0"/>
+          <a:ext cx="0" cy="0"/>
+          <a:chOff x="0" y="0"/>
+          <a:chExt cx="0" cy="0"/>
+        </a:xfrm>
+      </p:grpSpPr>
       <p:sp>
         <p:nvSpPr>
           <p:cNvPr id="2" name="Title 1"/>
@@ -5618,12 +5678,12 @@
         <p:spPr/>
         <p:txBody>
           <a:bodyPr/>
+          <a:lstStyle/>
           <a:p>
             <a:r>
               <a:rPr lang="" altLang="en-US"/>
               <a:t>1. Design: handling subwindows</a:t>
             </a:r>
-            <a:endParaRPr lang="" altLang="en-US"/>
           </a:p>
         </p:txBody>
       </p:sp>
@@ -5640,6 +5700,7 @@
         <p:spPr/>
         <p:txBody>
           <a:bodyPr/>
+          <a:lstStyle/>
           <a:p>
             <a:pPr>
               <a:buFont typeface="Arial" panose="02080604020202020204" pitchFamily="34" charset="0"/>
@@ -5649,7 +5710,6 @@
               <a:rPr lang="" altLang="en-US"/>
               <a:t> Opening a subwindow multiple times means cloning an existing UI at different coordinates</a:t>
             </a:r>
-            <a:endParaRPr lang="" altLang="en-US"/>
           </a:p>
           <a:p>
             <a:pPr>
@@ -5697,7 +5757,7 @@
           <p:nvPr/>
         </p:nvPicPr>
         <p:blipFill>
-          <a:blip r:embed="rId1"/>
+          <a:blip r:embed="rId2"/>
           <a:stretch>
             <a:fillRect/>
           </a:stretch>
@@ -5793,9 +5853,6 @@
               </a:rPr>
               <a:t>All program logic is contained in the loadUI method of UI's, can be modified in one place.</a:t>
             </a:r>
-            <a:endParaRPr lang="" altLang="nl-BE" dirty="0">
-              <a:sym typeface="Wingdings" panose="05000000000000000000" pitchFamily="2" charset="2"/>
-            </a:endParaRPr>
           </a:p>
           <a:p>
             <a:pPr>
@@ -5817,9 +5874,6 @@
               </a:rPr>
               <a:t>UI and Domain stand on their own, collect all actions in List&lt;Runnable&gt;. Additional concepts can always follow this logic.</a:t>
             </a:r>
-            <a:endParaRPr lang="" altLang="nl-BE" dirty="0">
-              <a:sym typeface="Wingdings" panose="05000000000000000000" pitchFamily="2" charset="2"/>
-            </a:endParaRPr>
           </a:p>
         </p:txBody>
       </p:sp>
@@ -5903,7 +5957,7 @@
           <p:nvPr/>
         </p:nvPicPr>
         <p:blipFill>
-          <a:blip r:embed="rId1"/>
+          <a:blip r:embed="rId2"/>
           <a:stretch>
             <a:fillRect/>
           </a:stretch>
@@ -5938,6 +5992,7 @@
           <a:bodyPr wrap="square" rtlCol="0">
             <a:spAutoFit/>
           </a:bodyPr>
+          <a:lstStyle/>
           <a:p>
             <a:pPr marL="285750" indent="-285750">
               <a:lnSpc>
@@ -5950,7 +6005,6 @@
               <a:rPr lang="" altLang="en-US"/>
               <a:t>Start by testing all Use Cases (55% coverage)</a:t>
             </a:r>
-            <a:endParaRPr lang="" altLang="en-US"/>
           </a:p>
           <a:p>
             <a:pPr marL="285750" indent="-285750">
@@ -5964,7 +6018,6 @@
               <a:rPr lang="" altLang="en-US"/>
               <a:t>Improve coverage with focused testing of remaining parts</a:t>
             </a:r>
-            <a:endParaRPr lang="" altLang="en-US"/>
           </a:p>
         </p:txBody>
       </p:sp>
@@ -6028,14 +6081,14 @@
         <p:nvPicPr>
           <p:cNvPr id="4" name="Content Placeholder 3"/>
           <p:cNvPicPr>
-            <a:picLocks noChangeAspect="1"/>
+            <a:picLocks noGrp="1" noChangeAspect="1"/>
           </p:cNvPicPr>
           <p:nvPr>
             <p:ph idx="1"/>
           </p:nvPr>
         </p:nvPicPr>
         <p:blipFill>
-          <a:blip r:embed="rId1"/>
+          <a:blip r:embed="rId2"/>
           <a:stretch>
             <a:fillRect/>
           </a:stretch>
@@ -6114,7 +6167,9 @@
       <p:sp>
         <p:nvSpPr>
           <p:cNvPr id="2" name="Content Placeholder 1"/>
-          <p:cNvSpPr/>
+          <p:cNvSpPr>
+            <a:spLocks noGrp="1"/>
+          </p:cNvSpPr>
           <p:nvPr>
             <p:ph idx="1"/>
           </p:nvPr>
@@ -6129,6 +6184,7 @@
           <a:bodyPr>
             <a:normAutofit/>
           </a:bodyPr>
+          <a:lstStyle/>
           <a:p>
             <a:r>
               <a:rPr lang="" altLang="en-US" sz="1800"/>
@@ -6138,7 +6194,6 @@
               <a:rPr lang="" altLang="en-US" sz="1800" u="sng"/>
               <a:t>2687</a:t>
             </a:r>
-            <a:endParaRPr lang="" altLang="en-US" sz="1800" u="sng"/>
           </a:p>
           <a:p>
             <a:endParaRPr lang="" altLang="en-US" sz="1800" u="sng"/>
@@ -6178,7 +6233,7 @@
         </p:xfrm>
         <a:graphic>
           <a:graphicData uri="http://schemas.openxmlformats.org/drawingml/2006/chart">
-            <c:chart xmlns:c="http://schemas.openxmlformats.org/drawingml/2006/chart" xmlns:r="http://schemas.openxmlformats.org/officeDocument/2006/relationships" r:id="rId1"/>
+            <c:chart xmlns:c="http://schemas.openxmlformats.org/drawingml/2006/chart" xmlns:r="http://schemas.openxmlformats.org/officeDocument/2006/relationships" r:id="rId2"/>
           </a:graphicData>
         </a:graphic>
       </p:graphicFrame>
@@ -6202,12 +6257,12 @@
           <a:bodyPr wrap="square" rtlCol="0">
             <a:spAutoFit/>
           </a:bodyPr>
+          <a:lstStyle/>
           <a:p>
             <a:r>
               <a:rPr lang="" altLang="en-US"/>
               <a:t>CanvasWindow</a:t>
             </a:r>
-            <a:endParaRPr lang="" altLang="en-US"/>
           </a:p>
         </p:txBody>
       </p:sp>
@@ -6231,12 +6286,12 @@
           <a:bodyPr wrap="square" rtlCol="0">
             <a:spAutoFit/>
           </a:bodyPr>
+          <a:lstStyle/>
           <a:p>
             <a:r>
               <a:rPr lang="" altLang="en-US"/>
               <a:t>paint() </a:t>
             </a:r>
-            <a:endParaRPr lang="" altLang="en-US"/>
           </a:p>
         </p:txBody>
       </p:sp>
@@ -6260,12 +6315,12 @@
           <a:bodyPr wrap="square" rtlCol="0">
             <a:spAutoFit/>
           </a:bodyPr>
+          <a:lstStyle/>
           <a:p>
             <a:r>
               <a:rPr lang="" altLang="en-US"/>
               <a:t>Our code</a:t>
             </a:r>
-            <a:endParaRPr lang="" altLang="en-US"/>
           </a:p>
         </p:txBody>
       </p:sp>
@@ -6289,12 +6344,12 @@
           <a:bodyPr wrap="square" rtlCol="0">
             <a:spAutoFit/>
           </a:bodyPr>
+          <a:lstStyle/>
           <a:p>
             <a:r>
               <a:rPr lang="" altLang="en-US"/>
               <a:t>Coverage without CanvasWindow and paint(): 92.4%</a:t>
             </a:r>
-            <a:endParaRPr lang="" altLang="en-US"/>
           </a:p>
         </p:txBody>
       </p:sp>
@@ -6346,7 +6401,6 @@
               <a:rPr lang="nl-BE" dirty="0"/>
               <a:t> of project management</a:t>
             </a:r>
-            <a:endParaRPr lang="nl-BE" dirty="0"/>
           </a:p>
         </p:txBody>
       </p:sp>
@@ -6363,7 +6417,7 @@
         <p:spPr/>
         <p:txBody>
           <a:bodyPr>
-            <a:normAutofit lnSpcReduction="10000"/>
+            <a:normAutofit/>
           </a:bodyPr>
           <a:lstStyle/>
           <a:p>
@@ -6379,7 +6433,6 @@
               <a:rPr lang="nl-BE" dirty="0"/>
               <a:t>iteration: </a:t>
             </a:r>
-            <a:endParaRPr lang="nl-BE" dirty="0"/>
           </a:p>
           <a:p>
             <a:pPr>
@@ -6398,7 +6451,6 @@
               <a:rPr lang="nl-BE" dirty="0"/>
               <a:t>: Martijn</a:t>
             </a:r>
-            <a:endParaRPr lang="nl-BE" dirty="0"/>
           </a:p>
           <a:p>
             <a:pPr>
@@ -6444,7 +6496,6 @@
               <a:rPr lang="nl-BE" dirty="0"/>
               <a:t>: Tom &amp; Quinten </a:t>
             </a:r>
-            <a:endParaRPr lang="nl-BE" dirty="0"/>
           </a:p>
           <a:p>
             <a:pPr marL="0" indent="0">
@@ -6639,7 +6690,6 @@
               <a:rPr lang="" altLang="nl-BE" dirty="0"/>
               <a:t>: then vs Now</a:t>
             </a:r>
-            <a:endParaRPr lang="" altLang="nl-BE" dirty="0"/>
           </a:p>
         </p:txBody>
       </p:sp>
@@ -6654,7 +6704,7 @@
           </p:nvPr>
         </p:nvPicPr>
         <p:blipFill rotWithShape="1">
-          <a:blip r:embed="rId1">
+          <a:blip r:embed="rId2">
             <a:extLst>
               <a:ext uri="{28A0092B-C50C-407E-A947-70E740481C1C}">
                 <a14:useLocalDpi xmlns:a14="http://schemas.microsoft.com/office/drawing/2010/main" val="0"/>
@@ -6696,6 +6746,7 @@
           <a:bodyPr wrap="square" rtlCol="0">
             <a:spAutoFit/>
           </a:bodyPr>
+          <a:lstStyle/>
           <a:p>
             <a:pPr indent="0">
               <a:lnSpc>
@@ -6708,7 +6759,6 @@
               <a:rPr lang="" altLang="en-US"/>
               <a:t>Iteration 1:</a:t>
             </a:r>
-            <a:endParaRPr lang="" altLang="en-US"/>
           </a:p>
           <a:p>
             <a:pPr marL="285750" indent="-285750">
@@ -6730,7 +6780,6 @@
               <a:rPr lang="" altLang="en-US"/>
               <a:t> to modify Domain or UI</a:t>
             </a:r>
-            <a:endParaRPr lang="" altLang="en-US"/>
           </a:p>
           <a:p>
             <a:pPr marL="285750" indent="-285750">
@@ -6744,7 +6793,6 @@
               <a:rPr lang="" altLang="en-US"/>
               <a:t>CommunicationManager made use of UIFacade and DomainFacade	 </a:t>
             </a:r>
-            <a:endParaRPr lang="" altLang="en-US"/>
           </a:p>
         </p:txBody>
       </p:sp>
@@ -6868,11 +6916,7 @@
             </a:r>
             <a:r>
               <a:rPr lang="" altLang="nl-BE" dirty="0"/>
-              <a:t>25 </a:t>
-            </a:r>
-            <a:r>
-              <a:rPr lang="" altLang="nl-BE" dirty="0"/>
-              <a:t>hours</a:t>
+              <a:t>25 hours</a:t>
             </a:r>
             <a:endParaRPr lang="nl-BE" dirty="0"/>
           </a:p>
@@ -7571,7 +7615,7 @@
         <p:spPr/>
         <p:txBody>
           <a:bodyPr>
-            <a:normAutofit lnSpcReduction="10000"/>
+            <a:normAutofit/>
           </a:bodyPr>
           <a:lstStyle/>
           <a:p>
@@ -7582,7 +7626,6 @@
               <a:rPr lang="" altLang="en-US"/>
               <a:t>Find UIElement that needs to act upon input</a:t>
             </a:r>
-            <a:endParaRPr lang="" altLang="en-US"/>
           </a:p>
           <a:p>
             <a:pPr marL="457200" indent="-457200">
@@ -7624,7 +7667,6 @@
               <a:rPr lang="" altLang="en-US"/>
               <a:t> Notify other UIElements if Domain changed</a:t>
             </a:r>
-            <a:endParaRPr lang="" altLang="en-US"/>
           </a:p>
           <a:p>
             <a:pPr marL="0" indent="0">
@@ -7716,14 +7758,14 @@
         <p:nvPicPr>
           <p:cNvPr id="4" name="Content Placeholder 3" descr="useCase1"/>
           <p:cNvPicPr>
-            <a:picLocks noChangeAspect="1"/>
+            <a:picLocks noGrp="1" noChangeAspect="1"/>
           </p:cNvPicPr>
           <p:nvPr>
             <p:ph idx="1"/>
           </p:nvPr>
         </p:nvPicPr>
         <p:blipFill>
-          <a:blip r:embed="rId1"/>
+          <a:blip r:embed="rId2"/>
           <a:stretch>
             <a:fillRect/>
           </a:stretch>
@@ -7806,14 +7848,14 @@
         <p:nvPicPr>
           <p:cNvPr id="3" name="Content Placeholder 2" descr="usecase2"/>
           <p:cNvPicPr>
-            <a:picLocks noChangeAspect="1"/>
+            <a:picLocks noGrp="1" noChangeAspect="1"/>
           </p:cNvPicPr>
           <p:nvPr>
             <p:ph idx="1"/>
           </p:nvPr>
         </p:nvPicPr>
         <p:blipFill>
-          <a:blip r:embed="rId1"/>
+          <a:blip r:embed="rId2"/>
           <a:srcRect b="40688"/>
           <a:stretch>
             <a:fillRect/>
@@ -7846,7 +7888,14 @@
         <p:cNvGrpSpPr/>
         <p:nvPr/>
       </p:nvGrpSpPr>
-      <p:grpSpPr/>
+      <p:grpSpPr>
+        <a:xfrm>
+          <a:off x="0" y="0"/>
+          <a:ext cx="0" cy="0"/>
+          <a:chOff x="0" y="0"/>
+          <a:chExt cx="0" cy="0"/>
+        </a:xfrm>
+      </p:grpSpPr>
       <p:sp>
         <p:nvSpPr>
           <p:cNvPr id="2" name="Title 1"/>
@@ -7860,6 +7909,7 @@
         <p:spPr/>
         <p:txBody>
           <a:bodyPr/>
+          <a:lstStyle/>
           <a:p>
             <a:r>
               <a:rPr lang="nl-BE" dirty="0">
@@ -7897,9 +7947,6 @@
               </a:rPr>
               <a:t>(continued)</a:t>
             </a:r>
-            <a:endParaRPr lang="" altLang="nl-BE" dirty="0">
-              <a:sym typeface="+mn-ea"/>
-            </a:endParaRPr>
           </a:p>
         </p:txBody>
       </p:sp>
@@ -7907,14 +7954,14 @@
         <p:nvPicPr>
           <p:cNvPr id="4" name="Content Placeholder 3" descr="usecase2"/>
           <p:cNvPicPr>
-            <a:picLocks noChangeAspect="1"/>
+            <a:picLocks noGrp="1" noChangeAspect="1"/>
           </p:cNvPicPr>
           <p:nvPr>
             <p:ph idx="1"/>
           </p:nvPr>
         </p:nvPicPr>
         <p:blipFill>
-          <a:blip r:embed="rId1"/>
+          <a:blip r:embed="rId2"/>
           <a:srcRect t="62105"/>
           <a:stretch>
             <a:fillRect/>
@@ -7991,14 +8038,14 @@
         <p:nvPicPr>
           <p:cNvPr id="7" name="Content Placeholder 6" descr="useCase3"/>
           <p:cNvPicPr>
-            <a:picLocks noChangeAspect="1"/>
+            <a:picLocks noGrp="1" noChangeAspect="1"/>
           </p:cNvPicPr>
           <p:nvPr>
             <p:ph idx="1"/>
           </p:nvPr>
         </p:nvPicPr>
         <p:blipFill>
-          <a:blip r:embed="rId1"/>
+          <a:blip r:embed="rId2"/>
           <a:srcRect b="4218"/>
           <a:stretch>
             <a:fillRect/>
@@ -8031,7 +8078,14 @@
         <p:cNvGrpSpPr/>
         <p:nvPr/>
       </p:nvGrpSpPr>
-      <p:grpSpPr/>
+      <p:grpSpPr>
+        <a:xfrm>
+          <a:off x="0" y="0"/>
+          <a:ext cx="0" cy="0"/>
+          <a:chOff x="0" y="0"/>
+          <a:chExt cx="0" cy="0"/>
+        </a:xfrm>
+      </p:grpSpPr>
       <p:sp>
         <p:nvSpPr>
           <p:cNvPr id="2" name="Title 1"/>
@@ -8045,12 +8099,12 @@
         <p:spPr/>
         <p:txBody>
           <a:bodyPr/>
+          <a:lstStyle/>
           <a:p>
             <a:r>
               <a:rPr lang="" altLang="en-US"/>
               <a:t>4. Open a Table </a:t>
             </a:r>
-            <a:endParaRPr lang="" altLang="en-US"/>
           </a:p>
         </p:txBody>
       </p:sp>
@@ -8058,14 +8112,14 @@
         <p:nvPicPr>
           <p:cNvPr id="4" name="Content Placeholder 3" descr="useCase4"/>
           <p:cNvPicPr>
-            <a:picLocks noChangeAspect="1"/>
+            <a:picLocks noGrp="1" noChangeAspect="1"/>
           </p:cNvPicPr>
           <p:nvPr>
             <p:ph idx="1"/>
           </p:nvPr>
         </p:nvPicPr>
         <p:blipFill>
-          <a:blip r:embed="rId1"/>
+          <a:blip r:embed="rId2"/>
           <a:stretch>
             <a:fillRect/>
           </a:stretch>
@@ -8145,14 +8199,14 @@
         <p:nvPicPr>
           <p:cNvPr id="4" name="Content Placeholder 3" descr="useCase5"/>
           <p:cNvPicPr>
-            <a:picLocks noChangeAspect="1"/>
+            <a:picLocks noGrp="1" noChangeAspect="1"/>
           </p:cNvPicPr>
           <p:nvPr>
             <p:ph idx="1"/>
           </p:nvPr>
         </p:nvPicPr>
         <p:blipFill>
-          <a:blip r:embed="rId1"/>
+          <a:blip r:embed="rId2"/>
           <a:stretch>
             <a:fillRect/>
           </a:stretch>
@@ -8184,7 +8238,14 @@
         <p:cNvGrpSpPr/>
         <p:nvPr/>
       </p:nvGrpSpPr>
-      <p:grpSpPr/>
+      <p:grpSpPr>
+        <a:xfrm>
+          <a:off x="0" y="0"/>
+          <a:ext cx="0" cy="0"/>
+          <a:chOff x="0" y="0"/>
+          <a:chExt cx="0" cy="0"/>
+        </a:xfrm>
+      </p:grpSpPr>
       <p:sp>
         <p:nvSpPr>
           <p:cNvPr id="2" name="Title 1"/>
@@ -8198,12 +8259,12 @@
         <p:spPr/>
         <p:txBody>
           <a:bodyPr/>
+          <a:lstStyle/>
           <a:p>
             <a:r>
               <a:rPr lang="" altLang="en-US"/>
               <a:t>1. Design: then vs Now</a:t>
             </a:r>
-            <a:endParaRPr lang="" altLang="en-US"/>
           </a:p>
         </p:txBody>
       </p:sp>
@@ -8220,6 +8281,7 @@
         <p:spPr/>
         <p:txBody>
           <a:bodyPr/>
+          <a:lstStyle/>
           <a:p>
             <a:pPr marL="0" indent="0">
               <a:buNone/>
@@ -8228,7 +8290,6 @@
               <a:rPr lang="" altLang="en-US"/>
               <a:t>Iteration 2:</a:t>
             </a:r>
-            <a:endParaRPr lang="" altLang="en-US"/>
           </a:p>
           <a:p>
             <a:pPr>
@@ -8279,7 +8340,6 @@
               <a:rPr lang="" altLang="en-US"/>
               <a:t> Classes</a:t>
             </a:r>
-            <a:endParaRPr lang="" altLang="en-US"/>
           </a:p>
           <a:p>
             <a:pPr marL="0" indent="0">
@@ -8299,7 +8359,7 @@
           <p:nvPr/>
         </p:nvPicPr>
         <p:blipFill>
-          <a:blip r:embed="rId1"/>
+          <a:blip r:embed="rId3"/>
           <a:srcRect t="17164"/>
           <a:stretch>
             <a:fillRect/>
@@ -8365,6 +8425,7 @@
         </p:style>
         <p:txBody>
           <a:bodyPr rtlCol="0" anchor="ctr"/>
+          <a:lstStyle/>
           <a:p>
             <a:pPr algn="ctr"/>
             <a:endParaRPr lang="en-US"/>
@@ -8421,6 +8482,7 @@
         </p:style>
         <p:txBody>
           <a:bodyPr rtlCol="0" anchor="ctr"/>
+          <a:lstStyle/>
           <a:p>
             <a:pPr algn="ctr"/>
             <a:endParaRPr lang="en-US"/>
@@ -8475,6 +8537,7 @@
         </p:style>
         <p:txBody>
           <a:bodyPr rtlCol="0" anchor="ctr"/>
+          <a:lstStyle/>
           <a:p>
             <a:pPr algn="ctr"/>
             <a:endParaRPr lang="en-US"/>
@@ -8529,6 +8592,7 @@
         </p:style>
         <p:txBody>
           <a:bodyPr rtlCol="0" anchor="ctr"/>
+          <a:lstStyle/>
           <a:p>
             <a:pPr algn="ctr"/>
             <a:endParaRPr lang="en-US"/>
@@ -8583,6 +8647,7 @@
         </p:style>
         <p:txBody>
           <a:bodyPr rtlCol="0" anchor="ctr"/>
+          <a:lstStyle/>
           <a:p>
             <a:pPr algn="ctr"/>
             <a:endParaRPr lang="en-US"/>
@@ -8637,6 +8702,7 @@
         </p:style>
         <p:txBody>
           <a:bodyPr rtlCol="0" anchor="ctr"/>
+          <a:lstStyle/>
           <a:p>
             <a:pPr algn="ctr"/>
             <a:endParaRPr lang="en-US"/>
@@ -8708,7 +8774,6 @@
               <a:rPr lang="" altLang="nl-BE" dirty="0" err="1"/>
               <a:t>(a)</a:t>
             </a:r>
-            <a:endParaRPr lang="" altLang="nl-BE" dirty="0" err="1"/>
           </a:p>
         </p:txBody>
       </p:sp>
@@ -8716,14 +8781,14 @@
         <p:nvPicPr>
           <p:cNvPr id="4" name="Content Placeholder 3" descr="useCase6.1a"/>
           <p:cNvPicPr>
-            <a:picLocks noChangeAspect="1"/>
+            <a:picLocks noGrp="1" noChangeAspect="1"/>
           </p:cNvPicPr>
           <p:nvPr>
             <p:ph idx="1"/>
           </p:nvPr>
         </p:nvPicPr>
         <p:blipFill>
-          <a:blip r:embed="rId1"/>
+          <a:blip r:embed="rId2"/>
           <a:stretch>
             <a:fillRect/>
           </a:stretch>
@@ -8806,14 +8871,14 @@
         <p:nvPicPr>
           <p:cNvPr id="4" name="Content Placeholder 3" descr="useCase6.1b"/>
           <p:cNvPicPr>
-            <a:picLocks noChangeAspect="1"/>
+            <a:picLocks noGrp="1" noChangeAspect="1"/>
           </p:cNvPicPr>
           <p:nvPr>
             <p:ph idx="1"/>
           </p:nvPr>
         </p:nvPicPr>
         <p:blipFill>
-          <a:blip r:embed="rId1"/>
+          <a:blip r:embed="rId2"/>
           <a:stretch>
             <a:fillRect/>
           </a:stretch>
@@ -8947,14 +9012,14 @@
         <p:nvPicPr>
           <p:cNvPr id="4" name="Content Placeholder 3" descr="useCase6.1c"/>
           <p:cNvPicPr>
-            <a:picLocks noChangeAspect="1"/>
+            <a:picLocks noGrp="1" noChangeAspect="1"/>
           </p:cNvPicPr>
           <p:nvPr>
             <p:ph idx="1"/>
           </p:nvPr>
         </p:nvPicPr>
         <p:blipFill>
-          <a:blip r:embed="rId1"/>
+          <a:blip r:embed="rId2"/>
           <a:stretch>
             <a:fillRect/>
           </a:stretch>
@@ -9026,14 +9091,14 @@
         <p:nvPicPr>
           <p:cNvPr id="4" name="Content Placeholder 3" descr="useCase7"/>
           <p:cNvPicPr>
-            <a:picLocks noChangeAspect="1"/>
+            <a:picLocks noGrp="1" noChangeAspect="1"/>
           </p:cNvPicPr>
           <p:nvPr>
             <p:ph idx="1"/>
           </p:nvPr>
         </p:nvPicPr>
         <p:blipFill>
-          <a:blip r:embed="rId1"/>
+          <a:blip r:embed="rId2"/>
           <a:stretch>
             <a:fillRect/>
           </a:stretch>
@@ -9112,14 +9177,14 @@
         <p:nvPicPr>
           <p:cNvPr id="4" name="Content Placeholder 3" descr="useCase8"/>
           <p:cNvPicPr>
-            <a:picLocks noChangeAspect="1"/>
+            <a:picLocks noGrp="1" noChangeAspect="1"/>
           </p:cNvPicPr>
           <p:nvPr>
             <p:ph idx="1"/>
           </p:nvPr>
         </p:nvPicPr>
         <p:blipFill>
-          <a:blip r:embed="rId1"/>
+          <a:blip r:embed="rId2"/>
           <a:stretch>
             <a:fillRect/>
           </a:stretch>
@@ -9202,14 +9267,14 @@
         <p:nvPicPr>
           <p:cNvPr id="4" name="Content Placeholder 3" descr="useCase9"/>
           <p:cNvPicPr>
-            <a:picLocks noChangeAspect="1"/>
+            <a:picLocks noGrp="1" noChangeAspect="1"/>
           </p:cNvPicPr>
           <p:nvPr>
             <p:ph idx="1"/>
           </p:nvPr>
         </p:nvPicPr>
         <p:blipFill>
-          <a:blip r:embed="rId1"/>
+          <a:blip r:embed="rId2"/>
           <a:stretch>
             <a:fillRect/>
           </a:stretch>
@@ -9285,14 +9350,14 @@
         <p:nvPicPr>
           <p:cNvPr id="4" name="Content Placeholder 3" descr="useCase10"/>
           <p:cNvPicPr>
-            <a:picLocks noChangeAspect="1"/>
+            <a:picLocks noGrp="1" noChangeAspect="1"/>
           </p:cNvPicPr>
           <p:nvPr>
             <p:ph idx="1"/>
           </p:nvPr>
         </p:nvPicPr>
         <p:blipFill>
-          <a:blip r:embed="rId1"/>
+          <a:blip r:embed="rId2"/>
           <a:stretch>
             <a:fillRect/>
           </a:stretch>
@@ -9351,7 +9416,6 @@
               <a:rPr lang="" altLang="en-US" dirty="0"/>
               <a:t>1. Design: then vs Now</a:t>
             </a:r>
-            <a:endParaRPr lang="" altLang="en-US" dirty="0"/>
           </a:p>
         </p:txBody>
       </p:sp>
@@ -9393,7 +9457,9 @@
       <p:sp>
         <p:nvSpPr>
           <p:cNvPr id="3" name="Content Placeholder 2"/>
-          <p:cNvSpPr/>
+          <p:cNvSpPr>
+            <a:spLocks noGrp="1"/>
+          </p:cNvSpPr>
           <p:nvPr>
             <p:ph idx="1"/>
           </p:nvPr>
@@ -9401,19 +9467,18 @@
         <p:spPr/>
         <p:txBody>
           <a:bodyPr/>
+          <a:lstStyle/>
           <a:p>
             <a:r>
               <a:rPr lang="" altLang="en-US"/>
               <a:t>Iteration 1:</a:t>
             </a:r>
-            <a:endParaRPr lang="" altLang="en-US"/>
           </a:p>
           <a:p>
             <a:r>
               <a:rPr lang="" altLang="en-US"/>
               <a:t>The loading of different UI's was handled in different UIElements</a:t>
             </a:r>
-            <a:endParaRPr lang="" altLang="en-US"/>
           </a:p>
           <a:p>
             <a:pPr lvl="1"/>
@@ -9421,7 +9486,6 @@
               <a:rPr lang="" altLang="en-US"/>
               <a:t>e.g. ListView.loadFromTables()</a:t>
             </a:r>
-            <a:endParaRPr lang="" altLang="en-US"/>
           </a:p>
           <a:p>
             <a:pPr lvl="1"/>
@@ -9473,14 +9537,15 @@
               <a:rPr lang="" altLang="en-US" dirty="0"/>
               <a:t>1. Design: then vs Now</a:t>
             </a:r>
-            <a:endParaRPr lang="" altLang="en-US" dirty="0"/>
           </a:p>
         </p:txBody>
       </p:sp>
       <p:sp>
         <p:nvSpPr>
           <p:cNvPr id="3" name="Content Placeholder 2"/>
-          <p:cNvSpPr/>
+          <p:cNvSpPr>
+            <a:spLocks noGrp="1"/>
+          </p:cNvSpPr>
           <p:nvPr>
             <p:ph idx="1"/>
           </p:nvPr>
@@ -9493,6 +9558,7 @@
         </p:spPr>
         <p:txBody>
           <a:bodyPr/>
+          <a:lstStyle/>
           <a:p>
             <a:pPr marL="0" indent="0">
               <a:buNone/>
@@ -9501,7 +9567,6 @@
               <a:rPr lang="" altLang="en-US"/>
               <a:t>Iteration 2:</a:t>
             </a:r>
-            <a:endParaRPr lang="" altLang="en-US"/>
           </a:p>
           <a:p>
             <a:pPr>
@@ -9512,7 +9577,6 @@
               <a:rPr lang="" altLang="en-US"/>
               <a:t>Subwindows inherit from superclass UI</a:t>
             </a:r>
-            <a:endParaRPr lang="" altLang="en-US"/>
           </a:p>
           <a:p>
             <a:pPr>
@@ -9523,7 +9587,6 @@
               <a:rPr lang="" altLang="en-US"/>
               <a:t>Method loadUI() to create the necessary components</a:t>
             </a:r>
-            <a:endParaRPr lang="" altLang="en-US"/>
           </a:p>
           <a:p>
             <a:pPr>
@@ -9534,7 +9597,6 @@
               <a:rPr lang="" altLang="en-US"/>
               <a:t>All Tablr-logic is specified in the loading of a UI, not in UIElements</a:t>
             </a:r>
-            <a:endParaRPr lang="" altLang="en-US"/>
           </a:p>
           <a:p>
             <a:pPr>
@@ -9554,7 +9616,7 @@
           <p:nvPr/>
         </p:nvPicPr>
         <p:blipFill>
-          <a:blip r:embed="rId1"/>
+          <a:blip r:embed="rId2"/>
           <a:srcRect t="7937" b="6350"/>
           <a:stretch>
             <a:fillRect/>
@@ -9587,7 +9649,14 @@
         <p:cNvGrpSpPr/>
         <p:nvPr/>
       </p:nvGrpSpPr>
-      <p:grpSpPr/>
+      <p:grpSpPr>
+        <a:xfrm>
+          <a:off x="0" y="0"/>
+          <a:ext cx="0" cy="0"/>
+          <a:chOff x="0" y="0"/>
+          <a:chExt cx="0" cy="0"/>
+        </a:xfrm>
+      </p:grpSpPr>
       <p:sp>
         <p:nvSpPr>
           <p:cNvPr id="2" name="Title 1"/>
@@ -9601,12 +9670,12 @@
         <p:spPr/>
         <p:txBody>
           <a:bodyPr/>
+          <a:lstStyle/>
           <a:p>
             <a:r>
               <a:rPr lang="" altLang="en-US"/>
               <a:t>1. Design: then vs Now</a:t>
             </a:r>
-            <a:endParaRPr lang="" altLang="en-US"/>
           </a:p>
         </p:txBody>
       </p:sp>
@@ -9614,14 +9683,14 @@
         <p:nvPicPr>
           <p:cNvPr id="4" name="Content Placeholder 3" descr="Screenshot from 2019-04-29 15.25.29"/>
           <p:cNvPicPr>
-            <a:picLocks noChangeAspect="1"/>
+            <a:picLocks noGrp="1" noChangeAspect="1"/>
           </p:cNvPicPr>
           <p:nvPr>
             <p:ph idx="1"/>
           </p:nvPr>
         </p:nvPicPr>
         <p:blipFill>
-          <a:blip r:embed="rId1"/>
+          <a:blip r:embed="rId2"/>
           <a:stretch>
             <a:fillRect/>
           </a:stretch>
@@ -9656,12 +9725,12 @@
           <a:bodyPr wrap="square" rtlCol="0">
             <a:spAutoFit/>
           </a:bodyPr>
+          <a:lstStyle/>
           <a:p>
             <a:r>
               <a:rPr lang="" altLang="en-US"/>
               <a:t>Iteration 2: extensive use of Listeners to specify behaviour of UIElements</a:t>
             </a:r>
-            <a:endParaRPr lang="" altLang="en-US"/>
           </a:p>
         </p:txBody>
       </p:sp>
@@ -9682,7 +9751,14 @@
         <p:cNvGrpSpPr/>
         <p:nvPr/>
       </p:nvGrpSpPr>
-      <p:grpSpPr/>
+      <p:grpSpPr>
+        <a:xfrm>
+          <a:off x="0" y="0"/>
+          <a:ext cx="0" cy="0"/>
+          <a:chOff x="0" y="0"/>
+          <a:chExt cx="0" cy="0"/>
+        </a:xfrm>
+      </p:grpSpPr>
       <p:sp>
         <p:nvSpPr>
           <p:cNvPr id="2" name="Title 1"/>
@@ -9701,12 +9777,12 @@
         </p:spPr>
         <p:txBody>
           <a:bodyPr/>
+          <a:lstStyle/>
           <a:p>
             <a:r>
               <a:rPr lang="" altLang="en-US"/>
               <a:t>1. Design: class diagram</a:t>
             </a:r>
-            <a:endParaRPr lang="" altLang="en-US"/>
           </a:p>
         </p:txBody>
       </p:sp>
@@ -9714,14 +9790,14 @@
         <p:nvPicPr>
           <p:cNvPr id="4" name="Content Placeholder 3" descr="classdiagram_iteratie2_basic"/>
           <p:cNvPicPr>
-            <a:picLocks noChangeAspect="1"/>
+            <a:picLocks noGrp="1" noChangeAspect="1"/>
           </p:cNvPicPr>
           <p:nvPr>
             <p:ph idx="1"/>
           </p:nvPr>
         </p:nvPicPr>
         <p:blipFill>
-          <a:blip r:embed="rId1"/>
+          <a:blip r:embed="rId2"/>
           <a:stretch>
             <a:fillRect/>
           </a:stretch>
@@ -9753,19 +9829,26 @@
         <p:cNvGrpSpPr/>
         <p:nvPr/>
       </p:nvGrpSpPr>
-      <p:grpSpPr/>
+      <p:grpSpPr>
+        <a:xfrm>
+          <a:off x="0" y="0"/>
+          <a:ext cx="0" cy="0"/>
+          <a:chOff x="0" y="0"/>
+          <a:chExt cx="0" cy="0"/>
+        </a:xfrm>
+      </p:grpSpPr>
       <p:pic>
         <p:nvPicPr>
           <p:cNvPr id="4" name="Content Placeholder 3" descr="classdiagram_iteratie2"/>
           <p:cNvPicPr>
-            <a:picLocks noChangeAspect="1"/>
+            <a:picLocks noGrp="1" noChangeAspect="1"/>
           </p:cNvPicPr>
           <p:nvPr>
             <p:ph idx="1"/>
           </p:nvPr>
         </p:nvPicPr>
         <p:blipFill>
-          <a:blip r:embed="rId1"/>
+          <a:blip r:embed="rId2"/>
           <a:stretch>
             <a:fillRect/>
           </a:stretch>
@@ -9797,7 +9880,14 @@
         <p:cNvGrpSpPr/>
         <p:nvPr/>
       </p:nvGrpSpPr>
-      <p:grpSpPr/>
+      <p:grpSpPr>
+        <a:xfrm>
+          <a:off x="0" y="0"/>
+          <a:ext cx="0" cy="0"/>
+          <a:chOff x="0" y="0"/>
+          <a:chExt cx="0" cy="0"/>
+        </a:xfrm>
+      </p:grpSpPr>
       <p:sp>
         <p:nvSpPr>
           <p:cNvPr id="2" name="Title 1"/>
@@ -9816,12 +9906,12 @@
         </p:spPr>
         <p:txBody>
           <a:bodyPr/>
+          <a:lstStyle/>
           <a:p>
             <a:r>
               <a:rPr lang="" altLang="en-US"/>
               <a:t>1. Design: UI elements</a:t>
             </a:r>
-            <a:endParaRPr lang="" altLang="en-US"/>
           </a:p>
         </p:txBody>
       </p:sp>
@@ -9829,14 +9919,14 @@
         <p:nvPicPr>
           <p:cNvPr id="4" name="Content Placeholder 3" descr="ui"/>
           <p:cNvPicPr>
-            <a:picLocks noChangeAspect="1"/>
+            <a:picLocks noGrp="1" noChangeAspect="1"/>
           </p:cNvPicPr>
           <p:nvPr>
             <p:ph idx="1"/>
           </p:nvPr>
         </p:nvPicPr>
         <p:blipFill>
-          <a:blip r:embed="rId1"/>
+          <a:blip r:embed="rId2"/>
           <a:srcRect r="38888" b="54879"/>
           <a:stretch>
             <a:fillRect/>
@@ -10133,6 +10223,8 @@
       </a:bgFillStyleLst>
     </a:fmtScheme>
   </a:themeElements>
+  <a:objectDefaults/>
+  <a:extraClrSchemeLst/>
   <a:extLst>
     <a:ext uri="{05A4C25C-085E-4340-85A3-A5531E510DB2}">
       <thm15:themeFamily xmlns:thm15="http://schemas.microsoft.com/office/thememl/2012/main" name="Office Theme" id="{62F939B6-93AF-4DB8-9C6B-D6C7DFDC589F}" vid="{4A3C46E8-61CC-4603-A589-7422A47A8E4A}"/>
@@ -10392,6 +10484,8 @@
       </a:bgFillStyleLst>
     </a:fmtScheme>
   </a:themeElements>
+  <a:objectDefaults/>
+  <a:extraClrSchemeLst/>
   <a:extLst>
     <a:ext uri="{05A4C25C-085E-4340-85A3-A5531E510DB2}">
       <thm15:themeFamily xmlns:thm15="http://schemas.microsoft.com/office/thememl/2012/main" name="Office Theme" id="{62F939B6-93AF-4DB8-9C6B-D6C7DFDC589F}" vid="{4A3C46E8-61CC-4603-A589-7422A47A8E4A}"/>

--- a/Presentaties/Iteration2.pptx
+++ b/Presentaties/Iteration2.pptx
@@ -311,7 +311,7 @@
                       <a:cs typeface="+mn-cs"/>
                     </a:defRPr>
                   </a:pPr>
-                  <a:endParaRPr lang="en-US"/>
+                  <a:endParaRPr lang="nl-BE"/>
                 </a:p>
               </c:txPr>
               <c:dLblPos val="bestFit"/>
@@ -350,7 +350,7 @@
                       <a:cs typeface="+mn-cs"/>
                     </a:defRPr>
                   </a:pPr>
-                  <a:endParaRPr lang="en-US"/>
+                  <a:endParaRPr lang="nl-BE"/>
                 </a:p>
               </c:txPr>
               <c:dLblPos val="bestFit"/>
@@ -389,7 +389,7 @@
                       <a:cs typeface="+mn-cs"/>
                     </a:defRPr>
                   </a:pPr>
-                  <a:endParaRPr lang="en-US"/>
+                  <a:endParaRPr lang="nl-BE"/>
                 </a:p>
               </c:txPr>
               <c:dLblPos val="bestFit"/>
@@ -429,7 +429,7 @@
                     <a:cs typeface="+mn-cs"/>
                   </a:defRPr>
                 </a:pPr>
-                <a:endParaRPr lang="en-US"/>
+                <a:endParaRPr lang="nl-BE"/>
               </a:p>
             </c:txPr>
             <c:dLblPos val="bestFit"/>
@@ -536,7 +536,7 @@
       <a:pPr>
         <a:defRPr lang="en-US"/>
       </a:pPr>
-      <a:endParaRPr lang="en-US"/>
+      <a:endParaRPr lang="nl-BE"/>
     </a:p>
   </c:txPr>
   <c:externalData r:id="rId3">
@@ -9837,15 +9837,44 @@
           <a:chExt cx="0" cy="0"/>
         </a:xfrm>
       </p:grpSpPr>
+      <p:sp>
+        <p:nvSpPr>
+          <p:cNvPr id="3" name="Tijdelijke aanduiding voor inhoud 2">
+            <a:extLst>
+              <a:ext uri="{FF2B5EF4-FFF2-40B4-BE49-F238E27FC236}">
+                <a16:creationId xmlns:a16="http://schemas.microsoft.com/office/drawing/2014/main" id="{C2C6A4DF-8B68-4E2D-A0ED-E4BA72848BA6}"/>
+              </a:ext>
+            </a:extLst>
+          </p:cNvPr>
+          <p:cNvSpPr>
+            <a:spLocks noGrp="1"/>
+          </p:cNvSpPr>
+          <p:nvPr>
+            <p:ph idx="1"/>
+          </p:nvPr>
+        </p:nvSpPr>
+        <p:spPr/>
+        <p:txBody>
+          <a:bodyPr/>
+          <a:lstStyle/>
+          <a:p>
+            <a:endParaRPr lang="nl-BE"/>
+          </a:p>
+        </p:txBody>
+      </p:sp>
       <p:pic>
         <p:nvPicPr>
-          <p:cNvPr id="4" name="Content Placeholder 3" descr="classdiagram_iteratie2"/>
+          <p:cNvPr id="5" name="Afbeelding 4">
+            <a:extLst>
+              <a:ext uri="{FF2B5EF4-FFF2-40B4-BE49-F238E27FC236}">
+                <a16:creationId xmlns:a16="http://schemas.microsoft.com/office/drawing/2014/main" id="{0C083B91-CADC-4198-9E3D-CF25557ACF69}"/>
+              </a:ext>
+            </a:extLst>
+          </p:cNvPr>
           <p:cNvPicPr>
-            <a:picLocks noGrp="1" noChangeAspect="1"/>
+            <a:picLocks noChangeAspect="1"/>
           </p:cNvPicPr>
-          <p:nvPr>
-            <p:ph idx="1"/>
-          </p:nvPr>
+          <p:nvPr/>
         </p:nvPicPr>
         <p:blipFill>
           <a:blip r:embed="rId2"/>
@@ -9855,8 +9884,8 @@
         </p:blipFill>
         <p:spPr>
           <a:xfrm>
-            <a:off x="1624965" y="1270"/>
-            <a:ext cx="8942070" cy="6856095"/>
+            <a:off x="1548393" y="93306"/>
+            <a:ext cx="8545543" cy="6456784"/>
           </a:xfrm>
           <a:prstGeom prst="rect">
             <a:avLst/>

--- a/Presentaties/Iteration2.pptx
+++ b/Presentaties/Iteration2.pptx
@@ -311,7 +311,7 @@
                       <a:cs typeface="+mn-cs"/>
                     </a:defRPr>
                   </a:pPr>
-                  <a:endParaRPr lang="nl-BE"/>
+                  <a:endParaRPr lang="en-US"/>
                 </a:p>
               </c:txPr>
               <c:dLblPos val="bestFit"/>
@@ -350,7 +350,7 @@
                       <a:cs typeface="+mn-cs"/>
                     </a:defRPr>
                   </a:pPr>
-                  <a:endParaRPr lang="nl-BE"/>
+                  <a:endParaRPr lang="en-US"/>
                 </a:p>
               </c:txPr>
               <c:dLblPos val="bestFit"/>
@@ -389,7 +389,7 @@
                       <a:cs typeface="+mn-cs"/>
                     </a:defRPr>
                   </a:pPr>
-                  <a:endParaRPr lang="nl-BE"/>
+                  <a:endParaRPr lang="en-US"/>
                 </a:p>
               </c:txPr>
               <c:dLblPos val="bestFit"/>
@@ -429,7 +429,7 @@
                     <a:cs typeface="+mn-cs"/>
                   </a:defRPr>
                 </a:pPr>
-                <a:endParaRPr lang="nl-BE"/>
+                <a:endParaRPr lang="en-US"/>
               </a:p>
             </c:txPr>
             <c:dLblPos val="bestFit"/>
@@ -536,7 +536,7 @@
       <a:pPr>
         <a:defRPr lang="en-US"/>
       </a:pPr>
-      <a:endParaRPr lang="nl-BE"/>
+      <a:endParaRPr lang="en-US"/>
     </a:p>
   </c:txPr>
   <c:externalData r:id="rId3">
@@ -1186,7 +1186,7 @@
           <a:p>
             <a:fld id="{3EFD42F7-718C-4B98-AAEC-167E6DDD60A7}" type="datetimeFigureOut">
               <a:rPr lang="en-US" smtClean="0"/>
-              <a:t>4/29/2019</a:t>
+              <a:t>4/30/2019</a:t>
             </a:fld>
             <a:endParaRPr lang="en-US"/>
           </a:p>
@@ -1730,7 +1730,7 @@
           <a:p>
             <a:fld id="{C6ACF9C8-6D65-41F9-9101-DBF005E879DE}" type="datetimeFigureOut">
               <a:rPr lang="en-US" smtClean="0"/>
-              <a:t>4/29/2019</a:t>
+              <a:t>4/30/2019</a:t>
             </a:fld>
             <a:endParaRPr lang="en-US"/>
           </a:p>
@@ -1933,7 +1933,7 @@
           <a:p>
             <a:fld id="{C6ACF9C8-6D65-41F9-9101-DBF005E879DE}" type="datetimeFigureOut">
               <a:rPr lang="en-US" smtClean="0"/>
-              <a:t>4/29/2019</a:t>
+              <a:t>4/30/2019</a:t>
             </a:fld>
             <a:endParaRPr lang="en-US"/>
           </a:p>
@@ -2184,7 +2184,7 @@
           <a:p>
             <a:fld id="{C6ACF9C8-6D65-41F9-9101-DBF005E879DE}" type="datetimeFigureOut">
               <a:rPr lang="en-US" smtClean="0"/>
-              <a:t>4/29/2019</a:t>
+              <a:t>4/30/2019</a:t>
             </a:fld>
             <a:endParaRPr lang="en-US"/>
           </a:p>
@@ -2353,7 +2353,7 @@
           <a:p>
             <a:fld id="{C6ACF9C8-6D65-41F9-9101-DBF005E879DE}" type="datetimeFigureOut">
               <a:rPr lang="en-US" smtClean="0"/>
-              <a:t>4/29/2019</a:t>
+              <a:t>4/30/2019</a:t>
             </a:fld>
             <a:endParaRPr lang="en-US"/>
           </a:p>
@@ -2691,7 +2691,7 @@
           <a:p>
             <a:fld id="{C6ACF9C8-6D65-41F9-9101-DBF005E879DE}" type="datetimeFigureOut">
               <a:rPr lang="en-US" smtClean="0"/>
-              <a:t>4/29/2019</a:t>
+              <a:t>4/30/2019</a:t>
             </a:fld>
             <a:endParaRPr lang="en-US"/>
           </a:p>
@@ -2961,7 +2961,7 @@
           <a:p>
             <a:fld id="{C6ACF9C8-6D65-41F9-9101-DBF005E879DE}" type="datetimeFigureOut">
               <a:rPr lang="en-US" smtClean="0"/>
-              <a:t>4/29/2019</a:t>
+              <a:t>4/30/2019</a:t>
             </a:fld>
             <a:endParaRPr lang="en-US"/>
           </a:p>
@@ -3335,7 +3335,7 @@
           <a:p>
             <a:fld id="{C6ACF9C8-6D65-41F9-9101-DBF005E879DE}" type="datetimeFigureOut">
               <a:rPr lang="en-US" smtClean="0"/>
-              <a:t>4/29/2019</a:t>
+              <a:t>4/30/2019</a:t>
             </a:fld>
             <a:endParaRPr lang="en-US"/>
           </a:p>
@@ -3448,7 +3448,7 @@
           <a:p>
             <a:fld id="{C6ACF9C8-6D65-41F9-9101-DBF005E879DE}" type="datetimeFigureOut">
               <a:rPr lang="en-US" smtClean="0"/>
-              <a:t>4/29/2019</a:t>
+              <a:t>4/30/2019</a:t>
             </a:fld>
             <a:endParaRPr lang="en-US"/>
           </a:p>
@@ -3614,7 +3614,7 @@
           <a:p>
             <a:fld id="{C6ACF9C8-6D65-41F9-9101-DBF005E879DE}" type="datetimeFigureOut">
               <a:rPr lang="en-US" smtClean="0"/>
-              <a:t>4/29/2019</a:t>
+              <a:t>4/30/2019</a:t>
             </a:fld>
             <a:endParaRPr lang="en-US"/>
           </a:p>
@@ -3963,7 +3963,7 @@
           <a:p>
             <a:fld id="{C6ACF9C8-6D65-41F9-9101-DBF005E879DE}" type="datetimeFigureOut">
               <a:rPr lang="en-US" smtClean="0"/>
-              <a:t>4/29/2019</a:t>
+              <a:t>4/30/2019</a:t>
             </a:fld>
             <a:endParaRPr lang="en-US"/>
           </a:p>
@@ -4340,7 +4340,7 @@
           <a:p>
             <a:fld id="{C6ACF9C8-6D65-41F9-9101-DBF005E879DE}" type="datetimeFigureOut">
               <a:rPr lang="en-US" smtClean="0"/>
-              <a:t>4/29/2019</a:t>
+              <a:t>4/30/2019</a:t>
             </a:fld>
             <a:endParaRPr lang="en-US"/>
           </a:p>
@@ -4622,7 +4622,7 @@
           <a:p>
             <a:fld id="{C6ACF9C8-6D65-41F9-9101-DBF005E879DE}" type="datetimeFigureOut">
               <a:rPr lang="en-US" smtClean="0"/>
-              <a:t>4/29/2019</a:t>
+              <a:t>4/30/2019</a:t>
             </a:fld>
             <a:endParaRPr lang="en-US"/>
           </a:p>
@@ -9419,41 +9419,6 @@
           </a:p>
         </p:txBody>
       </p:sp>
-      <p:cxnSp>
-        <p:nvCxnSpPr>
-          <p:cNvPr id="7" name="Straight Connector 6"/>
-          <p:cNvCxnSpPr/>
-          <p:nvPr/>
-        </p:nvCxnSpPr>
-        <p:spPr>
-          <a:xfrm flipH="1">
-            <a:off x="0" y="4068661"/>
-            <a:ext cx="637563" cy="0"/>
-          </a:xfrm>
-          <a:prstGeom prst="line">
-            <a:avLst/>
-          </a:prstGeom>
-          <a:ln>
-            <a:solidFill>
-              <a:schemeClr val="tx1"/>
-            </a:solidFill>
-          </a:ln>
-        </p:spPr>
-        <p:style>
-          <a:lnRef idx="1">
-            <a:schemeClr val="accent1"/>
-          </a:lnRef>
-          <a:fillRef idx="0">
-            <a:schemeClr val="accent1"/>
-          </a:fillRef>
-          <a:effectRef idx="0">
-            <a:schemeClr val="accent1"/>
-          </a:effectRef>
-          <a:fontRef idx="minor">
-            <a:schemeClr val="tx1"/>
-          </a:fontRef>
-        </p:style>
-      </p:cxnSp>
       <p:sp>
         <p:nvSpPr>
           <p:cNvPr id="3" name="Content Placeholder 2"/>
